--- a/doc/コピー動画なし_B3炙りえんがわ_成果発表会資料.pptx
+++ b/doc/コピー動画なし_B3炙りえんがわ_成果発表会資料.pptx
@@ -4,32 +4,30 @@
   <p:sldMasterIdLst>
     <p:sldMasterId id="2147483660" r:id="rId1"/>
     <p:sldMasterId id="2147483662" r:id="rId2"/>
-    <p:sldMasterId id="2147483648" r:id="rId3"/>
   </p:sldMasterIdLst>
   <p:notesMasterIdLst>
-    <p:notesMasterId r:id="rId24"/>
+    <p:notesMasterId r:id="rId22"/>
   </p:notesMasterIdLst>
   <p:sldIdLst>
-    <p:sldId id="256" r:id="rId4"/>
-    <p:sldId id="277" r:id="rId5"/>
-    <p:sldId id="274" r:id="rId6"/>
-    <p:sldId id="259" r:id="rId7"/>
-    <p:sldId id="275" r:id="rId8"/>
-    <p:sldId id="272" r:id="rId9"/>
-    <p:sldId id="258" r:id="rId10"/>
-    <p:sldId id="278" r:id="rId11"/>
-    <p:sldId id="279" r:id="rId12"/>
-    <p:sldId id="269" r:id="rId13"/>
-    <p:sldId id="281" r:id="rId14"/>
-    <p:sldId id="280" r:id="rId15"/>
-    <p:sldId id="271" r:id="rId16"/>
-    <p:sldId id="257" r:id="rId17"/>
-    <p:sldId id="282" r:id="rId18"/>
-    <p:sldId id="283" r:id="rId19"/>
-    <p:sldId id="284" r:id="rId20"/>
-    <p:sldId id="285" r:id="rId21"/>
-    <p:sldId id="286" r:id="rId22"/>
-    <p:sldId id="273" r:id="rId23"/>
+    <p:sldId id="256" r:id="rId3"/>
+    <p:sldId id="277" r:id="rId4"/>
+    <p:sldId id="274" r:id="rId5"/>
+    <p:sldId id="259" r:id="rId6"/>
+    <p:sldId id="272" r:id="rId7"/>
+    <p:sldId id="258" r:id="rId8"/>
+    <p:sldId id="278" r:id="rId9"/>
+    <p:sldId id="279" r:id="rId10"/>
+    <p:sldId id="269" r:id="rId11"/>
+    <p:sldId id="281" r:id="rId12"/>
+    <p:sldId id="280" r:id="rId13"/>
+    <p:sldId id="271" r:id="rId14"/>
+    <p:sldId id="257" r:id="rId15"/>
+    <p:sldId id="282" r:id="rId16"/>
+    <p:sldId id="283" r:id="rId17"/>
+    <p:sldId id="284" r:id="rId18"/>
+    <p:sldId id="285" r:id="rId19"/>
+    <p:sldId id="286" r:id="rId20"/>
+    <p:sldId id="273" r:id="rId21"/>
   </p:sldIdLst>
   <p:sldSz cx="12192000" cy="6858000"/>
   <p:notesSz cx="6858000" cy="9144000"/>
@@ -582,7 +580,7 @@
           <a:p>
             <a:fld id="{D42375A2-42B0-4E26-8948-2F72A7F6ECBF}" type="slidenum">
               <a:rPr kumimoji="1" lang="ja-JP" altLang="en-US" smtClean="0"/>
-              <a:t>20</a:t>
+              <a:t>19</a:t>
             </a:fld>
             <a:endParaRPr kumimoji="1" lang="ja-JP" altLang="en-US"/>
           </a:p>
@@ -1502,754 +1500,6 @@
     <p:extLst>
       <p:ext uri="{BB962C8B-B14F-4D97-AF65-F5344CB8AC3E}">
         <p14:creationId xmlns:p14="http://schemas.microsoft.com/office/powerpoint/2010/main" val="1282596899"/>
-      </p:ext>
-    </p:extLst>
-  </p:cSld>
-  <p:clrMapOvr>
-    <a:masterClrMapping/>
-  </p:clrMapOvr>
-</p:sldLayout>
-</file>
-
-<file path=ppt/slideLayouts/slideLayout13.xml><?xml version="1.0" encoding="utf-8"?>
-<p:sldLayout xmlns:a="http://schemas.openxmlformats.org/drawingml/2006/main" xmlns:r="http://schemas.openxmlformats.org/officeDocument/2006/relationships" xmlns:p="http://schemas.openxmlformats.org/presentationml/2006/main" preserve="1" userDrawn="1">
-  <p:cSld name="ペルソナ設定">
-    <p:spTree>
-      <p:nvGrpSpPr>
-        <p:cNvPr id="1" name=""/>
-        <p:cNvGrpSpPr/>
-        <p:nvPr/>
-      </p:nvGrpSpPr>
-      <p:grpSpPr>
-        <a:xfrm>
-          <a:off x="0" y="0"/>
-          <a:ext cx="0" cy="0"/>
-          <a:chOff x="0" y="0"/>
-          <a:chExt cx="0" cy="0"/>
-        </a:xfrm>
-      </p:grpSpPr>
-      <p:sp>
-        <p:nvSpPr>
-          <p:cNvPr id="7" name="正方形/長方形 6">
-            <a:extLst>
-              <a:ext uri="{FF2B5EF4-FFF2-40B4-BE49-F238E27FC236}">
-                <a16:creationId xmlns:a16="http://schemas.microsoft.com/office/drawing/2014/main" id="{AD7C3401-F023-F408-9820-17AFC5452344}"/>
-              </a:ext>
-            </a:extLst>
-          </p:cNvPr>
-          <p:cNvSpPr/>
-          <p:nvPr userDrawn="1"/>
-        </p:nvSpPr>
-        <p:spPr>
-          <a:xfrm>
-            <a:off x="0" y="6721475"/>
-            <a:ext cx="12192000" cy="136524"/>
-          </a:xfrm>
-          <a:prstGeom prst="rect">
-            <a:avLst/>
-          </a:prstGeom>
-          <a:solidFill>
-            <a:schemeClr val="accent4"/>
-          </a:solidFill>
-          <a:ln>
-            <a:noFill/>
-          </a:ln>
-        </p:spPr>
-        <p:style>
-          <a:lnRef idx="2">
-            <a:schemeClr val="accent1">
-              <a:shade val="50000"/>
-            </a:schemeClr>
-          </a:lnRef>
-          <a:fillRef idx="1">
-            <a:schemeClr val="accent1"/>
-          </a:fillRef>
-          <a:effectRef idx="0">
-            <a:schemeClr val="accent1"/>
-          </a:effectRef>
-          <a:fontRef idx="minor">
-            <a:schemeClr val="lt1"/>
-          </a:fontRef>
-        </p:style>
-        <p:txBody>
-          <a:bodyPr rtlCol="0" anchor="ctr"/>
-          <a:lstStyle/>
-          <a:p>
-            <a:pPr algn="ctr"/>
-            <a:endParaRPr kumimoji="1" lang="ja-JP" altLang="en-US"/>
-          </a:p>
-        </p:txBody>
-      </p:sp>
-      <p:sp>
-        <p:nvSpPr>
-          <p:cNvPr id="8" name="正方形/長方形 7">
-            <a:extLst>
-              <a:ext uri="{FF2B5EF4-FFF2-40B4-BE49-F238E27FC236}">
-                <a16:creationId xmlns:a16="http://schemas.microsoft.com/office/drawing/2014/main" id="{26066D1D-5856-DFDB-A52C-75D85B62DDCA}"/>
-              </a:ext>
-            </a:extLst>
-          </p:cNvPr>
-          <p:cNvSpPr/>
-          <p:nvPr userDrawn="1"/>
-        </p:nvSpPr>
-        <p:spPr>
-          <a:xfrm>
-            <a:off x="0" y="0"/>
-            <a:ext cx="12192000" cy="423949"/>
-          </a:xfrm>
-          <a:prstGeom prst="rect">
-            <a:avLst/>
-          </a:prstGeom>
-          <a:solidFill>
-            <a:schemeClr val="accent4"/>
-          </a:solidFill>
-          <a:ln>
-            <a:noFill/>
-          </a:ln>
-        </p:spPr>
-        <p:style>
-          <a:lnRef idx="2">
-            <a:schemeClr val="accent1">
-              <a:shade val="50000"/>
-            </a:schemeClr>
-          </a:lnRef>
-          <a:fillRef idx="1">
-            <a:schemeClr val="accent1"/>
-          </a:fillRef>
-          <a:effectRef idx="0">
-            <a:schemeClr val="accent1"/>
-          </a:effectRef>
-          <a:fontRef idx="minor">
-            <a:schemeClr val="lt1"/>
-          </a:fontRef>
-        </p:style>
-        <p:txBody>
-          <a:bodyPr rtlCol="0" anchor="ctr"/>
-          <a:lstStyle/>
-          <a:p>
-            <a:pPr algn="ctr"/>
-            <a:endParaRPr kumimoji="1" lang="ja-JP" altLang="en-US"/>
-          </a:p>
-        </p:txBody>
-      </p:sp>
-      <p:sp>
-        <p:nvSpPr>
-          <p:cNvPr id="2" name="タイトル 1">
-            <a:extLst>
-              <a:ext uri="{FF2B5EF4-FFF2-40B4-BE49-F238E27FC236}">
-                <a16:creationId xmlns:a16="http://schemas.microsoft.com/office/drawing/2014/main" id="{7D0A3820-79E3-A5DD-2007-9FC392104990}"/>
-              </a:ext>
-            </a:extLst>
-          </p:cNvPr>
-          <p:cNvSpPr>
-            <a:spLocks noGrp="1"/>
-          </p:cNvSpPr>
-          <p:nvPr>
-            <p:ph type="title" hasCustomPrompt="1"/>
-          </p:nvPr>
-        </p:nvSpPr>
-        <p:spPr>
-          <a:xfrm>
-            <a:off x="515185" y="-1"/>
-            <a:ext cx="11288885" cy="423949"/>
-          </a:xfrm>
-        </p:spPr>
-        <p:txBody>
-          <a:bodyPr>
-            <a:noAutofit/>
-          </a:bodyPr>
-          <a:lstStyle>
-            <a:lvl1pPr>
-              <a:defRPr sz="2000" b="1"/>
-            </a:lvl1pPr>
-          </a:lstStyle>
-          <a:p>
-            <a:r>
-              <a:rPr kumimoji="1" lang="ja-JP" altLang="en-US"/>
-              <a:t>タイトル</a:t>
-            </a:r>
-          </a:p>
-        </p:txBody>
-      </p:sp>
-      <p:sp>
-        <p:nvSpPr>
-          <p:cNvPr id="3" name="コンテンツ プレースホルダー 2">
-            <a:extLst>
-              <a:ext uri="{FF2B5EF4-FFF2-40B4-BE49-F238E27FC236}">
-                <a16:creationId xmlns:a16="http://schemas.microsoft.com/office/drawing/2014/main" id="{743FAB52-C238-7A5C-8A6C-6141ECED18B2}"/>
-              </a:ext>
-            </a:extLst>
-          </p:cNvPr>
-          <p:cNvSpPr>
-            <a:spLocks noGrp="1"/>
-          </p:cNvSpPr>
-          <p:nvPr>
-            <p:ph idx="1" hasCustomPrompt="1"/>
-          </p:nvPr>
-        </p:nvSpPr>
-        <p:spPr>
-          <a:xfrm>
-            <a:off x="3882043" y="1130531"/>
-            <a:ext cx="7922029" cy="1820426"/>
-          </a:xfrm>
-        </p:spPr>
-        <p:txBody>
-          <a:bodyPr>
-            <a:normAutofit/>
-          </a:bodyPr>
-          <a:lstStyle>
-            <a:lvl1pPr marL="0" indent="0">
-              <a:lnSpc>
-                <a:spcPct val="90000"/>
-              </a:lnSpc>
-              <a:spcBef>
-                <a:spcPts val="600"/>
-              </a:spcBef>
-              <a:buNone/>
-              <a:defRPr sz="1200"/>
-            </a:lvl1pPr>
-            <a:lvl2pPr marL="457200" indent="0">
-              <a:buNone/>
-              <a:defRPr/>
-            </a:lvl2pPr>
-            <a:lvl3pPr marL="914400" indent="0">
-              <a:buNone/>
-              <a:defRPr/>
-            </a:lvl3pPr>
-            <a:lvl4pPr marL="1371600" indent="0">
-              <a:buNone/>
-              <a:defRPr/>
-            </a:lvl4pPr>
-            <a:lvl5pPr marL="1828800" indent="0">
-              <a:buNone/>
-              <a:defRPr/>
-            </a:lvl5pPr>
-          </a:lstStyle>
-          <a:p>
-            <a:pPr lvl="0"/>
-            <a:r>
-              <a:rPr kumimoji="1" lang="en-US" altLang="ja-JP"/>
-              <a:t>episode</a:t>
-            </a:r>
-          </a:p>
-        </p:txBody>
-      </p:sp>
-      <p:sp>
-        <p:nvSpPr>
-          <p:cNvPr id="4" name="日付プレースホルダー 3">
-            <a:extLst>
-              <a:ext uri="{FF2B5EF4-FFF2-40B4-BE49-F238E27FC236}">
-                <a16:creationId xmlns:a16="http://schemas.microsoft.com/office/drawing/2014/main" id="{42BB5822-2FEE-2E9E-AE10-D23933054C76}"/>
-              </a:ext>
-            </a:extLst>
-          </p:cNvPr>
-          <p:cNvSpPr>
-            <a:spLocks noGrp="1"/>
-          </p:cNvSpPr>
-          <p:nvPr>
-            <p:ph type="dt" sz="half" idx="10"/>
-          </p:nvPr>
-        </p:nvSpPr>
-        <p:spPr>
-          <a:xfrm>
-            <a:off x="515185" y="6356350"/>
-            <a:ext cx="3125788" cy="365125"/>
-          </a:xfrm>
-        </p:spPr>
-        <p:txBody>
-          <a:bodyPr/>
-          <a:lstStyle/>
-          <a:p>
-            <a:fld id="{BF80A5BA-5808-439D-8F14-DD23526067FA}" type="datetimeFigureOut">
-              <a:rPr kumimoji="1" lang="ja-JP" altLang="en-US" smtClean="0"/>
-              <a:t>2022/6/28</a:t>
-            </a:fld>
-            <a:endParaRPr kumimoji="1" lang="ja-JP" altLang="en-US"/>
-          </a:p>
-        </p:txBody>
-      </p:sp>
-      <p:sp>
-        <p:nvSpPr>
-          <p:cNvPr id="5" name="フッター プレースホルダー 4">
-            <a:extLst>
-              <a:ext uri="{FF2B5EF4-FFF2-40B4-BE49-F238E27FC236}">
-                <a16:creationId xmlns:a16="http://schemas.microsoft.com/office/drawing/2014/main" id="{296C335F-D4C7-715E-1C57-CE92B9B5097A}"/>
-              </a:ext>
-            </a:extLst>
-          </p:cNvPr>
-          <p:cNvSpPr>
-            <a:spLocks noGrp="1"/>
-          </p:cNvSpPr>
-          <p:nvPr>
-            <p:ph type="ftr" sz="quarter" idx="11"/>
-          </p:nvPr>
-        </p:nvSpPr>
-        <p:spPr>
-          <a:xfrm>
-            <a:off x="3876499" y="6356350"/>
-            <a:ext cx="4876801" cy="365125"/>
-          </a:xfrm>
-        </p:spPr>
-        <p:txBody>
-          <a:bodyPr/>
-          <a:lstStyle/>
-          <a:p>
-            <a:endParaRPr kumimoji="1" lang="ja-JP" altLang="en-US"/>
-          </a:p>
-        </p:txBody>
-      </p:sp>
-      <p:sp>
-        <p:nvSpPr>
-          <p:cNvPr id="6" name="スライド番号プレースホルダー 5">
-            <a:extLst>
-              <a:ext uri="{FF2B5EF4-FFF2-40B4-BE49-F238E27FC236}">
-                <a16:creationId xmlns:a16="http://schemas.microsoft.com/office/drawing/2014/main" id="{E15D9456-7CE5-BDC4-B2DB-AB1FDB248901}"/>
-              </a:ext>
-            </a:extLst>
-          </p:cNvPr>
-          <p:cNvSpPr>
-            <a:spLocks noGrp="1"/>
-          </p:cNvSpPr>
-          <p:nvPr>
-            <p:ph type="sldNum" sz="quarter" idx="12"/>
-          </p:nvPr>
-        </p:nvSpPr>
-        <p:spPr>
-          <a:xfrm>
-            <a:off x="8944493" y="6356350"/>
-            <a:ext cx="2859577" cy="365125"/>
-          </a:xfrm>
-        </p:spPr>
-        <p:txBody>
-          <a:bodyPr/>
-          <a:lstStyle/>
-          <a:p>
-            <a:fld id="{C1851418-70CB-487B-B7C1-746927890390}" type="slidenum">
-              <a:rPr kumimoji="1" lang="ja-JP" altLang="en-US" smtClean="0"/>
-              <a:t>‹#›</a:t>
-            </a:fld>
-            <a:endParaRPr kumimoji="1" lang="ja-JP" altLang="en-US"/>
-          </a:p>
-        </p:txBody>
-      </p:sp>
-      <p:sp>
-        <p:nvSpPr>
-          <p:cNvPr id="9" name="図プレースホルダー 2">
-            <a:extLst>
-              <a:ext uri="{FF2B5EF4-FFF2-40B4-BE49-F238E27FC236}">
-                <a16:creationId xmlns:a16="http://schemas.microsoft.com/office/drawing/2014/main" id="{14DFBDD7-E68A-BD9E-CCA1-E40F1B0B9476}"/>
-              </a:ext>
-            </a:extLst>
-          </p:cNvPr>
-          <p:cNvSpPr>
-            <a:spLocks noGrp="1"/>
-          </p:cNvSpPr>
-          <p:nvPr>
-            <p:ph type="pic" idx="13" hasCustomPrompt="1"/>
-          </p:nvPr>
-        </p:nvSpPr>
-        <p:spPr>
-          <a:xfrm>
-            <a:off x="515185" y="789072"/>
-            <a:ext cx="3125788" cy="2161886"/>
-          </a:xfrm>
-        </p:spPr>
-        <p:txBody>
-          <a:bodyPr>
-            <a:normAutofit/>
-          </a:bodyPr>
-          <a:lstStyle>
-            <a:lvl1pPr marL="0" indent="0">
-              <a:buNone/>
-              <a:defRPr sz="2400"/>
-            </a:lvl1pPr>
-            <a:lvl2pPr marL="457200" indent="0">
-              <a:buNone/>
-              <a:defRPr sz="2800"/>
-            </a:lvl2pPr>
-            <a:lvl3pPr marL="914400" indent="0">
-              <a:buNone/>
-              <a:defRPr sz="2400"/>
-            </a:lvl3pPr>
-            <a:lvl4pPr marL="1371600" indent="0">
-              <a:buNone/>
-              <a:defRPr sz="2000"/>
-            </a:lvl4pPr>
-            <a:lvl5pPr marL="1828800" indent="0">
-              <a:buNone/>
-              <a:defRPr sz="2000"/>
-            </a:lvl5pPr>
-            <a:lvl6pPr marL="2286000" indent="0">
-              <a:buNone/>
-              <a:defRPr sz="2000"/>
-            </a:lvl6pPr>
-            <a:lvl7pPr marL="2743200" indent="0">
-              <a:buNone/>
-              <a:defRPr sz="2000"/>
-            </a:lvl7pPr>
-            <a:lvl8pPr marL="3200400" indent="0">
-              <a:buNone/>
-              <a:defRPr sz="2000"/>
-            </a:lvl8pPr>
-            <a:lvl9pPr marL="3657600" indent="0">
-              <a:buNone/>
-              <a:defRPr sz="2000"/>
-            </a:lvl9pPr>
-          </a:lstStyle>
-          <a:p>
-            <a:r>
-              <a:rPr kumimoji="1" lang="ja-JP" altLang="en-US"/>
-              <a:t>写真</a:t>
-            </a:r>
-          </a:p>
-        </p:txBody>
-      </p:sp>
-      <p:sp>
-        <p:nvSpPr>
-          <p:cNvPr id="10" name="コンテンツ プレースホルダー 2">
-            <a:extLst>
-              <a:ext uri="{FF2B5EF4-FFF2-40B4-BE49-F238E27FC236}">
-                <a16:creationId xmlns:a16="http://schemas.microsoft.com/office/drawing/2014/main" id="{9456E86E-F889-F25E-0061-5C9BF88ACE31}"/>
-              </a:ext>
-            </a:extLst>
-          </p:cNvPr>
-          <p:cNvSpPr>
-            <a:spLocks noGrp="1"/>
-          </p:cNvSpPr>
-          <p:nvPr>
-            <p:ph idx="14" hasCustomPrompt="1"/>
-          </p:nvPr>
-        </p:nvSpPr>
-        <p:spPr>
-          <a:xfrm>
-            <a:off x="515186" y="3452606"/>
-            <a:ext cx="3125788" cy="2767219"/>
-          </a:xfrm>
-        </p:spPr>
-        <p:txBody>
-          <a:bodyPr>
-            <a:normAutofit/>
-          </a:bodyPr>
-          <a:lstStyle>
-            <a:lvl1pPr marL="0" indent="0">
-              <a:lnSpc>
-                <a:spcPct val="90000"/>
-              </a:lnSpc>
-              <a:spcBef>
-                <a:spcPts val="600"/>
-              </a:spcBef>
-              <a:buNone/>
-              <a:defRPr sz="1200"/>
-            </a:lvl1pPr>
-            <a:lvl2pPr marL="457200" indent="0">
-              <a:buNone/>
-              <a:defRPr/>
-            </a:lvl2pPr>
-            <a:lvl3pPr marL="914400" indent="0">
-              <a:buNone/>
-              <a:defRPr/>
-            </a:lvl3pPr>
-            <a:lvl4pPr marL="1371600" indent="0">
-              <a:buNone/>
-              <a:defRPr/>
-            </a:lvl4pPr>
-            <a:lvl5pPr marL="1828800" indent="0">
-              <a:buNone/>
-              <a:defRPr/>
-            </a:lvl5pPr>
-          </a:lstStyle>
-          <a:p>
-            <a:pPr lvl="0"/>
-            <a:r>
-              <a:rPr kumimoji="1" lang="en-US" altLang="ja-JP"/>
-              <a:t>profile</a:t>
-            </a:r>
-          </a:p>
-          <a:p>
-            <a:pPr lvl="0"/>
-            <a:endParaRPr kumimoji="1" lang="en-US" altLang="ja-JP"/>
-          </a:p>
-        </p:txBody>
-      </p:sp>
-      <p:sp>
-        <p:nvSpPr>
-          <p:cNvPr id="11" name="コンテンツ プレースホルダー 2">
-            <a:extLst>
-              <a:ext uri="{FF2B5EF4-FFF2-40B4-BE49-F238E27FC236}">
-                <a16:creationId xmlns:a16="http://schemas.microsoft.com/office/drawing/2014/main" id="{7DE5644D-480D-4551-F3E5-9C69DFFD02EB}"/>
-              </a:ext>
-            </a:extLst>
-          </p:cNvPr>
-          <p:cNvSpPr>
-            <a:spLocks noGrp="1"/>
-          </p:cNvSpPr>
-          <p:nvPr>
-            <p:ph idx="15" hasCustomPrompt="1"/>
-          </p:nvPr>
-        </p:nvSpPr>
-        <p:spPr>
-          <a:xfrm>
-            <a:off x="8944494" y="3452606"/>
-            <a:ext cx="2859577" cy="2767220"/>
-          </a:xfrm>
-        </p:spPr>
-        <p:txBody>
-          <a:bodyPr>
-            <a:normAutofit/>
-          </a:bodyPr>
-          <a:lstStyle>
-            <a:lvl1pPr marL="0" indent="0">
-              <a:lnSpc>
-                <a:spcPct val="90000"/>
-              </a:lnSpc>
-              <a:spcBef>
-                <a:spcPts val="600"/>
-              </a:spcBef>
-              <a:buNone/>
-              <a:defRPr sz="1200"/>
-            </a:lvl1pPr>
-            <a:lvl2pPr marL="457200" indent="0">
-              <a:buNone/>
-              <a:defRPr/>
-            </a:lvl2pPr>
-            <a:lvl3pPr marL="914400" indent="0">
-              <a:buNone/>
-              <a:defRPr/>
-            </a:lvl3pPr>
-            <a:lvl4pPr marL="1371600" indent="0">
-              <a:buNone/>
-              <a:defRPr/>
-            </a:lvl4pPr>
-            <a:lvl5pPr marL="1828800" indent="0">
-              <a:buNone/>
-              <a:defRPr/>
-            </a:lvl5pPr>
-          </a:lstStyle>
-          <a:p>
-            <a:pPr lvl="0"/>
-            <a:r>
-              <a:rPr kumimoji="1" lang="en-US" altLang="ja-JP"/>
-              <a:t>SNS</a:t>
-            </a:r>
-          </a:p>
-          <a:p>
-            <a:pPr lvl="0"/>
-            <a:endParaRPr kumimoji="1" lang="en-US" altLang="ja-JP"/>
-          </a:p>
-        </p:txBody>
-      </p:sp>
-      <p:sp>
-        <p:nvSpPr>
-          <p:cNvPr id="12" name="コンテンツ プレースホルダー 2">
-            <a:extLst>
-              <a:ext uri="{FF2B5EF4-FFF2-40B4-BE49-F238E27FC236}">
-                <a16:creationId xmlns:a16="http://schemas.microsoft.com/office/drawing/2014/main" id="{018AB063-7C63-152E-F488-B7028FDE1634}"/>
-              </a:ext>
-            </a:extLst>
-          </p:cNvPr>
-          <p:cNvSpPr>
-            <a:spLocks noGrp="1"/>
-          </p:cNvSpPr>
-          <p:nvPr>
-            <p:ph idx="16" hasCustomPrompt="1"/>
-          </p:nvPr>
-        </p:nvSpPr>
-        <p:spPr>
-          <a:xfrm>
-            <a:off x="3876500" y="3452606"/>
-            <a:ext cx="4876801" cy="2767220"/>
-          </a:xfrm>
-        </p:spPr>
-        <p:txBody>
-          <a:bodyPr>
-            <a:normAutofit/>
-          </a:bodyPr>
-          <a:lstStyle>
-            <a:lvl1pPr marL="0" indent="0">
-              <a:lnSpc>
-                <a:spcPct val="90000"/>
-              </a:lnSpc>
-              <a:spcBef>
-                <a:spcPts val="600"/>
-              </a:spcBef>
-              <a:buNone/>
-              <a:defRPr sz="1200"/>
-            </a:lvl1pPr>
-            <a:lvl2pPr marL="457200" indent="0">
-              <a:buNone/>
-              <a:defRPr/>
-            </a:lvl2pPr>
-            <a:lvl3pPr marL="914400" indent="0">
-              <a:buNone/>
-              <a:defRPr/>
-            </a:lvl3pPr>
-            <a:lvl4pPr marL="1371600" indent="0">
-              <a:buNone/>
-              <a:defRPr/>
-            </a:lvl4pPr>
-            <a:lvl5pPr marL="1828800" indent="0">
-              <a:buNone/>
-              <a:defRPr/>
-            </a:lvl5pPr>
-          </a:lstStyle>
-          <a:p>
-            <a:pPr lvl="0"/>
-            <a:r>
-              <a:rPr kumimoji="1" lang="en-US" altLang="ja-JP"/>
-              <a:t>desire</a:t>
-            </a:r>
-            <a:endParaRPr kumimoji="1" lang="ja-JP" altLang="en-US"/>
-          </a:p>
-        </p:txBody>
-      </p:sp>
-      <p:sp>
-        <p:nvSpPr>
-          <p:cNvPr id="13" name="テキスト ボックス 12">
-            <a:extLst>
-              <a:ext uri="{FF2B5EF4-FFF2-40B4-BE49-F238E27FC236}">
-                <a16:creationId xmlns:a16="http://schemas.microsoft.com/office/drawing/2014/main" id="{D820D765-BAD7-2245-91F0-112CF5D95E59}"/>
-              </a:ext>
-            </a:extLst>
-          </p:cNvPr>
-          <p:cNvSpPr txBox="1"/>
-          <p:nvPr userDrawn="1"/>
-        </p:nvSpPr>
-        <p:spPr>
-          <a:xfrm>
-            <a:off x="3876500" y="763303"/>
-            <a:ext cx="3416320" cy="369332"/>
-          </a:xfrm>
-          <a:prstGeom prst="rect">
-            <a:avLst/>
-          </a:prstGeom>
-          <a:noFill/>
-        </p:spPr>
-        <p:txBody>
-          <a:bodyPr wrap="none" rtlCol="0">
-            <a:spAutoFit/>
-          </a:bodyPr>
-          <a:lstStyle/>
-          <a:p>
-            <a:r>
-              <a:rPr kumimoji="1" lang="ja-JP" altLang="en-US"/>
-              <a:t>エピソード（生い立ち・近年）</a:t>
-            </a:r>
-          </a:p>
-        </p:txBody>
-      </p:sp>
-      <p:sp>
-        <p:nvSpPr>
-          <p:cNvPr id="14" name="テキスト ボックス 13">
-            <a:extLst>
-              <a:ext uri="{FF2B5EF4-FFF2-40B4-BE49-F238E27FC236}">
-                <a16:creationId xmlns:a16="http://schemas.microsoft.com/office/drawing/2014/main" id="{61EA07AF-01BD-783D-59FC-CFF9F99EDE16}"/>
-              </a:ext>
-            </a:extLst>
-          </p:cNvPr>
-          <p:cNvSpPr txBox="1"/>
-          <p:nvPr userDrawn="1"/>
-        </p:nvSpPr>
-        <p:spPr>
-          <a:xfrm>
-            <a:off x="515185" y="3083273"/>
-            <a:ext cx="1569660" cy="369332"/>
-          </a:xfrm>
-          <a:prstGeom prst="rect">
-            <a:avLst/>
-          </a:prstGeom>
-          <a:noFill/>
-        </p:spPr>
-        <p:txBody>
-          <a:bodyPr wrap="none" rtlCol="0">
-            <a:spAutoFit/>
-          </a:bodyPr>
-          <a:lstStyle/>
-          <a:p>
-            <a:r>
-              <a:rPr kumimoji="1" lang="ja-JP" altLang="en-US"/>
-              <a:t>プロフィール</a:t>
-            </a:r>
-          </a:p>
-        </p:txBody>
-      </p:sp>
-      <p:sp>
-        <p:nvSpPr>
-          <p:cNvPr id="15" name="テキスト ボックス 14">
-            <a:extLst>
-              <a:ext uri="{FF2B5EF4-FFF2-40B4-BE49-F238E27FC236}">
-                <a16:creationId xmlns:a16="http://schemas.microsoft.com/office/drawing/2014/main" id="{7CD8E934-D385-E04A-D0C2-52BB66C06DD5}"/>
-              </a:ext>
-            </a:extLst>
-          </p:cNvPr>
-          <p:cNvSpPr txBox="1"/>
-          <p:nvPr userDrawn="1"/>
-        </p:nvSpPr>
-        <p:spPr>
-          <a:xfrm>
-            <a:off x="3876500" y="3077095"/>
-            <a:ext cx="646331" cy="369332"/>
-          </a:xfrm>
-          <a:prstGeom prst="rect">
-            <a:avLst/>
-          </a:prstGeom>
-          <a:noFill/>
-        </p:spPr>
-        <p:txBody>
-          <a:bodyPr wrap="none" rtlCol="0">
-            <a:spAutoFit/>
-          </a:bodyPr>
-          <a:lstStyle/>
-          <a:p>
-            <a:r>
-              <a:rPr kumimoji="1" lang="ja-JP" altLang="en-US"/>
-              <a:t>欲求</a:t>
-            </a:r>
-          </a:p>
-        </p:txBody>
-      </p:sp>
-      <p:sp>
-        <p:nvSpPr>
-          <p:cNvPr id="16" name="テキスト ボックス 15">
-            <a:extLst>
-              <a:ext uri="{FF2B5EF4-FFF2-40B4-BE49-F238E27FC236}">
-                <a16:creationId xmlns:a16="http://schemas.microsoft.com/office/drawing/2014/main" id="{CDD85094-4421-AC28-B4E1-F7FADDFBFDD3}"/>
-              </a:ext>
-            </a:extLst>
-          </p:cNvPr>
-          <p:cNvSpPr txBox="1"/>
-          <p:nvPr userDrawn="1"/>
-        </p:nvSpPr>
-        <p:spPr>
-          <a:xfrm>
-            <a:off x="8944494" y="3085378"/>
-            <a:ext cx="1107996" cy="369332"/>
-          </a:xfrm>
-          <a:prstGeom prst="rect">
-            <a:avLst/>
-          </a:prstGeom>
-          <a:noFill/>
-        </p:spPr>
-        <p:txBody>
-          <a:bodyPr wrap="none" rtlCol="0">
-            <a:spAutoFit/>
-          </a:bodyPr>
-          <a:lstStyle/>
-          <a:p>
-            <a:r>
-              <a:rPr kumimoji="1" lang="en-US" altLang="ja-JP"/>
-              <a:t>SNS</a:t>
-            </a:r>
-            <a:r>
-              <a:rPr kumimoji="1" lang="ja-JP" altLang="en-US"/>
-              <a:t>など</a:t>
-            </a:r>
-          </a:p>
-        </p:txBody>
-      </p:sp>
-    </p:spTree>
-    <p:extLst>
-      <p:ext uri="{BB962C8B-B14F-4D97-AF65-F5344CB8AC3E}">
-        <p14:creationId xmlns:p14="http://schemas.microsoft.com/office/powerpoint/2010/main" val="2761434285"/>
       </p:ext>
     </p:extLst>
   </p:cSld>
@@ -5650,602 +4900,6 @@
 </p:sldMaster>
 </file>
 
-<file path=ppt/slideMasters/slideMaster3.xml><?xml version="1.0" encoding="utf-8"?>
-<p:sldMaster xmlns:a="http://schemas.openxmlformats.org/drawingml/2006/main" xmlns:r="http://schemas.openxmlformats.org/officeDocument/2006/relationships" xmlns:p="http://schemas.openxmlformats.org/presentationml/2006/main">
-  <p:cSld>
-    <p:bg>
-      <p:bgPr>
-        <a:solidFill>
-          <a:srgbClr val="C6E872"/>
-        </a:solidFill>
-        <a:effectLst/>
-      </p:bgPr>
-    </p:bg>
-    <p:spTree>
-      <p:nvGrpSpPr>
-        <p:cNvPr id="1" name=""/>
-        <p:cNvGrpSpPr/>
-        <p:nvPr/>
-      </p:nvGrpSpPr>
-      <p:grpSpPr>
-        <a:xfrm>
-          <a:off x="0" y="0"/>
-          <a:ext cx="0" cy="0"/>
-          <a:chOff x="0" y="0"/>
-          <a:chExt cx="0" cy="0"/>
-        </a:xfrm>
-      </p:grpSpPr>
-      <p:sp>
-        <p:nvSpPr>
-          <p:cNvPr id="2" name="タイトル プレースホルダー 1">
-            <a:extLst>
-              <a:ext uri="{FF2B5EF4-FFF2-40B4-BE49-F238E27FC236}">
-                <a16:creationId xmlns:a16="http://schemas.microsoft.com/office/drawing/2014/main" id="{8529D9DE-A980-FB58-3F3C-76ABA9EF193C}"/>
-              </a:ext>
-            </a:extLst>
-          </p:cNvPr>
-          <p:cNvSpPr>
-            <a:spLocks noGrp="1"/>
-          </p:cNvSpPr>
-          <p:nvPr>
-            <p:ph type="title"/>
-          </p:nvPr>
-        </p:nvSpPr>
-        <p:spPr>
-          <a:xfrm>
-            <a:off x="838200" y="365125"/>
-            <a:ext cx="10515600" cy="1325563"/>
-          </a:xfrm>
-          <a:prstGeom prst="rect">
-            <a:avLst/>
-          </a:prstGeom>
-        </p:spPr>
-        <p:txBody>
-          <a:bodyPr vert="horz" lIns="91440" tIns="45720" rIns="91440" bIns="45720" rtlCol="0" anchor="ctr">
-            <a:normAutofit/>
-          </a:bodyPr>
-          <a:lstStyle/>
-          <a:p>
-            <a:r>
-              <a:rPr kumimoji="1" lang="ja-JP" altLang="en-US"/>
-              <a:t>マスター タイトルの書式設定</a:t>
-            </a:r>
-          </a:p>
-        </p:txBody>
-      </p:sp>
-      <p:sp>
-        <p:nvSpPr>
-          <p:cNvPr id="3" name="テキスト プレースホルダー 2">
-            <a:extLst>
-              <a:ext uri="{FF2B5EF4-FFF2-40B4-BE49-F238E27FC236}">
-                <a16:creationId xmlns:a16="http://schemas.microsoft.com/office/drawing/2014/main" id="{DB9A1216-3AED-04BB-0F24-AC39484FFCB1}"/>
-              </a:ext>
-            </a:extLst>
-          </p:cNvPr>
-          <p:cNvSpPr>
-            <a:spLocks noGrp="1"/>
-          </p:cNvSpPr>
-          <p:nvPr>
-            <p:ph type="body" idx="1"/>
-          </p:nvPr>
-        </p:nvSpPr>
-        <p:spPr>
-          <a:xfrm>
-            <a:off x="838200" y="1825625"/>
-            <a:ext cx="10515600" cy="4351338"/>
-          </a:xfrm>
-          <a:prstGeom prst="rect">
-            <a:avLst/>
-          </a:prstGeom>
-        </p:spPr>
-        <p:txBody>
-          <a:bodyPr vert="horz" lIns="91440" tIns="45720" rIns="91440" bIns="45720" rtlCol="0">
-            <a:normAutofit/>
-          </a:bodyPr>
-          <a:lstStyle/>
-          <a:p>
-            <a:pPr lvl="0"/>
-            <a:r>
-              <a:rPr kumimoji="1" lang="ja-JP" altLang="en-US"/>
-              <a:t>マスター テキストの書式設定</a:t>
-            </a:r>
-          </a:p>
-          <a:p>
-            <a:pPr lvl="1"/>
-            <a:r>
-              <a:rPr kumimoji="1" lang="ja-JP" altLang="en-US"/>
-              <a:t>第 </a:t>
-            </a:r>
-            <a:r>
-              <a:rPr kumimoji="1" lang="en-US" altLang="ja-JP"/>
-              <a:t>2 </a:t>
-            </a:r>
-            <a:r>
-              <a:rPr kumimoji="1" lang="ja-JP" altLang="en-US"/>
-              <a:t>レベル</a:t>
-            </a:r>
-          </a:p>
-          <a:p>
-            <a:pPr lvl="2"/>
-            <a:r>
-              <a:rPr kumimoji="1" lang="ja-JP" altLang="en-US"/>
-              <a:t>第 </a:t>
-            </a:r>
-            <a:r>
-              <a:rPr kumimoji="1" lang="en-US" altLang="ja-JP"/>
-              <a:t>3 </a:t>
-            </a:r>
-            <a:r>
-              <a:rPr kumimoji="1" lang="ja-JP" altLang="en-US"/>
-              <a:t>レベル</a:t>
-            </a:r>
-          </a:p>
-          <a:p>
-            <a:pPr lvl="3"/>
-            <a:r>
-              <a:rPr kumimoji="1" lang="ja-JP" altLang="en-US"/>
-              <a:t>第 </a:t>
-            </a:r>
-            <a:r>
-              <a:rPr kumimoji="1" lang="en-US" altLang="ja-JP"/>
-              <a:t>4 </a:t>
-            </a:r>
-            <a:r>
-              <a:rPr kumimoji="1" lang="ja-JP" altLang="en-US"/>
-              <a:t>レベル</a:t>
-            </a:r>
-          </a:p>
-          <a:p>
-            <a:pPr lvl="4"/>
-            <a:r>
-              <a:rPr kumimoji="1" lang="ja-JP" altLang="en-US"/>
-              <a:t>第 </a:t>
-            </a:r>
-            <a:r>
-              <a:rPr kumimoji="1" lang="en-US" altLang="ja-JP"/>
-              <a:t>5 </a:t>
-            </a:r>
-            <a:r>
-              <a:rPr kumimoji="1" lang="ja-JP" altLang="en-US"/>
-              <a:t>レベル</a:t>
-            </a:r>
-          </a:p>
-        </p:txBody>
-      </p:sp>
-      <p:sp>
-        <p:nvSpPr>
-          <p:cNvPr id="4" name="日付プレースホルダー 3">
-            <a:extLst>
-              <a:ext uri="{FF2B5EF4-FFF2-40B4-BE49-F238E27FC236}">
-                <a16:creationId xmlns:a16="http://schemas.microsoft.com/office/drawing/2014/main" id="{5A230851-8D77-DA7C-EE53-FD51FBDE6B6B}"/>
-              </a:ext>
-            </a:extLst>
-          </p:cNvPr>
-          <p:cNvSpPr>
-            <a:spLocks noGrp="1"/>
-          </p:cNvSpPr>
-          <p:nvPr>
-            <p:ph type="dt" sz="half" idx="2"/>
-          </p:nvPr>
-        </p:nvSpPr>
-        <p:spPr>
-          <a:xfrm>
-            <a:off x="838200" y="6356350"/>
-            <a:ext cx="2743200" cy="365125"/>
-          </a:xfrm>
-          <a:prstGeom prst="rect">
-            <a:avLst/>
-          </a:prstGeom>
-        </p:spPr>
-        <p:txBody>
-          <a:bodyPr vert="horz" lIns="91440" tIns="45720" rIns="91440" bIns="45720" rtlCol="0" anchor="ctr"/>
-          <a:lstStyle>
-            <a:lvl1pPr algn="l">
-              <a:defRPr sz="1200">
-                <a:solidFill>
-                  <a:schemeClr val="accent6"/>
-                </a:solidFill>
-                <a:latin typeface="+mn-lt"/>
-              </a:defRPr>
-            </a:lvl1pPr>
-          </a:lstStyle>
-          <a:p>
-            <a:fld id="{BF80A5BA-5808-439D-8F14-DD23526067FA}" type="datetimeFigureOut">
-              <a:rPr lang="ja-JP" altLang="en-US" smtClean="0"/>
-              <a:pPr/>
-              <a:t>2022/6/28</a:t>
-            </a:fld>
-            <a:endParaRPr lang="ja-JP" altLang="en-US"/>
-          </a:p>
-        </p:txBody>
-      </p:sp>
-      <p:sp>
-        <p:nvSpPr>
-          <p:cNvPr id="5" name="フッター プレースホルダー 4">
-            <a:extLst>
-              <a:ext uri="{FF2B5EF4-FFF2-40B4-BE49-F238E27FC236}">
-                <a16:creationId xmlns:a16="http://schemas.microsoft.com/office/drawing/2014/main" id="{BA03FA77-E7D1-33B9-E4AE-F9086FAEFB02}"/>
-              </a:ext>
-            </a:extLst>
-          </p:cNvPr>
-          <p:cNvSpPr>
-            <a:spLocks noGrp="1"/>
-          </p:cNvSpPr>
-          <p:nvPr>
-            <p:ph type="ftr" sz="quarter" idx="3"/>
-          </p:nvPr>
-        </p:nvSpPr>
-        <p:spPr>
-          <a:xfrm>
-            <a:off x="4038600" y="6356350"/>
-            <a:ext cx="4114800" cy="365125"/>
-          </a:xfrm>
-          <a:prstGeom prst="rect">
-            <a:avLst/>
-          </a:prstGeom>
-        </p:spPr>
-        <p:txBody>
-          <a:bodyPr vert="horz" lIns="91440" tIns="45720" rIns="91440" bIns="45720" rtlCol="0" anchor="ctr"/>
-          <a:lstStyle>
-            <a:lvl1pPr algn="ctr">
-              <a:defRPr sz="1200">
-                <a:solidFill>
-                  <a:schemeClr val="accent6"/>
-                </a:solidFill>
-                <a:latin typeface="+mn-lt"/>
-              </a:defRPr>
-            </a:lvl1pPr>
-          </a:lstStyle>
-          <a:p>
-            <a:r>
-              <a:rPr lang="en-US" altLang="ja-JP"/>
-              <a:t>Copyright(c) Plus Dojo all rights reserved.</a:t>
-            </a:r>
-            <a:endParaRPr lang="ja-JP" altLang="en-US"/>
-          </a:p>
-        </p:txBody>
-      </p:sp>
-      <p:sp>
-        <p:nvSpPr>
-          <p:cNvPr id="6" name="スライド番号プレースホルダー 5">
-            <a:extLst>
-              <a:ext uri="{FF2B5EF4-FFF2-40B4-BE49-F238E27FC236}">
-                <a16:creationId xmlns:a16="http://schemas.microsoft.com/office/drawing/2014/main" id="{8A05ADF1-E0F3-C8D0-913B-D1364F672A66}"/>
-              </a:ext>
-            </a:extLst>
-          </p:cNvPr>
-          <p:cNvSpPr>
-            <a:spLocks noGrp="1"/>
-          </p:cNvSpPr>
-          <p:nvPr>
-            <p:ph type="sldNum" sz="quarter" idx="4"/>
-          </p:nvPr>
-        </p:nvSpPr>
-        <p:spPr>
-          <a:xfrm>
-            <a:off x="8610600" y="6356350"/>
-            <a:ext cx="2743200" cy="365125"/>
-          </a:xfrm>
-          <a:prstGeom prst="rect">
-            <a:avLst/>
-          </a:prstGeom>
-        </p:spPr>
-        <p:txBody>
-          <a:bodyPr vert="horz" lIns="91440" tIns="45720" rIns="91440" bIns="45720" rtlCol="0" anchor="ctr"/>
-          <a:lstStyle>
-            <a:lvl1pPr algn="r">
-              <a:defRPr sz="1200">
-                <a:solidFill>
-                  <a:schemeClr val="accent6"/>
-                </a:solidFill>
-                <a:latin typeface="+mn-lt"/>
-              </a:defRPr>
-            </a:lvl1pPr>
-          </a:lstStyle>
-          <a:p>
-            <a:fld id="{C1851418-70CB-487B-B7C1-746927890390}" type="slidenum">
-              <a:rPr lang="ja-JP" altLang="en-US" smtClean="0"/>
-              <a:pPr/>
-              <a:t>‹#›</a:t>
-            </a:fld>
-            <a:endParaRPr lang="ja-JP" altLang="en-US"/>
-          </a:p>
-        </p:txBody>
-      </p:sp>
-    </p:spTree>
-    <p:extLst>
-      <p:ext uri="{BB962C8B-B14F-4D97-AF65-F5344CB8AC3E}">
-        <p14:creationId xmlns:p14="http://schemas.microsoft.com/office/powerpoint/2010/main" val="2917938626"/>
-      </p:ext>
-    </p:extLst>
-  </p:cSld>
-  <p:clrMap bg1="lt1" tx1="dk1" bg2="lt2" tx2="dk2" accent1="accent1" accent2="accent2" accent3="accent3" accent4="accent4" accent5="accent5" accent6="accent6" hlink="hlink" folHlink="folHlink"/>
-  <p:sldLayoutIdLst>
-    <p:sldLayoutId id="2147483661" r:id="rId1"/>
-  </p:sldLayoutIdLst>
-  <p:txStyles>
-    <p:titleStyle>
-      <a:lvl1pPr algn="l" defTabSz="914400" rtl="0" eaLnBrk="1" latinLnBrk="0" hangingPunct="1">
-        <a:lnSpc>
-          <a:spcPct val="90000"/>
-        </a:lnSpc>
-        <a:spcBef>
-          <a:spcPct val="0"/>
-        </a:spcBef>
-        <a:buNone/>
-        <a:defRPr kumimoji="1" sz="4400" kern="1200">
-          <a:solidFill>
-            <a:schemeClr val="accent6"/>
-          </a:solidFill>
-          <a:latin typeface="+mn-lt"/>
-          <a:ea typeface="+mj-ea"/>
-          <a:cs typeface="+mj-cs"/>
-        </a:defRPr>
-      </a:lvl1pPr>
-    </p:titleStyle>
-    <p:bodyStyle>
-      <a:lvl1pPr marL="228600" indent="-228600" algn="l" defTabSz="914400" rtl="0" eaLnBrk="1" latinLnBrk="0" hangingPunct="1">
-        <a:lnSpc>
-          <a:spcPct val="90000"/>
-        </a:lnSpc>
-        <a:spcBef>
-          <a:spcPts val="1000"/>
-        </a:spcBef>
-        <a:buFont typeface="Arial" panose="020B0604020202020204" pitchFamily="34" charset="0"/>
-        <a:buChar char="•"/>
-        <a:defRPr kumimoji="1" sz="2800" kern="1200">
-          <a:solidFill>
-            <a:schemeClr val="accent6"/>
-          </a:solidFill>
-          <a:latin typeface="+mn-lt"/>
-          <a:ea typeface="+mn-ea"/>
-          <a:cs typeface="+mn-cs"/>
-        </a:defRPr>
-      </a:lvl1pPr>
-      <a:lvl2pPr marL="685800" indent="-228600" algn="l" defTabSz="914400" rtl="0" eaLnBrk="1" latinLnBrk="0" hangingPunct="1">
-        <a:lnSpc>
-          <a:spcPct val="90000"/>
-        </a:lnSpc>
-        <a:spcBef>
-          <a:spcPts val="500"/>
-        </a:spcBef>
-        <a:buFont typeface="Arial" panose="020B0604020202020204" pitchFamily="34" charset="0"/>
-        <a:buChar char="•"/>
-        <a:defRPr kumimoji="1" sz="2400" kern="1200">
-          <a:solidFill>
-            <a:schemeClr val="accent6"/>
-          </a:solidFill>
-          <a:latin typeface="+mn-lt"/>
-          <a:ea typeface="+mn-ea"/>
-          <a:cs typeface="+mn-cs"/>
-        </a:defRPr>
-      </a:lvl2pPr>
-      <a:lvl3pPr marL="1143000" indent="-228600" algn="l" defTabSz="914400" rtl="0" eaLnBrk="1" latinLnBrk="0" hangingPunct="1">
-        <a:lnSpc>
-          <a:spcPct val="90000"/>
-        </a:lnSpc>
-        <a:spcBef>
-          <a:spcPts val="500"/>
-        </a:spcBef>
-        <a:buFont typeface="Arial" panose="020B0604020202020204" pitchFamily="34" charset="0"/>
-        <a:buChar char="•"/>
-        <a:defRPr kumimoji="1" sz="2000" kern="1200">
-          <a:solidFill>
-            <a:schemeClr val="accent6"/>
-          </a:solidFill>
-          <a:latin typeface="+mn-lt"/>
-          <a:ea typeface="+mn-ea"/>
-          <a:cs typeface="+mn-cs"/>
-        </a:defRPr>
-      </a:lvl3pPr>
-      <a:lvl4pPr marL="1600200" indent="-228600" algn="l" defTabSz="914400" rtl="0" eaLnBrk="1" latinLnBrk="0" hangingPunct="1">
-        <a:lnSpc>
-          <a:spcPct val="90000"/>
-        </a:lnSpc>
-        <a:spcBef>
-          <a:spcPts val="500"/>
-        </a:spcBef>
-        <a:buFont typeface="Arial" panose="020B0604020202020204" pitchFamily="34" charset="0"/>
-        <a:buChar char="•"/>
-        <a:defRPr kumimoji="1" sz="1800" kern="1200">
-          <a:solidFill>
-            <a:schemeClr val="accent6"/>
-          </a:solidFill>
-          <a:latin typeface="+mn-lt"/>
-          <a:ea typeface="+mn-ea"/>
-          <a:cs typeface="+mn-cs"/>
-        </a:defRPr>
-      </a:lvl4pPr>
-      <a:lvl5pPr marL="2057400" indent="-228600" algn="l" defTabSz="914400" rtl="0" eaLnBrk="1" latinLnBrk="0" hangingPunct="1">
-        <a:lnSpc>
-          <a:spcPct val="90000"/>
-        </a:lnSpc>
-        <a:spcBef>
-          <a:spcPts val="500"/>
-        </a:spcBef>
-        <a:buFont typeface="Arial" panose="020B0604020202020204" pitchFamily="34" charset="0"/>
-        <a:buChar char="•"/>
-        <a:defRPr kumimoji="1" sz="1800" kern="1200">
-          <a:solidFill>
-            <a:schemeClr val="accent6"/>
-          </a:solidFill>
-          <a:latin typeface="+mn-lt"/>
-          <a:ea typeface="+mn-ea"/>
-          <a:cs typeface="+mn-cs"/>
-        </a:defRPr>
-      </a:lvl5pPr>
-      <a:lvl6pPr marL="2514600" indent="-228600" algn="l" defTabSz="914400" rtl="0" eaLnBrk="1" latinLnBrk="0" hangingPunct="1">
-        <a:lnSpc>
-          <a:spcPct val="90000"/>
-        </a:lnSpc>
-        <a:spcBef>
-          <a:spcPts val="500"/>
-        </a:spcBef>
-        <a:buFont typeface="Arial" panose="020B0604020202020204" pitchFamily="34" charset="0"/>
-        <a:buChar char="•"/>
-        <a:defRPr kumimoji="1" sz="1800" kern="1200">
-          <a:solidFill>
-            <a:schemeClr val="tx1"/>
-          </a:solidFill>
-          <a:latin typeface="+mn-lt"/>
-          <a:ea typeface="+mn-ea"/>
-          <a:cs typeface="+mn-cs"/>
-        </a:defRPr>
-      </a:lvl6pPr>
-      <a:lvl7pPr marL="2971800" indent="-228600" algn="l" defTabSz="914400" rtl="0" eaLnBrk="1" latinLnBrk="0" hangingPunct="1">
-        <a:lnSpc>
-          <a:spcPct val="90000"/>
-        </a:lnSpc>
-        <a:spcBef>
-          <a:spcPts val="500"/>
-        </a:spcBef>
-        <a:buFont typeface="Arial" panose="020B0604020202020204" pitchFamily="34" charset="0"/>
-        <a:buChar char="•"/>
-        <a:defRPr kumimoji="1" sz="1800" kern="1200">
-          <a:solidFill>
-            <a:schemeClr val="tx1"/>
-          </a:solidFill>
-          <a:latin typeface="+mn-lt"/>
-          <a:ea typeface="+mn-ea"/>
-          <a:cs typeface="+mn-cs"/>
-        </a:defRPr>
-      </a:lvl7pPr>
-      <a:lvl8pPr marL="3429000" indent="-228600" algn="l" defTabSz="914400" rtl="0" eaLnBrk="1" latinLnBrk="0" hangingPunct="1">
-        <a:lnSpc>
-          <a:spcPct val="90000"/>
-        </a:lnSpc>
-        <a:spcBef>
-          <a:spcPts val="500"/>
-        </a:spcBef>
-        <a:buFont typeface="Arial" panose="020B0604020202020204" pitchFamily="34" charset="0"/>
-        <a:buChar char="•"/>
-        <a:defRPr kumimoji="1" sz="1800" kern="1200">
-          <a:solidFill>
-            <a:schemeClr val="tx1"/>
-          </a:solidFill>
-          <a:latin typeface="+mn-lt"/>
-          <a:ea typeface="+mn-ea"/>
-          <a:cs typeface="+mn-cs"/>
-        </a:defRPr>
-      </a:lvl8pPr>
-      <a:lvl9pPr marL="3886200" indent="-228600" algn="l" defTabSz="914400" rtl="0" eaLnBrk="1" latinLnBrk="0" hangingPunct="1">
-        <a:lnSpc>
-          <a:spcPct val="90000"/>
-        </a:lnSpc>
-        <a:spcBef>
-          <a:spcPts val="500"/>
-        </a:spcBef>
-        <a:buFont typeface="Arial" panose="020B0604020202020204" pitchFamily="34" charset="0"/>
-        <a:buChar char="•"/>
-        <a:defRPr kumimoji="1" sz="1800" kern="1200">
-          <a:solidFill>
-            <a:schemeClr val="tx1"/>
-          </a:solidFill>
-          <a:latin typeface="+mn-lt"/>
-          <a:ea typeface="+mn-ea"/>
-          <a:cs typeface="+mn-cs"/>
-        </a:defRPr>
-      </a:lvl9pPr>
-    </p:bodyStyle>
-    <p:otherStyle>
-      <a:defPPr>
-        <a:defRPr lang="ja-JP"/>
-      </a:defPPr>
-      <a:lvl1pPr marL="0" algn="l" defTabSz="914400" rtl="0" eaLnBrk="1" latinLnBrk="0" hangingPunct="1">
-        <a:defRPr kumimoji="1" sz="1800" kern="1200">
-          <a:solidFill>
-            <a:schemeClr val="tx1"/>
-          </a:solidFill>
-          <a:latin typeface="+mn-lt"/>
-          <a:ea typeface="+mn-ea"/>
-          <a:cs typeface="+mn-cs"/>
-        </a:defRPr>
-      </a:lvl1pPr>
-      <a:lvl2pPr marL="457200" algn="l" defTabSz="914400" rtl="0" eaLnBrk="1" latinLnBrk="0" hangingPunct="1">
-        <a:defRPr kumimoji="1" sz="1800" kern="1200">
-          <a:solidFill>
-            <a:schemeClr val="tx1"/>
-          </a:solidFill>
-          <a:latin typeface="+mn-lt"/>
-          <a:ea typeface="+mn-ea"/>
-          <a:cs typeface="+mn-cs"/>
-        </a:defRPr>
-      </a:lvl2pPr>
-      <a:lvl3pPr marL="914400" algn="l" defTabSz="914400" rtl="0" eaLnBrk="1" latinLnBrk="0" hangingPunct="1">
-        <a:defRPr kumimoji="1" sz="1800" kern="1200">
-          <a:solidFill>
-            <a:schemeClr val="tx1"/>
-          </a:solidFill>
-          <a:latin typeface="+mn-lt"/>
-          <a:ea typeface="+mn-ea"/>
-          <a:cs typeface="+mn-cs"/>
-        </a:defRPr>
-      </a:lvl3pPr>
-      <a:lvl4pPr marL="1371600" algn="l" defTabSz="914400" rtl="0" eaLnBrk="1" latinLnBrk="0" hangingPunct="1">
-        <a:defRPr kumimoji="1" sz="1800" kern="1200">
-          <a:solidFill>
-            <a:schemeClr val="tx1"/>
-          </a:solidFill>
-          <a:latin typeface="+mn-lt"/>
-          <a:ea typeface="+mn-ea"/>
-          <a:cs typeface="+mn-cs"/>
-        </a:defRPr>
-      </a:lvl4pPr>
-      <a:lvl5pPr marL="1828800" algn="l" defTabSz="914400" rtl="0" eaLnBrk="1" latinLnBrk="0" hangingPunct="1">
-        <a:defRPr kumimoji="1" sz="1800" kern="1200">
-          <a:solidFill>
-            <a:schemeClr val="tx1"/>
-          </a:solidFill>
-          <a:latin typeface="+mn-lt"/>
-          <a:ea typeface="+mn-ea"/>
-          <a:cs typeface="+mn-cs"/>
-        </a:defRPr>
-      </a:lvl5pPr>
-      <a:lvl6pPr marL="2286000" algn="l" defTabSz="914400" rtl="0" eaLnBrk="1" latinLnBrk="0" hangingPunct="1">
-        <a:defRPr kumimoji="1" sz="1800" kern="1200">
-          <a:solidFill>
-            <a:schemeClr val="tx1"/>
-          </a:solidFill>
-          <a:latin typeface="+mn-lt"/>
-          <a:ea typeface="+mn-ea"/>
-          <a:cs typeface="+mn-cs"/>
-        </a:defRPr>
-      </a:lvl6pPr>
-      <a:lvl7pPr marL="2743200" algn="l" defTabSz="914400" rtl="0" eaLnBrk="1" latinLnBrk="0" hangingPunct="1">
-        <a:defRPr kumimoji="1" sz="1800" kern="1200">
-          <a:solidFill>
-            <a:schemeClr val="tx1"/>
-          </a:solidFill>
-          <a:latin typeface="+mn-lt"/>
-          <a:ea typeface="+mn-ea"/>
-          <a:cs typeface="+mn-cs"/>
-        </a:defRPr>
-      </a:lvl7pPr>
-      <a:lvl8pPr marL="3200400" algn="l" defTabSz="914400" rtl="0" eaLnBrk="1" latinLnBrk="0" hangingPunct="1">
-        <a:defRPr kumimoji="1" sz="1800" kern="1200">
-          <a:solidFill>
-            <a:schemeClr val="tx1"/>
-          </a:solidFill>
-          <a:latin typeface="+mn-lt"/>
-          <a:ea typeface="+mn-ea"/>
-          <a:cs typeface="+mn-cs"/>
-        </a:defRPr>
-      </a:lvl8pPr>
-      <a:lvl9pPr marL="3657600" algn="l" defTabSz="914400" rtl="0" eaLnBrk="1" latinLnBrk="0" hangingPunct="1">
-        <a:defRPr kumimoji="1" sz="1800" kern="1200">
-          <a:solidFill>
-            <a:schemeClr val="tx1"/>
-          </a:solidFill>
-          <a:latin typeface="+mn-lt"/>
-          <a:ea typeface="+mn-ea"/>
-          <a:cs typeface="+mn-cs"/>
-        </a:defRPr>
-      </a:lvl9pPr>
-    </p:otherStyle>
-  </p:txStyles>
-</p:sldMaster>
-</file>
-
 <file path=ppt/slides/slide1.xml><?xml version="1.0" encoding="utf-8"?>
 <p:sld xmlns:a="http://schemas.openxmlformats.org/drawingml/2006/main" xmlns:r="http://schemas.openxmlformats.org/officeDocument/2006/relationships" xmlns:p="http://schemas.openxmlformats.org/presentationml/2006/main">
   <p:cSld>
@@ -6673,7 +5327,27 @@
                 <a:latin typeface="HGS行書体" panose="03000600000000000000" pitchFamily="66" charset="-128"/>
                 <a:ea typeface="HGS行書体" panose="03000600000000000000" pitchFamily="66" charset="-128"/>
               </a:rPr>
-              <a:t>投稿数ランキング</a:t>
+              <a:t>検索結果</a:t>
+            </a:r>
+            <a:r>
+              <a:rPr kumimoji="1" lang="en-US" altLang="ja-JP" b="1" dirty="0">
+                <a:solidFill>
+                  <a:srgbClr val="056334"/>
+                </a:solidFill>
+                <a:latin typeface="HGS行書体" panose="03000600000000000000" pitchFamily="66" charset="-128"/>
+                <a:ea typeface="HGS行書体" panose="03000600000000000000" pitchFamily="66" charset="-128"/>
+              </a:rPr>
+              <a:t>/</a:t>
+            </a:r>
+            <a:r>
+              <a:rPr kumimoji="1" lang="ja-JP" altLang="en-US" b="1" dirty="0">
+                <a:solidFill>
+                  <a:srgbClr val="056334"/>
+                </a:solidFill>
+                <a:latin typeface="HGS行書体" panose="03000600000000000000" pitchFamily="66" charset="-128"/>
+                <a:ea typeface="HGS行書体" panose="03000600000000000000" pitchFamily="66" charset="-128"/>
+              </a:rPr>
+              <a:t>ルーレット</a:t>
             </a:r>
           </a:p>
         </p:txBody>
@@ -6719,7 +5393,7 @@
           <p:cNvPr id="4" name="コンテンツ プレースホルダー 3">
             <a:extLst>
               <a:ext uri="{FF2B5EF4-FFF2-40B4-BE49-F238E27FC236}">
-                <a16:creationId xmlns:a16="http://schemas.microsoft.com/office/drawing/2014/main" id="{DF6679A2-0BA7-351A-41CD-AFB980CD0409}"/>
+                <a16:creationId xmlns:a16="http://schemas.microsoft.com/office/drawing/2014/main" id="{DEB85077-4ABB-CD2A-BD51-344EAE1CC04B}"/>
               </a:ext>
             </a:extLst>
           </p:cNvPr>
@@ -6742,7 +5416,7 @@
     </p:spTree>
     <p:extLst>
       <p:ext uri="{BB962C8B-B14F-4D97-AF65-F5344CB8AC3E}">
-        <p14:creationId xmlns:p14="http://schemas.microsoft.com/office/powerpoint/2010/main" val="717383438"/>
+        <p14:creationId xmlns:p14="http://schemas.microsoft.com/office/powerpoint/2010/main" val="3947344842"/>
       </p:ext>
     </p:extLst>
   </p:cSld>
@@ -6851,27 +5525,7 @@
                 <a:latin typeface="HGS行書体" panose="03000600000000000000" pitchFamily="66" charset="-128"/>
                 <a:ea typeface="HGS行書体" panose="03000600000000000000" pitchFamily="66" charset="-128"/>
               </a:rPr>
-              <a:t>検索結果</a:t>
-            </a:r>
-            <a:r>
-              <a:rPr kumimoji="1" lang="en-US" altLang="ja-JP" b="1" dirty="0">
-                <a:solidFill>
-                  <a:srgbClr val="056334"/>
-                </a:solidFill>
-                <a:latin typeface="HGS行書体" panose="03000600000000000000" pitchFamily="66" charset="-128"/>
-                <a:ea typeface="HGS行書体" panose="03000600000000000000" pitchFamily="66" charset="-128"/>
-              </a:rPr>
-              <a:t>/</a:t>
-            </a:r>
-            <a:r>
-              <a:rPr kumimoji="1" lang="ja-JP" altLang="en-US" b="1" dirty="0">
-                <a:solidFill>
-                  <a:srgbClr val="056334"/>
-                </a:solidFill>
-                <a:latin typeface="HGS行書体" panose="03000600000000000000" pitchFamily="66" charset="-128"/>
-                <a:ea typeface="HGS行書体" panose="03000600000000000000" pitchFamily="66" charset="-128"/>
-              </a:rPr>
-              <a:t>ルーレット</a:t>
+              <a:t>投稿ページ</a:t>
             </a:r>
           </a:p>
         </p:txBody>
@@ -6917,184 +5571,6 @@
           <p:cNvPr id="4" name="コンテンツ プレースホルダー 3">
             <a:extLst>
               <a:ext uri="{FF2B5EF4-FFF2-40B4-BE49-F238E27FC236}">
-                <a16:creationId xmlns:a16="http://schemas.microsoft.com/office/drawing/2014/main" id="{DEB85077-4ABB-CD2A-BD51-344EAE1CC04B}"/>
-              </a:ext>
-            </a:extLst>
-          </p:cNvPr>
-          <p:cNvSpPr>
-            <a:spLocks noGrp="1"/>
-          </p:cNvSpPr>
-          <p:nvPr>
-            <p:ph idx="1"/>
-          </p:nvPr>
-        </p:nvSpPr>
-        <p:spPr/>
-        <p:txBody>
-          <a:bodyPr/>
-          <a:lstStyle/>
-          <a:p>
-            <a:endParaRPr lang="ja-JP" altLang="en-US"/>
-          </a:p>
-        </p:txBody>
-      </p:sp>
-    </p:spTree>
-    <p:extLst>
-      <p:ext uri="{BB962C8B-B14F-4D97-AF65-F5344CB8AC3E}">
-        <p14:creationId xmlns:p14="http://schemas.microsoft.com/office/powerpoint/2010/main" val="3947344842"/>
-      </p:ext>
-    </p:extLst>
-  </p:cSld>
-  <p:clrMapOvr>
-    <a:masterClrMapping/>
-  </p:clrMapOvr>
-</p:sld>
-</file>
-
-<file path=ppt/slides/slide12.xml><?xml version="1.0" encoding="utf-8"?>
-<p:sld xmlns:a="http://schemas.openxmlformats.org/drawingml/2006/main" xmlns:r="http://schemas.openxmlformats.org/officeDocument/2006/relationships" xmlns:p="http://schemas.openxmlformats.org/presentationml/2006/main">
-  <p:cSld>
-    <p:spTree>
-      <p:nvGrpSpPr>
-        <p:cNvPr id="1" name=""/>
-        <p:cNvGrpSpPr/>
-        <p:nvPr/>
-      </p:nvGrpSpPr>
-      <p:grpSpPr>
-        <a:xfrm>
-          <a:off x="0" y="0"/>
-          <a:ext cx="0" cy="0"/>
-          <a:chOff x="0" y="0"/>
-          <a:chExt cx="0" cy="0"/>
-        </a:xfrm>
-      </p:grpSpPr>
-      <p:sp>
-        <p:nvSpPr>
-          <p:cNvPr id="5" name="正方形/長方形 4">
-            <a:extLst>
-              <a:ext uri="{FF2B5EF4-FFF2-40B4-BE49-F238E27FC236}">
-                <a16:creationId xmlns:a16="http://schemas.microsoft.com/office/drawing/2014/main" id="{96A5B499-DEBF-310B-53C2-933BD9FB2353}"/>
-              </a:ext>
-            </a:extLst>
-          </p:cNvPr>
-          <p:cNvSpPr/>
-          <p:nvPr/>
-        </p:nvSpPr>
-        <p:spPr>
-          <a:xfrm>
-            <a:off x="682487" y="301487"/>
-            <a:ext cx="10827026" cy="6255026"/>
-          </a:xfrm>
-          <a:prstGeom prst="rect">
-            <a:avLst/>
-          </a:prstGeom>
-          <a:solidFill>
-            <a:schemeClr val="bg1"/>
-          </a:solidFill>
-          <a:ln>
-            <a:noFill/>
-          </a:ln>
-        </p:spPr>
-        <p:style>
-          <a:lnRef idx="2">
-            <a:schemeClr val="accent1">
-              <a:shade val="50000"/>
-            </a:schemeClr>
-          </a:lnRef>
-          <a:fillRef idx="1">
-            <a:schemeClr val="accent1"/>
-          </a:fillRef>
-          <a:effectRef idx="0">
-            <a:schemeClr val="accent1"/>
-          </a:effectRef>
-          <a:fontRef idx="minor">
-            <a:schemeClr val="lt1"/>
-          </a:fontRef>
-        </p:style>
-        <p:txBody>
-          <a:bodyPr rtlCol="0" anchor="ctr"/>
-          <a:lstStyle/>
-          <a:p>
-            <a:pPr algn="ctr"/>
-            <a:endParaRPr kumimoji="1" lang="ja-JP" altLang="en-US"/>
-          </a:p>
-        </p:txBody>
-      </p:sp>
-      <p:sp>
-        <p:nvSpPr>
-          <p:cNvPr id="2" name="タイトル 1">
-            <a:extLst>
-              <a:ext uri="{FF2B5EF4-FFF2-40B4-BE49-F238E27FC236}">
-                <a16:creationId xmlns:a16="http://schemas.microsoft.com/office/drawing/2014/main" id="{567BCC82-8CB1-3055-6FCE-39E6F1E069C2}"/>
-              </a:ext>
-            </a:extLst>
-          </p:cNvPr>
-          <p:cNvSpPr>
-            <a:spLocks noGrp="1"/>
-          </p:cNvSpPr>
-          <p:nvPr>
-            <p:ph type="title"/>
-          </p:nvPr>
-        </p:nvSpPr>
-        <p:spPr/>
-        <p:txBody>
-          <a:bodyPr/>
-          <a:lstStyle/>
-          <a:p>
-            <a:pPr algn="ctr"/>
-            <a:r>
-              <a:rPr kumimoji="1" lang="ja-JP" altLang="en-US" b="1" dirty="0">
-                <a:solidFill>
-                  <a:srgbClr val="056334"/>
-                </a:solidFill>
-                <a:latin typeface="HGS行書体" panose="03000600000000000000" pitchFamily="66" charset="-128"/>
-                <a:ea typeface="HGS行書体" panose="03000600000000000000" pitchFamily="66" charset="-128"/>
-              </a:rPr>
-              <a:t>投稿ページ</a:t>
-            </a:r>
-          </a:p>
-        </p:txBody>
-      </p:sp>
-      <p:pic>
-        <p:nvPicPr>
-          <p:cNvPr id="6" name="図 5" descr="ロゴ&#10;&#10;自動的に生成された説明">
-            <a:extLst>
-              <a:ext uri="{FF2B5EF4-FFF2-40B4-BE49-F238E27FC236}">
-                <a16:creationId xmlns:a16="http://schemas.microsoft.com/office/drawing/2014/main" id="{732F8A9F-BB72-C13A-DD69-19780233B332}"/>
-              </a:ext>
-            </a:extLst>
-          </p:cNvPr>
-          <p:cNvPicPr>
-            <a:picLocks noChangeAspect="1"/>
-          </p:cNvPicPr>
-          <p:nvPr/>
-        </p:nvPicPr>
-        <p:blipFill>
-          <a:blip r:embed="rId2">
-            <a:extLst>
-              <a:ext uri="{28A0092B-C50C-407E-A947-70E740481C1C}">
-                <a14:useLocalDpi xmlns:a14="http://schemas.microsoft.com/office/drawing/2010/main" val="0"/>
-              </a:ext>
-            </a:extLst>
-          </a:blip>
-          <a:stretch>
-            <a:fillRect/>
-          </a:stretch>
-        </p:blipFill>
-        <p:spPr>
-          <a:xfrm>
-            <a:off x="10270436" y="5919485"/>
-            <a:ext cx="1081500" cy="504700"/>
-          </a:xfrm>
-          <a:prstGeom prst="rect">
-            <a:avLst/>
-          </a:prstGeom>
-        </p:spPr>
-      </p:pic>
-      <p:sp>
-        <p:nvSpPr>
-          <p:cNvPr id="4" name="コンテンツ プレースホルダー 3">
-            <a:extLst>
-              <a:ext uri="{FF2B5EF4-FFF2-40B4-BE49-F238E27FC236}">
                 <a16:creationId xmlns:a16="http://schemas.microsoft.com/office/drawing/2014/main" id="{5C7E9DCE-6B52-753B-5B1E-4F52EC5C0B7C}"/>
               </a:ext>
             </a:extLst>
@@ -7128,7 +5604,7 @@
 </p:sld>
 </file>
 
-<file path=ppt/slides/slide13.xml><?xml version="1.0" encoding="utf-8"?>
+<file path=ppt/slides/slide12.xml><?xml version="1.0" encoding="utf-8"?>
 <p:sld xmlns:a="http://schemas.openxmlformats.org/drawingml/2006/main" xmlns:r="http://schemas.openxmlformats.org/officeDocument/2006/relationships" xmlns:p="http://schemas.openxmlformats.org/presentationml/2006/main">
   <p:cSld>
     <p:spTree>
@@ -7807,7 +6283,7 @@
 </p:sld>
 </file>
 
-<file path=ppt/slides/slide14.xml><?xml version="1.0" encoding="utf-8"?>
+<file path=ppt/slides/slide13.xml><?xml version="1.0" encoding="utf-8"?>
 <p:sld xmlns:a="http://schemas.openxmlformats.org/drawingml/2006/main" xmlns:r="http://schemas.openxmlformats.org/officeDocument/2006/relationships" xmlns:p="http://schemas.openxmlformats.org/presentationml/2006/main">
   <p:cSld>
     <p:spTree>
@@ -8243,7 +6719,7 @@
 </p:sld>
 </file>
 
-<file path=ppt/slides/slide15.xml><?xml version="1.0" encoding="utf-8"?>
+<file path=ppt/slides/slide14.xml><?xml version="1.0" encoding="utf-8"?>
 <p:sld xmlns:a="http://schemas.openxmlformats.org/drawingml/2006/main" xmlns:r="http://schemas.openxmlformats.org/officeDocument/2006/relationships" xmlns:p="http://schemas.openxmlformats.org/presentationml/2006/main">
   <p:cSld>
     <p:spTree>
@@ -8686,7 +7162,7 @@
 </p:sld>
 </file>
 
-<file path=ppt/slides/slide16.xml><?xml version="1.0" encoding="utf-8"?>
+<file path=ppt/slides/slide15.xml><?xml version="1.0" encoding="utf-8"?>
 <p:sld xmlns:a="http://schemas.openxmlformats.org/drawingml/2006/main" xmlns:r="http://schemas.openxmlformats.org/officeDocument/2006/relationships" xmlns:p="http://schemas.openxmlformats.org/presentationml/2006/main">
   <p:cSld>
     <p:spTree>
@@ -9133,7 +7609,7 @@
 </p:sld>
 </file>
 
-<file path=ppt/slides/slide17.xml><?xml version="1.0" encoding="utf-8"?>
+<file path=ppt/slides/slide16.xml><?xml version="1.0" encoding="utf-8"?>
 <p:sld xmlns:a="http://schemas.openxmlformats.org/drawingml/2006/main" xmlns:r="http://schemas.openxmlformats.org/officeDocument/2006/relationships" xmlns:p="http://schemas.openxmlformats.org/presentationml/2006/main">
   <p:cSld>
     <p:spTree>
@@ -9586,7 +8062,7 @@
 </p:sld>
 </file>
 
-<file path=ppt/slides/slide18.xml><?xml version="1.0" encoding="utf-8"?>
+<file path=ppt/slides/slide17.xml><?xml version="1.0" encoding="utf-8"?>
 <p:sld xmlns:a="http://schemas.openxmlformats.org/drawingml/2006/main" xmlns:r="http://schemas.openxmlformats.org/officeDocument/2006/relationships" xmlns:p="http://schemas.openxmlformats.org/presentationml/2006/main">
   <p:cSld>
     <p:spTree>
@@ -10042,7 +8518,7 @@
 </p:sld>
 </file>
 
-<file path=ppt/slides/slide19.xml><?xml version="1.0" encoding="utf-8"?>
+<file path=ppt/slides/slide18.xml><?xml version="1.0" encoding="utf-8"?>
 <p:sld xmlns:a="http://schemas.openxmlformats.org/drawingml/2006/main" xmlns:r="http://schemas.openxmlformats.org/officeDocument/2006/relationships" xmlns:p="http://schemas.openxmlformats.org/presentationml/2006/main">
   <p:cSld>
     <p:spTree>
@@ -10509,6 +8985,296 @@
 </p:sld>
 </file>
 
+<file path=ppt/slides/slide19.xml><?xml version="1.0" encoding="utf-8"?>
+<p:sld xmlns:a="http://schemas.openxmlformats.org/drawingml/2006/main" xmlns:r="http://schemas.openxmlformats.org/officeDocument/2006/relationships" xmlns:p="http://schemas.openxmlformats.org/presentationml/2006/main">
+  <p:cSld>
+    <p:spTree>
+      <p:nvGrpSpPr>
+        <p:cNvPr id="1" name=""/>
+        <p:cNvGrpSpPr/>
+        <p:nvPr/>
+      </p:nvGrpSpPr>
+      <p:grpSpPr>
+        <a:xfrm>
+          <a:off x="0" y="0"/>
+          <a:ext cx="0" cy="0"/>
+          <a:chOff x="0" y="0"/>
+          <a:chExt cx="0" cy="0"/>
+        </a:xfrm>
+      </p:grpSpPr>
+      <p:sp>
+        <p:nvSpPr>
+          <p:cNvPr id="37" name="正方形/長方形 36">
+            <a:extLst>
+              <a:ext uri="{FF2B5EF4-FFF2-40B4-BE49-F238E27FC236}">
+                <a16:creationId xmlns:a16="http://schemas.microsoft.com/office/drawing/2014/main" id="{A5EAC9EC-E63B-9F2C-AD19-8F8EA46A4D6F}"/>
+              </a:ext>
+            </a:extLst>
+          </p:cNvPr>
+          <p:cNvSpPr/>
+          <p:nvPr/>
+        </p:nvSpPr>
+        <p:spPr>
+          <a:xfrm>
+            <a:off x="682487" y="235227"/>
+            <a:ext cx="10827026" cy="6255026"/>
+          </a:xfrm>
+          <a:prstGeom prst="rect">
+            <a:avLst/>
+          </a:prstGeom>
+          <a:solidFill>
+            <a:schemeClr val="bg1"/>
+          </a:solidFill>
+          <a:ln>
+            <a:noFill/>
+          </a:ln>
+        </p:spPr>
+        <p:style>
+          <a:lnRef idx="2">
+            <a:schemeClr val="accent1">
+              <a:shade val="50000"/>
+            </a:schemeClr>
+          </a:lnRef>
+          <a:fillRef idx="1">
+            <a:schemeClr val="accent1"/>
+          </a:fillRef>
+          <a:effectRef idx="0">
+            <a:schemeClr val="accent1"/>
+          </a:effectRef>
+          <a:fontRef idx="minor">
+            <a:schemeClr val="lt1"/>
+          </a:fontRef>
+        </p:style>
+        <p:txBody>
+          <a:bodyPr rtlCol="0" anchor="ctr"/>
+          <a:lstStyle/>
+          <a:p>
+            <a:pPr algn="ctr"/>
+            <a:endParaRPr kumimoji="1" lang="ja-JP" altLang="en-US"/>
+          </a:p>
+        </p:txBody>
+      </p:sp>
+      <p:pic>
+        <p:nvPicPr>
+          <p:cNvPr id="1036" name="Picture 12">
+            <a:extLst>
+              <a:ext uri="{FF2B5EF4-FFF2-40B4-BE49-F238E27FC236}">
+                <a16:creationId xmlns:a16="http://schemas.microsoft.com/office/drawing/2014/main" id="{0CD25576-0D6C-46E1-67CF-7F62DF766819}"/>
+              </a:ext>
+            </a:extLst>
+          </p:cNvPr>
+          <p:cNvPicPr>
+            <a:picLocks noChangeAspect="1" noChangeArrowheads="1"/>
+          </p:cNvPicPr>
+          <p:nvPr/>
+        </p:nvPicPr>
+        <p:blipFill>
+          <a:blip r:embed="rId3">
+            <a:duotone>
+              <a:prstClr val="black"/>
+              <a:srgbClr val="FF0000">
+                <a:tint val="45000"/>
+                <a:satMod val="400000"/>
+              </a:srgbClr>
+            </a:duotone>
+            <a:extLst>
+              <a:ext uri="{28A0092B-C50C-407E-A947-70E740481C1C}">
+                <a14:useLocalDpi xmlns:a14="http://schemas.microsoft.com/office/drawing/2010/main" val="0"/>
+              </a:ext>
+            </a:extLst>
+          </a:blip>
+          <a:srcRect/>
+          <a:stretch>
+            <a:fillRect/>
+          </a:stretch>
+        </p:blipFill>
+        <p:spPr bwMode="auto">
+          <a:xfrm>
+            <a:off x="425098" y="1"/>
+            <a:ext cx="11341804" cy="1930400"/>
+          </a:xfrm>
+          <a:prstGeom prst="rect">
+            <a:avLst/>
+          </a:prstGeom>
+          <a:noFill/>
+          <a:extLst>
+            <a:ext uri="{909E8E84-426E-40DD-AFC4-6F175D3DCCD1}">
+              <a14:hiddenFill xmlns:a14="http://schemas.microsoft.com/office/drawing/2010/main">
+                <a:solidFill>
+                  <a:srgbClr val="FFFFFF"/>
+                </a:solidFill>
+              </a14:hiddenFill>
+            </a:ext>
+          </a:extLst>
+        </p:spPr>
+      </p:pic>
+      <p:sp>
+        <p:nvSpPr>
+          <p:cNvPr id="3" name="字幕 2">
+            <a:extLst>
+              <a:ext uri="{FF2B5EF4-FFF2-40B4-BE49-F238E27FC236}">
+                <a16:creationId xmlns:a16="http://schemas.microsoft.com/office/drawing/2014/main" id="{B9C9FA85-31F3-4C52-2DB3-21CCC84B3594}"/>
+              </a:ext>
+            </a:extLst>
+          </p:cNvPr>
+          <p:cNvSpPr>
+            <a:spLocks noGrp="1"/>
+          </p:cNvSpPr>
+          <p:nvPr>
+            <p:ph type="subTitle" idx="1"/>
+          </p:nvPr>
+        </p:nvSpPr>
+        <p:spPr>
+          <a:xfrm>
+            <a:off x="2223287" y="688356"/>
+            <a:ext cx="7997216" cy="929814"/>
+          </a:xfrm>
+        </p:spPr>
+        <p:txBody>
+          <a:bodyPr>
+            <a:noAutofit/>
+          </a:bodyPr>
+          <a:lstStyle/>
+          <a:p>
+            <a:r>
+              <a:rPr lang="en-US" altLang="ja-JP" sz="4000" dirty="0">
+                <a:solidFill>
+                  <a:schemeClr val="bg1"/>
+                </a:solidFill>
+                <a:latin typeface="HGS行書体" panose="03000600000000000000" pitchFamily="66" charset="-128"/>
+                <a:ea typeface="HGS行書体" panose="03000600000000000000" pitchFamily="66" charset="-128"/>
+              </a:rPr>
+              <a:t>B3 </a:t>
+            </a:r>
+            <a:r>
+              <a:rPr lang="ja-JP" altLang="en-US" sz="4000" dirty="0">
+                <a:solidFill>
+                  <a:schemeClr val="bg1"/>
+                </a:solidFill>
+                <a:latin typeface="HGS行書体" panose="03000600000000000000" pitchFamily="66" charset="-128"/>
+                <a:ea typeface="HGS行書体" panose="03000600000000000000" pitchFamily="66" charset="-128"/>
+              </a:rPr>
+              <a:t>炙りえんがわより愛を込めて</a:t>
+            </a:r>
+            <a:endParaRPr lang="en-US" altLang="ja-JP" sz="4000" dirty="0">
+              <a:solidFill>
+                <a:schemeClr val="bg1"/>
+              </a:solidFill>
+              <a:latin typeface="HGS行書体" panose="03000600000000000000" pitchFamily="66" charset="-128"/>
+              <a:ea typeface="HGS行書体" panose="03000600000000000000" pitchFamily="66" charset="-128"/>
+            </a:endParaRPr>
+          </a:p>
+        </p:txBody>
+      </p:sp>
+      <p:sp>
+        <p:nvSpPr>
+          <p:cNvPr id="5" name="タイトル 4">
+            <a:extLst>
+              <a:ext uri="{FF2B5EF4-FFF2-40B4-BE49-F238E27FC236}">
+                <a16:creationId xmlns:a16="http://schemas.microsoft.com/office/drawing/2014/main" id="{024DB6ED-1995-07CC-6153-6684553392AF}"/>
+              </a:ext>
+            </a:extLst>
+          </p:cNvPr>
+          <p:cNvSpPr>
+            <a:spLocks noGrp="1"/>
+          </p:cNvSpPr>
+          <p:nvPr>
+            <p:ph type="ctrTitle"/>
+          </p:nvPr>
+        </p:nvSpPr>
+        <p:spPr>
+          <a:xfrm>
+            <a:off x="1457739" y="2766116"/>
+            <a:ext cx="9528312" cy="1193247"/>
+          </a:xfrm>
+        </p:spPr>
+        <p:txBody>
+          <a:bodyPr>
+            <a:normAutofit fontScale="90000"/>
+          </a:bodyPr>
+          <a:lstStyle/>
+          <a:p>
+            <a:r>
+              <a:rPr lang="ja-JP" altLang="en-US" sz="4400" dirty="0">
+                <a:solidFill>
+                  <a:srgbClr val="056334"/>
+                </a:solidFill>
+                <a:latin typeface="HGS行書体" panose="03000600000000000000" pitchFamily="66" charset="-128"/>
+                <a:ea typeface="HGS行書体" panose="03000600000000000000" pitchFamily="66" charset="-128"/>
+              </a:rPr>
+              <a:t>毎度ありがとうございました！</a:t>
+            </a:r>
+            <a:br>
+              <a:rPr lang="en-US" altLang="ja-JP" sz="4400" dirty="0">
+                <a:solidFill>
+                  <a:srgbClr val="056334"/>
+                </a:solidFill>
+                <a:latin typeface="HGS行書体" panose="03000600000000000000" pitchFamily="66" charset="-128"/>
+                <a:ea typeface="HGS行書体" panose="03000600000000000000" pitchFamily="66" charset="-128"/>
+              </a:rPr>
+            </a:br>
+            <a:r>
+              <a:rPr lang="ja-JP" altLang="en-US" sz="4400" dirty="0">
+                <a:solidFill>
+                  <a:srgbClr val="056334"/>
+                </a:solidFill>
+                <a:latin typeface="HGS行書体" panose="03000600000000000000" pitchFamily="66" charset="-128"/>
+                <a:ea typeface="HGS行書体" panose="03000600000000000000" pitchFamily="66" charset="-128"/>
+              </a:rPr>
+              <a:t>またのご利用お待ちしております。</a:t>
+            </a:r>
+          </a:p>
+        </p:txBody>
+      </p:sp>
+      <p:pic>
+        <p:nvPicPr>
+          <p:cNvPr id="38" name="図 37" descr="ロゴ&#10;&#10;自動的に生成された説明">
+            <a:extLst>
+              <a:ext uri="{FF2B5EF4-FFF2-40B4-BE49-F238E27FC236}">
+                <a16:creationId xmlns:a16="http://schemas.microsoft.com/office/drawing/2014/main" id="{C20B676E-3BE3-326E-FBC8-91CDDF223F8D}"/>
+              </a:ext>
+            </a:extLst>
+          </p:cNvPr>
+          <p:cNvPicPr>
+            <a:picLocks noChangeAspect="1"/>
+          </p:cNvPicPr>
+          <p:nvPr/>
+        </p:nvPicPr>
+        <p:blipFill>
+          <a:blip r:embed="rId4">
+            <a:extLst>
+              <a:ext uri="{28A0092B-C50C-407E-A947-70E740481C1C}">
+                <a14:useLocalDpi xmlns:a14="http://schemas.microsoft.com/office/drawing/2010/main" val="0"/>
+              </a:ext>
+            </a:extLst>
+          </a:blip>
+          <a:stretch>
+            <a:fillRect/>
+          </a:stretch>
+        </p:blipFill>
+        <p:spPr>
+          <a:xfrm>
+            <a:off x="10270436" y="5919485"/>
+            <a:ext cx="1081500" cy="504700"/>
+          </a:xfrm>
+          <a:prstGeom prst="rect">
+            <a:avLst/>
+          </a:prstGeom>
+        </p:spPr>
+      </p:pic>
+    </p:spTree>
+    <p:extLst>
+      <p:ext uri="{BB962C8B-B14F-4D97-AF65-F5344CB8AC3E}">
+        <p14:creationId xmlns:p14="http://schemas.microsoft.com/office/powerpoint/2010/main" val="712348235"/>
+      </p:ext>
+    </p:extLst>
+  </p:cSld>
+  <p:clrMapOvr>
+    <a:masterClrMapping/>
+  </p:clrMapOvr>
+</p:sld>
+</file>
+
 <file path=ppt/slides/slide2.xml><?xml version="1.0" encoding="utf-8"?>
 <p:sld xmlns:a="http://schemas.openxmlformats.org/drawingml/2006/main" xmlns:r="http://schemas.openxmlformats.org/officeDocument/2006/relationships" xmlns:p="http://schemas.openxmlformats.org/presentationml/2006/main">
   <p:cSld>
@@ -11253,296 +10019,6 @@
 </p:sld>
 </file>
 
-<file path=ppt/slides/slide20.xml><?xml version="1.0" encoding="utf-8"?>
-<p:sld xmlns:a="http://schemas.openxmlformats.org/drawingml/2006/main" xmlns:r="http://schemas.openxmlformats.org/officeDocument/2006/relationships" xmlns:p="http://schemas.openxmlformats.org/presentationml/2006/main">
-  <p:cSld>
-    <p:spTree>
-      <p:nvGrpSpPr>
-        <p:cNvPr id="1" name=""/>
-        <p:cNvGrpSpPr/>
-        <p:nvPr/>
-      </p:nvGrpSpPr>
-      <p:grpSpPr>
-        <a:xfrm>
-          <a:off x="0" y="0"/>
-          <a:ext cx="0" cy="0"/>
-          <a:chOff x="0" y="0"/>
-          <a:chExt cx="0" cy="0"/>
-        </a:xfrm>
-      </p:grpSpPr>
-      <p:sp>
-        <p:nvSpPr>
-          <p:cNvPr id="37" name="正方形/長方形 36">
-            <a:extLst>
-              <a:ext uri="{FF2B5EF4-FFF2-40B4-BE49-F238E27FC236}">
-                <a16:creationId xmlns:a16="http://schemas.microsoft.com/office/drawing/2014/main" id="{A5EAC9EC-E63B-9F2C-AD19-8F8EA46A4D6F}"/>
-              </a:ext>
-            </a:extLst>
-          </p:cNvPr>
-          <p:cNvSpPr/>
-          <p:nvPr/>
-        </p:nvSpPr>
-        <p:spPr>
-          <a:xfrm>
-            <a:off x="682487" y="235227"/>
-            <a:ext cx="10827026" cy="6255026"/>
-          </a:xfrm>
-          <a:prstGeom prst="rect">
-            <a:avLst/>
-          </a:prstGeom>
-          <a:solidFill>
-            <a:schemeClr val="bg1"/>
-          </a:solidFill>
-          <a:ln>
-            <a:noFill/>
-          </a:ln>
-        </p:spPr>
-        <p:style>
-          <a:lnRef idx="2">
-            <a:schemeClr val="accent1">
-              <a:shade val="50000"/>
-            </a:schemeClr>
-          </a:lnRef>
-          <a:fillRef idx="1">
-            <a:schemeClr val="accent1"/>
-          </a:fillRef>
-          <a:effectRef idx="0">
-            <a:schemeClr val="accent1"/>
-          </a:effectRef>
-          <a:fontRef idx="minor">
-            <a:schemeClr val="lt1"/>
-          </a:fontRef>
-        </p:style>
-        <p:txBody>
-          <a:bodyPr rtlCol="0" anchor="ctr"/>
-          <a:lstStyle/>
-          <a:p>
-            <a:pPr algn="ctr"/>
-            <a:endParaRPr kumimoji="1" lang="ja-JP" altLang="en-US"/>
-          </a:p>
-        </p:txBody>
-      </p:sp>
-      <p:pic>
-        <p:nvPicPr>
-          <p:cNvPr id="1036" name="Picture 12">
-            <a:extLst>
-              <a:ext uri="{FF2B5EF4-FFF2-40B4-BE49-F238E27FC236}">
-                <a16:creationId xmlns:a16="http://schemas.microsoft.com/office/drawing/2014/main" id="{0CD25576-0D6C-46E1-67CF-7F62DF766819}"/>
-              </a:ext>
-            </a:extLst>
-          </p:cNvPr>
-          <p:cNvPicPr>
-            <a:picLocks noChangeAspect="1" noChangeArrowheads="1"/>
-          </p:cNvPicPr>
-          <p:nvPr/>
-        </p:nvPicPr>
-        <p:blipFill>
-          <a:blip r:embed="rId3">
-            <a:duotone>
-              <a:prstClr val="black"/>
-              <a:srgbClr val="FF0000">
-                <a:tint val="45000"/>
-                <a:satMod val="400000"/>
-              </a:srgbClr>
-            </a:duotone>
-            <a:extLst>
-              <a:ext uri="{28A0092B-C50C-407E-A947-70E740481C1C}">
-                <a14:useLocalDpi xmlns:a14="http://schemas.microsoft.com/office/drawing/2010/main" val="0"/>
-              </a:ext>
-            </a:extLst>
-          </a:blip>
-          <a:srcRect/>
-          <a:stretch>
-            <a:fillRect/>
-          </a:stretch>
-        </p:blipFill>
-        <p:spPr bwMode="auto">
-          <a:xfrm>
-            <a:off x="425098" y="1"/>
-            <a:ext cx="11341804" cy="1930400"/>
-          </a:xfrm>
-          <a:prstGeom prst="rect">
-            <a:avLst/>
-          </a:prstGeom>
-          <a:noFill/>
-          <a:extLst>
-            <a:ext uri="{909E8E84-426E-40DD-AFC4-6F175D3DCCD1}">
-              <a14:hiddenFill xmlns:a14="http://schemas.microsoft.com/office/drawing/2010/main">
-                <a:solidFill>
-                  <a:srgbClr val="FFFFFF"/>
-                </a:solidFill>
-              </a14:hiddenFill>
-            </a:ext>
-          </a:extLst>
-        </p:spPr>
-      </p:pic>
-      <p:sp>
-        <p:nvSpPr>
-          <p:cNvPr id="3" name="字幕 2">
-            <a:extLst>
-              <a:ext uri="{FF2B5EF4-FFF2-40B4-BE49-F238E27FC236}">
-                <a16:creationId xmlns:a16="http://schemas.microsoft.com/office/drawing/2014/main" id="{B9C9FA85-31F3-4C52-2DB3-21CCC84B3594}"/>
-              </a:ext>
-            </a:extLst>
-          </p:cNvPr>
-          <p:cNvSpPr>
-            <a:spLocks noGrp="1"/>
-          </p:cNvSpPr>
-          <p:nvPr>
-            <p:ph type="subTitle" idx="1"/>
-          </p:nvPr>
-        </p:nvSpPr>
-        <p:spPr>
-          <a:xfrm>
-            <a:off x="2223287" y="688356"/>
-            <a:ext cx="7997216" cy="929814"/>
-          </a:xfrm>
-        </p:spPr>
-        <p:txBody>
-          <a:bodyPr>
-            <a:noAutofit/>
-          </a:bodyPr>
-          <a:lstStyle/>
-          <a:p>
-            <a:r>
-              <a:rPr lang="en-US" altLang="ja-JP" sz="4000" dirty="0">
-                <a:solidFill>
-                  <a:schemeClr val="bg1"/>
-                </a:solidFill>
-                <a:latin typeface="HGS行書体" panose="03000600000000000000" pitchFamily="66" charset="-128"/>
-                <a:ea typeface="HGS行書体" panose="03000600000000000000" pitchFamily="66" charset="-128"/>
-              </a:rPr>
-              <a:t>B3 </a:t>
-            </a:r>
-            <a:r>
-              <a:rPr lang="ja-JP" altLang="en-US" sz="4000" dirty="0">
-                <a:solidFill>
-                  <a:schemeClr val="bg1"/>
-                </a:solidFill>
-                <a:latin typeface="HGS行書体" panose="03000600000000000000" pitchFamily="66" charset="-128"/>
-                <a:ea typeface="HGS行書体" panose="03000600000000000000" pitchFamily="66" charset="-128"/>
-              </a:rPr>
-              <a:t>炙りえんがわより愛を込めて</a:t>
-            </a:r>
-            <a:endParaRPr lang="en-US" altLang="ja-JP" sz="4000" dirty="0">
-              <a:solidFill>
-                <a:schemeClr val="bg1"/>
-              </a:solidFill>
-              <a:latin typeface="HGS行書体" panose="03000600000000000000" pitchFamily="66" charset="-128"/>
-              <a:ea typeface="HGS行書体" panose="03000600000000000000" pitchFamily="66" charset="-128"/>
-            </a:endParaRPr>
-          </a:p>
-        </p:txBody>
-      </p:sp>
-      <p:sp>
-        <p:nvSpPr>
-          <p:cNvPr id="5" name="タイトル 4">
-            <a:extLst>
-              <a:ext uri="{FF2B5EF4-FFF2-40B4-BE49-F238E27FC236}">
-                <a16:creationId xmlns:a16="http://schemas.microsoft.com/office/drawing/2014/main" id="{024DB6ED-1995-07CC-6153-6684553392AF}"/>
-              </a:ext>
-            </a:extLst>
-          </p:cNvPr>
-          <p:cNvSpPr>
-            <a:spLocks noGrp="1"/>
-          </p:cNvSpPr>
-          <p:nvPr>
-            <p:ph type="ctrTitle"/>
-          </p:nvPr>
-        </p:nvSpPr>
-        <p:spPr>
-          <a:xfrm>
-            <a:off x="1457739" y="2766116"/>
-            <a:ext cx="9528312" cy="1193247"/>
-          </a:xfrm>
-        </p:spPr>
-        <p:txBody>
-          <a:bodyPr>
-            <a:normAutofit fontScale="90000"/>
-          </a:bodyPr>
-          <a:lstStyle/>
-          <a:p>
-            <a:r>
-              <a:rPr lang="ja-JP" altLang="en-US" sz="4400" dirty="0">
-                <a:solidFill>
-                  <a:srgbClr val="056334"/>
-                </a:solidFill>
-                <a:latin typeface="HGS行書体" panose="03000600000000000000" pitchFamily="66" charset="-128"/>
-                <a:ea typeface="HGS行書体" panose="03000600000000000000" pitchFamily="66" charset="-128"/>
-              </a:rPr>
-              <a:t>毎度ありがとうございました！</a:t>
-            </a:r>
-            <a:br>
-              <a:rPr lang="en-US" altLang="ja-JP" sz="4400" dirty="0">
-                <a:solidFill>
-                  <a:srgbClr val="056334"/>
-                </a:solidFill>
-                <a:latin typeface="HGS行書体" panose="03000600000000000000" pitchFamily="66" charset="-128"/>
-                <a:ea typeface="HGS行書体" panose="03000600000000000000" pitchFamily="66" charset="-128"/>
-              </a:rPr>
-            </a:br>
-            <a:r>
-              <a:rPr lang="ja-JP" altLang="en-US" sz="4400" dirty="0">
-                <a:solidFill>
-                  <a:srgbClr val="056334"/>
-                </a:solidFill>
-                <a:latin typeface="HGS行書体" panose="03000600000000000000" pitchFamily="66" charset="-128"/>
-                <a:ea typeface="HGS行書体" panose="03000600000000000000" pitchFamily="66" charset="-128"/>
-              </a:rPr>
-              <a:t>またのご利用お待ちしております。</a:t>
-            </a:r>
-          </a:p>
-        </p:txBody>
-      </p:sp>
-      <p:pic>
-        <p:nvPicPr>
-          <p:cNvPr id="38" name="図 37" descr="ロゴ&#10;&#10;自動的に生成された説明">
-            <a:extLst>
-              <a:ext uri="{FF2B5EF4-FFF2-40B4-BE49-F238E27FC236}">
-                <a16:creationId xmlns:a16="http://schemas.microsoft.com/office/drawing/2014/main" id="{C20B676E-3BE3-326E-FBC8-91CDDF223F8D}"/>
-              </a:ext>
-            </a:extLst>
-          </p:cNvPr>
-          <p:cNvPicPr>
-            <a:picLocks noChangeAspect="1"/>
-          </p:cNvPicPr>
-          <p:nvPr/>
-        </p:nvPicPr>
-        <p:blipFill>
-          <a:blip r:embed="rId4">
-            <a:extLst>
-              <a:ext uri="{28A0092B-C50C-407E-A947-70E740481C1C}">
-                <a14:useLocalDpi xmlns:a14="http://schemas.microsoft.com/office/drawing/2010/main" val="0"/>
-              </a:ext>
-            </a:extLst>
-          </a:blip>
-          <a:stretch>
-            <a:fillRect/>
-          </a:stretch>
-        </p:blipFill>
-        <p:spPr>
-          <a:xfrm>
-            <a:off x="10270436" y="5919485"/>
-            <a:ext cx="1081500" cy="504700"/>
-          </a:xfrm>
-          <a:prstGeom prst="rect">
-            <a:avLst/>
-          </a:prstGeom>
-        </p:spPr>
-      </p:pic>
-    </p:spTree>
-    <p:extLst>
-      <p:ext uri="{BB962C8B-B14F-4D97-AF65-F5344CB8AC3E}">
-        <p14:creationId xmlns:p14="http://schemas.microsoft.com/office/powerpoint/2010/main" val="712348235"/>
-      </p:ext>
-    </p:extLst>
-  </p:cSld>
-  <p:clrMapOvr>
-    <a:masterClrMapping/>
-  </p:clrMapOvr>
-</p:sld>
-</file>
-
 <file path=ppt/slides/slide3.xml><?xml version="1.0" encoding="utf-8"?>
 <p:sld xmlns:a="http://schemas.openxmlformats.org/drawingml/2006/main" xmlns:r="http://schemas.openxmlformats.org/officeDocument/2006/relationships" xmlns:p="http://schemas.openxmlformats.org/presentationml/2006/main">
   <p:cSld>
@@ -12445,1001 +10921,6 @@
 </file>
 
 <file path=ppt/slides/slide5.xml><?xml version="1.0" encoding="utf-8"?>
-<p:sld xmlns:a="http://schemas.openxmlformats.org/drawingml/2006/main" xmlns:r="http://schemas.openxmlformats.org/officeDocument/2006/relationships" xmlns:p="http://schemas.openxmlformats.org/presentationml/2006/main">
-  <p:cSld>
-    <p:bg>
-      <p:bgPr>
-        <a:solidFill>
-          <a:schemeClr val="bg1"/>
-        </a:solidFill>
-        <a:effectLst/>
-      </p:bgPr>
-    </p:bg>
-    <p:spTree>
-      <p:nvGrpSpPr>
-        <p:cNvPr id="1" name=""/>
-        <p:cNvGrpSpPr/>
-        <p:nvPr/>
-      </p:nvGrpSpPr>
-      <p:grpSpPr>
-        <a:xfrm>
-          <a:off x="0" y="0"/>
-          <a:ext cx="0" cy="0"/>
-          <a:chOff x="0" y="0"/>
-          <a:chExt cx="0" cy="0"/>
-        </a:xfrm>
-      </p:grpSpPr>
-      <p:sp>
-        <p:nvSpPr>
-          <p:cNvPr id="5" name="タイトル 4">
-            <a:extLst>
-              <a:ext uri="{FF2B5EF4-FFF2-40B4-BE49-F238E27FC236}">
-                <a16:creationId xmlns:a16="http://schemas.microsoft.com/office/drawing/2014/main" id="{3E6D96E0-DB69-F9DB-1909-1FFF8CDAFCD2}"/>
-              </a:ext>
-            </a:extLst>
-          </p:cNvPr>
-          <p:cNvSpPr>
-            <a:spLocks noGrp="1"/>
-          </p:cNvSpPr>
-          <p:nvPr>
-            <p:ph type="title"/>
-          </p:nvPr>
-        </p:nvSpPr>
-        <p:spPr/>
-        <p:txBody>
-          <a:bodyPr/>
-          <a:lstStyle/>
-          <a:p>
-            <a:r>
-              <a:rPr lang="ja-JP" altLang="en-US" dirty="0">
-                <a:solidFill>
-                  <a:schemeClr val="bg1"/>
-                </a:solidFill>
-                <a:latin typeface="BIZ UDP明朝 Medium" panose="02020500000000000000" pitchFamily="18" charset="-128"/>
-                <a:ea typeface="BIZ UDP明朝 Medium" panose="02020500000000000000" pitchFamily="18" charset="-128"/>
-              </a:rPr>
-              <a:t>ペルソナ例</a:t>
-            </a:r>
-          </a:p>
-        </p:txBody>
-      </p:sp>
-      <p:sp>
-        <p:nvSpPr>
-          <p:cNvPr id="6" name="コンテンツ プレースホルダー 5">
-            <a:extLst>
-              <a:ext uri="{FF2B5EF4-FFF2-40B4-BE49-F238E27FC236}">
-                <a16:creationId xmlns:a16="http://schemas.microsoft.com/office/drawing/2014/main" id="{592C0A9F-32A9-19BE-516C-A3CE839FBEB9}"/>
-              </a:ext>
-            </a:extLst>
-          </p:cNvPr>
-          <p:cNvSpPr>
-            <a:spLocks noGrp="1"/>
-          </p:cNvSpPr>
-          <p:nvPr>
-            <p:ph idx="1"/>
-          </p:nvPr>
-        </p:nvSpPr>
-        <p:spPr>
-          <a:xfrm>
-            <a:off x="3882043" y="1130531"/>
-            <a:ext cx="7922029" cy="1975648"/>
-          </a:xfrm>
-        </p:spPr>
-        <p:txBody>
-          <a:bodyPr vert="horz" lIns="91440" tIns="45720" rIns="91440" bIns="45720" rtlCol="0" anchor="t">
-            <a:normAutofit/>
-          </a:bodyPr>
-          <a:lstStyle/>
-          <a:p>
-            <a:r>
-              <a:rPr lang="ja-JP" b="1" dirty="0">
-                <a:solidFill>
-                  <a:srgbClr val="056334"/>
-                </a:solidFill>
-                <a:latin typeface="BIZ UDP明朝 Medium" panose="02020500000000000000" pitchFamily="18" charset="-128"/>
-                <a:ea typeface="BIZ UDP明朝 Medium" panose="02020500000000000000" pitchFamily="18" charset="-128"/>
-                <a:cs typeface="+mn-lt"/>
-              </a:rPr>
-              <a:t>休みの日は友人と出かける以外</a:t>
-            </a:r>
-            <a:r>
-              <a:rPr lang="ja-JP" altLang="en-US" b="1" dirty="0">
-                <a:solidFill>
-                  <a:srgbClr val="056334"/>
-                </a:solidFill>
-                <a:latin typeface="BIZ UDP明朝 Medium" panose="02020500000000000000" pitchFamily="18" charset="-128"/>
-                <a:ea typeface="BIZ UDP明朝 Medium" panose="02020500000000000000" pitchFamily="18" charset="-128"/>
-                <a:cs typeface="+mn-lt"/>
-              </a:rPr>
-              <a:t>は</a:t>
-            </a:r>
-            <a:r>
-              <a:rPr lang="ja-JP" b="1" dirty="0">
-                <a:solidFill>
-                  <a:srgbClr val="056334"/>
-                </a:solidFill>
-                <a:latin typeface="BIZ UDP明朝 Medium" panose="02020500000000000000" pitchFamily="18" charset="-128"/>
-                <a:ea typeface="BIZ UDP明朝 Medium" panose="02020500000000000000" pitchFamily="18" charset="-128"/>
-                <a:cs typeface="+mn-lt"/>
-              </a:rPr>
-              <a:t>家で映画見たり</a:t>
-            </a:r>
-            <a:r>
-              <a:rPr lang="ja-JP" altLang="en-US" b="1" dirty="0">
-                <a:solidFill>
-                  <a:srgbClr val="056334"/>
-                </a:solidFill>
-                <a:latin typeface="BIZ UDP明朝 Medium" panose="02020500000000000000" pitchFamily="18" charset="-128"/>
-                <a:ea typeface="BIZ UDP明朝 Medium" panose="02020500000000000000" pitchFamily="18" charset="-128"/>
-                <a:cs typeface="+mn-lt"/>
-              </a:rPr>
-              <a:t>ゲームしたりと</a:t>
-            </a:r>
-            <a:r>
-              <a:rPr lang="ja-JP" b="1" dirty="0">
-                <a:solidFill>
-                  <a:srgbClr val="056334"/>
-                </a:solidFill>
-                <a:latin typeface="BIZ UDP明朝 Medium" panose="02020500000000000000" pitchFamily="18" charset="-128"/>
-                <a:ea typeface="BIZ UDP明朝 Medium" panose="02020500000000000000" pitchFamily="18" charset="-128"/>
-                <a:cs typeface="+mn-lt"/>
-              </a:rPr>
-              <a:t>のんびりしていることが多い。</a:t>
-            </a:r>
-            <a:r>
-              <a:rPr lang="ja-JP" altLang="en-US" dirty="0">
-                <a:latin typeface="BIZ UDP明朝 Medium" panose="02020500000000000000" pitchFamily="18" charset="-128"/>
-                <a:ea typeface="BIZ UDP明朝 Medium" panose="02020500000000000000" pitchFamily="18" charset="-128"/>
-                <a:cs typeface="+mn-lt"/>
-              </a:rPr>
-              <a:t>仕事</a:t>
-            </a:r>
-            <a:r>
-              <a:rPr lang="ja-JP" dirty="0">
-                <a:latin typeface="BIZ UDP明朝 Medium" panose="02020500000000000000" pitchFamily="18" charset="-128"/>
-                <a:ea typeface="BIZ UDP明朝 Medium" panose="02020500000000000000" pitchFamily="18" charset="-128"/>
-                <a:cs typeface="+mn-lt"/>
-              </a:rPr>
-              <a:t>に</a:t>
-            </a:r>
-            <a:r>
-              <a:rPr lang="ja-JP" altLang="en-US" dirty="0">
-                <a:latin typeface="BIZ UDP明朝 Medium" panose="02020500000000000000" pitchFamily="18" charset="-128"/>
-                <a:ea typeface="BIZ UDP明朝 Medium" panose="02020500000000000000" pitchFamily="18" charset="-128"/>
-                <a:cs typeface="+mn-lt"/>
-              </a:rPr>
-              <a:t>対</a:t>
-            </a:r>
-            <a:r>
-              <a:rPr lang="ja-JP" dirty="0">
-                <a:latin typeface="BIZ UDP明朝 Medium" panose="02020500000000000000" pitchFamily="18" charset="-128"/>
-                <a:ea typeface="BIZ UDP明朝 Medium" panose="02020500000000000000" pitchFamily="18" charset="-128"/>
-                <a:cs typeface="+mn-lt"/>
-              </a:rPr>
-              <a:t>する不満は特になく、楽しく行えている</a:t>
-            </a:r>
-            <a:r>
-              <a:rPr lang="ja-JP" altLang="en-US" dirty="0">
-                <a:latin typeface="BIZ UDP明朝 Medium" panose="02020500000000000000" pitchFamily="18" charset="-128"/>
-                <a:ea typeface="BIZ UDP明朝 Medium" panose="02020500000000000000" pitchFamily="18" charset="-128"/>
-                <a:cs typeface="+mn-lt"/>
-              </a:rPr>
-              <a:t>。</a:t>
-            </a:r>
-          </a:p>
-          <a:p>
-            <a:r>
-              <a:rPr lang="ja-JP" dirty="0">
-                <a:latin typeface="BIZ UDP明朝 Medium" panose="02020500000000000000" pitchFamily="18" charset="-128"/>
-                <a:ea typeface="BIZ UDP明朝 Medium" panose="02020500000000000000" pitchFamily="18" charset="-128"/>
-              </a:rPr>
-              <a:t>消極的な一面がある</a:t>
-            </a:r>
-            <a:r>
-              <a:rPr lang="ja-JP" altLang="en-US" dirty="0">
-                <a:latin typeface="BIZ UDP明朝 Medium" panose="02020500000000000000" pitchFamily="18" charset="-128"/>
-                <a:ea typeface="BIZ UDP明朝 Medium" panose="02020500000000000000" pitchFamily="18" charset="-128"/>
-              </a:rPr>
-              <a:t>。どちらかというと</a:t>
-            </a:r>
-            <a:r>
-              <a:rPr lang="ja-JP" dirty="0">
-                <a:latin typeface="BIZ UDP明朝 Medium" panose="02020500000000000000" pitchFamily="18" charset="-128"/>
-                <a:ea typeface="BIZ UDP明朝 Medium" panose="02020500000000000000" pitchFamily="18" charset="-128"/>
-              </a:rPr>
-              <a:t>一人遊びが好き</a:t>
-            </a:r>
-            <a:r>
-              <a:rPr lang="ja-JP" altLang="en-US" dirty="0">
-                <a:latin typeface="BIZ UDP明朝 Medium" panose="02020500000000000000" pitchFamily="18" charset="-128"/>
-                <a:ea typeface="BIZ UDP明朝 Medium" panose="02020500000000000000" pitchFamily="18" charset="-128"/>
-              </a:rPr>
-              <a:t>。</a:t>
-            </a:r>
-            <a:endParaRPr lang="ja-JP" dirty="0">
-              <a:latin typeface="BIZ UDP明朝 Medium" panose="02020500000000000000" pitchFamily="18" charset="-128"/>
-              <a:ea typeface="BIZ UDP明朝 Medium" panose="02020500000000000000" pitchFamily="18" charset="-128"/>
-              <a:cs typeface="+mn-lt"/>
-            </a:endParaRPr>
-          </a:p>
-          <a:p>
-            <a:r>
-              <a:rPr lang="ja-JP" altLang="en-US" dirty="0">
-                <a:latin typeface="BIZ UDP明朝 Medium" panose="02020500000000000000" pitchFamily="18" charset="-128"/>
-                <a:ea typeface="BIZ UDP明朝 Medium" panose="02020500000000000000" pitchFamily="18" charset="-128"/>
-              </a:rPr>
-              <a:t>お金を浪費するのが嫌い。節約家。でも競馬だけはやめられない。最近はウマ娘に移行。</a:t>
-            </a:r>
-          </a:p>
-          <a:p>
-            <a:r>
-              <a:rPr lang="ja-JP" altLang="en-US" dirty="0">
-                <a:latin typeface="BIZ UDP明朝 Medium" panose="02020500000000000000" pitchFamily="18" charset="-128"/>
-                <a:ea typeface="BIZ UDP明朝 Medium" panose="02020500000000000000" pitchFamily="18" charset="-128"/>
-              </a:rPr>
-              <a:t>集中力が高く仕事が早い。</a:t>
-            </a:r>
-            <a:r>
-              <a:rPr lang="ja-JP" b="1" dirty="0">
-                <a:solidFill>
-                  <a:srgbClr val="056334"/>
-                </a:solidFill>
-                <a:latin typeface="BIZ UDP明朝 Medium" panose="02020500000000000000" pitchFamily="18" charset="-128"/>
-                <a:ea typeface="BIZ UDP明朝 Medium" panose="02020500000000000000" pitchFamily="18" charset="-128"/>
-              </a:rPr>
-              <a:t>効率厨。</a:t>
-            </a:r>
-          </a:p>
-          <a:p>
-            <a:r>
-              <a:rPr lang="ja-JP" altLang="en-US" dirty="0">
-                <a:latin typeface="BIZ UDP明朝 Medium" panose="02020500000000000000" pitchFamily="18" charset="-128"/>
-                <a:ea typeface="BIZ UDP明朝 Medium" panose="02020500000000000000" pitchFamily="18" charset="-128"/>
-              </a:rPr>
-              <a:t>家では</a:t>
-            </a:r>
-            <a:r>
-              <a:rPr lang="ja-JP" dirty="0">
-                <a:latin typeface="BIZ UDP明朝 Medium" panose="02020500000000000000" pitchFamily="18" charset="-128"/>
-                <a:ea typeface="BIZ UDP明朝 Medium" panose="02020500000000000000" pitchFamily="18" charset="-128"/>
-              </a:rPr>
-              <a:t>ヨギボーの上が定位置</a:t>
-            </a:r>
-            <a:r>
-              <a:rPr lang="ja-JP" altLang="en-US" dirty="0">
-                <a:latin typeface="BIZ UDP明朝 Medium" panose="02020500000000000000" pitchFamily="18" charset="-128"/>
-                <a:ea typeface="BIZ UDP明朝 Medium" panose="02020500000000000000" pitchFamily="18" charset="-128"/>
-              </a:rPr>
-              <a:t>。</a:t>
-            </a:r>
-            <a:r>
-              <a:rPr lang="ja-JP" dirty="0">
-                <a:latin typeface="BIZ UDP明朝 Medium" panose="02020500000000000000" pitchFamily="18" charset="-128"/>
-                <a:ea typeface="BIZ UDP明朝 Medium" panose="02020500000000000000" pitchFamily="18" charset="-128"/>
-              </a:rPr>
-              <a:t>リングフィットを買おうとは思っている</a:t>
-            </a:r>
-            <a:r>
-              <a:rPr lang="en-US" altLang="ja-JP" dirty="0">
-                <a:latin typeface="BIZ UDP明朝 Medium" panose="02020500000000000000" pitchFamily="18" charset="-128"/>
-                <a:ea typeface="BIZ UDP明朝 Medium" panose="02020500000000000000" pitchFamily="18" charset="-128"/>
-              </a:rPr>
-              <a:t>(</a:t>
-            </a:r>
-            <a:r>
-              <a:rPr lang="en-US" altLang="ja-JP" dirty="0" err="1">
-                <a:latin typeface="BIZ UDP明朝 Medium" panose="02020500000000000000" pitchFamily="18" charset="-128"/>
-                <a:ea typeface="BIZ UDP明朝 Medium" panose="02020500000000000000" pitchFamily="18" charset="-128"/>
-              </a:rPr>
-              <a:t>買ってない</a:t>
-            </a:r>
-            <a:r>
-              <a:rPr lang="en-US" altLang="ja-JP" dirty="0">
-                <a:latin typeface="BIZ UDP明朝 Medium" panose="02020500000000000000" pitchFamily="18" charset="-128"/>
-                <a:ea typeface="BIZ UDP明朝 Medium" panose="02020500000000000000" pitchFamily="18" charset="-128"/>
-              </a:rPr>
-              <a:t>)</a:t>
-            </a:r>
-            <a:r>
-              <a:rPr lang="ja-JP" dirty="0">
-                <a:latin typeface="BIZ UDP明朝 Medium" panose="02020500000000000000" pitchFamily="18" charset="-128"/>
-                <a:ea typeface="BIZ UDP明朝 Medium" panose="02020500000000000000" pitchFamily="18" charset="-128"/>
-              </a:rPr>
-              <a:t>。</a:t>
-            </a:r>
-            <a:endParaRPr lang="ja-JP" dirty="0">
-              <a:latin typeface="BIZ UDP明朝 Medium" panose="02020500000000000000" pitchFamily="18" charset="-128"/>
-              <a:ea typeface="BIZ UDP明朝 Medium" panose="02020500000000000000" pitchFamily="18" charset="-128"/>
-              <a:cs typeface="+mn-lt"/>
-            </a:endParaRPr>
-          </a:p>
-          <a:p>
-            <a:r>
-              <a:rPr lang="ja-JP" altLang="en-US" dirty="0">
-                <a:latin typeface="BIZ UDP明朝 Medium" panose="02020500000000000000" pitchFamily="18" charset="-128"/>
-                <a:ea typeface="BIZ UDP明朝 Medium" panose="02020500000000000000" pitchFamily="18" charset="-128"/>
-              </a:rPr>
-              <a:t>最近はAPEXにハマっている。キレるタイプではなくそこそこ上手い。</a:t>
-            </a:r>
-            <a:endParaRPr lang="ja-JP" dirty="0">
-              <a:latin typeface="BIZ UDP明朝 Medium" panose="02020500000000000000" pitchFamily="18" charset="-128"/>
-              <a:ea typeface="BIZ UDP明朝 Medium" panose="02020500000000000000" pitchFamily="18" charset="-128"/>
-            </a:endParaRPr>
-          </a:p>
-          <a:p>
-            <a:r>
-              <a:rPr lang="ja-JP" altLang="en-US" dirty="0">
-                <a:latin typeface="BIZ UDP明朝 Medium" panose="02020500000000000000" pitchFamily="18" charset="-128"/>
-                <a:ea typeface="BIZ UDP明朝 Medium" panose="02020500000000000000" pitchFamily="18" charset="-128"/>
-              </a:rPr>
-              <a:t>家事はあまり得意ではない。部屋は段ボールが積まれて汚いが、デスク回りだけは綺麗にしている。</a:t>
-            </a:r>
-          </a:p>
-          <a:p>
-            <a:endParaRPr lang="ja-JP" altLang="en-US" dirty="0">
-              <a:ea typeface="游ゴシック"/>
-            </a:endParaRPr>
-          </a:p>
-        </p:txBody>
-      </p:sp>
-      <p:sp>
-        <p:nvSpPr>
-          <p:cNvPr id="8" name="コンテンツ プレースホルダー 7">
-            <a:extLst>
-              <a:ext uri="{FF2B5EF4-FFF2-40B4-BE49-F238E27FC236}">
-                <a16:creationId xmlns:a16="http://schemas.microsoft.com/office/drawing/2014/main" id="{379FC890-E959-B17C-0B67-60764F38B270}"/>
-              </a:ext>
-            </a:extLst>
-          </p:cNvPr>
-          <p:cNvSpPr>
-            <a:spLocks noGrp="1"/>
-          </p:cNvSpPr>
-          <p:nvPr>
-            <p:ph idx="14"/>
-          </p:nvPr>
-        </p:nvSpPr>
-        <p:spPr/>
-        <p:txBody>
-          <a:bodyPr vert="horz" lIns="91440" tIns="45720" rIns="91440" bIns="45720" rtlCol="0" anchor="t">
-            <a:normAutofit lnSpcReduction="10000"/>
-          </a:bodyPr>
-          <a:lstStyle/>
-          <a:p>
-            <a:r>
-              <a:rPr lang="ja-JP" altLang="en-US" dirty="0">
-                <a:latin typeface="BIZ UDP明朝 Medium" panose="02020500000000000000" pitchFamily="18" charset="-128"/>
-                <a:ea typeface="BIZ UDP明朝 Medium" panose="02020500000000000000" pitchFamily="18" charset="-128"/>
-              </a:rPr>
-              <a:t>氏名：</a:t>
-            </a:r>
-            <a:r>
-              <a:rPr lang="en-US" altLang="ja-JP" dirty="0">
-                <a:latin typeface="BIZ UDP明朝 Medium" panose="02020500000000000000" pitchFamily="18" charset="-128"/>
-                <a:ea typeface="BIZ UDP明朝 Medium" panose="02020500000000000000" pitchFamily="18" charset="-128"/>
-              </a:rPr>
-              <a:t>T</a:t>
-            </a:r>
-            <a:endParaRPr lang="ja-JP" altLang="en-US" dirty="0">
-              <a:latin typeface="BIZ UDP明朝 Medium" panose="02020500000000000000" pitchFamily="18" charset="-128"/>
-              <a:ea typeface="BIZ UDP明朝 Medium" panose="02020500000000000000" pitchFamily="18" charset="-128"/>
-            </a:endParaRPr>
-          </a:p>
-          <a:p>
-            <a:r>
-              <a:rPr lang="ja-JP" altLang="en-US" dirty="0">
-                <a:latin typeface="BIZ UDP明朝 Medium" panose="02020500000000000000" pitchFamily="18" charset="-128"/>
-                <a:ea typeface="BIZ UDP明朝 Medium" panose="02020500000000000000" pitchFamily="18" charset="-128"/>
-              </a:rPr>
-              <a:t>性別：男性</a:t>
-            </a:r>
-            <a:endParaRPr lang="en-US" altLang="ja-JP" dirty="0">
-              <a:latin typeface="BIZ UDP明朝 Medium" panose="02020500000000000000" pitchFamily="18" charset="-128"/>
-              <a:ea typeface="BIZ UDP明朝 Medium" panose="02020500000000000000" pitchFamily="18" charset="-128"/>
-            </a:endParaRPr>
-          </a:p>
-          <a:p>
-            <a:r>
-              <a:rPr lang="ja-JP" altLang="en-US" dirty="0">
-                <a:latin typeface="BIZ UDP明朝 Medium" panose="02020500000000000000" pitchFamily="18" charset="-128"/>
-                <a:ea typeface="BIZ UDP明朝 Medium" panose="02020500000000000000" pitchFamily="18" charset="-128"/>
-              </a:rPr>
-              <a:t>年齢：</a:t>
-            </a:r>
-            <a:r>
-              <a:rPr lang="en-US" altLang="ja-JP" dirty="0">
-                <a:latin typeface="BIZ UDP明朝 Medium" panose="02020500000000000000" pitchFamily="18" charset="-128"/>
-                <a:ea typeface="BIZ UDP明朝 Medium" panose="02020500000000000000" pitchFamily="18" charset="-128"/>
-              </a:rPr>
-              <a:t>25</a:t>
-            </a:r>
-          </a:p>
-          <a:p>
-            <a:r>
-              <a:rPr lang="ja-JP" altLang="en-US" dirty="0">
-                <a:latin typeface="BIZ UDP明朝 Medium" panose="02020500000000000000" pitchFamily="18" charset="-128"/>
-                <a:ea typeface="BIZ UDP明朝 Medium" panose="02020500000000000000" pitchFamily="18" charset="-128"/>
-              </a:rPr>
-              <a:t>職業：</a:t>
-            </a:r>
-            <a:r>
-              <a:rPr lang="en-US" altLang="ja-JP" dirty="0">
-                <a:latin typeface="BIZ UDP明朝 Medium" panose="02020500000000000000" pitchFamily="18" charset="-128"/>
-                <a:ea typeface="BIZ UDP明朝 Medium" panose="02020500000000000000" pitchFamily="18" charset="-128"/>
-              </a:rPr>
-              <a:t>SE</a:t>
-            </a:r>
-            <a:r>
-              <a:rPr lang="ja-JP" altLang="en-US" dirty="0">
-                <a:latin typeface="BIZ UDP明朝 Medium" panose="02020500000000000000" pitchFamily="18" charset="-128"/>
-                <a:ea typeface="BIZ UDP明朝 Medium" panose="02020500000000000000" pitchFamily="18" charset="-128"/>
-              </a:rPr>
-              <a:t>（週</a:t>
-            </a:r>
-            <a:r>
-              <a:rPr lang="en-US" altLang="ja-JP" dirty="0">
-                <a:latin typeface="BIZ UDP明朝 Medium" panose="02020500000000000000" pitchFamily="18" charset="-128"/>
-                <a:ea typeface="BIZ UDP明朝 Medium" panose="02020500000000000000" pitchFamily="18" charset="-128"/>
-              </a:rPr>
-              <a:t>3</a:t>
-            </a:r>
-            <a:r>
-              <a:rPr lang="ja-JP" altLang="en-US" dirty="0">
-                <a:latin typeface="BIZ UDP明朝 Medium" panose="02020500000000000000" pitchFamily="18" charset="-128"/>
-                <a:ea typeface="BIZ UDP明朝 Medium" panose="02020500000000000000" pitchFamily="18" charset="-128"/>
-              </a:rPr>
-              <a:t>リモート）</a:t>
-            </a:r>
-            <a:endParaRPr lang="en-US" altLang="ja-JP" dirty="0">
-              <a:latin typeface="BIZ UDP明朝 Medium" panose="02020500000000000000" pitchFamily="18" charset="-128"/>
-              <a:ea typeface="BIZ UDP明朝 Medium" panose="02020500000000000000" pitchFamily="18" charset="-128"/>
-            </a:endParaRPr>
-          </a:p>
-          <a:p>
-            <a:r>
-              <a:rPr lang="ja-JP" altLang="en-US" dirty="0">
-                <a:latin typeface="BIZ UDP明朝 Medium" panose="02020500000000000000" pitchFamily="18" charset="-128"/>
-                <a:ea typeface="BIZ UDP明朝 Medium" panose="02020500000000000000" pitchFamily="18" charset="-128"/>
-              </a:rPr>
-              <a:t>年収：</a:t>
-            </a:r>
-            <a:r>
-              <a:rPr lang="en-US" altLang="ja-JP" dirty="0">
-                <a:latin typeface="BIZ UDP明朝 Medium" panose="02020500000000000000" pitchFamily="18" charset="-128"/>
-                <a:ea typeface="BIZ UDP明朝 Medium" panose="02020500000000000000" pitchFamily="18" charset="-128"/>
-              </a:rPr>
-              <a:t>400</a:t>
-            </a:r>
-            <a:r>
-              <a:rPr lang="ja-JP" altLang="en-US" dirty="0">
-                <a:latin typeface="BIZ UDP明朝 Medium" panose="02020500000000000000" pitchFamily="18" charset="-128"/>
-                <a:ea typeface="BIZ UDP明朝 Medium" panose="02020500000000000000" pitchFamily="18" charset="-128"/>
-              </a:rPr>
-              <a:t>万</a:t>
-            </a:r>
-            <a:endParaRPr lang="en-US" altLang="ja-JP" dirty="0">
-              <a:latin typeface="BIZ UDP明朝 Medium" panose="02020500000000000000" pitchFamily="18" charset="-128"/>
-              <a:ea typeface="BIZ UDP明朝 Medium" panose="02020500000000000000" pitchFamily="18" charset="-128"/>
-            </a:endParaRPr>
-          </a:p>
-          <a:p>
-            <a:r>
-              <a:rPr lang="ja-JP" altLang="en-US" dirty="0">
-                <a:latin typeface="BIZ UDP明朝 Medium" panose="02020500000000000000" pitchFamily="18" charset="-128"/>
-                <a:ea typeface="BIZ UDP明朝 Medium" panose="02020500000000000000" pitchFamily="18" charset="-128"/>
-              </a:rPr>
-              <a:t>学歴：大卒</a:t>
-            </a:r>
-            <a:endParaRPr lang="en-US" altLang="ja-JP" dirty="0">
-              <a:latin typeface="BIZ UDP明朝 Medium" panose="02020500000000000000" pitchFamily="18" charset="-128"/>
-              <a:ea typeface="BIZ UDP明朝 Medium" panose="02020500000000000000" pitchFamily="18" charset="-128"/>
-            </a:endParaRPr>
-          </a:p>
-          <a:p>
-            <a:r>
-              <a:rPr lang="ja-JP" altLang="en-US" dirty="0">
-                <a:latin typeface="BIZ UDP明朝 Medium" panose="02020500000000000000" pitchFamily="18" charset="-128"/>
-                <a:ea typeface="BIZ UDP明朝 Medium" panose="02020500000000000000" pitchFamily="18" charset="-128"/>
-              </a:rPr>
-              <a:t>出身地：埼玉</a:t>
-            </a:r>
-          </a:p>
-          <a:p>
-            <a:r>
-              <a:rPr lang="ja-JP" altLang="en-US" dirty="0">
-                <a:latin typeface="BIZ UDP明朝 Medium" panose="02020500000000000000" pitchFamily="18" charset="-128"/>
-                <a:ea typeface="BIZ UDP明朝 Medium" panose="02020500000000000000" pitchFamily="18" charset="-128"/>
-              </a:rPr>
-              <a:t>家族構成：父・母(ひとりっ子)</a:t>
-            </a:r>
-          </a:p>
-          <a:p>
-            <a:r>
-              <a:rPr lang="ja-JP" altLang="en-US" b="1" dirty="0">
-                <a:solidFill>
-                  <a:srgbClr val="056334"/>
-                </a:solidFill>
-                <a:latin typeface="BIZ UDP明朝 Medium" panose="02020500000000000000" pitchFamily="18" charset="-128"/>
-                <a:ea typeface="BIZ UDP明朝 Medium" panose="02020500000000000000" pitchFamily="18" charset="-128"/>
-              </a:rPr>
-              <a:t>趣味：サブスクの鬼</a:t>
-            </a:r>
-            <a:endParaRPr lang="en-US" altLang="ja-JP" b="1" dirty="0">
-              <a:solidFill>
-                <a:srgbClr val="056334"/>
-              </a:solidFill>
-              <a:latin typeface="BIZ UDP明朝 Medium" panose="02020500000000000000" pitchFamily="18" charset="-128"/>
-              <a:ea typeface="BIZ UDP明朝 Medium" panose="02020500000000000000" pitchFamily="18" charset="-128"/>
-            </a:endParaRPr>
-          </a:p>
-          <a:p>
-            <a:r>
-              <a:rPr lang="ja-JP" altLang="en-US" dirty="0">
-                <a:latin typeface="BIZ UDP明朝 Medium" panose="02020500000000000000" pitchFamily="18" charset="-128"/>
-                <a:ea typeface="BIZ UDP明朝 Medium" panose="02020500000000000000" pitchFamily="18" charset="-128"/>
-              </a:rPr>
-              <a:t>すまい：東京（ひとり暮らし）</a:t>
-            </a:r>
-            <a:endParaRPr lang="en-US" altLang="ja-JP" dirty="0">
-              <a:latin typeface="BIZ UDP明朝 Medium" panose="02020500000000000000" pitchFamily="18" charset="-128"/>
-              <a:ea typeface="BIZ UDP明朝 Medium" panose="02020500000000000000" pitchFamily="18" charset="-128"/>
-            </a:endParaRPr>
-          </a:p>
-          <a:p>
-            <a:r>
-              <a:rPr lang="ja-JP" altLang="en-US" dirty="0">
-                <a:latin typeface="BIZ UDP明朝 Medium" panose="02020500000000000000" pitchFamily="18" charset="-128"/>
-                <a:ea typeface="BIZ UDP明朝 Medium" panose="02020500000000000000" pitchFamily="18" charset="-128"/>
-              </a:rPr>
-              <a:t>性格：インドア系、口数少なめ、見た目で損するタイプ、おだやか</a:t>
-            </a:r>
-          </a:p>
-          <a:p>
-            <a:endParaRPr lang="en-US" altLang="ja-JP" dirty="0"/>
-          </a:p>
-        </p:txBody>
-      </p:sp>
-      <p:sp>
-        <p:nvSpPr>
-          <p:cNvPr id="9" name="コンテンツ プレースホルダー 8">
-            <a:extLst>
-              <a:ext uri="{FF2B5EF4-FFF2-40B4-BE49-F238E27FC236}">
-                <a16:creationId xmlns:a16="http://schemas.microsoft.com/office/drawing/2014/main" id="{493798B9-4269-FE7D-9164-A9C163CDA212}"/>
-              </a:ext>
-            </a:extLst>
-          </p:cNvPr>
-          <p:cNvSpPr>
-            <a:spLocks noGrp="1"/>
-          </p:cNvSpPr>
-          <p:nvPr>
-            <p:ph idx="15"/>
-          </p:nvPr>
-        </p:nvSpPr>
-        <p:spPr>
-          <a:xfrm>
-            <a:off x="8944494" y="3551383"/>
-            <a:ext cx="2859577" cy="2767220"/>
-          </a:xfrm>
-        </p:spPr>
-        <p:txBody>
-          <a:bodyPr vert="horz" lIns="91440" tIns="45720" rIns="91440" bIns="45720" rtlCol="0" anchor="t">
-            <a:normAutofit/>
-          </a:bodyPr>
-          <a:lstStyle/>
-          <a:p>
-            <a:r>
-              <a:rPr lang="en-US" altLang="ja-JP" dirty="0">
-                <a:latin typeface="BIZ UDP明朝 Medium" panose="02020500000000000000" pitchFamily="18" charset="-128"/>
-                <a:ea typeface="BIZ UDP明朝 Medium" panose="02020500000000000000" pitchFamily="18" charset="-128"/>
-                <a:cs typeface="+mn-lt"/>
-              </a:rPr>
-              <a:t>LINE</a:t>
-            </a:r>
-            <a:r>
-              <a:rPr lang="ja-JP" dirty="0">
-                <a:latin typeface="BIZ UDP明朝 Medium" panose="02020500000000000000" pitchFamily="18" charset="-128"/>
-                <a:ea typeface="BIZ UDP明朝 Medium" panose="02020500000000000000" pitchFamily="18" charset="-128"/>
-                <a:cs typeface="+mn-lt"/>
-              </a:rPr>
-              <a:t>：</a:t>
-            </a:r>
-            <a:r>
-              <a:rPr lang="ja-JP" altLang="en-US" dirty="0">
-                <a:latin typeface="BIZ UDP明朝 Medium" panose="02020500000000000000" pitchFamily="18" charset="-128"/>
-                <a:ea typeface="BIZ UDP明朝 Medium" panose="02020500000000000000" pitchFamily="18" charset="-128"/>
-                <a:cs typeface="+mn-lt"/>
-              </a:rPr>
-              <a:t>必要最低限(連絡先は2桁)。</a:t>
-            </a:r>
-            <a:endParaRPr lang="ja-JP" dirty="0">
-              <a:latin typeface="BIZ UDP明朝 Medium" panose="02020500000000000000" pitchFamily="18" charset="-128"/>
-              <a:ea typeface="BIZ UDP明朝 Medium" panose="02020500000000000000" pitchFamily="18" charset="-128"/>
-              <a:cs typeface="+mn-lt"/>
-            </a:endParaRPr>
-          </a:p>
-          <a:p>
-            <a:r>
-              <a:rPr lang="en-US" altLang="ja-JP" dirty="0">
-                <a:latin typeface="BIZ UDP明朝 Medium" panose="02020500000000000000" pitchFamily="18" charset="-128"/>
-                <a:ea typeface="BIZ UDP明朝 Medium" panose="02020500000000000000" pitchFamily="18" charset="-128"/>
-                <a:cs typeface="+mn-lt"/>
-              </a:rPr>
-              <a:t>Twitter</a:t>
-            </a:r>
-            <a:r>
-              <a:rPr lang="ja-JP" dirty="0">
-                <a:latin typeface="BIZ UDP明朝 Medium" panose="02020500000000000000" pitchFamily="18" charset="-128"/>
-                <a:ea typeface="BIZ UDP明朝 Medium" panose="02020500000000000000" pitchFamily="18" charset="-128"/>
-                <a:cs typeface="+mn-lt"/>
-              </a:rPr>
-              <a:t>：</a:t>
-            </a:r>
-            <a:r>
-              <a:rPr lang="ja-JP" altLang="en-US" dirty="0">
-                <a:latin typeface="BIZ UDP明朝 Medium" panose="02020500000000000000" pitchFamily="18" charset="-128"/>
-                <a:ea typeface="BIZ UDP明朝 Medium" panose="02020500000000000000" pitchFamily="18" charset="-128"/>
-                <a:cs typeface="+mn-lt"/>
-              </a:rPr>
-              <a:t>投稿はせず見る専。かなりの頻度で見ている。</a:t>
-            </a:r>
-          </a:p>
-          <a:p>
-            <a:r>
-              <a:rPr lang="en-US" altLang="ja-JP" dirty="0">
-                <a:latin typeface="BIZ UDP明朝 Medium" panose="02020500000000000000" pitchFamily="18" charset="-128"/>
-                <a:ea typeface="BIZ UDP明朝 Medium" panose="02020500000000000000" pitchFamily="18" charset="-128"/>
-                <a:cs typeface="+mn-lt"/>
-              </a:rPr>
-              <a:t>Instagram</a:t>
-            </a:r>
-            <a:r>
-              <a:rPr lang="ja-JP" altLang="en-US" dirty="0">
-                <a:latin typeface="BIZ UDP明朝 Medium" panose="02020500000000000000" pitchFamily="18" charset="-128"/>
-                <a:ea typeface="BIZ UDP明朝 Medium" panose="02020500000000000000" pitchFamily="18" charset="-128"/>
-                <a:cs typeface="+mn-lt"/>
-              </a:rPr>
-              <a:t>：大学時代までは付き合いで使っていたが卒業後に消した。</a:t>
-            </a:r>
-          </a:p>
-          <a:p>
-            <a:r>
-              <a:rPr lang="en-US" altLang="ja-JP" dirty="0">
-                <a:latin typeface="BIZ UDP明朝 Medium" panose="02020500000000000000" pitchFamily="18" charset="-128"/>
-                <a:ea typeface="BIZ UDP明朝 Medium" panose="02020500000000000000" pitchFamily="18" charset="-128"/>
-                <a:cs typeface="+mn-lt"/>
-              </a:rPr>
-              <a:t>Facebook：</a:t>
-            </a:r>
-            <a:r>
-              <a:rPr lang="ja-JP" altLang="en-US" dirty="0">
-                <a:latin typeface="BIZ UDP明朝 Medium" panose="02020500000000000000" pitchFamily="18" charset="-128"/>
-                <a:ea typeface="BIZ UDP明朝 Medium" panose="02020500000000000000" pitchFamily="18" charset="-128"/>
-                <a:cs typeface="+mn-lt"/>
-              </a:rPr>
-              <a:t>もう</a:t>
-            </a:r>
-            <a:r>
-              <a:rPr lang="en-US" altLang="ja-JP" dirty="0" err="1">
-                <a:latin typeface="BIZ UDP明朝 Medium" panose="02020500000000000000" pitchFamily="18" charset="-128"/>
-                <a:ea typeface="BIZ UDP明朝 Medium" panose="02020500000000000000" pitchFamily="18" charset="-128"/>
-                <a:cs typeface="+mn-lt"/>
-              </a:rPr>
-              <a:t>使っていない</a:t>
-            </a:r>
-            <a:r>
-              <a:rPr lang="en-US" altLang="ja-JP" dirty="0">
-                <a:latin typeface="BIZ UDP明朝 Medium" panose="02020500000000000000" pitchFamily="18" charset="-128"/>
-                <a:ea typeface="BIZ UDP明朝 Medium" panose="02020500000000000000" pitchFamily="18" charset="-128"/>
-                <a:cs typeface="+mn-lt"/>
-              </a:rPr>
-              <a:t>。</a:t>
-            </a:r>
-            <a:endParaRPr lang="en-US" dirty="0">
-              <a:latin typeface="BIZ UDP明朝 Medium" panose="02020500000000000000" pitchFamily="18" charset="-128"/>
-              <a:ea typeface="BIZ UDP明朝 Medium" panose="02020500000000000000" pitchFamily="18" charset="-128"/>
-            </a:endParaRPr>
-          </a:p>
-          <a:p>
-            <a:r>
-              <a:rPr lang="ja-JP" altLang="en-US" b="1" dirty="0">
-                <a:solidFill>
-                  <a:srgbClr val="056334"/>
-                </a:solidFill>
-                <a:latin typeface="BIZ UDP明朝 Medium" panose="02020500000000000000" pitchFamily="18" charset="-128"/>
-                <a:ea typeface="BIZ UDP明朝 Medium" panose="02020500000000000000" pitchFamily="18" charset="-128"/>
-              </a:rPr>
-              <a:t>Netflix：ヘビーユーザー。</a:t>
-            </a:r>
-          </a:p>
-        </p:txBody>
-      </p:sp>
-      <p:sp>
-        <p:nvSpPr>
-          <p:cNvPr id="10" name="コンテンツ プレースホルダー 9">
-            <a:extLst>
-              <a:ext uri="{FF2B5EF4-FFF2-40B4-BE49-F238E27FC236}">
-                <a16:creationId xmlns:a16="http://schemas.microsoft.com/office/drawing/2014/main" id="{C50AD0BA-A02F-B48B-174F-11495177E997}"/>
-              </a:ext>
-            </a:extLst>
-          </p:cNvPr>
-          <p:cNvSpPr>
-            <a:spLocks noGrp="1"/>
-          </p:cNvSpPr>
-          <p:nvPr>
-            <p:ph idx="16"/>
-          </p:nvPr>
-        </p:nvSpPr>
-        <p:spPr>
-          <a:xfrm>
-            <a:off x="3834167" y="3434502"/>
-            <a:ext cx="4961467" cy="3121327"/>
-          </a:xfrm>
-        </p:spPr>
-        <p:txBody>
-          <a:bodyPr vert="horz" lIns="91440" tIns="45720" rIns="91440" bIns="45720" rtlCol="0" anchor="t">
-            <a:normAutofit/>
-          </a:bodyPr>
-          <a:lstStyle/>
-          <a:p>
-            <a:r>
-              <a:rPr lang="ja-JP" dirty="0">
-                <a:latin typeface="BIZ UDP明朝 Medium" panose="02020500000000000000" pitchFamily="18" charset="-128"/>
-                <a:ea typeface="BIZ UDP明朝 Medium" panose="02020500000000000000" pitchFamily="18" charset="-128"/>
-                <a:cs typeface="+mn-lt"/>
-              </a:rPr>
-              <a:t>不満：家事が</a:t>
-            </a:r>
-            <a:r>
-              <a:rPr lang="ja-JP" altLang="en-US" dirty="0">
-                <a:latin typeface="BIZ UDP明朝 Medium" panose="02020500000000000000" pitchFamily="18" charset="-128"/>
-                <a:ea typeface="BIZ UDP明朝 Medium" panose="02020500000000000000" pitchFamily="18" charset="-128"/>
-                <a:cs typeface="+mn-lt"/>
-              </a:rPr>
-              <a:t>正直面倒くさい。</a:t>
-            </a:r>
-            <a:endParaRPr lang="ja-JP" dirty="0">
-              <a:latin typeface="BIZ UDP明朝 Medium" panose="02020500000000000000" pitchFamily="18" charset="-128"/>
-              <a:ea typeface="BIZ UDP明朝 Medium" panose="02020500000000000000" pitchFamily="18" charset="-128"/>
-              <a:cs typeface="+mn-lt"/>
-            </a:endParaRPr>
-          </a:p>
-          <a:p>
-            <a:r>
-              <a:rPr lang="ja-JP" altLang="en-US" dirty="0">
-                <a:latin typeface="BIZ UDP明朝 Medium" panose="02020500000000000000" pitchFamily="18" charset="-128"/>
-                <a:ea typeface="BIZ UDP明朝 Medium" panose="02020500000000000000" pitchFamily="18" charset="-128"/>
-              </a:rPr>
-              <a:t>節約を効率的にできるようにしたい。</a:t>
-            </a:r>
-          </a:p>
-          <a:p>
-            <a:r>
-              <a:rPr lang="ja-JP" altLang="en-US" b="1" dirty="0">
-                <a:solidFill>
-                  <a:srgbClr val="056334"/>
-                </a:solidFill>
-                <a:latin typeface="BIZ UDP明朝 Medium" panose="02020500000000000000" pitchFamily="18" charset="-128"/>
-                <a:ea typeface="BIZ UDP明朝 Medium" panose="02020500000000000000" pitchFamily="18" charset="-128"/>
-                <a:cs typeface="+mn-lt"/>
-              </a:rPr>
-              <a:t>Netflixで見る映画・作品に迷うのが嫌。</a:t>
-            </a:r>
-          </a:p>
-          <a:p>
-            <a:endParaRPr lang="ja-JP" altLang="en-US" dirty="0">
-              <a:latin typeface="BIZ UDP明朝 Medium" panose="02020500000000000000" pitchFamily="18" charset="-128"/>
-              <a:ea typeface="BIZ UDP明朝 Medium" panose="02020500000000000000" pitchFamily="18" charset="-128"/>
-              <a:cs typeface="+mn-lt"/>
-            </a:endParaRPr>
-          </a:p>
-          <a:p>
-            <a:r>
-              <a:rPr lang="ja-JP" dirty="0">
-                <a:latin typeface="BIZ UDP明朝 Medium" panose="02020500000000000000" pitchFamily="18" charset="-128"/>
-                <a:ea typeface="BIZ UDP明朝 Medium" panose="02020500000000000000" pitchFamily="18" charset="-128"/>
-                <a:cs typeface="+mn-lt"/>
-              </a:rPr>
-              <a:t>満足：たまに学生時代の友人から</a:t>
-            </a:r>
-            <a:r>
-              <a:rPr lang="ja-JP" altLang="en-US" dirty="0">
-                <a:latin typeface="BIZ UDP明朝 Medium" panose="02020500000000000000" pitchFamily="18" charset="-128"/>
-                <a:ea typeface="BIZ UDP明朝 Medium" panose="02020500000000000000" pitchFamily="18" charset="-128"/>
-                <a:cs typeface="+mn-lt"/>
-              </a:rPr>
-              <a:t>呼</a:t>
-            </a:r>
-            <a:r>
-              <a:rPr lang="ja-JP" dirty="0">
-                <a:latin typeface="BIZ UDP明朝 Medium" panose="02020500000000000000" pitchFamily="18" charset="-128"/>
-                <a:ea typeface="BIZ UDP明朝 Medium" panose="02020500000000000000" pitchFamily="18" charset="-128"/>
-                <a:cs typeface="+mn-lt"/>
-              </a:rPr>
-              <a:t>ばれて飲み会</a:t>
-            </a:r>
-            <a:r>
-              <a:rPr lang="ja-JP" altLang="en-US" dirty="0">
-                <a:latin typeface="BIZ UDP明朝 Medium" panose="02020500000000000000" pitchFamily="18" charset="-128"/>
-                <a:ea typeface="BIZ UDP明朝 Medium" panose="02020500000000000000" pitchFamily="18" charset="-128"/>
-                <a:cs typeface="+mn-lt"/>
-              </a:rPr>
-              <a:t>に行くのが楽しい。</a:t>
-            </a:r>
-            <a:endParaRPr lang="ja-JP" altLang="en-US" dirty="0">
-              <a:latin typeface="BIZ UDP明朝 Medium" panose="02020500000000000000" pitchFamily="18" charset="-128"/>
-              <a:ea typeface="BIZ UDP明朝 Medium" panose="02020500000000000000" pitchFamily="18" charset="-128"/>
-            </a:endParaRPr>
-          </a:p>
-          <a:p>
-            <a:r>
-              <a:rPr lang="ja-JP" altLang="en-US" dirty="0">
-                <a:latin typeface="BIZ UDP明朝 Medium" panose="02020500000000000000" pitchFamily="18" charset="-128"/>
-                <a:ea typeface="BIZ UDP明朝 Medium" panose="02020500000000000000" pitchFamily="18" charset="-128"/>
-                <a:cs typeface="+mn-lt"/>
-              </a:rPr>
-              <a:t>ただ出費が大きいので毎回迷う。</a:t>
-            </a:r>
-            <a:endParaRPr lang="ja-JP" dirty="0">
-              <a:latin typeface="BIZ UDP明朝 Medium" panose="02020500000000000000" pitchFamily="18" charset="-128"/>
-              <a:ea typeface="BIZ UDP明朝 Medium" panose="02020500000000000000" pitchFamily="18" charset="-128"/>
-              <a:cs typeface="+mn-lt"/>
-            </a:endParaRPr>
-          </a:p>
-          <a:p>
-            <a:endParaRPr lang="ja-JP" altLang="en-US" dirty="0">
-              <a:latin typeface="BIZ UDP明朝 Medium" panose="02020500000000000000" pitchFamily="18" charset="-128"/>
-              <a:ea typeface="BIZ UDP明朝 Medium" panose="02020500000000000000" pitchFamily="18" charset="-128"/>
-              <a:cs typeface="+mn-lt"/>
-            </a:endParaRPr>
-          </a:p>
-          <a:p>
-            <a:r>
-              <a:rPr lang="ja-JP" altLang="en-US" dirty="0">
-                <a:latin typeface="BIZ UDP明朝 Medium" panose="02020500000000000000" pitchFamily="18" charset="-128"/>
-                <a:ea typeface="BIZ UDP明朝 Medium" panose="02020500000000000000" pitchFamily="18" charset="-128"/>
-                <a:cs typeface="+mn-lt"/>
-              </a:rPr>
-              <a:t>欲求：</a:t>
-            </a:r>
-            <a:r>
-              <a:rPr lang="ja-JP" b="1" dirty="0">
-                <a:solidFill>
-                  <a:srgbClr val="056334"/>
-                </a:solidFill>
-                <a:latin typeface="BIZ UDP明朝 Medium" panose="02020500000000000000" pitchFamily="18" charset="-128"/>
-                <a:ea typeface="BIZ UDP明朝 Medium" panose="02020500000000000000" pitchFamily="18" charset="-128"/>
-                <a:cs typeface="+mn-lt"/>
-              </a:rPr>
-              <a:t>最新の映画</a:t>
-            </a:r>
-            <a:r>
-              <a:rPr lang="ja-JP" altLang="en-US" b="1" dirty="0">
-                <a:solidFill>
-                  <a:srgbClr val="056334"/>
-                </a:solidFill>
-                <a:latin typeface="BIZ UDP明朝 Medium" panose="02020500000000000000" pitchFamily="18" charset="-128"/>
-                <a:ea typeface="BIZ UDP明朝 Medium" panose="02020500000000000000" pitchFamily="18" charset="-128"/>
-                <a:cs typeface="+mn-lt"/>
-              </a:rPr>
-              <a:t>も</a:t>
-            </a:r>
-            <a:r>
-              <a:rPr lang="ja-JP" b="1" dirty="0">
-                <a:solidFill>
-                  <a:srgbClr val="056334"/>
-                </a:solidFill>
-                <a:latin typeface="BIZ UDP明朝 Medium" panose="02020500000000000000" pitchFamily="18" charset="-128"/>
-                <a:ea typeface="BIZ UDP明朝 Medium" panose="02020500000000000000" pitchFamily="18" charset="-128"/>
-                <a:cs typeface="+mn-lt"/>
-              </a:rPr>
-              <a:t>家で見たい</a:t>
-            </a:r>
-            <a:r>
-              <a:rPr lang="ja-JP" altLang="en-US" b="1" dirty="0">
-                <a:solidFill>
-                  <a:srgbClr val="056334"/>
-                </a:solidFill>
-                <a:latin typeface="BIZ UDP明朝 Medium" panose="02020500000000000000" pitchFamily="18" charset="-128"/>
-                <a:ea typeface="BIZ UDP明朝 Medium" panose="02020500000000000000" pitchFamily="18" charset="-128"/>
-                <a:cs typeface="+mn-lt"/>
-              </a:rPr>
-              <a:t>。また、Netflix作品のレビューが見れたら嬉しい。</a:t>
-            </a:r>
-            <a:endParaRPr lang="ja-JP" altLang="en-US" b="1" dirty="0">
-              <a:solidFill>
-                <a:srgbClr val="056334"/>
-              </a:solidFill>
-              <a:latin typeface="BIZ UDP明朝 Medium" panose="02020500000000000000" pitchFamily="18" charset="-128"/>
-              <a:ea typeface="BIZ UDP明朝 Medium" panose="02020500000000000000" pitchFamily="18" charset="-128"/>
-            </a:endParaRPr>
-          </a:p>
-          <a:p>
-            <a:r>
-              <a:rPr lang="ja-JP" altLang="en-US" dirty="0">
-                <a:latin typeface="BIZ UDP明朝 Medium" panose="02020500000000000000" pitchFamily="18" charset="-128"/>
-                <a:ea typeface="BIZ UDP明朝 Medium" panose="02020500000000000000" pitchFamily="18" charset="-128"/>
-              </a:rPr>
-              <a:t>制限警告機能付きの家計簿アプリがあったら便利。</a:t>
-            </a:r>
-            <a:endParaRPr lang="ja-JP" dirty="0">
-              <a:latin typeface="BIZ UDP明朝 Medium" panose="02020500000000000000" pitchFamily="18" charset="-128"/>
-              <a:ea typeface="BIZ UDP明朝 Medium" panose="02020500000000000000" pitchFamily="18" charset="-128"/>
-            </a:endParaRPr>
-          </a:p>
-          <a:p>
-            <a:r>
-              <a:rPr lang="ja-JP" altLang="en-US" dirty="0">
-                <a:latin typeface="BIZ UDP明朝 Medium" panose="02020500000000000000" pitchFamily="18" charset="-128"/>
-                <a:ea typeface="BIZ UDP明朝 Medium" panose="02020500000000000000" pitchFamily="18" charset="-128"/>
-              </a:rPr>
-              <a:t>便利な家事手助けツール(ToDoリスト・リマインド・アラーム・カレンダーなど)があったら使いたい。</a:t>
-            </a:r>
-          </a:p>
-          <a:p>
-            <a:r>
-              <a:rPr lang="ja-JP" dirty="0">
-                <a:latin typeface="BIZ UDP明朝 Medium" panose="02020500000000000000" pitchFamily="18" charset="-128"/>
-                <a:ea typeface="BIZ UDP明朝 Medium" panose="02020500000000000000" pitchFamily="18" charset="-128"/>
-              </a:rPr>
-              <a:t>愛に飢えている(恋人なし)。</a:t>
-            </a:r>
-            <a:endParaRPr lang="ja-JP" dirty="0">
-              <a:latin typeface="BIZ UDP明朝 Medium" panose="02020500000000000000" pitchFamily="18" charset="-128"/>
-              <a:ea typeface="BIZ UDP明朝 Medium" panose="02020500000000000000" pitchFamily="18" charset="-128"/>
-              <a:cs typeface="+mn-lt"/>
-            </a:endParaRPr>
-          </a:p>
-        </p:txBody>
-      </p:sp>
-      <p:pic>
-        <p:nvPicPr>
-          <p:cNvPr id="11" name="図 10" descr="テキスト, 線画 が含まれている画像&#10;&#10;自動的に生成された説明">
-            <a:extLst>
-              <a:ext uri="{FF2B5EF4-FFF2-40B4-BE49-F238E27FC236}">
-                <a16:creationId xmlns:a16="http://schemas.microsoft.com/office/drawing/2014/main" id="{FB17C7A7-350E-8B60-D9DE-28D9F1CF935B}"/>
-              </a:ext>
-            </a:extLst>
-          </p:cNvPr>
-          <p:cNvPicPr>
-            <a:picLocks noChangeAspect="1"/>
-          </p:cNvPicPr>
-          <p:nvPr/>
-        </p:nvPicPr>
-        <p:blipFill>
-          <a:blip r:embed="rId2">
-            <a:extLst>
-              <a:ext uri="{28A0092B-C50C-407E-A947-70E740481C1C}">
-                <a14:useLocalDpi xmlns:a14="http://schemas.microsoft.com/office/drawing/2010/main" val="0"/>
-              </a:ext>
-            </a:extLst>
-          </a:blip>
-          <a:stretch>
-            <a:fillRect/>
-          </a:stretch>
-        </p:blipFill>
-        <p:spPr>
-          <a:xfrm>
-            <a:off x="728871" y="605196"/>
-            <a:ext cx="2197066" cy="2191202"/>
-          </a:xfrm>
-          <a:prstGeom prst="rect">
-            <a:avLst/>
-          </a:prstGeom>
-        </p:spPr>
-      </p:pic>
-    </p:spTree>
-    <p:extLst>
-      <p:ext uri="{BB962C8B-B14F-4D97-AF65-F5344CB8AC3E}">
-        <p14:creationId xmlns:p14="http://schemas.microsoft.com/office/powerpoint/2010/main" val="70059969"/>
-      </p:ext>
-    </p:extLst>
-  </p:cSld>
-  <p:clrMapOvr>
-    <a:masterClrMapping/>
-  </p:clrMapOvr>
-</p:sld>
-</file>
-
-<file path=ppt/slides/slide6.xml><?xml version="1.0" encoding="utf-8"?>
 <p:sld xmlns:a="http://schemas.openxmlformats.org/drawingml/2006/main" xmlns:r="http://schemas.openxmlformats.org/officeDocument/2006/relationships" xmlns:p="http://schemas.openxmlformats.org/presentationml/2006/main">
   <p:cSld>
     <p:spTree>
@@ -14134,7 +11615,7 @@
 </p:sld>
 </file>
 
-<file path=ppt/slides/slide7.xml><?xml version="1.0" encoding="utf-8"?>
+<file path=ppt/slides/slide6.xml><?xml version="1.0" encoding="utf-8"?>
 <p:sld xmlns:a="http://schemas.openxmlformats.org/drawingml/2006/main" xmlns:r="http://schemas.openxmlformats.org/officeDocument/2006/relationships" xmlns:p="http://schemas.openxmlformats.org/presentationml/2006/main">
   <p:cSld>
     <p:spTree>
@@ -14319,7 +11800,7 @@
 </p:sld>
 </file>
 
-<file path=ppt/slides/slide8.xml><?xml version="1.0" encoding="utf-8"?>
+<file path=ppt/slides/slide7.xml><?xml version="1.0" encoding="utf-8"?>
 <p:sld xmlns:a="http://schemas.openxmlformats.org/drawingml/2006/main" xmlns:r="http://schemas.openxmlformats.org/officeDocument/2006/relationships" xmlns:p="http://schemas.openxmlformats.org/presentationml/2006/main">
   <p:cSld>
     <p:spTree>
@@ -14504,7 +11985,7 @@
 </p:sld>
 </file>
 
-<file path=ppt/slides/slide9.xml><?xml version="1.0" encoding="utf-8"?>
+<file path=ppt/slides/slide8.xml><?xml version="1.0" encoding="utf-8"?>
 <p:sld xmlns:a="http://schemas.openxmlformats.org/drawingml/2006/main" xmlns:r="http://schemas.openxmlformats.org/officeDocument/2006/relationships" xmlns:p="http://schemas.openxmlformats.org/presentationml/2006/main">
   <p:cSld>
     <p:spTree>
@@ -14693,6 +12174,184 @@
     <p:extLst>
       <p:ext uri="{BB962C8B-B14F-4D97-AF65-F5344CB8AC3E}">
         <p14:creationId xmlns:p14="http://schemas.microsoft.com/office/powerpoint/2010/main" val="1661844900"/>
+      </p:ext>
+    </p:extLst>
+  </p:cSld>
+  <p:clrMapOvr>
+    <a:masterClrMapping/>
+  </p:clrMapOvr>
+</p:sld>
+</file>
+
+<file path=ppt/slides/slide9.xml><?xml version="1.0" encoding="utf-8"?>
+<p:sld xmlns:a="http://schemas.openxmlformats.org/drawingml/2006/main" xmlns:r="http://schemas.openxmlformats.org/officeDocument/2006/relationships" xmlns:p="http://schemas.openxmlformats.org/presentationml/2006/main">
+  <p:cSld>
+    <p:spTree>
+      <p:nvGrpSpPr>
+        <p:cNvPr id="1" name=""/>
+        <p:cNvGrpSpPr/>
+        <p:nvPr/>
+      </p:nvGrpSpPr>
+      <p:grpSpPr>
+        <a:xfrm>
+          <a:off x="0" y="0"/>
+          <a:ext cx="0" cy="0"/>
+          <a:chOff x="0" y="0"/>
+          <a:chExt cx="0" cy="0"/>
+        </a:xfrm>
+      </p:grpSpPr>
+      <p:sp>
+        <p:nvSpPr>
+          <p:cNvPr id="5" name="正方形/長方形 4">
+            <a:extLst>
+              <a:ext uri="{FF2B5EF4-FFF2-40B4-BE49-F238E27FC236}">
+                <a16:creationId xmlns:a16="http://schemas.microsoft.com/office/drawing/2014/main" id="{96A5B499-DEBF-310B-53C2-933BD9FB2353}"/>
+              </a:ext>
+            </a:extLst>
+          </p:cNvPr>
+          <p:cNvSpPr/>
+          <p:nvPr/>
+        </p:nvSpPr>
+        <p:spPr>
+          <a:xfrm>
+            <a:off x="682487" y="301487"/>
+            <a:ext cx="10827026" cy="6255026"/>
+          </a:xfrm>
+          <a:prstGeom prst="rect">
+            <a:avLst/>
+          </a:prstGeom>
+          <a:solidFill>
+            <a:schemeClr val="bg1"/>
+          </a:solidFill>
+          <a:ln>
+            <a:noFill/>
+          </a:ln>
+        </p:spPr>
+        <p:style>
+          <a:lnRef idx="2">
+            <a:schemeClr val="accent1">
+              <a:shade val="50000"/>
+            </a:schemeClr>
+          </a:lnRef>
+          <a:fillRef idx="1">
+            <a:schemeClr val="accent1"/>
+          </a:fillRef>
+          <a:effectRef idx="0">
+            <a:schemeClr val="accent1"/>
+          </a:effectRef>
+          <a:fontRef idx="minor">
+            <a:schemeClr val="lt1"/>
+          </a:fontRef>
+        </p:style>
+        <p:txBody>
+          <a:bodyPr rtlCol="0" anchor="ctr"/>
+          <a:lstStyle/>
+          <a:p>
+            <a:pPr algn="ctr"/>
+            <a:endParaRPr kumimoji="1" lang="ja-JP" altLang="en-US"/>
+          </a:p>
+        </p:txBody>
+      </p:sp>
+      <p:sp>
+        <p:nvSpPr>
+          <p:cNvPr id="2" name="タイトル 1">
+            <a:extLst>
+              <a:ext uri="{FF2B5EF4-FFF2-40B4-BE49-F238E27FC236}">
+                <a16:creationId xmlns:a16="http://schemas.microsoft.com/office/drawing/2014/main" id="{567BCC82-8CB1-3055-6FCE-39E6F1E069C2}"/>
+              </a:ext>
+            </a:extLst>
+          </p:cNvPr>
+          <p:cNvSpPr>
+            <a:spLocks noGrp="1"/>
+          </p:cNvSpPr>
+          <p:nvPr>
+            <p:ph type="title"/>
+          </p:nvPr>
+        </p:nvSpPr>
+        <p:spPr/>
+        <p:txBody>
+          <a:bodyPr/>
+          <a:lstStyle/>
+          <a:p>
+            <a:pPr algn="ctr"/>
+            <a:r>
+              <a:rPr kumimoji="1" lang="ja-JP" altLang="en-US" b="1" dirty="0">
+                <a:solidFill>
+                  <a:srgbClr val="056334"/>
+                </a:solidFill>
+                <a:latin typeface="HGS行書体" panose="03000600000000000000" pitchFamily="66" charset="-128"/>
+                <a:ea typeface="HGS行書体" panose="03000600000000000000" pitchFamily="66" charset="-128"/>
+              </a:rPr>
+              <a:t>投稿数ランキング</a:t>
+            </a:r>
+          </a:p>
+        </p:txBody>
+      </p:sp>
+      <p:pic>
+        <p:nvPicPr>
+          <p:cNvPr id="6" name="図 5" descr="ロゴ&#10;&#10;自動的に生成された説明">
+            <a:extLst>
+              <a:ext uri="{FF2B5EF4-FFF2-40B4-BE49-F238E27FC236}">
+                <a16:creationId xmlns:a16="http://schemas.microsoft.com/office/drawing/2014/main" id="{732F8A9F-BB72-C13A-DD69-19780233B332}"/>
+              </a:ext>
+            </a:extLst>
+          </p:cNvPr>
+          <p:cNvPicPr>
+            <a:picLocks noChangeAspect="1"/>
+          </p:cNvPicPr>
+          <p:nvPr/>
+        </p:nvPicPr>
+        <p:blipFill>
+          <a:blip r:embed="rId2">
+            <a:extLst>
+              <a:ext uri="{28A0092B-C50C-407E-A947-70E740481C1C}">
+                <a14:useLocalDpi xmlns:a14="http://schemas.microsoft.com/office/drawing/2010/main" val="0"/>
+              </a:ext>
+            </a:extLst>
+          </a:blip>
+          <a:stretch>
+            <a:fillRect/>
+          </a:stretch>
+        </p:blipFill>
+        <p:spPr>
+          <a:xfrm>
+            <a:off x="10270436" y="5919485"/>
+            <a:ext cx="1081500" cy="504700"/>
+          </a:xfrm>
+          <a:prstGeom prst="rect">
+            <a:avLst/>
+          </a:prstGeom>
+        </p:spPr>
+      </p:pic>
+      <p:sp>
+        <p:nvSpPr>
+          <p:cNvPr id="4" name="コンテンツ プレースホルダー 3">
+            <a:extLst>
+              <a:ext uri="{FF2B5EF4-FFF2-40B4-BE49-F238E27FC236}">
+                <a16:creationId xmlns:a16="http://schemas.microsoft.com/office/drawing/2014/main" id="{DF6679A2-0BA7-351A-41CD-AFB980CD0409}"/>
+              </a:ext>
+            </a:extLst>
+          </p:cNvPr>
+          <p:cNvSpPr>
+            <a:spLocks noGrp="1"/>
+          </p:cNvSpPr>
+          <p:nvPr>
+            <p:ph idx="1"/>
+          </p:nvPr>
+        </p:nvSpPr>
+        <p:spPr/>
+        <p:txBody>
+          <a:bodyPr/>
+          <a:lstStyle/>
+          <a:p>
+            <a:endParaRPr lang="ja-JP" altLang="en-US"/>
+          </a:p>
+        </p:txBody>
+      </p:sp>
+    </p:spTree>
+    <p:extLst>
+      <p:ext uri="{BB962C8B-B14F-4D97-AF65-F5344CB8AC3E}">
+        <p14:creationId xmlns:p14="http://schemas.microsoft.com/office/powerpoint/2010/main" val="717383438"/>
       </p:ext>
     </p:extLst>
   </p:cSld>
@@ -15295,207 +12954,6 @@
 <file path=ppt/theme/theme3.xml><?xml version="1.0" encoding="utf-8"?>
 <a:theme xmlns:a="http://schemas.openxmlformats.org/drawingml/2006/main" name="Office テーマ">
   <a:themeElements>
-    <a:clrScheme name="ユーザー定義 5">
-      <a:dk1>
-        <a:srgbClr val="000000"/>
-      </a:dk1>
-      <a:lt1>
-        <a:sysClr val="window" lastClr="FFFFFF"/>
-      </a:lt1>
-      <a:dk2>
-        <a:srgbClr val="455F51"/>
-      </a:dk2>
-      <a:lt2>
-        <a:srgbClr val="E2DFCC"/>
-      </a:lt2>
-      <a:accent1>
-        <a:srgbClr val="99CB38"/>
-      </a:accent1>
-      <a:accent2>
-        <a:srgbClr val="63A537"/>
-      </a:accent2>
-      <a:accent3>
-        <a:srgbClr val="000000"/>
-      </a:accent3>
-      <a:accent4>
-        <a:srgbClr val="A3060C"/>
-      </a:accent4>
-      <a:accent5>
-        <a:srgbClr val="63A537"/>
-      </a:accent5>
-      <a:accent6>
-        <a:srgbClr val="000000"/>
-      </a:accent6>
-      <a:hlink>
-        <a:srgbClr val="EE7B08"/>
-      </a:hlink>
-      <a:folHlink>
-        <a:srgbClr val="977B2D"/>
-      </a:folHlink>
-    </a:clrScheme>
-    <a:fontScheme name="ユーザー定義 2">
-      <a:majorFont>
-        <a:latin typeface="BIZ UDP明朝 Medium"/>
-        <a:ea typeface="BIZ UDP明朝 Medium"/>
-        <a:cs typeface=""/>
-      </a:majorFont>
-      <a:minorFont>
-        <a:latin typeface="BIZ UDP明朝 Medium"/>
-        <a:ea typeface="BIZ UDP明朝 Medium"/>
-        <a:cs typeface=""/>
-      </a:minorFont>
-    </a:fontScheme>
-    <a:fmtScheme name="Office">
-      <a:fillStyleLst>
-        <a:solidFill>
-          <a:schemeClr val="phClr"/>
-        </a:solidFill>
-        <a:gradFill rotWithShape="1">
-          <a:gsLst>
-            <a:gs pos="0">
-              <a:schemeClr val="phClr">
-                <a:lumMod val="110000"/>
-                <a:satMod val="105000"/>
-                <a:tint val="67000"/>
-              </a:schemeClr>
-            </a:gs>
-            <a:gs pos="50000">
-              <a:schemeClr val="phClr">
-                <a:lumMod val="105000"/>
-                <a:satMod val="103000"/>
-                <a:tint val="73000"/>
-              </a:schemeClr>
-            </a:gs>
-            <a:gs pos="100000">
-              <a:schemeClr val="phClr">
-                <a:lumMod val="105000"/>
-                <a:satMod val="109000"/>
-                <a:tint val="81000"/>
-              </a:schemeClr>
-            </a:gs>
-          </a:gsLst>
-          <a:lin ang="5400000" scaled="0"/>
-        </a:gradFill>
-        <a:gradFill rotWithShape="1">
-          <a:gsLst>
-            <a:gs pos="0">
-              <a:schemeClr val="phClr">
-                <a:satMod val="103000"/>
-                <a:lumMod val="102000"/>
-                <a:tint val="94000"/>
-              </a:schemeClr>
-            </a:gs>
-            <a:gs pos="50000">
-              <a:schemeClr val="phClr">
-                <a:satMod val="110000"/>
-                <a:lumMod val="100000"/>
-                <a:shade val="100000"/>
-              </a:schemeClr>
-            </a:gs>
-            <a:gs pos="100000">
-              <a:schemeClr val="phClr">
-                <a:lumMod val="99000"/>
-                <a:satMod val="120000"/>
-                <a:shade val="78000"/>
-              </a:schemeClr>
-            </a:gs>
-          </a:gsLst>
-          <a:lin ang="5400000" scaled="0"/>
-        </a:gradFill>
-      </a:fillStyleLst>
-      <a:lnStyleLst>
-        <a:ln w="6350" cap="flat" cmpd="sng" algn="ctr">
-          <a:solidFill>
-            <a:schemeClr val="phClr"/>
-          </a:solidFill>
-          <a:prstDash val="solid"/>
-          <a:miter lim="800000"/>
-        </a:ln>
-        <a:ln w="12700" cap="flat" cmpd="sng" algn="ctr">
-          <a:solidFill>
-            <a:schemeClr val="phClr"/>
-          </a:solidFill>
-          <a:prstDash val="solid"/>
-          <a:miter lim="800000"/>
-        </a:ln>
-        <a:ln w="19050" cap="flat" cmpd="sng" algn="ctr">
-          <a:solidFill>
-            <a:schemeClr val="phClr"/>
-          </a:solidFill>
-          <a:prstDash val="solid"/>
-          <a:miter lim="800000"/>
-        </a:ln>
-      </a:lnStyleLst>
-      <a:effectStyleLst>
-        <a:effectStyle>
-          <a:effectLst/>
-        </a:effectStyle>
-        <a:effectStyle>
-          <a:effectLst/>
-        </a:effectStyle>
-        <a:effectStyle>
-          <a:effectLst>
-            <a:outerShdw blurRad="57150" dist="19050" dir="5400000" algn="ctr" rotWithShape="0">
-              <a:srgbClr val="000000">
-                <a:alpha val="63000"/>
-              </a:srgbClr>
-            </a:outerShdw>
-          </a:effectLst>
-        </a:effectStyle>
-      </a:effectStyleLst>
-      <a:bgFillStyleLst>
-        <a:solidFill>
-          <a:schemeClr val="phClr"/>
-        </a:solidFill>
-        <a:solidFill>
-          <a:schemeClr val="phClr">
-            <a:tint val="95000"/>
-            <a:satMod val="170000"/>
-          </a:schemeClr>
-        </a:solidFill>
-        <a:gradFill rotWithShape="1">
-          <a:gsLst>
-            <a:gs pos="0">
-              <a:schemeClr val="phClr">
-                <a:tint val="93000"/>
-                <a:satMod val="150000"/>
-                <a:shade val="98000"/>
-                <a:lumMod val="102000"/>
-              </a:schemeClr>
-            </a:gs>
-            <a:gs pos="50000">
-              <a:schemeClr val="phClr">
-                <a:tint val="98000"/>
-                <a:satMod val="130000"/>
-                <a:shade val="90000"/>
-                <a:lumMod val="103000"/>
-              </a:schemeClr>
-            </a:gs>
-            <a:gs pos="100000">
-              <a:schemeClr val="phClr">
-                <a:shade val="63000"/>
-                <a:satMod val="120000"/>
-              </a:schemeClr>
-            </a:gs>
-          </a:gsLst>
-          <a:lin ang="5400000" scaled="0"/>
-        </a:gradFill>
-      </a:bgFillStyleLst>
-    </a:fmtScheme>
-  </a:themeElements>
-  <a:objectDefaults/>
-  <a:extraClrSchemeLst/>
-  <a:extLst>
-    <a:ext uri="{05A4C25C-085E-4340-85A3-A5531E510DB2}">
-      <thm15:themeFamily xmlns:thm15="http://schemas.microsoft.com/office/thememl/2012/main" name="Office Theme" id="{62F939B6-93AF-4DB8-9C6B-D6C7DFDC589F}" vid="{4A3C46E8-61CC-4603-A589-7422A47A8E4A}"/>
-    </a:ext>
-  </a:extLst>
-</a:theme>
-</file>
-
-<file path=ppt/theme/theme4.xml><?xml version="1.0" encoding="utf-8"?>
-<a:theme xmlns:a="http://schemas.openxmlformats.org/drawingml/2006/main" name="Office テーマ">
-  <a:themeElements>
     <a:clrScheme name="Office">
       <a:dk1>
         <a:sysClr val="windowText" lastClr="000000"/>

--- a/doc/コピー動画なし_B3炙りえんがわ_成果発表会資料.pptx
+++ b/doc/コピー動画なし_B3炙りえんがわ_成果発表会資料.pptx
@@ -2,32 +2,32 @@
 <file path=ppt/presentation.xml><?xml version="1.0" encoding="utf-8"?>
 <p:presentation xmlns:a="http://schemas.openxmlformats.org/drawingml/2006/main" xmlns:r="http://schemas.openxmlformats.org/officeDocument/2006/relationships" xmlns:p="http://schemas.openxmlformats.org/presentationml/2006/main" saveSubsetFonts="1">
   <p:sldMasterIdLst>
-    <p:sldMasterId id="2147483660" r:id="rId1"/>
-    <p:sldMasterId id="2147483662" r:id="rId2"/>
+    <p:sldMasterId id="2147483662" r:id="rId1"/>
+    <p:sldMasterId id="2147483660" r:id="rId2"/>
   </p:sldMasterIdLst>
   <p:notesMasterIdLst>
     <p:notesMasterId r:id="rId22"/>
   </p:notesMasterIdLst>
   <p:sldIdLst>
     <p:sldId id="256" r:id="rId3"/>
-    <p:sldId id="277" r:id="rId4"/>
-    <p:sldId id="274" r:id="rId5"/>
+    <p:sldId id="257" r:id="rId4"/>
+    <p:sldId id="258" r:id="rId5"/>
     <p:sldId id="259" r:id="rId6"/>
-    <p:sldId id="272" r:id="rId7"/>
-    <p:sldId id="258" r:id="rId8"/>
-    <p:sldId id="278" r:id="rId9"/>
-    <p:sldId id="279" r:id="rId10"/>
-    <p:sldId id="269" r:id="rId11"/>
-    <p:sldId id="281" r:id="rId12"/>
-    <p:sldId id="280" r:id="rId13"/>
-    <p:sldId id="271" r:id="rId14"/>
-    <p:sldId id="257" r:id="rId15"/>
-    <p:sldId id="282" r:id="rId16"/>
-    <p:sldId id="283" r:id="rId17"/>
-    <p:sldId id="284" r:id="rId18"/>
-    <p:sldId id="285" r:id="rId19"/>
-    <p:sldId id="286" r:id="rId20"/>
-    <p:sldId id="273" r:id="rId21"/>
+    <p:sldId id="260" r:id="rId7"/>
+    <p:sldId id="261" r:id="rId8"/>
+    <p:sldId id="262" r:id="rId9"/>
+    <p:sldId id="263" r:id="rId10"/>
+    <p:sldId id="264" r:id="rId11"/>
+    <p:sldId id="265" r:id="rId12"/>
+    <p:sldId id="266" r:id="rId13"/>
+    <p:sldId id="267" r:id="rId14"/>
+    <p:sldId id="268" r:id="rId15"/>
+    <p:sldId id="269" r:id="rId16"/>
+    <p:sldId id="270" r:id="rId17"/>
+    <p:sldId id="271" r:id="rId18"/>
+    <p:sldId id="272" r:id="rId19"/>
+    <p:sldId id="273" r:id="rId20"/>
+    <p:sldId id="274" r:id="rId21"/>
   </p:sldIdLst>
   <p:sldSz cx="12192000" cy="6858000"/>
   <p:notesSz cx="6858000" cy="9144000"/>
@@ -132,6 +132,33 @@
     </p:ext>
   </p:extLst>
 </p:presentation>
+</file>
+
+<file path=ppt/ink/ink1.xml><?xml version="1.0" encoding="utf-8"?>
+<inkml:ink xmlns:inkml="http://www.w3.org/2003/InkML">
+  <inkml:definitions>
+    <inkml:context xml:id="ctx0">
+      <inkml:inkSource xml:id="inkSrc0">
+        <inkml:traceFormat>
+          <inkml:channel name="X" type="integer" min="-2.14748E9" max="2.14748E9" units="cm"/>
+          <inkml:channel name="Y" type="integer" min="-2.14748E9" max="2.14748E9" units="cm"/>
+          <inkml:channel name="F" type="integer" max="32767" units="dev"/>
+        </inkml:traceFormat>
+        <inkml:channelProperties>
+          <inkml:channelProperty channel="X" name="resolution" value="1000" units="1/cm"/>
+          <inkml:channelProperty channel="Y" name="resolution" value="1000" units="1/cm"/>
+          <inkml:channelProperty channel="F" name="resolution" value="0" units="1/dev"/>
+        </inkml:channelProperties>
+      </inkml:inkSource>
+      <inkml:timestamp xml:id="ts0" timeString="2022-06-28T13:48:35.155"/>
+    </inkml:context>
+    <inkml:brush xml:id="br0">
+      <inkml:brushProperty name="width" value="0.05" units="cm"/>
+      <inkml:brushProperty name="height" value="0.05" units="cm"/>
+    </inkml:brush>
+  </inkml:definitions>
+  <inkml:trace contextRef="#ctx0" brushRef="#br0">0 0 24575,'0'0'-8191</inkml:trace>
+</inkml:ink>
 </file>
 
 <file path=ppt/notesMasters/notesMaster1.xml><?xml version="1.0" encoding="utf-8"?>
@@ -559,6 +586,763 @@
           <a:bodyPr/>
           <a:lstStyle/>
           <a:p>
+            <a:r>
+              <a:rPr kumimoji="1" lang="en-US" altLang="ja-JP" dirty="0"/>
+              <a:t>1</a:t>
+            </a:r>
+            <a:r>
+              <a:rPr kumimoji="1" lang="ja-JP" altLang="en-US" dirty="0"/>
+              <a:t>分</a:t>
+            </a:r>
+            <a:r>
+              <a:rPr kumimoji="1" lang="en-US" altLang="ja-JP" dirty="0"/>
+              <a:t>3</a:t>
+            </a:r>
+            <a:r>
+              <a:rPr kumimoji="1" lang="ja-JP" altLang="en-US" dirty="0"/>
+              <a:t>秒くらい？</a:t>
+            </a:r>
+          </a:p>
+        </p:txBody>
+      </p:sp>
+      <p:sp>
+        <p:nvSpPr>
+          <p:cNvPr id="4" name="スライド番号プレースホルダー 3"/>
+          <p:cNvSpPr>
+            <a:spLocks noGrp="1"/>
+          </p:cNvSpPr>
+          <p:nvPr>
+            <p:ph type="sldNum" sz="quarter" idx="5"/>
+          </p:nvPr>
+        </p:nvSpPr>
+        <p:spPr/>
+        <p:txBody>
+          <a:bodyPr/>
+          <a:lstStyle/>
+          <a:p>
+            <a:fld id="{7382D42A-24B4-4602-BEDB-08A64AE7D000}" type="slidenum">
+              <a:rPr kumimoji="1" lang="ja-JP" altLang="en-US" smtClean="0"/>
+              <a:t>6</a:t>
+            </a:fld>
+            <a:endParaRPr kumimoji="1" lang="ja-JP" altLang="en-US"/>
+          </a:p>
+        </p:txBody>
+      </p:sp>
+    </p:spTree>
+    <p:extLst>
+      <p:ext uri="{BB962C8B-B14F-4D97-AF65-F5344CB8AC3E}">
+        <p14:creationId xmlns:p14="http://schemas.microsoft.com/office/powerpoint/2010/main" val="2144975056"/>
+      </p:ext>
+    </p:extLst>
+  </p:cSld>
+  <p:clrMapOvr>
+    <a:masterClrMapping/>
+  </p:clrMapOvr>
+</p:notes>
+</file>
+
+<file path=ppt/notesSlides/notesSlide2.xml><?xml version="1.0" encoding="utf-8"?>
+<p:notes xmlns:a="http://schemas.openxmlformats.org/drawingml/2006/main" xmlns:r="http://schemas.openxmlformats.org/officeDocument/2006/relationships" xmlns:p="http://schemas.openxmlformats.org/presentationml/2006/main">
+  <p:cSld>
+    <p:spTree>
+      <p:nvGrpSpPr>
+        <p:cNvPr id="1" name=""/>
+        <p:cNvGrpSpPr/>
+        <p:nvPr/>
+      </p:nvGrpSpPr>
+      <p:grpSpPr>
+        <a:xfrm>
+          <a:off x="0" y="0"/>
+          <a:ext cx="0" cy="0"/>
+          <a:chOff x="0" y="0"/>
+          <a:chExt cx="0" cy="0"/>
+        </a:xfrm>
+      </p:grpSpPr>
+      <p:sp>
+        <p:nvSpPr>
+          <p:cNvPr id="2" name="スライド イメージ プレースホルダー 1"/>
+          <p:cNvSpPr>
+            <a:spLocks noGrp="1" noRot="1" noChangeAspect="1"/>
+          </p:cNvSpPr>
+          <p:nvPr>
+            <p:ph type="sldImg"/>
+          </p:nvPr>
+        </p:nvSpPr>
+        <p:spPr/>
+      </p:sp>
+      <p:sp>
+        <p:nvSpPr>
+          <p:cNvPr id="3" name="ノート プレースホルダー 2"/>
+          <p:cNvSpPr>
+            <a:spLocks noGrp="1"/>
+          </p:cNvSpPr>
+          <p:nvPr>
+            <p:ph type="body" idx="1"/>
+          </p:nvPr>
+        </p:nvSpPr>
+        <p:spPr/>
+        <p:txBody>
+          <a:bodyPr/>
+          <a:lstStyle/>
+          <a:p>
+            <a:r>
+              <a:rPr kumimoji="1" lang="en-US" altLang="ja-JP" dirty="0"/>
+              <a:t>1</a:t>
+            </a:r>
+            <a:r>
+              <a:rPr kumimoji="1" lang="ja-JP" altLang="en-US" dirty="0"/>
+              <a:t>分くらい</a:t>
+            </a:r>
+          </a:p>
+        </p:txBody>
+      </p:sp>
+      <p:sp>
+        <p:nvSpPr>
+          <p:cNvPr id="4" name="スライド番号プレースホルダー 3"/>
+          <p:cNvSpPr>
+            <a:spLocks noGrp="1"/>
+          </p:cNvSpPr>
+          <p:nvPr>
+            <p:ph type="sldNum" sz="quarter" idx="5"/>
+          </p:nvPr>
+        </p:nvSpPr>
+        <p:spPr/>
+        <p:txBody>
+          <a:bodyPr/>
+          <a:lstStyle/>
+          <a:p>
+            <a:fld id="{7382D42A-24B4-4602-BEDB-08A64AE7D000}" type="slidenum">
+              <a:rPr kumimoji="1" lang="ja-JP" altLang="en-US" smtClean="0"/>
+              <a:t>7</a:t>
+            </a:fld>
+            <a:endParaRPr kumimoji="1" lang="ja-JP" altLang="en-US"/>
+          </a:p>
+        </p:txBody>
+      </p:sp>
+    </p:spTree>
+    <p:extLst>
+      <p:ext uri="{BB962C8B-B14F-4D97-AF65-F5344CB8AC3E}">
+        <p14:creationId xmlns:p14="http://schemas.microsoft.com/office/powerpoint/2010/main" val="1505877434"/>
+      </p:ext>
+    </p:extLst>
+  </p:cSld>
+  <p:clrMapOvr>
+    <a:masterClrMapping/>
+  </p:clrMapOvr>
+</p:notes>
+</file>
+
+<file path=ppt/notesSlides/notesSlide3.xml><?xml version="1.0" encoding="utf-8"?>
+<p:notes xmlns:a="http://schemas.openxmlformats.org/drawingml/2006/main" xmlns:r="http://schemas.openxmlformats.org/officeDocument/2006/relationships" xmlns:p="http://schemas.openxmlformats.org/presentationml/2006/main">
+  <p:cSld>
+    <p:spTree>
+      <p:nvGrpSpPr>
+        <p:cNvPr id="1" name=""/>
+        <p:cNvGrpSpPr/>
+        <p:nvPr/>
+      </p:nvGrpSpPr>
+      <p:grpSpPr>
+        <a:xfrm>
+          <a:off x="0" y="0"/>
+          <a:ext cx="0" cy="0"/>
+          <a:chOff x="0" y="0"/>
+          <a:chExt cx="0" cy="0"/>
+        </a:xfrm>
+      </p:grpSpPr>
+      <p:sp>
+        <p:nvSpPr>
+          <p:cNvPr id="2" name="スライド イメージ プレースホルダー 1"/>
+          <p:cNvSpPr>
+            <a:spLocks noGrp="1" noRot="1" noChangeAspect="1"/>
+          </p:cNvSpPr>
+          <p:nvPr>
+            <p:ph type="sldImg"/>
+          </p:nvPr>
+        </p:nvSpPr>
+        <p:spPr/>
+      </p:sp>
+      <p:sp>
+        <p:nvSpPr>
+          <p:cNvPr id="3" name="ノート プレースホルダー 2"/>
+          <p:cNvSpPr>
+            <a:spLocks noGrp="1"/>
+          </p:cNvSpPr>
+          <p:nvPr>
+            <p:ph type="body" idx="1"/>
+          </p:nvPr>
+        </p:nvSpPr>
+        <p:spPr/>
+        <p:txBody>
+          <a:bodyPr/>
+          <a:lstStyle/>
+          <a:p>
+            <a:r>
+              <a:rPr kumimoji="1" lang="en-US" altLang="ja-JP" dirty="0"/>
+              <a:t>1</a:t>
+            </a:r>
+            <a:r>
+              <a:rPr kumimoji="1" lang="ja-JP" altLang="en-US" dirty="0"/>
+              <a:t>分くらい</a:t>
+            </a:r>
+          </a:p>
+        </p:txBody>
+      </p:sp>
+      <p:sp>
+        <p:nvSpPr>
+          <p:cNvPr id="4" name="スライド番号プレースホルダー 3"/>
+          <p:cNvSpPr>
+            <a:spLocks noGrp="1"/>
+          </p:cNvSpPr>
+          <p:nvPr>
+            <p:ph type="sldNum" sz="quarter" idx="5"/>
+          </p:nvPr>
+        </p:nvSpPr>
+        <p:spPr/>
+        <p:txBody>
+          <a:bodyPr/>
+          <a:lstStyle/>
+          <a:p>
+            <a:fld id="{7382D42A-24B4-4602-BEDB-08A64AE7D000}" type="slidenum">
+              <a:rPr kumimoji="1" lang="ja-JP" altLang="en-US" smtClean="0"/>
+              <a:t>8</a:t>
+            </a:fld>
+            <a:endParaRPr kumimoji="1" lang="ja-JP" altLang="en-US"/>
+          </a:p>
+        </p:txBody>
+      </p:sp>
+    </p:spTree>
+    <p:extLst>
+      <p:ext uri="{BB962C8B-B14F-4D97-AF65-F5344CB8AC3E}">
+        <p14:creationId xmlns:p14="http://schemas.microsoft.com/office/powerpoint/2010/main" val="1424188223"/>
+      </p:ext>
+    </p:extLst>
+  </p:cSld>
+  <p:clrMapOvr>
+    <a:masterClrMapping/>
+  </p:clrMapOvr>
+</p:notes>
+</file>
+
+<file path=ppt/notesSlides/notesSlide4.xml><?xml version="1.0" encoding="utf-8"?>
+<p:notes xmlns:a="http://schemas.openxmlformats.org/drawingml/2006/main" xmlns:r="http://schemas.openxmlformats.org/officeDocument/2006/relationships" xmlns:p="http://schemas.openxmlformats.org/presentationml/2006/main">
+  <p:cSld>
+    <p:spTree>
+      <p:nvGrpSpPr>
+        <p:cNvPr id="1" name=""/>
+        <p:cNvGrpSpPr/>
+        <p:nvPr/>
+      </p:nvGrpSpPr>
+      <p:grpSpPr>
+        <a:xfrm>
+          <a:off x="0" y="0"/>
+          <a:ext cx="0" cy="0"/>
+          <a:chOff x="0" y="0"/>
+          <a:chExt cx="0" cy="0"/>
+        </a:xfrm>
+      </p:grpSpPr>
+      <p:sp>
+        <p:nvSpPr>
+          <p:cNvPr id="2" name="スライド イメージ プレースホルダー 1"/>
+          <p:cNvSpPr>
+            <a:spLocks noGrp="1" noRot="1" noChangeAspect="1"/>
+          </p:cNvSpPr>
+          <p:nvPr>
+            <p:ph type="sldImg"/>
+          </p:nvPr>
+        </p:nvSpPr>
+        <p:spPr/>
+      </p:sp>
+      <p:sp>
+        <p:nvSpPr>
+          <p:cNvPr id="3" name="ノート プレースホルダー 2"/>
+          <p:cNvSpPr>
+            <a:spLocks noGrp="1"/>
+          </p:cNvSpPr>
+          <p:nvPr>
+            <p:ph type="body" idx="1"/>
+          </p:nvPr>
+        </p:nvSpPr>
+        <p:spPr/>
+        <p:txBody>
+          <a:bodyPr/>
+          <a:lstStyle/>
+          <a:p>
+            <a:r>
+              <a:rPr kumimoji="1" lang="en-US" altLang="ja-JP" dirty="0"/>
+              <a:t>1</a:t>
+            </a:r>
+            <a:r>
+              <a:rPr kumimoji="1" lang="ja-JP" altLang="en-US" dirty="0"/>
+              <a:t>分</a:t>
+            </a:r>
+            <a:r>
+              <a:rPr kumimoji="1" lang="en-US" altLang="ja-JP" dirty="0"/>
+              <a:t>2</a:t>
+            </a:r>
+            <a:r>
+              <a:rPr kumimoji="1" lang="ja-JP" altLang="en-US" dirty="0"/>
+              <a:t>秒くらい？</a:t>
+            </a:r>
+          </a:p>
+        </p:txBody>
+      </p:sp>
+      <p:sp>
+        <p:nvSpPr>
+          <p:cNvPr id="4" name="スライド番号プレースホルダー 3"/>
+          <p:cNvSpPr>
+            <a:spLocks noGrp="1"/>
+          </p:cNvSpPr>
+          <p:nvPr>
+            <p:ph type="sldNum" sz="quarter" idx="5"/>
+          </p:nvPr>
+        </p:nvSpPr>
+        <p:spPr/>
+        <p:txBody>
+          <a:bodyPr/>
+          <a:lstStyle/>
+          <a:p>
+            <a:fld id="{7382D42A-24B4-4602-BEDB-08A64AE7D000}" type="slidenum">
+              <a:rPr kumimoji="1" lang="ja-JP" altLang="en-US" smtClean="0"/>
+              <a:t>9</a:t>
+            </a:fld>
+            <a:endParaRPr kumimoji="1" lang="ja-JP" altLang="en-US"/>
+          </a:p>
+        </p:txBody>
+      </p:sp>
+    </p:spTree>
+    <p:extLst>
+      <p:ext uri="{BB962C8B-B14F-4D97-AF65-F5344CB8AC3E}">
+        <p14:creationId xmlns:p14="http://schemas.microsoft.com/office/powerpoint/2010/main" val="3117826508"/>
+      </p:ext>
+    </p:extLst>
+  </p:cSld>
+  <p:clrMapOvr>
+    <a:masterClrMapping/>
+  </p:clrMapOvr>
+</p:notes>
+</file>
+
+<file path=ppt/notesSlides/notesSlide5.xml><?xml version="1.0" encoding="utf-8"?>
+<p:notes xmlns:a="http://schemas.openxmlformats.org/drawingml/2006/main" xmlns:r="http://schemas.openxmlformats.org/officeDocument/2006/relationships" xmlns:p="http://schemas.openxmlformats.org/presentationml/2006/main">
+  <p:cSld>
+    <p:spTree>
+      <p:nvGrpSpPr>
+        <p:cNvPr id="1" name=""/>
+        <p:cNvGrpSpPr/>
+        <p:nvPr/>
+      </p:nvGrpSpPr>
+      <p:grpSpPr>
+        <a:xfrm>
+          <a:off x="0" y="0"/>
+          <a:ext cx="0" cy="0"/>
+          <a:chOff x="0" y="0"/>
+          <a:chExt cx="0" cy="0"/>
+        </a:xfrm>
+      </p:grpSpPr>
+      <p:sp>
+        <p:nvSpPr>
+          <p:cNvPr id="2" name="スライド イメージ プレースホルダー 1"/>
+          <p:cNvSpPr>
+            <a:spLocks noGrp="1" noRot="1" noChangeAspect="1"/>
+          </p:cNvSpPr>
+          <p:nvPr>
+            <p:ph type="sldImg"/>
+          </p:nvPr>
+        </p:nvSpPr>
+        <p:spPr/>
+      </p:sp>
+      <p:sp>
+        <p:nvSpPr>
+          <p:cNvPr id="3" name="ノート プレースホルダー 2"/>
+          <p:cNvSpPr>
+            <a:spLocks noGrp="1"/>
+          </p:cNvSpPr>
+          <p:nvPr>
+            <p:ph type="body" idx="1"/>
+          </p:nvPr>
+        </p:nvSpPr>
+        <p:spPr/>
+        <p:txBody>
+          <a:bodyPr/>
+          <a:lstStyle/>
+          <a:p>
+            <a:r>
+              <a:rPr kumimoji="1" lang="en-US" altLang="ja-JP" dirty="0"/>
+              <a:t>2</a:t>
+            </a:r>
+            <a:r>
+              <a:rPr kumimoji="1" lang="ja-JP" altLang="en-US" dirty="0"/>
+              <a:t>分</a:t>
+            </a:r>
+            <a:r>
+              <a:rPr kumimoji="1" lang="en-US" altLang="ja-JP" dirty="0"/>
+              <a:t>10</a:t>
+            </a:r>
+            <a:r>
+              <a:rPr kumimoji="1" lang="ja-JP" altLang="en-US" dirty="0"/>
+              <a:t>秒くらい</a:t>
+            </a:r>
+          </a:p>
+        </p:txBody>
+      </p:sp>
+      <p:sp>
+        <p:nvSpPr>
+          <p:cNvPr id="4" name="スライド番号プレースホルダー 3"/>
+          <p:cNvSpPr>
+            <a:spLocks noGrp="1"/>
+          </p:cNvSpPr>
+          <p:nvPr>
+            <p:ph type="sldNum" sz="quarter" idx="5"/>
+          </p:nvPr>
+        </p:nvSpPr>
+        <p:spPr/>
+        <p:txBody>
+          <a:bodyPr/>
+          <a:lstStyle/>
+          <a:p>
+            <a:fld id="{7382D42A-24B4-4602-BEDB-08A64AE7D000}" type="slidenum">
+              <a:rPr kumimoji="1" lang="ja-JP" altLang="en-US" smtClean="0"/>
+              <a:t>10</a:t>
+            </a:fld>
+            <a:endParaRPr kumimoji="1" lang="ja-JP" altLang="en-US"/>
+          </a:p>
+        </p:txBody>
+      </p:sp>
+    </p:spTree>
+    <p:extLst>
+      <p:ext uri="{BB962C8B-B14F-4D97-AF65-F5344CB8AC3E}">
+        <p14:creationId xmlns:p14="http://schemas.microsoft.com/office/powerpoint/2010/main" val="2352653644"/>
+      </p:ext>
+    </p:extLst>
+  </p:cSld>
+  <p:clrMapOvr>
+    <a:masterClrMapping/>
+  </p:clrMapOvr>
+</p:notes>
+</file>
+
+<file path=ppt/notesSlides/notesSlide6.xml><?xml version="1.0" encoding="utf-8"?>
+<p:notes xmlns:a="http://schemas.openxmlformats.org/drawingml/2006/main" xmlns:r="http://schemas.openxmlformats.org/officeDocument/2006/relationships" xmlns:p="http://schemas.openxmlformats.org/presentationml/2006/main">
+  <p:cSld>
+    <p:spTree>
+      <p:nvGrpSpPr>
+        <p:cNvPr id="1" name=""/>
+        <p:cNvGrpSpPr/>
+        <p:nvPr/>
+      </p:nvGrpSpPr>
+      <p:grpSpPr>
+        <a:xfrm>
+          <a:off x="0" y="0"/>
+          <a:ext cx="0" cy="0"/>
+          <a:chOff x="0" y="0"/>
+          <a:chExt cx="0" cy="0"/>
+        </a:xfrm>
+      </p:grpSpPr>
+      <p:sp>
+        <p:nvSpPr>
+          <p:cNvPr id="2" name="スライド イメージ プレースホルダー 1"/>
+          <p:cNvSpPr>
+            <a:spLocks noGrp="1" noRot="1" noChangeAspect="1"/>
+          </p:cNvSpPr>
+          <p:nvPr>
+            <p:ph type="sldImg"/>
+          </p:nvPr>
+        </p:nvSpPr>
+        <p:spPr/>
+      </p:sp>
+      <p:sp>
+        <p:nvSpPr>
+          <p:cNvPr id="3" name="ノート プレースホルダー 2"/>
+          <p:cNvSpPr>
+            <a:spLocks noGrp="1"/>
+          </p:cNvSpPr>
+          <p:nvPr>
+            <p:ph type="body" idx="1"/>
+          </p:nvPr>
+        </p:nvSpPr>
+        <p:spPr/>
+        <p:txBody>
+          <a:bodyPr/>
+          <a:lstStyle/>
+          <a:p>
+            <a:r>
+              <a:rPr kumimoji="1" lang="en-US" altLang="ja-JP" dirty="0"/>
+              <a:t>1</a:t>
+            </a:r>
+            <a:r>
+              <a:rPr kumimoji="1" lang="ja-JP" altLang="en-US" dirty="0"/>
+              <a:t>分</a:t>
+            </a:r>
+            <a:r>
+              <a:rPr kumimoji="1" lang="en-US" altLang="ja-JP" dirty="0"/>
+              <a:t>20</a:t>
+            </a:r>
+            <a:r>
+              <a:rPr kumimoji="1" lang="ja-JP" altLang="en-US" dirty="0"/>
+              <a:t>秒くらい</a:t>
+            </a:r>
+          </a:p>
+        </p:txBody>
+      </p:sp>
+      <p:sp>
+        <p:nvSpPr>
+          <p:cNvPr id="4" name="スライド番号プレースホルダー 3"/>
+          <p:cNvSpPr>
+            <a:spLocks noGrp="1"/>
+          </p:cNvSpPr>
+          <p:nvPr>
+            <p:ph type="sldNum" sz="quarter" idx="5"/>
+          </p:nvPr>
+        </p:nvSpPr>
+        <p:spPr/>
+        <p:txBody>
+          <a:bodyPr/>
+          <a:lstStyle/>
+          <a:p>
+            <a:fld id="{7382D42A-24B4-4602-BEDB-08A64AE7D000}" type="slidenum">
+              <a:rPr kumimoji="1" lang="ja-JP" altLang="en-US" smtClean="0"/>
+              <a:t>11</a:t>
+            </a:fld>
+            <a:endParaRPr kumimoji="1" lang="ja-JP" altLang="en-US"/>
+          </a:p>
+        </p:txBody>
+      </p:sp>
+    </p:spTree>
+    <p:extLst>
+      <p:ext uri="{BB962C8B-B14F-4D97-AF65-F5344CB8AC3E}">
+        <p14:creationId xmlns:p14="http://schemas.microsoft.com/office/powerpoint/2010/main" val="2959290088"/>
+      </p:ext>
+    </p:extLst>
+  </p:cSld>
+  <p:clrMapOvr>
+    <a:masterClrMapping/>
+  </p:clrMapOvr>
+</p:notes>
+</file>
+
+<file path=ppt/notesSlides/notesSlide7.xml><?xml version="1.0" encoding="utf-8"?>
+<p:notes xmlns:a="http://schemas.openxmlformats.org/drawingml/2006/main" xmlns:r="http://schemas.openxmlformats.org/officeDocument/2006/relationships" xmlns:p="http://schemas.openxmlformats.org/presentationml/2006/main">
+  <p:cSld>
+    <p:spTree>
+      <p:nvGrpSpPr>
+        <p:cNvPr id="1" name=""/>
+        <p:cNvGrpSpPr/>
+        <p:nvPr/>
+      </p:nvGrpSpPr>
+      <p:grpSpPr>
+        <a:xfrm>
+          <a:off x="0" y="0"/>
+          <a:ext cx="0" cy="0"/>
+          <a:chOff x="0" y="0"/>
+          <a:chExt cx="0" cy="0"/>
+        </a:xfrm>
+      </p:grpSpPr>
+      <p:sp>
+        <p:nvSpPr>
+          <p:cNvPr id="2" name="スライド イメージ プレースホルダー 1"/>
+          <p:cNvSpPr>
+            <a:spLocks noGrp="1" noRot="1" noChangeAspect="1"/>
+          </p:cNvSpPr>
+          <p:nvPr>
+            <p:ph type="sldImg"/>
+          </p:nvPr>
+        </p:nvSpPr>
+        <p:spPr/>
+      </p:sp>
+      <p:sp>
+        <p:nvSpPr>
+          <p:cNvPr id="3" name="ノート プレースホルダー 2"/>
+          <p:cNvSpPr>
+            <a:spLocks noGrp="1"/>
+          </p:cNvSpPr>
+          <p:nvPr>
+            <p:ph type="body" idx="1"/>
+          </p:nvPr>
+        </p:nvSpPr>
+        <p:spPr/>
+        <p:txBody>
+          <a:bodyPr/>
+          <a:lstStyle/>
+          <a:p>
+            <a:endParaRPr kumimoji="1" lang="ja-JP" altLang="en-US" dirty="0"/>
+          </a:p>
+        </p:txBody>
+      </p:sp>
+      <p:sp>
+        <p:nvSpPr>
+          <p:cNvPr id="4" name="スライド番号プレースホルダー 3"/>
+          <p:cNvSpPr>
+            <a:spLocks noGrp="1"/>
+          </p:cNvSpPr>
+          <p:nvPr>
+            <p:ph type="sldNum" sz="quarter" idx="5"/>
+          </p:nvPr>
+        </p:nvSpPr>
+        <p:spPr/>
+        <p:txBody>
+          <a:bodyPr/>
+          <a:lstStyle/>
+          <a:p>
+            <a:fld id="{7382D42A-24B4-4602-BEDB-08A64AE7D000}" type="slidenum">
+              <a:rPr kumimoji="1" lang="ja-JP" altLang="en-US" smtClean="0"/>
+              <a:t>12</a:t>
+            </a:fld>
+            <a:endParaRPr kumimoji="1" lang="ja-JP" altLang="en-US"/>
+          </a:p>
+        </p:txBody>
+      </p:sp>
+    </p:spTree>
+    <p:extLst>
+      <p:ext uri="{BB962C8B-B14F-4D97-AF65-F5344CB8AC3E}">
+        <p14:creationId xmlns:p14="http://schemas.microsoft.com/office/powerpoint/2010/main" val="3480967997"/>
+      </p:ext>
+    </p:extLst>
+  </p:cSld>
+  <p:clrMapOvr>
+    <a:masterClrMapping/>
+  </p:clrMapOvr>
+</p:notes>
+</file>
+
+<file path=ppt/notesSlides/notesSlide8.xml><?xml version="1.0" encoding="utf-8"?>
+<p:notes xmlns:a="http://schemas.openxmlformats.org/drawingml/2006/main" xmlns:r="http://schemas.openxmlformats.org/officeDocument/2006/relationships" xmlns:p="http://schemas.openxmlformats.org/presentationml/2006/main">
+  <p:cSld>
+    <p:spTree>
+      <p:nvGrpSpPr>
+        <p:cNvPr id="1" name=""/>
+        <p:cNvGrpSpPr/>
+        <p:nvPr/>
+      </p:nvGrpSpPr>
+      <p:grpSpPr>
+        <a:xfrm>
+          <a:off x="0" y="0"/>
+          <a:ext cx="0" cy="0"/>
+          <a:chOff x="0" y="0"/>
+          <a:chExt cx="0" cy="0"/>
+        </a:xfrm>
+      </p:grpSpPr>
+      <p:sp>
+        <p:nvSpPr>
+          <p:cNvPr id="2" name="スライド イメージ プレースホルダー 1"/>
+          <p:cNvSpPr>
+            <a:spLocks noGrp="1" noRot="1" noChangeAspect="1"/>
+          </p:cNvSpPr>
+          <p:nvPr>
+            <p:ph type="sldImg"/>
+          </p:nvPr>
+        </p:nvSpPr>
+        <p:spPr/>
+      </p:sp>
+      <p:sp>
+        <p:nvSpPr>
+          <p:cNvPr id="3" name="ノート プレースホルダー 2"/>
+          <p:cNvSpPr>
+            <a:spLocks noGrp="1"/>
+          </p:cNvSpPr>
+          <p:nvPr>
+            <p:ph type="body" idx="1"/>
+          </p:nvPr>
+        </p:nvSpPr>
+        <p:spPr/>
+        <p:txBody>
+          <a:bodyPr/>
+          <a:lstStyle/>
+          <a:p>
+            <a:r>
+              <a:rPr kumimoji="1" lang="ja-JP" altLang="en-US" dirty="0"/>
+              <a:t>約</a:t>
+            </a:r>
+            <a:r>
+              <a:rPr kumimoji="1" lang="en-US" altLang="ja-JP" dirty="0"/>
+              <a:t>30</a:t>
+            </a:r>
+            <a:r>
+              <a:rPr kumimoji="1" lang="ja-JP" altLang="en-US" dirty="0"/>
+              <a:t>秒</a:t>
+            </a:r>
+          </a:p>
+        </p:txBody>
+      </p:sp>
+      <p:sp>
+        <p:nvSpPr>
+          <p:cNvPr id="4" name="スライド番号プレースホルダー 3"/>
+          <p:cNvSpPr>
+            <a:spLocks noGrp="1"/>
+          </p:cNvSpPr>
+          <p:nvPr>
+            <p:ph type="sldNum" sz="quarter" idx="5"/>
+          </p:nvPr>
+        </p:nvSpPr>
+        <p:spPr/>
+        <p:txBody>
+          <a:bodyPr/>
+          <a:lstStyle/>
+          <a:p>
+            <a:fld id="{7382D42A-24B4-4602-BEDB-08A64AE7D000}" type="slidenum">
+              <a:rPr kumimoji="1" lang="ja-JP" altLang="en-US" smtClean="0"/>
+              <a:t>18</a:t>
+            </a:fld>
+            <a:endParaRPr kumimoji="1" lang="ja-JP" altLang="en-US"/>
+          </a:p>
+        </p:txBody>
+      </p:sp>
+    </p:spTree>
+    <p:extLst>
+      <p:ext uri="{BB962C8B-B14F-4D97-AF65-F5344CB8AC3E}">
+        <p14:creationId xmlns:p14="http://schemas.microsoft.com/office/powerpoint/2010/main" val="3191201801"/>
+      </p:ext>
+    </p:extLst>
+  </p:cSld>
+  <p:clrMapOvr>
+    <a:masterClrMapping/>
+  </p:clrMapOvr>
+</p:notes>
+</file>
+
+<file path=ppt/notesSlides/notesSlide9.xml><?xml version="1.0" encoding="utf-8"?>
+<p:notes xmlns:a="http://schemas.openxmlformats.org/drawingml/2006/main" xmlns:r="http://schemas.openxmlformats.org/officeDocument/2006/relationships" xmlns:p="http://schemas.openxmlformats.org/presentationml/2006/main">
+  <p:cSld>
+    <p:spTree>
+      <p:nvGrpSpPr>
+        <p:cNvPr id="1" name=""/>
+        <p:cNvGrpSpPr/>
+        <p:nvPr/>
+      </p:nvGrpSpPr>
+      <p:grpSpPr>
+        <a:xfrm>
+          <a:off x="0" y="0"/>
+          <a:ext cx="0" cy="0"/>
+          <a:chOff x="0" y="0"/>
+          <a:chExt cx="0" cy="0"/>
+        </a:xfrm>
+      </p:grpSpPr>
+      <p:sp>
+        <p:nvSpPr>
+          <p:cNvPr id="2" name="スライド イメージ プレースホルダー 1"/>
+          <p:cNvSpPr>
+            <a:spLocks noGrp="1" noRot="1" noChangeAspect="1"/>
+          </p:cNvSpPr>
+          <p:nvPr>
+            <p:ph type="sldImg"/>
+          </p:nvPr>
+        </p:nvSpPr>
+        <p:spPr/>
+      </p:sp>
+      <p:sp>
+        <p:nvSpPr>
+          <p:cNvPr id="3" name="ノート プレースホルダー 2"/>
+          <p:cNvSpPr>
+            <a:spLocks noGrp="1"/>
+          </p:cNvSpPr>
+          <p:nvPr>
+            <p:ph type="body" idx="1"/>
+          </p:nvPr>
+        </p:nvSpPr>
+        <p:spPr/>
+        <p:txBody>
+          <a:bodyPr/>
+          <a:lstStyle/>
+          <a:p>
             <a:endParaRPr kumimoji="1" lang="ja-JP" altLang="en-US" dirty="0"/>
           </a:p>
         </p:txBody>
@@ -621,7 +1405,7 @@
           <p:cNvPr id="2" name="タイトル 1">
             <a:extLst>
               <a:ext uri="{FF2B5EF4-FFF2-40B4-BE49-F238E27FC236}">
-                <a16:creationId xmlns:a16="http://schemas.microsoft.com/office/drawing/2014/main" id="{5D51C220-47D1-3415-8AA7-B523CB9B5D49}"/>
+                <a16:creationId xmlns:a16="http://schemas.microsoft.com/office/drawing/2014/main" id="{5BEFBB56-2E51-A19D-0A2A-5F0BB8B29784}"/>
               </a:ext>
             </a:extLst>
           </p:cNvPr>
@@ -658,7 +1442,7 @@
           <p:cNvPr id="3" name="字幕 2">
             <a:extLst>
               <a:ext uri="{FF2B5EF4-FFF2-40B4-BE49-F238E27FC236}">
-                <a16:creationId xmlns:a16="http://schemas.microsoft.com/office/drawing/2014/main" id="{B0295578-793D-D188-2F49-CC4C4CDC96CB}"/>
+                <a16:creationId xmlns:a16="http://schemas.microsoft.com/office/drawing/2014/main" id="{21C1EB46-6B77-F168-FDD3-3F3C03E0A7EF}"/>
               </a:ext>
             </a:extLst>
           </p:cNvPr>
@@ -728,7 +1512,7 @@
           <p:cNvPr id="4" name="日付プレースホルダー 3">
             <a:extLst>
               <a:ext uri="{FF2B5EF4-FFF2-40B4-BE49-F238E27FC236}">
-                <a16:creationId xmlns:a16="http://schemas.microsoft.com/office/drawing/2014/main" id="{20621EE5-412D-806E-EA5E-52452E5FBFBD}"/>
+                <a16:creationId xmlns:a16="http://schemas.microsoft.com/office/drawing/2014/main" id="{2144D629-C021-33F2-B9CA-CB67D167DE12}"/>
               </a:ext>
             </a:extLst>
           </p:cNvPr>
@@ -744,7 +1528,7 @@
           <a:bodyPr/>
           <a:lstStyle/>
           <a:p>
-            <a:fld id="{CA4A5610-4D71-45E8-A43F-B7CDE07B535B}" type="datetimeFigureOut">
+            <a:fld id="{DB0A3435-7A7C-4688-9750-453E419612D0}" type="datetimeFigureOut">
               <a:rPr kumimoji="1" lang="ja-JP" altLang="en-US" smtClean="0"/>
               <a:t>2022/6/28</a:t>
             </a:fld>
@@ -757,7 +1541,7 @@
           <p:cNvPr id="5" name="フッター プレースホルダー 4">
             <a:extLst>
               <a:ext uri="{FF2B5EF4-FFF2-40B4-BE49-F238E27FC236}">
-                <a16:creationId xmlns:a16="http://schemas.microsoft.com/office/drawing/2014/main" id="{40843EE7-A318-849F-BB41-7FD6A15B46FF}"/>
+                <a16:creationId xmlns:a16="http://schemas.microsoft.com/office/drawing/2014/main" id="{0AF7E1A0-5C27-8C1F-2968-D25DC4A84B08}"/>
               </a:ext>
             </a:extLst>
           </p:cNvPr>
@@ -782,7 +1566,7 @@
           <p:cNvPr id="6" name="スライド番号プレースホルダー 5">
             <a:extLst>
               <a:ext uri="{FF2B5EF4-FFF2-40B4-BE49-F238E27FC236}">
-                <a16:creationId xmlns:a16="http://schemas.microsoft.com/office/drawing/2014/main" id="{04AF8E7E-BDC0-AECC-8C8B-9BF9EFAF4014}"/>
+                <a16:creationId xmlns:a16="http://schemas.microsoft.com/office/drawing/2014/main" id="{B1BD96CC-2BA0-D4BA-BF93-C269D32A96E2}"/>
               </a:ext>
             </a:extLst>
           </p:cNvPr>
@@ -798,7 +1582,7 @@
           <a:bodyPr/>
           <a:lstStyle/>
           <a:p>
-            <a:fld id="{3F7399C1-18E6-4A2D-A31F-58A675CB259C}" type="slidenum">
+            <a:fld id="{27BFCEBC-6F3C-4805-9038-ADC85D2C4A5D}" type="slidenum">
               <a:rPr kumimoji="1" lang="ja-JP" altLang="en-US" smtClean="0"/>
               <a:t>‹#›</a:t>
             </a:fld>
@@ -809,7 +1593,7 @@
     </p:spTree>
     <p:extLst>
       <p:ext uri="{BB962C8B-B14F-4D97-AF65-F5344CB8AC3E}">
-        <p14:creationId xmlns:p14="http://schemas.microsoft.com/office/powerpoint/2010/main" val="2916862378"/>
+        <p14:creationId xmlns:p14="http://schemas.microsoft.com/office/powerpoint/2010/main" val="1282596899"/>
       </p:ext>
     </p:extLst>
   </p:cSld>
@@ -819,9 +1603,9 @@
 </p:sldLayout>
 </file>
 
-<file path=ppt/slideLayouts/slideLayout10.xml><?xml version="1.0" encoding="utf-8"?>
-<p:sldLayout xmlns:a="http://schemas.openxmlformats.org/drawingml/2006/main" xmlns:r="http://schemas.openxmlformats.org/officeDocument/2006/relationships" xmlns:p="http://schemas.openxmlformats.org/presentationml/2006/main" type="vertTx" preserve="1">
-  <p:cSld name="タイトルと縦書きテキスト">
+<file path=ppt/slideLayouts/slideLayout2.xml><?xml version="1.0" encoding="utf-8"?>
+<p:sldLayout xmlns:a="http://schemas.openxmlformats.org/drawingml/2006/main" xmlns:r="http://schemas.openxmlformats.org/officeDocument/2006/relationships" xmlns:p="http://schemas.openxmlformats.org/presentationml/2006/main" type="obj" preserve="1">
+  <p:cSld name="タイトルとコンテンツ">
     <p:spTree>
       <p:nvGrpSpPr>
         <p:cNvPr id="1" name=""/>
@@ -841,7 +1625,7 @@
           <p:cNvPr id="2" name="タイトル 1">
             <a:extLst>
               <a:ext uri="{FF2B5EF4-FFF2-40B4-BE49-F238E27FC236}">
-                <a16:creationId xmlns:a16="http://schemas.microsoft.com/office/drawing/2014/main" id="{D18BE9F2-9B82-BE1E-7E22-2C94E95B6238}"/>
+                <a16:creationId xmlns:a16="http://schemas.microsoft.com/office/drawing/2014/main" id="{8A05E4F6-800E-2EFF-F75D-D5CC63E8B8EE}"/>
               </a:ext>
             </a:extLst>
           </p:cNvPr>
@@ -866,10 +1650,10 @@
       </p:sp>
       <p:sp>
         <p:nvSpPr>
-          <p:cNvPr id="3" name="縦書きテキスト プレースホルダー 2">
-            <a:extLst>
-              <a:ext uri="{FF2B5EF4-FFF2-40B4-BE49-F238E27FC236}">
-                <a16:creationId xmlns:a16="http://schemas.microsoft.com/office/drawing/2014/main" id="{7AD0E869-8B4B-2D0A-BE55-F0F7431215E0}"/>
+          <p:cNvPr id="3" name="コンテンツ プレースホルダー 2">
+            <a:extLst>
+              <a:ext uri="{FF2B5EF4-FFF2-40B4-BE49-F238E27FC236}">
+                <a16:creationId xmlns:a16="http://schemas.microsoft.com/office/drawing/2014/main" id="{9F1BE63B-9155-D142-F7E4-99D3CD1EE11B}"/>
               </a:ext>
             </a:extLst>
           </p:cNvPr>
@@ -877,12 +1661,12 @@
             <a:spLocks noGrp="1"/>
           </p:cNvSpPr>
           <p:nvPr>
-            <p:ph type="body" orient="vert" idx="1"/>
+            <p:ph idx="1"/>
           </p:nvPr>
         </p:nvSpPr>
         <p:spPr/>
         <p:txBody>
-          <a:bodyPr vert="eaVert"/>
+          <a:bodyPr/>
           <a:lstStyle/>
           <a:p>
             <a:pPr lvl="0"/>
@@ -958,7 +1742,7 @@
           <p:cNvPr id="4" name="日付プレースホルダー 3">
             <a:extLst>
               <a:ext uri="{FF2B5EF4-FFF2-40B4-BE49-F238E27FC236}">
-                <a16:creationId xmlns:a16="http://schemas.microsoft.com/office/drawing/2014/main" id="{2FFF2A63-906A-9271-5F3F-E21FFAC9EE2F}"/>
+                <a16:creationId xmlns:a16="http://schemas.microsoft.com/office/drawing/2014/main" id="{EBA84603-6CFE-91A2-BCC3-8CA39CD4F31E}"/>
               </a:ext>
             </a:extLst>
           </p:cNvPr>
@@ -987,7 +1771,7 @@
           <p:cNvPr id="5" name="フッター プレースホルダー 4">
             <a:extLst>
               <a:ext uri="{FF2B5EF4-FFF2-40B4-BE49-F238E27FC236}">
-                <a16:creationId xmlns:a16="http://schemas.microsoft.com/office/drawing/2014/main" id="{8346C2AB-70B4-AD85-02CD-B9A981E18C74}"/>
+                <a16:creationId xmlns:a16="http://schemas.microsoft.com/office/drawing/2014/main" id="{70A5C48F-DD08-5E90-8574-93AD36117DDF}"/>
               </a:ext>
             </a:extLst>
           </p:cNvPr>
@@ -1012,7 +1796,7 @@
           <p:cNvPr id="6" name="スライド番号プレースホルダー 5">
             <a:extLst>
               <a:ext uri="{FF2B5EF4-FFF2-40B4-BE49-F238E27FC236}">
-                <a16:creationId xmlns:a16="http://schemas.microsoft.com/office/drawing/2014/main" id="{E88EE1CB-47FE-8D7E-EFED-39FEB00257EE}"/>
+                <a16:creationId xmlns:a16="http://schemas.microsoft.com/office/drawing/2014/main" id="{88BC14F3-1C73-55DA-AA27-82DE34FD521B}"/>
               </a:ext>
             </a:extLst>
           </p:cNvPr>
@@ -1039,7 +1823,7 @@
     </p:spTree>
     <p:extLst>
       <p:ext uri="{BB962C8B-B14F-4D97-AF65-F5344CB8AC3E}">
-        <p14:creationId xmlns:p14="http://schemas.microsoft.com/office/powerpoint/2010/main" val="309368470"/>
+        <p14:creationId xmlns:p14="http://schemas.microsoft.com/office/powerpoint/2010/main" val="623316385"/>
       </p:ext>
     </p:extLst>
   </p:cSld>
@@ -1049,247 +1833,7 @@
 </p:sldLayout>
 </file>
 
-<file path=ppt/slideLayouts/slideLayout11.xml><?xml version="1.0" encoding="utf-8"?>
-<p:sldLayout xmlns:a="http://schemas.openxmlformats.org/drawingml/2006/main" xmlns:r="http://schemas.openxmlformats.org/officeDocument/2006/relationships" xmlns:p="http://schemas.openxmlformats.org/presentationml/2006/main" type="vertTitleAndTx" preserve="1">
-  <p:cSld name="縦書きタイトルと&#10;縦書きテキスト">
-    <p:spTree>
-      <p:nvGrpSpPr>
-        <p:cNvPr id="1" name=""/>
-        <p:cNvGrpSpPr/>
-        <p:nvPr/>
-      </p:nvGrpSpPr>
-      <p:grpSpPr>
-        <a:xfrm>
-          <a:off x="0" y="0"/>
-          <a:ext cx="0" cy="0"/>
-          <a:chOff x="0" y="0"/>
-          <a:chExt cx="0" cy="0"/>
-        </a:xfrm>
-      </p:grpSpPr>
-      <p:sp>
-        <p:nvSpPr>
-          <p:cNvPr id="2" name="縦書きタイトル 1">
-            <a:extLst>
-              <a:ext uri="{FF2B5EF4-FFF2-40B4-BE49-F238E27FC236}">
-                <a16:creationId xmlns:a16="http://schemas.microsoft.com/office/drawing/2014/main" id="{655CE6E2-BD26-862E-5D35-803D8DFCD183}"/>
-              </a:ext>
-            </a:extLst>
-          </p:cNvPr>
-          <p:cNvSpPr>
-            <a:spLocks noGrp="1"/>
-          </p:cNvSpPr>
-          <p:nvPr>
-            <p:ph type="title" orient="vert"/>
-          </p:nvPr>
-        </p:nvSpPr>
-        <p:spPr>
-          <a:xfrm>
-            <a:off x="8724900" y="365125"/>
-            <a:ext cx="2628900" cy="5811838"/>
-          </a:xfrm>
-        </p:spPr>
-        <p:txBody>
-          <a:bodyPr vert="eaVert"/>
-          <a:lstStyle/>
-          <a:p>
-            <a:r>
-              <a:rPr kumimoji="1" lang="ja-JP" altLang="en-US"/>
-              <a:t>マスター タイトルの書式設定</a:t>
-            </a:r>
-          </a:p>
-        </p:txBody>
-      </p:sp>
-      <p:sp>
-        <p:nvSpPr>
-          <p:cNvPr id="3" name="縦書きテキスト プレースホルダー 2">
-            <a:extLst>
-              <a:ext uri="{FF2B5EF4-FFF2-40B4-BE49-F238E27FC236}">
-                <a16:creationId xmlns:a16="http://schemas.microsoft.com/office/drawing/2014/main" id="{B7E7F8EA-922E-C18F-4702-5BEC173EFF68}"/>
-              </a:ext>
-            </a:extLst>
-          </p:cNvPr>
-          <p:cNvSpPr>
-            <a:spLocks noGrp="1"/>
-          </p:cNvSpPr>
-          <p:nvPr>
-            <p:ph type="body" orient="vert" idx="1"/>
-          </p:nvPr>
-        </p:nvSpPr>
-        <p:spPr>
-          <a:xfrm>
-            <a:off x="838200" y="365125"/>
-            <a:ext cx="7734300" cy="5811838"/>
-          </a:xfrm>
-        </p:spPr>
-        <p:txBody>
-          <a:bodyPr vert="eaVert"/>
-          <a:lstStyle/>
-          <a:p>
-            <a:pPr lvl="0"/>
-            <a:r>
-              <a:rPr kumimoji="1" lang="ja-JP" altLang="en-US"/>
-              <a:t>マスター テキストの書式設定</a:t>
-            </a:r>
-          </a:p>
-          <a:p>
-            <a:pPr lvl="1"/>
-            <a:r>
-              <a:rPr kumimoji="1" lang="ja-JP" altLang="en-US"/>
-              <a:t>第 </a:t>
-            </a:r>
-            <a:r>
-              <a:rPr kumimoji="1" lang="en-US" altLang="ja-JP"/>
-              <a:t>2 </a:t>
-            </a:r>
-            <a:r>
-              <a:rPr kumimoji="1" lang="ja-JP" altLang="en-US"/>
-              <a:t>レベル</a:t>
-            </a:r>
-          </a:p>
-          <a:p>
-            <a:pPr lvl="2"/>
-            <a:r>
-              <a:rPr kumimoji="1" lang="ja-JP" altLang="en-US"/>
-              <a:t>第 </a:t>
-            </a:r>
-            <a:r>
-              <a:rPr kumimoji="1" lang="en-US" altLang="ja-JP"/>
-              <a:t>3 </a:t>
-            </a:r>
-            <a:r>
-              <a:rPr kumimoji="1" lang="ja-JP" altLang="en-US"/>
-              <a:t>レベル</a:t>
-            </a:r>
-          </a:p>
-          <a:p>
-            <a:pPr lvl="3"/>
-            <a:r>
-              <a:rPr kumimoji="1" lang="ja-JP" altLang="en-US"/>
-              <a:t>第 </a:t>
-            </a:r>
-            <a:r>
-              <a:rPr kumimoji="1" lang="en-US" altLang="ja-JP"/>
-              <a:t>4 </a:t>
-            </a:r>
-            <a:r>
-              <a:rPr kumimoji="1" lang="ja-JP" altLang="en-US"/>
-              <a:t>レベル</a:t>
-            </a:r>
-          </a:p>
-          <a:p>
-            <a:pPr lvl="4"/>
-            <a:r>
-              <a:rPr kumimoji="1" lang="ja-JP" altLang="en-US"/>
-              <a:t>第 </a:t>
-            </a:r>
-            <a:r>
-              <a:rPr kumimoji="1" lang="en-US" altLang="ja-JP"/>
-              <a:t>5 </a:t>
-            </a:r>
-            <a:r>
-              <a:rPr kumimoji="1" lang="ja-JP" altLang="en-US"/>
-              <a:t>レベル</a:t>
-            </a:r>
-          </a:p>
-        </p:txBody>
-      </p:sp>
-      <p:sp>
-        <p:nvSpPr>
-          <p:cNvPr id="4" name="日付プレースホルダー 3">
-            <a:extLst>
-              <a:ext uri="{FF2B5EF4-FFF2-40B4-BE49-F238E27FC236}">
-                <a16:creationId xmlns:a16="http://schemas.microsoft.com/office/drawing/2014/main" id="{8025F305-4270-A7EE-D536-C63BF029F0BD}"/>
-              </a:ext>
-            </a:extLst>
-          </p:cNvPr>
-          <p:cNvSpPr>
-            <a:spLocks noGrp="1"/>
-          </p:cNvSpPr>
-          <p:nvPr>
-            <p:ph type="dt" sz="half" idx="10"/>
-          </p:nvPr>
-        </p:nvSpPr>
-        <p:spPr/>
-        <p:txBody>
-          <a:bodyPr/>
-          <a:lstStyle/>
-          <a:p>
-            <a:fld id="{CA4A5610-4D71-45E8-A43F-B7CDE07B535B}" type="datetimeFigureOut">
-              <a:rPr kumimoji="1" lang="ja-JP" altLang="en-US" smtClean="0"/>
-              <a:t>2022/6/28</a:t>
-            </a:fld>
-            <a:endParaRPr kumimoji="1" lang="ja-JP" altLang="en-US"/>
-          </a:p>
-        </p:txBody>
-      </p:sp>
-      <p:sp>
-        <p:nvSpPr>
-          <p:cNvPr id="5" name="フッター プレースホルダー 4">
-            <a:extLst>
-              <a:ext uri="{FF2B5EF4-FFF2-40B4-BE49-F238E27FC236}">
-                <a16:creationId xmlns:a16="http://schemas.microsoft.com/office/drawing/2014/main" id="{60F68A13-815F-0479-5C70-6BF37D4770BF}"/>
-              </a:ext>
-            </a:extLst>
-          </p:cNvPr>
-          <p:cNvSpPr>
-            <a:spLocks noGrp="1"/>
-          </p:cNvSpPr>
-          <p:nvPr>
-            <p:ph type="ftr" sz="quarter" idx="11"/>
-          </p:nvPr>
-        </p:nvSpPr>
-        <p:spPr/>
-        <p:txBody>
-          <a:bodyPr/>
-          <a:lstStyle/>
-          <a:p>
-            <a:endParaRPr kumimoji="1" lang="ja-JP" altLang="en-US"/>
-          </a:p>
-        </p:txBody>
-      </p:sp>
-      <p:sp>
-        <p:nvSpPr>
-          <p:cNvPr id="6" name="スライド番号プレースホルダー 5">
-            <a:extLst>
-              <a:ext uri="{FF2B5EF4-FFF2-40B4-BE49-F238E27FC236}">
-                <a16:creationId xmlns:a16="http://schemas.microsoft.com/office/drawing/2014/main" id="{2292C55A-BEBE-B171-848F-903F7C809E74}"/>
-              </a:ext>
-            </a:extLst>
-          </p:cNvPr>
-          <p:cNvSpPr>
-            <a:spLocks noGrp="1"/>
-          </p:cNvSpPr>
-          <p:nvPr>
-            <p:ph type="sldNum" sz="quarter" idx="12"/>
-          </p:nvPr>
-        </p:nvSpPr>
-        <p:spPr/>
-        <p:txBody>
-          <a:bodyPr/>
-          <a:lstStyle/>
-          <a:p>
-            <a:fld id="{3F7399C1-18E6-4A2D-A31F-58A675CB259C}" type="slidenum">
-              <a:rPr kumimoji="1" lang="ja-JP" altLang="en-US" smtClean="0"/>
-              <a:t>‹#›</a:t>
-            </a:fld>
-            <a:endParaRPr kumimoji="1" lang="ja-JP" altLang="en-US"/>
-          </a:p>
-        </p:txBody>
-      </p:sp>
-    </p:spTree>
-    <p:extLst>
-      <p:ext uri="{BB962C8B-B14F-4D97-AF65-F5344CB8AC3E}">
-        <p14:creationId xmlns:p14="http://schemas.microsoft.com/office/powerpoint/2010/main" val="476250172"/>
-      </p:ext>
-    </p:extLst>
-  </p:cSld>
-  <p:clrMapOvr>
-    <a:masterClrMapping/>
-  </p:clrMapOvr>
-</p:sldLayout>
-</file>
-
-<file path=ppt/slideLayouts/slideLayout12.xml><?xml version="1.0" encoding="utf-8"?>
+<file path=ppt/slideLayouts/slideLayout3.xml><?xml version="1.0" encoding="utf-8"?>
 <p:sldLayout xmlns:a="http://schemas.openxmlformats.org/drawingml/2006/main" xmlns:r="http://schemas.openxmlformats.org/officeDocument/2006/relationships" xmlns:p="http://schemas.openxmlformats.org/presentationml/2006/main" type="title" preserve="1">
   <p:cSld name="タイトル スライド">
     <p:spTree>
@@ -1311,7 +1855,7 @@
           <p:cNvPr id="2" name="タイトル 1">
             <a:extLst>
               <a:ext uri="{FF2B5EF4-FFF2-40B4-BE49-F238E27FC236}">
-                <a16:creationId xmlns:a16="http://schemas.microsoft.com/office/drawing/2014/main" id="{5BEFBB56-2E51-A19D-0A2A-5F0BB8B29784}"/>
+                <a16:creationId xmlns:a16="http://schemas.microsoft.com/office/drawing/2014/main" id="{5D51C220-47D1-3415-8AA7-B523CB9B5D49}"/>
               </a:ext>
             </a:extLst>
           </p:cNvPr>
@@ -1348,7 +1892,7 @@
           <p:cNvPr id="3" name="字幕 2">
             <a:extLst>
               <a:ext uri="{FF2B5EF4-FFF2-40B4-BE49-F238E27FC236}">
-                <a16:creationId xmlns:a16="http://schemas.microsoft.com/office/drawing/2014/main" id="{21C1EB46-6B77-F168-FDD3-3F3C03E0A7EF}"/>
+                <a16:creationId xmlns:a16="http://schemas.microsoft.com/office/drawing/2014/main" id="{B0295578-793D-D188-2F49-CC4C4CDC96CB}"/>
               </a:ext>
             </a:extLst>
           </p:cNvPr>
@@ -1418,7 +1962,7 @@
           <p:cNvPr id="4" name="日付プレースホルダー 3">
             <a:extLst>
               <a:ext uri="{FF2B5EF4-FFF2-40B4-BE49-F238E27FC236}">
-                <a16:creationId xmlns:a16="http://schemas.microsoft.com/office/drawing/2014/main" id="{2144D629-C021-33F2-B9CA-CB67D167DE12}"/>
+                <a16:creationId xmlns:a16="http://schemas.microsoft.com/office/drawing/2014/main" id="{20621EE5-412D-806E-EA5E-52452E5FBFBD}"/>
               </a:ext>
             </a:extLst>
           </p:cNvPr>
@@ -1434,7 +1978,7 @@
           <a:bodyPr/>
           <a:lstStyle/>
           <a:p>
-            <a:fld id="{DB0A3435-7A7C-4688-9750-453E419612D0}" type="datetimeFigureOut">
+            <a:fld id="{CA4A5610-4D71-45E8-A43F-B7CDE07B535B}" type="datetimeFigureOut">
               <a:rPr kumimoji="1" lang="ja-JP" altLang="en-US" smtClean="0"/>
               <a:t>2022/6/28</a:t>
             </a:fld>
@@ -1447,7 +1991,7 @@
           <p:cNvPr id="5" name="フッター プレースホルダー 4">
             <a:extLst>
               <a:ext uri="{FF2B5EF4-FFF2-40B4-BE49-F238E27FC236}">
-                <a16:creationId xmlns:a16="http://schemas.microsoft.com/office/drawing/2014/main" id="{0AF7E1A0-5C27-8C1F-2968-D25DC4A84B08}"/>
+                <a16:creationId xmlns:a16="http://schemas.microsoft.com/office/drawing/2014/main" id="{40843EE7-A318-849F-BB41-7FD6A15B46FF}"/>
               </a:ext>
             </a:extLst>
           </p:cNvPr>
@@ -1472,7 +2016,7 @@
           <p:cNvPr id="6" name="スライド番号プレースホルダー 5">
             <a:extLst>
               <a:ext uri="{FF2B5EF4-FFF2-40B4-BE49-F238E27FC236}">
-                <a16:creationId xmlns:a16="http://schemas.microsoft.com/office/drawing/2014/main" id="{B1BD96CC-2BA0-D4BA-BF93-C269D32A96E2}"/>
+                <a16:creationId xmlns:a16="http://schemas.microsoft.com/office/drawing/2014/main" id="{04AF8E7E-BDC0-AECC-8C8B-9BF9EFAF4014}"/>
               </a:ext>
             </a:extLst>
           </p:cNvPr>
@@ -1488,7 +2032,7 @@
           <a:bodyPr/>
           <a:lstStyle/>
           <a:p>
-            <a:fld id="{27BFCEBC-6F3C-4805-9038-ADC85D2C4A5D}" type="slidenum">
+            <a:fld id="{3F7399C1-18E6-4A2D-A31F-58A675CB259C}" type="slidenum">
               <a:rPr kumimoji="1" lang="ja-JP" altLang="en-US" smtClean="0"/>
               <a:t>‹#›</a:t>
             </a:fld>
@@ -1499,2202 +2043,7 @@
     </p:spTree>
     <p:extLst>
       <p:ext uri="{BB962C8B-B14F-4D97-AF65-F5344CB8AC3E}">
-        <p14:creationId xmlns:p14="http://schemas.microsoft.com/office/powerpoint/2010/main" val="1282596899"/>
-      </p:ext>
-    </p:extLst>
-  </p:cSld>
-  <p:clrMapOvr>
-    <a:masterClrMapping/>
-  </p:clrMapOvr>
-</p:sldLayout>
-</file>
-
-<file path=ppt/slideLayouts/slideLayout2.xml><?xml version="1.0" encoding="utf-8"?>
-<p:sldLayout xmlns:a="http://schemas.openxmlformats.org/drawingml/2006/main" xmlns:r="http://schemas.openxmlformats.org/officeDocument/2006/relationships" xmlns:p="http://schemas.openxmlformats.org/presentationml/2006/main" type="obj" preserve="1">
-  <p:cSld name="タイトルとコンテンツ">
-    <p:spTree>
-      <p:nvGrpSpPr>
-        <p:cNvPr id="1" name=""/>
-        <p:cNvGrpSpPr/>
-        <p:nvPr/>
-      </p:nvGrpSpPr>
-      <p:grpSpPr>
-        <a:xfrm>
-          <a:off x="0" y="0"/>
-          <a:ext cx="0" cy="0"/>
-          <a:chOff x="0" y="0"/>
-          <a:chExt cx="0" cy="0"/>
-        </a:xfrm>
-      </p:grpSpPr>
-      <p:sp>
-        <p:nvSpPr>
-          <p:cNvPr id="2" name="タイトル 1">
-            <a:extLst>
-              <a:ext uri="{FF2B5EF4-FFF2-40B4-BE49-F238E27FC236}">
-                <a16:creationId xmlns:a16="http://schemas.microsoft.com/office/drawing/2014/main" id="{8A05E4F6-800E-2EFF-F75D-D5CC63E8B8EE}"/>
-              </a:ext>
-            </a:extLst>
-          </p:cNvPr>
-          <p:cNvSpPr>
-            <a:spLocks noGrp="1"/>
-          </p:cNvSpPr>
-          <p:nvPr>
-            <p:ph type="title"/>
-          </p:nvPr>
-        </p:nvSpPr>
-        <p:spPr/>
-        <p:txBody>
-          <a:bodyPr/>
-          <a:lstStyle/>
-          <a:p>
-            <a:r>
-              <a:rPr kumimoji="1" lang="ja-JP" altLang="en-US"/>
-              <a:t>マスター タイトルの書式設定</a:t>
-            </a:r>
-          </a:p>
-        </p:txBody>
-      </p:sp>
-      <p:sp>
-        <p:nvSpPr>
-          <p:cNvPr id="3" name="コンテンツ プレースホルダー 2">
-            <a:extLst>
-              <a:ext uri="{FF2B5EF4-FFF2-40B4-BE49-F238E27FC236}">
-                <a16:creationId xmlns:a16="http://schemas.microsoft.com/office/drawing/2014/main" id="{9F1BE63B-9155-D142-F7E4-99D3CD1EE11B}"/>
-              </a:ext>
-            </a:extLst>
-          </p:cNvPr>
-          <p:cNvSpPr>
-            <a:spLocks noGrp="1"/>
-          </p:cNvSpPr>
-          <p:nvPr>
-            <p:ph idx="1"/>
-          </p:nvPr>
-        </p:nvSpPr>
-        <p:spPr/>
-        <p:txBody>
-          <a:bodyPr/>
-          <a:lstStyle/>
-          <a:p>
-            <a:pPr lvl="0"/>
-            <a:r>
-              <a:rPr kumimoji="1" lang="ja-JP" altLang="en-US"/>
-              <a:t>マスター テキストの書式設定</a:t>
-            </a:r>
-          </a:p>
-          <a:p>
-            <a:pPr lvl="1"/>
-            <a:r>
-              <a:rPr kumimoji="1" lang="ja-JP" altLang="en-US"/>
-              <a:t>第 </a:t>
-            </a:r>
-            <a:r>
-              <a:rPr kumimoji="1" lang="en-US" altLang="ja-JP"/>
-              <a:t>2 </a:t>
-            </a:r>
-            <a:r>
-              <a:rPr kumimoji="1" lang="ja-JP" altLang="en-US"/>
-              <a:t>レベル</a:t>
-            </a:r>
-          </a:p>
-          <a:p>
-            <a:pPr lvl="2"/>
-            <a:r>
-              <a:rPr kumimoji="1" lang="ja-JP" altLang="en-US"/>
-              <a:t>第 </a:t>
-            </a:r>
-            <a:r>
-              <a:rPr kumimoji="1" lang="en-US" altLang="ja-JP"/>
-              <a:t>3 </a:t>
-            </a:r>
-            <a:r>
-              <a:rPr kumimoji="1" lang="ja-JP" altLang="en-US"/>
-              <a:t>レベル</a:t>
-            </a:r>
-          </a:p>
-          <a:p>
-            <a:pPr lvl="3"/>
-            <a:r>
-              <a:rPr kumimoji="1" lang="ja-JP" altLang="en-US"/>
-              <a:t>第 </a:t>
-            </a:r>
-            <a:r>
-              <a:rPr kumimoji="1" lang="en-US" altLang="ja-JP"/>
-              <a:t>4 </a:t>
-            </a:r>
-            <a:r>
-              <a:rPr kumimoji="1" lang="ja-JP" altLang="en-US"/>
-              <a:t>レベル</a:t>
-            </a:r>
-          </a:p>
-          <a:p>
-            <a:pPr lvl="4"/>
-            <a:r>
-              <a:rPr kumimoji="1" lang="ja-JP" altLang="en-US"/>
-              <a:t>第 </a:t>
-            </a:r>
-            <a:r>
-              <a:rPr kumimoji="1" lang="en-US" altLang="ja-JP"/>
-              <a:t>5 </a:t>
-            </a:r>
-            <a:r>
-              <a:rPr kumimoji="1" lang="ja-JP" altLang="en-US"/>
-              <a:t>レベル</a:t>
-            </a:r>
-          </a:p>
-        </p:txBody>
-      </p:sp>
-      <p:sp>
-        <p:nvSpPr>
-          <p:cNvPr id="4" name="日付プレースホルダー 3">
-            <a:extLst>
-              <a:ext uri="{FF2B5EF4-FFF2-40B4-BE49-F238E27FC236}">
-                <a16:creationId xmlns:a16="http://schemas.microsoft.com/office/drawing/2014/main" id="{EBA84603-6CFE-91A2-BCC3-8CA39CD4F31E}"/>
-              </a:ext>
-            </a:extLst>
-          </p:cNvPr>
-          <p:cNvSpPr>
-            <a:spLocks noGrp="1"/>
-          </p:cNvSpPr>
-          <p:nvPr>
-            <p:ph type="dt" sz="half" idx="10"/>
-          </p:nvPr>
-        </p:nvSpPr>
-        <p:spPr/>
-        <p:txBody>
-          <a:bodyPr/>
-          <a:lstStyle/>
-          <a:p>
-            <a:fld id="{CA4A5610-4D71-45E8-A43F-B7CDE07B535B}" type="datetimeFigureOut">
-              <a:rPr kumimoji="1" lang="ja-JP" altLang="en-US" smtClean="0"/>
-              <a:t>2022/6/28</a:t>
-            </a:fld>
-            <a:endParaRPr kumimoji="1" lang="ja-JP" altLang="en-US"/>
-          </a:p>
-        </p:txBody>
-      </p:sp>
-      <p:sp>
-        <p:nvSpPr>
-          <p:cNvPr id="5" name="フッター プレースホルダー 4">
-            <a:extLst>
-              <a:ext uri="{FF2B5EF4-FFF2-40B4-BE49-F238E27FC236}">
-                <a16:creationId xmlns:a16="http://schemas.microsoft.com/office/drawing/2014/main" id="{70A5C48F-DD08-5E90-8574-93AD36117DDF}"/>
-              </a:ext>
-            </a:extLst>
-          </p:cNvPr>
-          <p:cNvSpPr>
-            <a:spLocks noGrp="1"/>
-          </p:cNvSpPr>
-          <p:nvPr>
-            <p:ph type="ftr" sz="quarter" idx="11"/>
-          </p:nvPr>
-        </p:nvSpPr>
-        <p:spPr/>
-        <p:txBody>
-          <a:bodyPr/>
-          <a:lstStyle/>
-          <a:p>
-            <a:endParaRPr kumimoji="1" lang="ja-JP" altLang="en-US"/>
-          </a:p>
-        </p:txBody>
-      </p:sp>
-      <p:sp>
-        <p:nvSpPr>
-          <p:cNvPr id="6" name="スライド番号プレースホルダー 5">
-            <a:extLst>
-              <a:ext uri="{FF2B5EF4-FFF2-40B4-BE49-F238E27FC236}">
-                <a16:creationId xmlns:a16="http://schemas.microsoft.com/office/drawing/2014/main" id="{88BC14F3-1C73-55DA-AA27-82DE34FD521B}"/>
-              </a:ext>
-            </a:extLst>
-          </p:cNvPr>
-          <p:cNvSpPr>
-            <a:spLocks noGrp="1"/>
-          </p:cNvSpPr>
-          <p:nvPr>
-            <p:ph type="sldNum" sz="quarter" idx="12"/>
-          </p:nvPr>
-        </p:nvSpPr>
-        <p:spPr/>
-        <p:txBody>
-          <a:bodyPr/>
-          <a:lstStyle/>
-          <a:p>
-            <a:fld id="{3F7399C1-18E6-4A2D-A31F-58A675CB259C}" type="slidenum">
-              <a:rPr kumimoji="1" lang="ja-JP" altLang="en-US" smtClean="0"/>
-              <a:t>‹#›</a:t>
-            </a:fld>
-            <a:endParaRPr kumimoji="1" lang="ja-JP" altLang="en-US"/>
-          </a:p>
-        </p:txBody>
-      </p:sp>
-    </p:spTree>
-    <p:extLst>
-      <p:ext uri="{BB962C8B-B14F-4D97-AF65-F5344CB8AC3E}">
-        <p14:creationId xmlns:p14="http://schemas.microsoft.com/office/powerpoint/2010/main" val="623316385"/>
-      </p:ext>
-    </p:extLst>
-  </p:cSld>
-  <p:clrMapOvr>
-    <a:masterClrMapping/>
-  </p:clrMapOvr>
-</p:sldLayout>
-</file>
-
-<file path=ppt/slideLayouts/slideLayout3.xml><?xml version="1.0" encoding="utf-8"?>
-<p:sldLayout xmlns:a="http://schemas.openxmlformats.org/drawingml/2006/main" xmlns:r="http://schemas.openxmlformats.org/officeDocument/2006/relationships" xmlns:p="http://schemas.openxmlformats.org/presentationml/2006/main" type="secHead" preserve="1">
-  <p:cSld name="セクション見出し">
-    <p:spTree>
-      <p:nvGrpSpPr>
-        <p:cNvPr id="1" name=""/>
-        <p:cNvGrpSpPr/>
-        <p:nvPr/>
-      </p:nvGrpSpPr>
-      <p:grpSpPr>
-        <a:xfrm>
-          <a:off x="0" y="0"/>
-          <a:ext cx="0" cy="0"/>
-          <a:chOff x="0" y="0"/>
-          <a:chExt cx="0" cy="0"/>
-        </a:xfrm>
-      </p:grpSpPr>
-      <p:sp>
-        <p:nvSpPr>
-          <p:cNvPr id="2" name="タイトル 1">
-            <a:extLst>
-              <a:ext uri="{FF2B5EF4-FFF2-40B4-BE49-F238E27FC236}">
-                <a16:creationId xmlns:a16="http://schemas.microsoft.com/office/drawing/2014/main" id="{0089875B-2B91-2B11-E4EB-999CAB024989}"/>
-              </a:ext>
-            </a:extLst>
-          </p:cNvPr>
-          <p:cNvSpPr>
-            <a:spLocks noGrp="1"/>
-          </p:cNvSpPr>
-          <p:nvPr>
-            <p:ph type="title"/>
-          </p:nvPr>
-        </p:nvSpPr>
-        <p:spPr>
-          <a:xfrm>
-            <a:off x="831850" y="1709738"/>
-            <a:ext cx="10515600" cy="2852737"/>
-          </a:xfrm>
-        </p:spPr>
-        <p:txBody>
-          <a:bodyPr anchor="b"/>
-          <a:lstStyle>
-            <a:lvl1pPr>
-              <a:defRPr sz="6000"/>
-            </a:lvl1pPr>
-          </a:lstStyle>
-          <a:p>
-            <a:r>
-              <a:rPr kumimoji="1" lang="ja-JP" altLang="en-US"/>
-              <a:t>マスター タイトルの書式設定</a:t>
-            </a:r>
-          </a:p>
-        </p:txBody>
-      </p:sp>
-      <p:sp>
-        <p:nvSpPr>
-          <p:cNvPr id="3" name="テキスト プレースホルダー 2">
-            <a:extLst>
-              <a:ext uri="{FF2B5EF4-FFF2-40B4-BE49-F238E27FC236}">
-                <a16:creationId xmlns:a16="http://schemas.microsoft.com/office/drawing/2014/main" id="{ADAD2C86-64CA-EDA7-D4F8-05A944C57767}"/>
-              </a:ext>
-            </a:extLst>
-          </p:cNvPr>
-          <p:cNvSpPr>
-            <a:spLocks noGrp="1"/>
-          </p:cNvSpPr>
-          <p:nvPr>
-            <p:ph type="body" idx="1"/>
-          </p:nvPr>
-        </p:nvSpPr>
-        <p:spPr>
-          <a:xfrm>
-            <a:off x="831850" y="4589463"/>
-            <a:ext cx="10515600" cy="1500187"/>
-          </a:xfrm>
-        </p:spPr>
-        <p:txBody>
-          <a:bodyPr/>
-          <a:lstStyle>
-            <a:lvl1pPr marL="0" indent="0">
-              <a:buNone/>
-              <a:defRPr sz="2400">
-                <a:solidFill>
-                  <a:schemeClr val="tx1">
-                    <a:tint val="75000"/>
-                  </a:schemeClr>
-                </a:solidFill>
-              </a:defRPr>
-            </a:lvl1pPr>
-            <a:lvl2pPr marL="457200" indent="0">
-              <a:buNone/>
-              <a:defRPr sz="2000">
-                <a:solidFill>
-                  <a:schemeClr val="tx1">
-                    <a:tint val="75000"/>
-                  </a:schemeClr>
-                </a:solidFill>
-              </a:defRPr>
-            </a:lvl2pPr>
-            <a:lvl3pPr marL="914400" indent="0">
-              <a:buNone/>
-              <a:defRPr sz="1800">
-                <a:solidFill>
-                  <a:schemeClr val="tx1">
-                    <a:tint val="75000"/>
-                  </a:schemeClr>
-                </a:solidFill>
-              </a:defRPr>
-            </a:lvl3pPr>
-            <a:lvl4pPr marL="1371600" indent="0">
-              <a:buNone/>
-              <a:defRPr sz="1600">
-                <a:solidFill>
-                  <a:schemeClr val="tx1">
-                    <a:tint val="75000"/>
-                  </a:schemeClr>
-                </a:solidFill>
-              </a:defRPr>
-            </a:lvl4pPr>
-            <a:lvl5pPr marL="1828800" indent="0">
-              <a:buNone/>
-              <a:defRPr sz="1600">
-                <a:solidFill>
-                  <a:schemeClr val="tx1">
-                    <a:tint val="75000"/>
-                  </a:schemeClr>
-                </a:solidFill>
-              </a:defRPr>
-            </a:lvl5pPr>
-            <a:lvl6pPr marL="2286000" indent="0">
-              <a:buNone/>
-              <a:defRPr sz="1600">
-                <a:solidFill>
-                  <a:schemeClr val="tx1">
-                    <a:tint val="75000"/>
-                  </a:schemeClr>
-                </a:solidFill>
-              </a:defRPr>
-            </a:lvl6pPr>
-            <a:lvl7pPr marL="2743200" indent="0">
-              <a:buNone/>
-              <a:defRPr sz="1600">
-                <a:solidFill>
-                  <a:schemeClr val="tx1">
-                    <a:tint val="75000"/>
-                  </a:schemeClr>
-                </a:solidFill>
-              </a:defRPr>
-            </a:lvl7pPr>
-            <a:lvl8pPr marL="3200400" indent="0">
-              <a:buNone/>
-              <a:defRPr sz="1600">
-                <a:solidFill>
-                  <a:schemeClr val="tx1">
-                    <a:tint val="75000"/>
-                  </a:schemeClr>
-                </a:solidFill>
-              </a:defRPr>
-            </a:lvl8pPr>
-            <a:lvl9pPr marL="3657600" indent="0">
-              <a:buNone/>
-              <a:defRPr sz="1600">
-                <a:solidFill>
-                  <a:schemeClr val="tx1">
-                    <a:tint val="75000"/>
-                  </a:schemeClr>
-                </a:solidFill>
-              </a:defRPr>
-            </a:lvl9pPr>
-          </a:lstStyle>
-          <a:p>
-            <a:pPr lvl="0"/>
-            <a:r>
-              <a:rPr kumimoji="1" lang="ja-JP" altLang="en-US"/>
-              <a:t>マスター テキストの書式設定</a:t>
-            </a:r>
-          </a:p>
-        </p:txBody>
-      </p:sp>
-      <p:sp>
-        <p:nvSpPr>
-          <p:cNvPr id="4" name="日付プレースホルダー 3">
-            <a:extLst>
-              <a:ext uri="{FF2B5EF4-FFF2-40B4-BE49-F238E27FC236}">
-                <a16:creationId xmlns:a16="http://schemas.microsoft.com/office/drawing/2014/main" id="{E42C980F-3E3B-12BD-BEE8-AAFCD88DD538}"/>
-              </a:ext>
-            </a:extLst>
-          </p:cNvPr>
-          <p:cNvSpPr>
-            <a:spLocks noGrp="1"/>
-          </p:cNvSpPr>
-          <p:nvPr>
-            <p:ph type="dt" sz="half" idx="10"/>
-          </p:nvPr>
-        </p:nvSpPr>
-        <p:spPr/>
-        <p:txBody>
-          <a:bodyPr/>
-          <a:lstStyle/>
-          <a:p>
-            <a:fld id="{CA4A5610-4D71-45E8-A43F-B7CDE07B535B}" type="datetimeFigureOut">
-              <a:rPr kumimoji="1" lang="ja-JP" altLang="en-US" smtClean="0"/>
-              <a:t>2022/6/28</a:t>
-            </a:fld>
-            <a:endParaRPr kumimoji="1" lang="ja-JP" altLang="en-US"/>
-          </a:p>
-        </p:txBody>
-      </p:sp>
-      <p:sp>
-        <p:nvSpPr>
-          <p:cNvPr id="5" name="フッター プレースホルダー 4">
-            <a:extLst>
-              <a:ext uri="{FF2B5EF4-FFF2-40B4-BE49-F238E27FC236}">
-                <a16:creationId xmlns:a16="http://schemas.microsoft.com/office/drawing/2014/main" id="{A777EF9C-C7E9-C84E-FE63-B83EEC4ECF7E}"/>
-              </a:ext>
-            </a:extLst>
-          </p:cNvPr>
-          <p:cNvSpPr>
-            <a:spLocks noGrp="1"/>
-          </p:cNvSpPr>
-          <p:nvPr>
-            <p:ph type="ftr" sz="quarter" idx="11"/>
-          </p:nvPr>
-        </p:nvSpPr>
-        <p:spPr/>
-        <p:txBody>
-          <a:bodyPr/>
-          <a:lstStyle/>
-          <a:p>
-            <a:endParaRPr kumimoji="1" lang="ja-JP" altLang="en-US"/>
-          </a:p>
-        </p:txBody>
-      </p:sp>
-      <p:sp>
-        <p:nvSpPr>
-          <p:cNvPr id="6" name="スライド番号プレースホルダー 5">
-            <a:extLst>
-              <a:ext uri="{FF2B5EF4-FFF2-40B4-BE49-F238E27FC236}">
-                <a16:creationId xmlns:a16="http://schemas.microsoft.com/office/drawing/2014/main" id="{55FE9E03-3CB5-4A69-4CD9-5C3F0055885D}"/>
-              </a:ext>
-            </a:extLst>
-          </p:cNvPr>
-          <p:cNvSpPr>
-            <a:spLocks noGrp="1"/>
-          </p:cNvSpPr>
-          <p:nvPr>
-            <p:ph type="sldNum" sz="quarter" idx="12"/>
-          </p:nvPr>
-        </p:nvSpPr>
-        <p:spPr/>
-        <p:txBody>
-          <a:bodyPr/>
-          <a:lstStyle/>
-          <a:p>
-            <a:fld id="{3F7399C1-18E6-4A2D-A31F-58A675CB259C}" type="slidenum">
-              <a:rPr kumimoji="1" lang="ja-JP" altLang="en-US" smtClean="0"/>
-              <a:t>‹#›</a:t>
-            </a:fld>
-            <a:endParaRPr kumimoji="1" lang="ja-JP" altLang="en-US"/>
-          </a:p>
-        </p:txBody>
-      </p:sp>
-    </p:spTree>
-    <p:extLst>
-      <p:ext uri="{BB962C8B-B14F-4D97-AF65-F5344CB8AC3E}">
-        <p14:creationId xmlns:p14="http://schemas.microsoft.com/office/powerpoint/2010/main" val="2508919203"/>
-      </p:ext>
-    </p:extLst>
-  </p:cSld>
-  <p:clrMapOvr>
-    <a:masterClrMapping/>
-  </p:clrMapOvr>
-</p:sldLayout>
-</file>
-
-<file path=ppt/slideLayouts/slideLayout4.xml><?xml version="1.0" encoding="utf-8"?>
-<p:sldLayout xmlns:a="http://schemas.openxmlformats.org/drawingml/2006/main" xmlns:r="http://schemas.openxmlformats.org/officeDocument/2006/relationships" xmlns:p="http://schemas.openxmlformats.org/presentationml/2006/main" type="twoObj" preserve="1">
-  <p:cSld name="2 つのコンテンツ">
-    <p:spTree>
-      <p:nvGrpSpPr>
-        <p:cNvPr id="1" name=""/>
-        <p:cNvGrpSpPr/>
-        <p:nvPr/>
-      </p:nvGrpSpPr>
-      <p:grpSpPr>
-        <a:xfrm>
-          <a:off x="0" y="0"/>
-          <a:ext cx="0" cy="0"/>
-          <a:chOff x="0" y="0"/>
-          <a:chExt cx="0" cy="0"/>
-        </a:xfrm>
-      </p:grpSpPr>
-      <p:sp>
-        <p:nvSpPr>
-          <p:cNvPr id="2" name="タイトル 1">
-            <a:extLst>
-              <a:ext uri="{FF2B5EF4-FFF2-40B4-BE49-F238E27FC236}">
-                <a16:creationId xmlns:a16="http://schemas.microsoft.com/office/drawing/2014/main" id="{BED54A0B-6253-2834-1EE5-8351D034C2E6}"/>
-              </a:ext>
-            </a:extLst>
-          </p:cNvPr>
-          <p:cNvSpPr>
-            <a:spLocks noGrp="1"/>
-          </p:cNvSpPr>
-          <p:nvPr>
-            <p:ph type="title"/>
-          </p:nvPr>
-        </p:nvSpPr>
-        <p:spPr/>
-        <p:txBody>
-          <a:bodyPr/>
-          <a:lstStyle/>
-          <a:p>
-            <a:r>
-              <a:rPr kumimoji="1" lang="ja-JP" altLang="en-US"/>
-              <a:t>マスター タイトルの書式設定</a:t>
-            </a:r>
-          </a:p>
-        </p:txBody>
-      </p:sp>
-      <p:sp>
-        <p:nvSpPr>
-          <p:cNvPr id="3" name="コンテンツ プレースホルダー 2">
-            <a:extLst>
-              <a:ext uri="{FF2B5EF4-FFF2-40B4-BE49-F238E27FC236}">
-                <a16:creationId xmlns:a16="http://schemas.microsoft.com/office/drawing/2014/main" id="{37B147F1-CEF3-EC66-ACE2-F9D1969C2A75}"/>
-              </a:ext>
-            </a:extLst>
-          </p:cNvPr>
-          <p:cNvSpPr>
-            <a:spLocks noGrp="1"/>
-          </p:cNvSpPr>
-          <p:nvPr>
-            <p:ph sz="half" idx="1"/>
-          </p:nvPr>
-        </p:nvSpPr>
-        <p:spPr>
-          <a:xfrm>
-            <a:off x="838200" y="1825625"/>
-            <a:ext cx="5181600" cy="4351338"/>
-          </a:xfrm>
-        </p:spPr>
-        <p:txBody>
-          <a:bodyPr/>
-          <a:lstStyle/>
-          <a:p>
-            <a:pPr lvl="0"/>
-            <a:r>
-              <a:rPr kumimoji="1" lang="ja-JP" altLang="en-US"/>
-              <a:t>マスター テキストの書式設定</a:t>
-            </a:r>
-          </a:p>
-          <a:p>
-            <a:pPr lvl="1"/>
-            <a:r>
-              <a:rPr kumimoji="1" lang="ja-JP" altLang="en-US"/>
-              <a:t>第 </a:t>
-            </a:r>
-            <a:r>
-              <a:rPr kumimoji="1" lang="en-US" altLang="ja-JP"/>
-              <a:t>2 </a:t>
-            </a:r>
-            <a:r>
-              <a:rPr kumimoji="1" lang="ja-JP" altLang="en-US"/>
-              <a:t>レベル</a:t>
-            </a:r>
-          </a:p>
-          <a:p>
-            <a:pPr lvl="2"/>
-            <a:r>
-              <a:rPr kumimoji="1" lang="ja-JP" altLang="en-US"/>
-              <a:t>第 </a:t>
-            </a:r>
-            <a:r>
-              <a:rPr kumimoji="1" lang="en-US" altLang="ja-JP"/>
-              <a:t>3 </a:t>
-            </a:r>
-            <a:r>
-              <a:rPr kumimoji="1" lang="ja-JP" altLang="en-US"/>
-              <a:t>レベル</a:t>
-            </a:r>
-          </a:p>
-          <a:p>
-            <a:pPr lvl="3"/>
-            <a:r>
-              <a:rPr kumimoji="1" lang="ja-JP" altLang="en-US"/>
-              <a:t>第 </a:t>
-            </a:r>
-            <a:r>
-              <a:rPr kumimoji="1" lang="en-US" altLang="ja-JP"/>
-              <a:t>4 </a:t>
-            </a:r>
-            <a:r>
-              <a:rPr kumimoji="1" lang="ja-JP" altLang="en-US"/>
-              <a:t>レベル</a:t>
-            </a:r>
-          </a:p>
-          <a:p>
-            <a:pPr lvl="4"/>
-            <a:r>
-              <a:rPr kumimoji="1" lang="ja-JP" altLang="en-US"/>
-              <a:t>第 </a:t>
-            </a:r>
-            <a:r>
-              <a:rPr kumimoji="1" lang="en-US" altLang="ja-JP"/>
-              <a:t>5 </a:t>
-            </a:r>
-            <a:r>
-              <a:rPr kumimoji="1" lang="ja-JP" altLang="en-US"/>
-              <a:t>レベル</a:t>
-            </a:r>
-          </a:p>
-        </p:txBody>
-      </p:sp>
-      <p:sp>
-        <p:nvSpPr>
-          <p:cNvPr id="4" name="コンテンツ プレースホルダー 3">
-            <a:extLst>
-              <a:ext uri="{FF2B5EF4-FFF2-40B4-BE49-F238E27FC236}">
-                <a16:creationId xmlns:a16="http://schemas.microsoft.com/office/drawing/2014/main" id="{8834037D-AEB5-4FF5-DDDF-2125BD7070A6}"/>
-              </a:ext>
-            </a:extLst>
-          </p:cNvPr>
-          <p:cNvSpPr>
-            <a:spLocks noGrp="1"/>
-          </p:cNvSpPr>
-          <p:nvPr>
-            <p:ph sz="half" idx="2"/>
-          </p:nvPr>
-        </p:nvSpPr>
-        <p:spPr>
-          <a:xfrm>
-            <a:off x="6172200" y="1825625"/>
-            <a:ext cx="5181600" cy="4351338"/>
-          </a:xfrm>
-        </p:spPr>
-        <p:txBody>
-          <a:bodyPr/>
-          <a:lstStyle/>
-          <a:p>
-            <a:pPr lvl="0"/>
-            <a:r>
-              <a:rPr kumimoji="1" lang="ja-JP" altLang="en-US"/>
-              <a:t>マスター テキストの書式設定</a:t>
-            </a:r>
-          </a:p>
-          <a:p>
-            <a:pPr lvl="1"/>
-            <a:r>
-              <a:rPr kumimoji="1" lang="ja-JP" altLang="en-US"/>
-              <a:t>第 </a:t>
-            </a:r>
-            <a:r>
-              <a:rPr kumimoji="1" lang="en-US" altLang="ja-JP"/>
-              <a:t>2 </a:t>
-            </a:r>
-            <a:r>
-              <a:rPr kumimoji="1" lang="ja-JP" altLang="en-US"/>
-              <a:t>レベル</a:t>
-            </a:r>
-          </a:p>
-          <a:p>
-            <a:pPr lvl="2"/>
-            <a:r>
-              <a:rPr kumimoji="1" lang="ja-JP" altLang="en-US"/>
-              <a:t>第 </a:t>
-            </a:r>
-            <a:r>
-              <a:rPr kumimoji="1" lang="en-US" altLang="ja-JP"/>
-              <a:t>3 </a:t>
-            </a:r>
-            <a:r>
-              <a:rPr kumimoji="1" lang="ja-JP" altLang="en-US"/>
-              <a:t>レベル</a:t>
-            </a:r>
-          </a:p>
-          <a:p>
-            <a:pPr lvl="3"/>
-            <a:r>
-              <a:rPr kumimoji="1" lang="ja-JP" altLang="en-US"/>
-              <a:t>第 </a:t>
-            </a:r>
-            <a:r>
-              <a:rPr kumimoji="1" lang="en-US" altLang="ja-JP"/>
-              <a:t>4 </a:t>
-            </a:r>
-            <a:r>
-              <a:rPr kumimoji="1" lang="ja-JP" altLang="en-US"/>
-              <a:t>レベル</a:t>
-            </a:r>
-          </a:p>
-          <a:p>
-            <a:pPr lvl="4"/>
-            <a:r>
-              <a:rPr kumimoji="1" lang="ja-JP" altLang="en-US"/>
-              <a:t>第 </a:t>
-            </a:r>
-            <a:r>
-              <a:rPr kumimoji="1" lang="en-US" altLang="ja-JP"/>
-              <a:t>5 </a:t>
-            </a:r>
-            <a:r>
-              <a:rPr kumimoji="1" lang="ja-JP" altLang="en-US"/>
-              <a:t>レベル</a:t>
-            </a:r>
-          </a:p>
-        </p:txBody>
-      </p:sp>
-      <p:sp>
-        <p:nvSpPr>
-          <p:cNvPr id="5" name="日付プレースホルダー 4">
-            <a:extLst>
-              <a:ext uri="{FF2B5EF4-FFF2-40B4-BE49-F238E27FC236}">
-                <a16:creationId xmlns:a16="http://schemas.microsoft.com/office/drawing/2014/main" id="{FFABA2DE-6609-0C10-1CC1-6BC91D52DF01}"/>
-              </a:ext>
-            </a:extLst>
-          </p:cNvPr>
-          <p:cNvSpPr>
-            <a:spLocks noGrp="1"/>
-          </p:cNvSpPr>
-          <p:nvPr>
-            <p:ph type="dt" sz="half" idx="10"/>
-          </p:nvPr>
-        </p:nvSpPr>
-        <p:spPr/>
-        <p:txBody>
-          <a:bodyPr/>
-          <a:lstStyle/>
-          <a:p>
-            <a:fld id="{CA4A5610-4D71-45E8-A43F-B7CDE07B535B}" type="datetimeFigureOut">
-              <a:rPr kumimoji="1" lang="ja-JP" altLang="en-US" smtClean="0"/>
-              <a:t>2022/6/28</a:t>
-            </a:fld>
-            <a:endParaRPr kumimoji="1" lang="ja-JP" altLang="en-US"/>
-          </a:p>
-        </p:txBody>
-      </p:sp>
-      <p:sp>
-        <p:nvSpPr>
-          <p:cNvPr id="6" name="フッター プレースホルダー 5">
-            <a:extLst>
-              <a:ext uri="{FF2B5EF4-FFF2-40B4-BE49-F238E27FC236}">
-                <a16:creationId xmlns:a16="http://schemas.microsoft.com/office/drawing/2014/main" id="{29643F71-6827-FFDD-2318-BF9EDB6D9AB7}"/>
-              </a:ext>
-            </a:extLst>
-          </p:cNvPr>
-          <p:cNvSpPr>
-            <a:spLocks noGrp="1"/>
-          </p:cNvSpPr>
-          <p:nvPr>
-            <p:ph type="ftr" sz="quarter" idx="11"/>
-          </p:nvPr>
-        </p:nvSpPr>
-        <p:spPr/>
-        <p:txBody>
-          <a:bodyPr/>
-          <a:lstStyle/>
-          <a:p>
-            <a:endParaRPr kumimoji="1" lang="ja-JP" altLang="en-US"/>
-          </a:p>
-        </p:txBody>
-      </p:sp>
-      <p:sp>
-        <p:nvSpPr>
-          <p:cNvPr id="7" name="スライド番号プレースホルダー 6">
-            <a:extLst>
-              <a:ext uri="{FF2B5EF4-FFF2-40B4-BE49-F238E27FC236}">
-                <a16:creationId xmlns:a16="http://schemas.microsoft.com/office/drawing/2014/main" id="{9FBCB473-D16B-6E89-CD05-750B300880B6}"/>
-              </a:ext>
-            </a:extLst>
-          </p:cNvPr>
-          <p:cNvSpPr>
-            <a:spLocks noGrp="1"/>
-          </p:cNvSpPr>
-          <p:nvPr>
-            <p:ph type="sldNum" sz="quarter" idx="12"/>
-          </p:nvPr>
-        </p:nvSpPr>
-        <p:spPr/>
-        <p:txBody>
-          <a:bodyPr/>
-          <a:lstStyle/>
-          <a:p>
-            <a:fld id="{3F7399C1-18E6-4A2D-A31F-58A675CB259C}" type="slidenum">
-              <a:rPr kumimoji="1" lang="ja-JP" altLang="en-US" smtClean="0"/>
-              <a:t>‹#›</a:t>
-            </a:fld>
-            <a:endParaRPr kumimoji="1" lang="ja-JP" altLang="en-US"/>
-          </a:p>
-        </p:txBody>
-      </p:sp>
-    </p:spTree>
-    <p:extLst>
-      <p:ext uri="{BB962C8B-B14F-4D97-AF65-F5344CB8AC3E}">
-        <p14:creationId xmlns:p14="http://schemas.microsoft.com/office/powerpoint/2010/main" val="3153036831"/>
-      </p:ext>
-    </p:extLst>
-  </p:cSld>
-  <p:clrMapOvr>
-    <a:masterClrMapping/>
-  </p:clrMapOvr>
-</p:sldLayout>
-</file>
-
-<file path=ppt/slideLayouts/slideLayout5.xml><?xml version="1.0" encoding="utf-8"?>
-<p:sldLayout xmlns:a="http://schemas.openxmlformats.org/drawingml/2006/main" xmlns:r="http://schemas.openxmlformats.org/officeDocument/2006/relationships" xmlns:p="http://schemas.openxmlformats.org/presentationml/2006/main" type="twoTxTwoObj" preserve="1">
-  <p:cSld name="比較">
-    <p:spTree>
-      <p:nvGrpSpPr>
-        <p:cNvPr id="1" name=""/>
-        <p:cNvGrpSpPr/>
-        <p:nvPr/>
-      </p:nvGrpSpPr>
-      <p:grpSpPr>
-        <a:xfrm>
-          <a:off x="0" y="0"/>
-          <a:ext cx="0" cy="0"/>
-          <a:chOff x="0" y="0"/>
-          <a:chExt cx="0" cy="0"/>
-        </a:xfrm>
-      </p:grpSpPr>
-      <p:sp>
-        <p:nvSpPr>
-          <p:cNvPr id="2" name="タイトル 1">
-            <a:extLst>
-              <a:ext uri="{FF2B5EF4-FFF2-40B4-BE49-F238E27FC236}">
-                <a16:creationId xmlns:a16="http://schemas.microsoft.com/office/drawing/2014/main" id="{2F4E68B0-1596-A4A7-790F-356E7985DBB2}"/>
-              </a:ext>
-            </a:extLst>
-          </p:cNvPr>
-          <p:cNvSpPr>
-            <a:spLocks noGrp="1"/>
-          </p:cNvSpPr>
-          <p:nvPr>
-            <p:ph type="title"/>
-          </p:nvPr>
-        </p:nvSpPr>
-        <p:spPr>
-          <a:xfrm>
-            <a:off x="839788" y="365125"/>
-            <a:ext cx="10515600" cy="1325563"/>
-          </a:xfrm>
-        </p:spPr>
-        <p:txBody>
-          <a:bodyPr/>
-          <a:lstStyle/>
-          <a:p>
-            <a:r>
-              <a:rPr kumimoji="1" lang="ja-JP" altLang="en-US"/>
-              <a:t>マスター タイトルの書式設定</a:t>
-            </a:r>
-          </a:p>
-        </p:txBody>
-      </p:sp>
-      <p:sp>
-        <p:nvSpPr>
-          <p:cNvPr id="3" name="テキスト プレースホルダー 2">
-            <a:extLst>
-              <a:ext uri="{FF2B5EF4-FFF2-40B4-BE49-F238E27FC236}">
-                <a16:creationId xmlns:a16="http://schemas.microsoft.com/office/drawing/2014/main" id="{42B281A5-8E18-92F1-3A4F-8FAB7DD8DAEC}"/>
-              </a:ext>
-            </a:extLst>
-          </p:cNvPr>
-          <p:cNvSpPr>
-            <a:spLocks noGrp="1"/>
-          </p:cNvSpPr>
-          <p:nvPr>
-            <p:ph type="body" idx="1"/>
-          </p:nvPr>
-        </p:nvSpPr>
-        <p:spPr>
-          <a:xfrm>
-            <a:off x="839788" y="1681163"/>
-            <a:ext cx="5157787" cy="823912"/>
-          </a:xfrm>
-        </p:spPr>
-        <p:txBody>
-          <a:bodyPr anchor="b"/>
-          <a:lstStyle>
-            <a:lvl1pPr marL="0" indent="0">
-              <a:buNone/>
-              <a:defRPr sz="2400" b="1"/>
-            </a:lvl1pPr>
-            <a:lvl2pPr marL="457200" indent="0">
-              <a:buNone/>
-              <a:defRPr sz="2000" b="1"/>
-            </a:lvl2pPr>
-            <a:lvl3pPr marL="914400" indent="0">
-              <a:buNone/>
-              <a:defRPr sz="1800" b="1"/>
-            </a:lvl3pPr>
-            <a:lvl4pPr marL="1371600" indent="0">
-              <a:buNone/>
-              <a:defRPr sz="1600" b="1"/>
-            </a:lvl4pPr>
-            <a:lvl5pPr marL="1828800" indent="0">
-              <a:buNone/>
-              <a:defRPr sz="1600" b="1"/>
-            </a:lvl5pPr>
-            <a:lvl6pPr marL="2286000" indent="0">
-              <a:buNone/>
-              <a:defRPr sz="1600" b="1"/>
-            </a:lvl6pPr>
-            <a:lvl7pPr marL="2743200" indent="0">
-              <a:buNone/>
-              <a:defRPr sz="1600" b="1"/>
-            </a:lvl7pPr>
-            <a:lvl8pPr marL="3200400" indent="0">
-              <a:buNone/>
-              <a:defRPr sz="1600" b="1"/>
-            </a:lvl8pPr>
-            <a:lvl9pPr marL="3657600" indent="0">
-              <a:buNone/>
-              <a:defRPr sz="1600" b="1"/>
-            </a:lvl9pPr>
-          </a:lstStyle>
-          <a:p>
-            <a:pPr lvl="0"/>
-            <a:r>
-              <a:rPr kumimoji="1" lang="ja-JP" altLang="en-US"/>
-              <a:t>マスター テキストの書式設定</a:t>
-            </a:r>
-          </a:p>
-        </p:txBody>
-      </p:sp>
-      <p:sp>
-        <p:nvSpPr>
-          <p:cNvPr id="4" name="コンテンツ プレースホルダー 3">
-            <a:extLst>
-              <a:ext uri="{FF2B5EF4-FFF2-40B4-BE49-F238E27FC236}">
-                <a16:creationId xmlns:a16="http://schemas.microsoft.com/office/drawing/2014/main" id="{06E2C5A7-4549-697B-B341-908398F231BF}"/>
-              </a:ext>
-            </a:extLst>
-          </p:cNvPr>
-          <p:cNvSpPr>
-            <a:spLocks noGrp="1"/>
-          </p:cNvSpPr>
-          <p:nvPr>
-            <p:ph sz="half" idx="2"/>
-          </p:nvPr>
-        </p:nvSpPr>
-        <p:spPr>
-          <a:xfrm>
-            <a:off x="839788" y="2505075"/>
-            <a:ext cx="5157787" cy="3684588"/>
-          </a:xfrm>
-        </p:spPr>
-        <p:txBody>
-          <a:bodyPr/>
-          <a:lstStyle/>
-          <a:p>
-            <a:pPr lvl="0"/>
-            <a:r>
-              <a:rPr kumimoji="1" lang="ja-JP" altLang="en-US"/>
-              <a:t>マスター テキストの書式設定</a:t>
-            </a:r>
-          </a:p>
-          <a:p>
-            <a:pPr lvl="1"/>
-            <a:r>
-              <a:rPr kumimoji="1" lang="ja-JP" altLang="en-US"/>
-              <a:t>第 </a:t>
-            </a:r>
-            <a:r>
-              <a:rPr kumimoji="1" lang="en-US" altLang="ja-JP"/>
-              <a:t>2 </a:t>
-            </a:r>
-            <a:r>
-              <a:rPr kumimoji="1" lang="ja-JP" altLang="en-US"/>
-              <a:t>レベル</a:t>
-            </a:r>
-          </a:p>
-          <a:p>
-            <a:pPr lvl="2"/>
-            <a:r>
-              <a:rPr kumimoji="1" lang="ja-JP" altLang="en-US"/>
-              <a:t>第 </a:t>
-            </a:r>
-            <a:r>
-              <a:rPr kumimoji="1" lang="en-US" altLang="ja-JP"/>
-              <a:t>3 </a:t>
-            </a:r>
-            <a:r>
-              <a:rPr kumimoji="1" lang="ja-JP" altLang="en-US"/>
-              <a:t>レベル</a:t>
-            </a:r>
-          </a:p>
-          <a:p>
-            <a:pPr lvl="3"/>
-            <a:r>
-              <a:rPr kumimoji="1" lang="ja-JP" altLang="en-US"/>
-              <a:t>第 </a:t>
-            </a:r>
-            <a:r>
-              <a:rPr kumimoji="1" lang="en-US" altLang="ja-JP"/>
-              <a:t>4 </a:t>
-            </a:r>
-            <a:r>
-              <a:rPr kumimoji="1" lang="ja-JP" altLang="en-US"/>
-              <a:t>レベル</a:t>
-            </a:r>
-          </a:p>
-          <a:p>
-            <a:pPr lvl="4"/>
-            <a:r>
-              <a:rPr kumimoji="1" lang="ja-JP" altLang="en-US"/>
-              <a:t>第 </a:t>
-            </a:r>
-            <a:r>
-              <a:rPr kumimoji="1" lang="en-US" altLang="ja-JP"/>
-              <a:t>5 </a:t>
-            </a:r>
-            <a:r>
-              <a:rPr kumimoji="1" lang="ja-JP" altLang="en-US"/>
-              <a:t>レベル</a:t>
-            </a:r>
-          </a:p>
-        </p:txBody>
-      </p:sp>
-      <p:sp>
-        <p:nvSpPr>
-          <p:cNvPr id="5" name="テキスト プレースホルダー 4">
-            <a:extLst>
-              <a:ext uri="{FF2B5EF4-FFF2-40B4-BE49-F238E27FC236}">
-                <a16:creationId xmlns:a16="http://schemas.microsoft.com/office/drawing/2014/main" id="{1C4E207F-4CA1-A8FB-7BEA-C33D6C71C2C7}"/>
-              </a:ext>
-            </a:extLst>
-          </p:cNvPr>
-          <p:cNvSpPr>
-            <a:spLocks noGrp="1"/>
-          </p:cNvSpPr>
-          <p:nvPr>
-            <p:ph type="body" sz="quarter" idx="3"/>
-          </p:nvPr>
-        </p:nvSpPr>
-        <p:spPr>
-          <a:xfrm>
-            <a:off x="6172200" y="1681163"/>
-            <a:ext cx="5183188" cy="823912"/>
-          </a:xfrm>
-        </p:spPr>
-        <p:txBody>
-          <a:bodyPr anchor="b"/>
-          <a:lstStyle>
-            <a:lvl1pPr marL="0" indent="0">
-              <a:buNone/>
-              <a:defRPr sz="2400" b="1"/>
-            </a:lvl1pPr>
-            <a:lvl2pPr marL="457200" indent="0">
-              <a:buNone/>
-              <a:defRPr sz="2000" b="1"/>
-            </a:lvl2pPr>
-            <a:lvl3pPr marL="914400" indent="0">
-              <a:buNone/>
-              <a:defRPr sz="1800" b="1"/>
-            </a:lvl3pPr>
-            <a:lvl4pPr marL="1371600" indent="0">
-              <a:buNone/>
-              <a:defRPr sz="1600" b="1"/>
-            </a:lvl4pPr>
-            <a:lvl5pPr marL="1828800" indent="0">
-              <a:buNone/>
-              <a:defRPr sz="1600" b="1"/>
-            </a:lvl5pPr>
-            <a:lvl6pPr marL="2286000" indent="0">
-              <a:buNone/>
-              <a:defRPr sz="1600" b="1"/>
-            </a:lvl6pPr>
-            <a:lvl7pPr marL="2743200" indent="0">
-              <a:buNone/>
-              <a:defRPr sz="1600" b="1"/>
-            </a:lvl7pPr>
-            <a:lvl8pPr marL="3200400" indent="0">
-              <a:buNone/>
-              <a:defRPr sz="1600" b="1"/>
-            </a:lvl8pPr>
-            <a:lvl9pPr marL="3657600" indent="0">
-              <a:buNone/>
-              <a:defRPr sz="1600" b="1"/>
-            </a:lvl9pPr>
-          </a:lstStyle>
-          <a:p>
-            <a:pPr lvl="0"/>
-            <a:r>
-              <a:rPr kumimoji="1" lang="ja-JP" altLang="en-US"/>
-              <a:t>マスター テキストの書式設定</a:t>
-            </a:r>
-          </a:p>
-        </p:txBody>
-      </p:sp>
-      <p:sp>
-        <p:nvSpPr>
-          <p:cNvPr id="6" name="コンテンツ プレースホルダー 5">
-            <a:extLst>
-              <a:ext uri="{FF2B5EF4-FFF2-40B4-BE49-F238E27FC236}">
-                <a16:creationId xmlns:a16="http://schemas.microsoft.com/office/drawing/2014/main" id="{EE3B1EA7-66C3-29A6-3128-72BCA8C05BD7}"/>
-              </a:ext>
-            </a:extLst>
-          </p:cNvPr>
-          <p:cNvSpPr>
-            <a:spLocks noGrp="1"/>
-          </p:cNvSpPr>
-          <p:nvPr>
-            <p:ph sz="quarter" idx="4"/>
-          </p:nvPr>
-        </p:nvSpPr>
-        <p:spPr>
-          <a:xfrm>
-            <a:off x="6172200" y="2505075"/>
-            <a:ext cx="5183188" cy="3684588"/>
-          </a:xfrm>
-        </p:spPr>
-        <p:txBody>
-          <a:bodyPr/>
-          <a:lstStyle/>
-          <a:p>
-            <a:pPr lvl="0"/>
-            <a:r>
-              <a:rPr kumimoji="1" lang="ja-JP" altLang="en-US"/>
-              <a:t>マスター テキストの書式設定</a:t>
-            </a:r>
-          </a:p>
-          <a:p>
-            <a:pPr lvl="1"/>
-            <a:r>
-              <a:rPr kumimoji="1" lang="ja-JP" altLang="en-US"/>
-              <a:t>第 </a:t>
-            </a:r>
-            <a:r>
-              <a:rPr kumimoji="1" lang="en-US" altLang="ja-JP"/>
-              <a:t>2 </a:t>
-            </a:r>
-            <a:r>
-              <a:rPr kumimoji="1" lang="ja-JP" altLang="en-US"/>
-              <a:t>レベル</a:t>
-            </a:r>
-          </a:p>
-          <a:p>
-            <a:pPr lvl="2"/>
-            <a:r>
-              <a:rPr kumimoji="1" lang="ja-JP" altLang="en-US"/>
-              <a:t>第 </a:t>
-            </a:r>
-            <a:r>
-              <a:rPr kumimoji="1" lang="en-US" altLang="ja-JP"/>
-              <a:t>3 </a:t>
-            </a:r>
-            <a:r>
-              <a:rPr kumimoji="1" lang="ja-JP" altLang="en-US"/>
-              <a:t>レベル</a:t>
-            </a:r>
-          </a:p>
-          <a:p>
-            <a:pPr lvl="3"/>
-            <a:r>
-              <a:rPr kumimoji="1" lang="ja-JP" altLang="en-US"/>
-              <a:t>第 </a:t>
-            </a:r>
-            <a:r>
-              <a:rPr kumimoji="1" lang="en-US" altLang="ja-JP"/>
-              <a:t>4 </a:t>
-            </a:r>
-            <a:r>
-              <a:rPr kumimoji="1" lang="ja-JP" altLang="en-US"/>
-              <a:t>レベル</a:t>
-            </a:r>
-          </a:p>
-          <a:p>
-            <a:pPr lvl="4"/>
-            <a:r>
-              <a:rPr kumimoji="1" lang="ja-JP" altLang="en-US"/>
-              <a:t>第 </a:t>
-            </a:r>
-            <a:r>
-              <a:rPr kumimoji="1" lang="en-US" altLang="ja-JP"/>
-              <a:t>5 </a:t>
-            </a:r>
-            <a:r>
-              <a:rPr kumimoji="1" lang="ja-JP" altLang="en-US"/>
-              <a:t>レベル</a:t>
-            </a:r>
-          </a:p>
-        </p:txBody>
-      </p:sp>
-      <p:sp>
-        <p:nvSpPr>
-          <p:cNvPr id="7" name="日付プレースホルダー 6">
-            <a:extLst>
-              <a:ext uri="{FF2B5EF4-FFF2-40B4-BE49-F238E27FC236}">
-                <a16:creationId xmlns:a16="http://schemas.microsoft.com/office/drawing/2014/main" id="{7FC4E6BD-0543-96E8-39BF-ACCC35A0EA42}"/>
-              </a:ext>
-            </a:extLst>
-          </p:cNvPr>
-          <p:cNvSpPr>
-            <a:spLocks noGrp="1"/>
-          </p:cNvSpPr>
-          <p:nvPr>
-            <p:ph type="dt" sz="half" idx="10"/>
-          </p:nvPr>
-        </p:nvSpPr>
-        <p:spPr/>
-        <p:txBody>
-          <a:bodyPr/>
-          <a:lstStyle/>
-          <a:p>
-            <a:fld id="{CA4A5610-4D71-45E8-A43F-B7CDE07B535B}" type="datetimeFigureOut">
-              <a:rPr kumimoji="1" lang="ja-JP" altLang="en-US" smtClean="0"/>
-              <a:t>2022/6/28</a:t>
-            </a:fld>
-            <a:endParaRPr kumimoji="1" lang="ja-JP" altLang="en-US"/>
-          </a:p>
-        </p:txBody>
-      </p:sp>
-      <p:sp>
-        <p:nvSpPr>
-          <p:cNvPr id="8" name="フッター プレースホルダー 7">
-            <a:extLst>
-              <a:ext uri="{FF2B5EF4-FFF2-40B4-BE49-F238E27FC236}">
-                <a16:creationId xmlns:a16="http://schemas.microsoft.com/office/drawing/2014/main" id="{8ABA05DC-8C1A-6DDD-2708-8299EA0A01DF}"/>
-              </a:ext>
-            </a:extLst>
-          </p:cNvPr>
-          <p:cNvSpPr>
-            <a:spLocks noGrp="1"/>
-          </p:cNvSpPr>
-          <p:nvPr>
-            <p:ph type="ftr" sz="quarter" idx="11"/>
-          </p:nvPr>
-        </p:nvSpPr>
-        <p:spPr/>
-        <p:txBody>
-          <a:bodyPr/>
-          <a:lstStyle/>
-          <a:p>
-            <a:endParaRPr kumimoji="1" lang="ja-JP" altLang="en-US"/>
-          </a:p>
-        </p:txBody>
-      </p:sp>
-      <p:sp>
-        <p:nvSpPr>
-          <p:cNvPr id="9" name="スライド番号プレースホルダー 8">
-            <a:extLst>
-              <a:ext uri="{FF2B5EF4-FFF2-40B4-BE49-F238E27FC236}">
-                <a16:creationId xmlns:a16="http://schemas.microsoft.com/office/drawing/2014/main" id="{8C4DFE25-69BB-7B69-F3CC-16E2291AEB53}"/>
-              </a:ext>
-            </a:extLst>
-          </p:cNvPr>
-          <p:cNvSpPr>
-            <a:spLocks noGrp="1"/>
-          </p:cNvSpPr>
-          <p:nvPr>
-            <p:ph type="sldNum" sz="quarter" idx="12"/>
-          </p:nvPr>
-        </p:nvSpPr>
-        <p:spPr/>
-        <p:txBody>
-          <a:bodyPr/>
-          <a:lstStyle/>
-          <a:p>
-            <a:fld id="{3F7399C1-18E6-4A2D-A31F-58A675CB259C}" type="slidenum">
-              <a:rPr kumimoji="1" lang="ja-JP" altLang="en-US" smtClean="0"/>
-              <a:t>‹#›</a:t>
-            </a:fld>
-            <a:endParaRPr kumimoji="1" lang="ja-JP" altLang="en-US"/>
-          </a:p>
-        </p:txBody>
-      </p:sp>
-    </p:spTree>
-    <p:extLst>
-      <p:ext uri="{BB962C8B-B14F-4D97-AF65-F5344CB8AC3E}">
-        <p14:creationId xmlns:p14="http://schemas.microsoft.com/office/powerpoint/2010/main" val="864419096"/>
-      </p:ext>
-    </p:extLst>
-  </p:cSld>
-  <p:clrMapOvr>
-    <a:masterClrMapping/>
-  </p:clrMapOvr>
-</p:sldLayout>
-</file>
-
-<file path=ppt/slideLayouts/slideLayout6.xml><?xml version="1.0" encoding="utf-8"?>
-<p:sldLayout xmlns:a="http://schemas.openxmlformats.org/drawingml/2006/main" xmlns:r="http://schemas.openxmlformats.org/officeDocument/2006/relationships" xmlns:p="http://schemas.openxmlformats.org/presentationml/2006/main" type="titleOnly" preserve="1">
-  <p:cSld name="タイトルのみ">
-    <p:spTree>
-      <p:nvGrpSpPr>
-        <p:cNvPr id="1" name=""/>
-        <p:cNvGrpSpPr/>
-        <p:nvPr/>
-      </p:nvGrpSpPr>
-      <p:grpSpPr>
-        <a:xfrm>
-          <a:off x="0" y="0"/>
-          <a:ext cx="0" cy="0"/>
-          <a:chOff x="0" y="0"/>
-          <a:chExt cx="0" cy="0"/>
-        </a:xfrm>
-      </p:grpSpPr>
-      <p:sp>
-        <p:nvSpPr>
-          <p:cNvPr id="2" name="タイトル 1">
-            <a:extLst>
-              <a:ext uri="{FF2B5EF4-FFF2-40B4-BE49-F238E27FC236}">
-                <a16:creationId xmlns:a16="http://schemas.microsoft.com/office/drawing/2014/main" id="{C9ED544D-E73F-C045-1EAA-93441797F192}"/>
-              </a:ext>
-            </a:extLst>
-          </p:cNvPr>
-          <p:cNvSpPr>
-            <a:spLocks noGrp="1"/>
-          </p:cNvSpPr>
-          <p:nvPr>
-            <p:ph type="title"/>
-          </p:nvPr>
-        </p:nvSpPr>
-        <p:spPr/>
-        <p:txBody>
-          <a:bodyPr/>
-          <a:lstStyle/>
-          <a:p>
-            <a:r>
-              <a:rPr kumimoji="1" lang="ja-JP" altLang="en-US"/>
-              <a:t>マスター タイトルの書式設定</a:t>
-            </a:r>
-          </a:p>
-        </p:txBody>
-      </p:sp>
-      <p:sp>
-        <p:nvSpPr>
-          <p:cNvPr id="3" name="日付プレースホルダー 2">
-            <a:extLst>
-              <a:ext uri="{FF2B5EF4-FFF2-40B4-BE49-F238E27FC236}">
-                <a16:creationId xmlns:a16="http://schemas.microsoft.com/office/drawing/2014/main" id="{95DA50C9-45BD-F7D6-AFBA-EE7717AB6F1B}"/>
-              </a:ext>
-            </a:extLst>
-          </p:cNvPr>
-          <p:cNvSpPr>
-            <a:spLocks noGrp="1"/>
-          </p:cNvSpPr>
-          <p:nvPr>
-            <p:ph type="dt" sz="half" idx="10"/>
-          </p:nvPr>
-        </p:nvSpPr>
-        <p:spPr/>
-        <p:txBody>
-          <a:bodyPr/>
-          <a:lstStyle/>
-          <a:p>
-            <a:fld id="{CA4A5610-4D71-45E8-A43F-B7CDE07B535B}" type="datetimeFigureOut">
-              <a:rPr kumimoji="1" lang="ja-JP" altLang="en-US" smtClean="0"/>
-              <a:t>2022/6/28</a:t>
-            </a:fld>
-            <a:endParaRPr kumimoji="1" lang="ja-JP" altLang="en-US"/>
-          </a:p>
-        </p:txBody>
-      </p:sp>
-      <p:sp>
-        <p:nvSpPr>
-          <p:cNvPr id="4" name="フッター プレースホルダー 3">
-            <a:extLst>
-              <a:ext uri="{FF2B5EF4-FFF2-40B4-BE49-F238E27FC236}">
-                <a16:creationId xmlns:a16="http://schemas.microsoft.com/office/drawing/2014/main" id="{C5B0EBCE-DB5F-AE98-0596-5D7A2CBCA9A4}"/>
-              </a:ext>
-            </a:extLst>
-          </p:cNvPr>
-          <p:cNvSpPr>
-            <a:spLocks noGrp="1"/>
-          </p:cNvSpPr>
-          <p:nvPr>
-            <p:ph type="ftr" sz="quarter" idx="11"/>
-          </p:nvPr>
-        </p:nvSpPr>
-        <p:spPr/>
-        <p:txBody>
-          <a:bodyPr/>
-          <a:lstStyle/>
-          <a:p>
-            <a:endParaRPr kumimoji="1" lang="ja-JP" altLang="en-US"/>
-          </a:p>
-        </p:txBody>
-      </p:sp>
-      <p:sp>
-        <p:nvSpPr>
-          <p:cNvPr id="5" name="スライド番号プレースホルダー 4">
-            <a:extLst>
-              <a:ext uri="{FF2B5EF4-FFF2-40B4-BE49-F238E27FC236}">
-                <a16:creationId xmlns:a16="http://schemas.microsoft.com/office/drawing/2014/main" id="{3FF2205C-C719-5F7E-EC2F-A61429CA2AE9}"/>
-              </a:ext>
-            </a:extLst>
-          </p:cNvPr>
-          <p:cNvSpPr>
-            <a:spLocks noGrp="1"/>
-          </p:cNvSpPr>
-          <p:nvPr>
-            <p:ph type="sldNum" sz="quarter" idx="12"/>
-          </p:nvPr>
-        </p:nvSpPr>
-        <p:spPr/>
-        <p:txBody>
-          <a:bodyPr/>
-          <a:lstStyle/>
-          <a:p>
-            <a:fld id="{3F7399C1-18E6-4A2D-A31F-58A675CB259C}" type="slidenum">
-              <a:rPr kumimoji="1" lang="ja-JP" altLang="en-US" smtClean="0"/>
-              <a:t>‹#›</a:t>
-            </a:fld>
-            <a:endParaRPr kumimoji="1" lang="ja-JP" altLang="en-US"/>
-          </a:p>
-        </p:txBody>
-      </p:sp>
-    </p:spTree>
-    <p:extLst>
-      <p:ext uri="{BB962C8B-B14F-4D97-AF65-F5344CB8AC3E}">
-        <p14:creationId xmlns:p14="http://schemas.microsoft.com/office/powerpoint/2010/main" val="3035992624"/>
-      </p:ext>
-    </p:extLst>
-  </p:cSld>
-  <p:clrMapOvr>
-    <a:masterClrMapping/>
-  </p:clrMapOvr>
-</p:sldLayout>
-</file>
-
-<file path=ppt/slideLayouts/slideLayout7.xml><?xml version="1.0" encoding="utf-8"?>
-<p:sldLayout xmlns:a="http://schemas.openxmlformats.org/drawingml/2006/main" xmlns:r="http://schemas.openxmlformats.org/officeDocument/2006/relationships" xmlns:p="http://schemas.openxmlformats.org/presentationml/2006/main" type="blank" preserve="1">
-  <p:cSld name="白紙">
-    <p:spTree>
-      <p:nvGrpSpPr>
-        <p:cNvPr id="1" name=""/>
-        <p:cNvGrpSpPr/>
-        <p:nvPr/>
-      </p:nvGrpSpPr>
-      <p:grpSpPr>
-        <a:xfrm>
-          <a:off x="0" y="0"/>
-          <a:ext cx="0" cy="0"/>
-          <a:chOff x="0" y="0"/>
-          <a:chExt cx="0" cy="0"/>
-        </a:xfrm>
-      </p:grpSpPr>
-      <p:sp>
-        <p:nvSpPr>
-          <p:cNvPr id="2" name="日付プレースホルダー 1">
-            <a:extLst>
-              <a:ext uri="{FF2B5EF4-FFF2-40B4-BE49-F238E27FC236}">
-                <a16:creationId xmlns:a16="http://schemas.microsoft.com/office/drawing/2014/main" id="{6EF12700-1C1D-C950-5239-5159E3055735}"/>
-              </a:ext>
-            </a:extLst>
-          </p:cNvPr>
-          <p:cNvSpPr>
-            <a:spLocks noGrp="1"/>
-          </p:cNvSpPr>
-          <p:nvPr>
-            <p:ph type="dt" sz="half" idx="10"/>
-          </p:nvPr>
-        </p:nvSpPr>
-        <p:spPr/>
-        <p:txBody>
-          <a:bodyPr/>
-          <a:lstStyle/>
-          <a:p>
-            <a:fld id="{CA4A5610-4D71-45E8-A43F-B7CDE07B535B}" type="datetimeFigureOut">
-              <a:rPr kumimoji="1" lang="ja-JP" altLang="en-US" smtClean="0"/>
-              <a:t>2022/6/28</a:t>
-            </a:fld>
-            <a:endParaRPr kumimoji="1" lang="ja-JP" altLang="en-US"/>
-          </a:p>
-        </p:txBody>
-      </p:sp>
-      <p:sp>
-        <p:nvSpPr>
-          <p:cNvPr id="3" name="フッター プレースホルダー 2">
-            <a:extLst>
-              <a:ext uri="{FF2B5EF4-FFF2-40B4-BE49-F238E27FC236}">
-                <a16:creationId xmlns:a16="http://schemas.microsoft.com/office/drawing/2014/main" id="{B1646C96-3B2E-2203-62E0-02F2FD978A08}"/>
-              </a:ext>
-            </a:extLst>
-          </p:cNvPr>
-          <p:cNvSpPr>
-            <a:spLocks noGrp="1"/>
-          </p:cNvSpPr>
-          <p:nvPr>
-            <p:ph type="ftr" sz="quarter" idx="11"/>
-          </p:nvPr>
-        </p:nvSpPr>
-        <p:spPr/>
-        <p:txBody>
-          <a:bodyPr/>
-          <a:lstStyle/>
-          <a:p>
-            <a:endParaRPr kumimoji="1" lang="ja-JP" altLang="en-US"/>
-          </a:p>
-        </p:txBody>
-      </p:sp>
-      <p:sp>
-        <p:nvSpPr>
-          <p:cNvPr id="4" name="スライド番号プレースホルダー 3">
-            <a:extLst>
-              <a:ext uri="{FF2B5EF4-FFF2-40B4-BE49-F238E27FC236}">
-                <a16:creationId xmlns:a16="http://schemas.microsoft.com/office/drawing/2014/main" id="{907B07D1-E53C-06E2-CB6C-8FB48C8385EC}"/>
-              </a:ext>
-            </a:extLst>
-          </p:cNvPr>
-          <p:cNvSpPr>
-            <a:spLocks noGrp="1"/>
-          </p:cNvSpPr>
-          <p:nvPr>
-            <p:ph type="sldNum" sz="quarter" idx="12"/>
-          </p:nvPr>
-        </p:nvSpPr>
-        <p:spPr/>
-        <p:txBody>
-          <a:bodyPr/>
-          <a:lstStyle/>
-          <a:p>
-            <a:fld id="{3F7399C1-18E6-4A2D-A31F-58A675CB259C}" type="slidenum">
-              <a:rPr kumimoji="1" lang="ja-JP" altLang="en-US" smtClean="0"/>
-              <a:t>‹#›</a:t>
-            </a:fld>
-            <a:endParaRPr kumimoji="1" lang="ja-JP" altLang="en-US"/>
-          </a:p>
-        </p:txBody>
-      </p:sp>
-    </p:spTree>
-    <p:extLst>
-      <p:ext uri="{BB962C8B-B14F-4D97-AF65-F5344CB8AC3E}">
-        <p14:creationId xmlns:p14="http://schemas.microsoft.com/office/powerpoint/2010/main" val="3265849452"/>
-      </p:ext>
-    </p:extLst>
-  </p:cSld>
-  <p:clrMapOvr>
-    <a:masterClrMapping/>
-  </p:clrMapOvr>
-</p:sldLayout>
-</file>
-
-<file path=ppt/slideLayouts/slideLayout8.xml><?xml version="1.0" encoding="utf-8"?>
-<p:sldLayout xmlns:a="http://schemas.openxmlformats.org/drawingml/2006/main" xmlns:r="http://schemas.openxmlformats.org/officeDocument/2006/relationships" xmlns:p="http://schemas.openxmlformats.org/presentationml/2006/main" type="objTx" preserve="1">
-  <p:cSld name="タイトル付きのコンテンツ">
-    <p:spTree>
-      <p:nvGrpSpPr>
-        <p:cNvPr id="1" name=""/>
-        <p:cNvGrpSpPr/>
-        <p:nvPr/>
-      </p:nvGrpSpPr>
-      <p:grpSpPr>
-        <a:xfrm>
-          <a:off x="0" y="0"/>
-          <a:ext cx="0" cy="0"/>
-          <a:chOff x="0" y="0"/>
-          <a:chExt cx="0" cy="0"/>
-        </a:xfrm>
-      </p:grpSpPr>
-      <p:sp>
-        <p:nvSpPr>
-          <p:cNvPr id="2" name="タイトル 1">
-            <a:extLst>
-              <a:ext uri="{FF2B5EF4-FFF2-40B4-BE49-F238E27FC236}">
-                <a16:creationId xmlns:a16="http://schemas.microsoft.com/office/drawing/2014/main" id="{330C15AF-E6DC-13ED-8D38-31E15D744235}"/>
-              </a:ext>
-            </a:extLst>
-          </p:cNvPr>
-          <p:cNvSpPr>
-            <a:spLocks noGrp="1"/>
-          </p:cNvSpPr>
-          <p:nvPr>
-            <p:ph type="title"/>
-          </p:nvPr>
-        </p:nvSpPr>
-        <p:spPr>
-          <a:xfrm>
-            <a:off x="839788" y="457200"/>
-            <a:ext cx="3932237" cy="1600200"/>
-          </a:xfrm>
-        </p:spPr>
-        <p:txBody>
-          <a:bodyPr anchor="b"/>
-          <a:lstStyle>
-            <a:lvl1pPr>
-              <a:defRPr sz="3200"/>
-            </a:lvl1pPr>
-          </a:lstStyle>
-          <a:p>
-            <a:r>
-              <a:rPr kumimoji="1" lang="ja-JP" altLang="en-US"/>
-              <a:t>マスター タイトルの書式設定</a:t>
-            </a:r>
-          </a:p>
-        </p:txBody>
-      </p:sp>
-      <p:sp>
-        <p:nvSpPr>
-          <p:cNvPr id="3" name="コンテンツ プレースホルダー 2">
-            <a:extLst>
-              <a:ext uri="{FF2B5EF4-FFF2-40B4-BE49-F238E27FC236}">
-                <a16:creationId xmlns:a16="http://schemas.microsoft.com/office/drawing/2014/main" id="{92C814D1-B3C3-3627-59E6-AFCD0E648834}"/>
-              </a:ext>
-            </a:extLst>
-          </p:cNvPr>
-          <p:cNvSpPr>
-            <a:spLocks noGrp="1"/>
-          </p:cNvSpPr>
-          <p:nvPr>
-            <p:ph idx="1"/>
-          </p:nvPr>
-        </p:nvSpPr>
-        <p:spPr>
-          <a:xfrm>
-            <a:off x="5183188" y="987425"/>
-            <a:ext cx="6172200" cy="4873625"/>
-          </a:xfrm>
-        </p:spPr>
-        <p:txBody>
-          <a:bodyPr/>
-          <a:lstStyle>
-            <a:lvl1pPr>
-              <a:defRPr sz="3200"/>
-            </a:lvl1pPr>
-            <a:lvl2pPr>
-              <a:defRPr sz="2800"/>
-            </a:lvl2pPr>
-            <a:lvl3pPr>
-              <a:defRPr sz="2400"/>
-            </a:lvl3pPr>
-            <a:lvl4pPr>
-              <a:defRPr sz="2000"/>
-            </a:lvl4pPr>
-            <a:lvl5pPr>
-              <a:defRPr sz="2000"/>
-            </a:lvl5pPr>
-            <a:lvl6pPr>
-              <a:defRPr sz="2000"/>
-            </a:lvl6pPr>
-            <a:lvl7pPr>
-              <a:defRPr sz="2000"/>
-            </a:lvl7pPr>
-            <a:lvl8pPr>
-              <a:defRPr sz="2000"/>
-            </a:lvl8pPr>
-            <a:lvl9pPr>
-              <a:defRPr sz="2000"/>
-            </a:lvl9pPr>
-          </a:lstStyle>
-          <a:p>
-            <a:pPr lvl="0"/>
-            <a:r>
-              <a:rPr kumimoji="1" lang="ja-JP" altLang="en-US"/>
-              <a:t>マスター テキストの書式設定</a:t>
-            </a:r>
-          </a:p>
-          <a:p>
-            <a:pPr lvl="1"/>
-            <a:r>
-              <a:rPr kumimoji="1" lang="ja-JP" altLang="en-US"/>
-              <a:t>第 </a:t>
-            </a:r>
-            <a:r>
-              <a:rPr kumimoji="1" lang="en-US" altLang="ja-JP"/>
-              <a:t>2 </a:t>
-            </a:r>
-            <a:r>
-              <a:rPr kumimoji="1" lang="ja-JP" altLang="en-US"/>
-              <a:t>レベル</a:t>
-            </a:r>
-          </a:p>
-          <a:p>
-            <a:pPr lvl="2"/>
-            <a:r>
-              <a:rPr kumimoji="1" lang="ja-JP" altLang="en-US"/>
-              <a:t>第 </a:t>
-            </a:r>
-            <a:r>
-              <a:rPr kumimoji="1" lang="en-US" altLang="ja-JP"/>
-              <a:t>3 </a:t>
-            </a:r>
-            <a:r>
-              <a:rPr kumimoji="1" lang="ja-JP" altLang="en-US"/>
-              <a:t>レベル</a:t>
-            </a:r>
-          </a:p>
-          <a:p>
-            <a:pPr lvl="3"/>
-            <a:r>
-              <a:rPr kumimoji="1" lang="ja-JP" altLang="en-US"/>
-              <a:t>第 </a:t>
-            </a:r>
-            <a:r>
-              <a:rPr kumimoji="1" lang="en-US" altLang="ja-JP"/>
-              <a:t>4 </a:t>
-            </a:r>
-            <a:r>
-              <a:rPr kumimoji="1" lang="ja-JP" altLang="en-US"/>
-              <a:t>レベル</a:t>
-            </a:r>
-          </a:p>
-          <a:p>
-            <a:pPr lvl="4"/>
-            <a:r>
-              <a:rPr kumimoji="1" lang="ja-JP" altLang="en-US"/>
-              <a:t>第 </a:t>
-            </a:r>
-            <a:r>
-              <a:rPr kumimoji="1" lang="en-US" altLang="ja-JP"/>
-              <a:t>5 </a:t>
-            </a:r>
-            <a:r>
-              <a:rPr kumimoji="1" lang="ja-JP" altLang="en-US"/>
-              <a:t>レベル</a:t>
-            </a:r>
-          </a:p>
-        </p:txBody>
-      </p:sp>
-      <p:sp>
-        <p:nvSpPr>
-          <p:cNvPr id="4" name="テキスト プレースホルダー 3">
-            <a:extLst>
-              <a:ext uri="{FF2B5EF4-FFF2-40B4-BE49-F238E27FC236}">
-                <a16:creationId xmlns:a16="http://schemas.microsoft.com/office/drawing/2014/main" id="{78C89384-3C72-36DD-F837-F190EAAD557A}"/>
-              </a:ext>
-            </a:extLst>
-          </p:cNvPr>
-          <p:cNvSpPr>
-            <a:spLocks noGrp="1"/>
-          </p:cNvSpPr>
-          <p:nvPr>
-            <p:ph type="body" sz="half" idx="2"/>
-          </p:nvPr>
-        </p:nvSpPr>
-        <p:spPr>
-          <a:xfrm>
-            <a:off x="839788" y="2057400"/>
-            <a:ext cx="3932237" cy="3811588"/>
-          </a:xfrm>
-        </p:spPr>
-        <p:txBody>
-          <a:bodyPr/>
-          <a:lstStyle>
-            <a:lvl1pPr marL="0" indent="0">
-              <a:buNone/>
-              <a:defRPr sz="1600"/>
-            </a:lvl1pPr>
-            <a:lvl2pPr marL="457200" indent="0">
-              <a:buNone/>
-              <a:defRPr sz="1400"/>
-            </a:lvl2pPr>
-            <a:lvl3pPr marL="914400" indent="0">
-              <a:buNone/>
-              <a:defRPr sz="1200"/>
-            </a:lvl3pPr>
-            <a:lvl4pPr marL="1371600" indent="0">
-              <a:buNone/>
-              <a:defRPr sz="1000"/>
-            </a:lvl4pPr>
-            <a:lvl5pPr marL="1828800" indent="0">
-              <a:buNone/>
-              <a:defRPr sz="1000"/>
-            </a:lvl5pPr>
-            <a:lvl6pPr marL="2286000" indent="0">
-              <a:buNone/>
-              <a:defRPr sz="1000"/>
-            </a:lvl6pPr>
-            <a:lvl7pPr marL="2743200" indent="0">
-              <a:buNone/>
-              <a:defRPr sz="1000"/>
-            </a:lvl7pPr>
-            <a:lvl8pPr marL="3200400" indent="0">
-              <a:buNone/>
-              <a:defRPr sz="1000"/>
-            </a:lvl8pPr>
-            <a:lvl9pPr marL="3657600" indent="0">
-              <a:buNone/>
-              <a:defRPr sz="1000"/>
-            </a:lvl9pPr>
-          </a:lstStyle>
-          <a:p>
-            <a:pPr lvl="0"/>
-            <a:r>
-              <a:rPr kumimoji="1" lang="ja-JP" altLang="en-US"/>
-              <a:t>マスター テキストの書式設定</a:t>
-            </a:r>
-          </a:p>
-        </p:txBody>
-      </p:sp>
-      <p:sp>
-        <p:nvSpPr>
-          <p:cNvPr id="5" name="日付プレースホルダー 4">
-            <a:extLst>
-              <a:ext uri="{FF2B5EF4-FFF2-40B4-BE49-F238E27FC236}">
-                <a16:creationId xmlns:a16="http://schemas.microsoft.com/office/drawing/2014/main" id="{CDA3B965-7FA2-CCE9-AD54-353F4D9DB13B}"/>
-              </a:ext>
-            </a:extLst>
-          </p:cNvPr>
-          <p:cNvSpPr>
-            <a:spLocks noGrp="1"/>
-          </p:cNvSpPr>
-          <p:nvPr>
-            <p:ph type="dt" sz="half" idx="10"/>
-          </p:nvPr>
-        </p:nvSpPr>
-        <p:spPr/>
-        <p:txBody>
-          <a:bodyPr/>
-          <a:lstStyle/>
-          <a:p>
-            <a:fld id="{CA4A5610-4D71-45E8-A43F-B7CDE07B535B}" type="datetimeFigureOut">
-              <a:rPr kumimoji="1" lang="ja-JP" altLang="en-US" smtClean="0"/>
-              <a:t>2022/6/28</a:t>
-            </a:fld>
-            <a:endParaRPr kumimoji="1" lang="ja-JP" altLang="en-US"/>
-          </a:p>
-        </p:txBody>
-      </p:sp>
-      <p:sp>
-        <p:nvSpPr>
-          <p:cNvPr id="6" name="フッター プレースホルダー 5">
-            <a:extLst>
-              <a:ext uri="{FF2B5EF4-FFF2-40B4-BE49-F238E27FC236}">
-                <a16:creationId xmlns:a16="http://schemas.microsoft.com/office/drawing/2014/main" id="{AF5BE380-75F0-BB8C-B6C2-98682487D7DD}"/>
-              </a:ext>
-            </a:extLst>
-          </p:cNvPr>
-          <p:cNvSpPr>
-            <a:spLocks noGrp="1"/>
-          </p:cNvSpPr>
-          <p:nvPr>
-            <p:ph type="ftr" sz="quarter" idx="11"/>
-          </p:nvPr>
-        </p:nvSpPr>
-        <p:spPr/>
-        <p:txBody>
-          <a:bodyPr/>
-          <a:lstStyle/>
-          <a:p>
-            <a:endParaRPr kumimoji="1" lang="ja-JP" altLang="en-US"/>
-          </a:p>
-        </p:txBody>
-      </p:sp>
-      <p:sp>
-        <p:nvSpPr>
-          <p:cNvPr id="7" name="スライド番号プレースホルダー 6">
-            <a:extLst>
-              <a:ext uri="{FF2B5EF4-FFF2-40B4-BE49-F238E27FC236}">
-                <a16:creationId xmlns:a16="http://schemas.microsoft.com/office/drawing/2014/main" id="{492D4FBE-7C23-2BA6-923F-DE2E94CCCE59}"/>
-              </a:ext>
-            </a:extLst>
-          </p:cNvPr>
-          <p:cNvSpPr>
-            <a:spLocks noGrp="1"/>
-          </p:cNvSpPr>
-          <p:nvPr>
-            <p:ph type="sldNum" sz="quarter" idx="12"/>
-          </p:nvPr>
-        </p:nvSpPr>
-        <p:spPr/>
-        <p:txBody>
-          <a:bodyPr/>
-          <a:lstStyle/>
-          <a:p>
-            <a:fld id="{3F7399C1-18E6-4A2D-A31F-58A675CB259C}" type="slidenum">
-              <a:rPr kumimoji="1" lang="ja-JP" altLang="en-US" smtClean="0"/>
-              <a:t>‹#›</a:t>
-            </a:fld>
-            <a:endParaRPr kumimoji="1" lang="ja-JP" altLang="en-US"/>
-          </a:p>
-        </p:txBody>
-      </p:sp>
-    </p:spTree>
-    <p:extLst>
-      <p:ext uri="{BB962C8B-B14F-4D97-AF65-F5344CB8AC3E}">
-        <p14:creationId xmlns:p14="http://schemas.microsoft.com/office/powerpoint/2010/main" val="2914225595"/>
-      </p:ext>
-    </p:extLst>
-  </p:cSld>
-  <p:clrMapOvr>
-    <a:masterClrMapping/>
-  </p:clrMapOvr>
-</p:sldLayout>
-</file>
-
-<file path=ppt/slideLayouts/slideLayout9.xml><?xml version="1.0" encoding="utf-8"?>
-<p:sldLayout xmlns:a="http://schemas.openxmlformats.org/drawingml/2006/main" xmlns:r="http://schemas.openxmlformats.org/officeDocument/2006/relationships" xmlns:p="http://schemas.openxmlformats.org/presentationml/2006/main" type="picTx" preserve="1">
-  <p:cSld name="タイトル付きの図">
-    <p:spTree>
-      <p:nvGrpSpPr>
-        <p:cNvPr id="1" name=""/>
-        <p:cNvGrpSpPr/>
-        <p:nvPr/>
-      </p:nvGrpSpPr>
-      <p:grpSpPr>
-        <a:xfrm>
-          <a:off x="0" y="0"/>
-          <a:ext cx="0" cy="0"/>
-          <a:chOff x="0" y="0"/>
-          <a:chExt cx="0" cy="0"/>
-        </a:xfrm>
-      </p:grpSpPr>
-      <p:sp>
-        <p:nvSpPr>
-          <p:cNvPr id="2" name="タイトル 1">
-            <a:extLst>
-              <a:ext uri="{FF2B5EF4-FFF2-40B4-BE49-F238E27FC236}">
-                <a16:creationId xmlns:a16="http://schemas.microsoft.com/office/drawing/2014/main" id="{8851D44D-DF55-1DDB-B37B-F467E6F0316C}"/>
-              </a:ext>
-            </a:extLst>
-          </p:cNvPr>
-          <p:cNvSpPr>
-            <a:spLocks noGrp="1"/>
-          </p:cNvSpPr>
-          <p:nvPr>
-            <p:ph type="title"/>
-          </p:nvPr>
-        </p:nvSpPr>
-        <p:spPr>
-          <a:xfrm>
-            <a:off x="839788" y="457200"/>
-            <a:ext cx="3932237" cy="1600200"/>
-          </a:xfrm>
-        </p:spPr>
-        <p:txBody>
-          <a:bodyPr anchor="b"/>
-          <a:lstStyle>
-            <a:lvl1pPr>
-              <a:defRPr sz="3200"/>
-            </a:lvl1pPr>
-          </a:lstStyle>
-          <a:p>
-            <a:r>
-              <a:rPr kumimoji="1" lang="ja-JP" altLang="en-US"/>
-              <a:t>マスター タイトルの書式設定</a:t>
-            </a:r>
-          </a:p>
-        </p:txBody>
-      </p:sp>
-      <p:sp>
-        <p:nvSpPr>
-          <p:cNvPr id="3" name="図プレースホルダー 2">
-            <a:extLst>
-              <a:ext uri="{FF2B5EF4-FFF2-40B4-BE49-F238E27FC236}">
-                <a16:creationId xmlns:a16="http://schemas.microsoft.com/office/drawing/2014/main" id="{6A677228-5842-3113-77C6-06FFECD770A9}"/>
-              </a:ext>
-            </a:extLst>
-          </p:cNvPr>
-          <p:cNvSpPr>
-            <a:spLocks noGrp="1"/>
-          </p:cNvSpPr>
-          <p:nvPr>
-            <p:ph type="pic" idx="1"/>
-          </p:nvPr>
-        </p:nvSpPr>
-        <p:spPr>
-          <a:xfrm>
-            <a:off x="5183188" y="987425"/>
-            <a:ext cx="6172200" cy="4873625"/>
-          </a:xfrm>
-        </p:spPr>
-        <p:txBody>
-          <a:bodyPr/>
-          <a:lstStyle>
-            <a:lvl1pPr marL="0" indent="0">
-              <a:buNone/>
-              <a:defRPr sz="3200"/>
-            </a:lvl1pPr>
-            <a:lvl2pPr marL="457200" indent="0">
-              <a:buNone/>
-              <a:defRPr sz="2800"/>
-            </a:lvl2pPr>
-            <a:lvl3pPr marL="914400" indent="0">
-              <a:buNone/>
-              <a:defRPr sz="2400"/>
-            </a:lvl3pPr>
-            <a:lvl4pPr marL="1371600" indent="0">
-              <a:buNone/>
-              <a:defRPr sz="2000"/>
-            </a:lvl4pPr>
-            <a:lvl5pPr marL="1828800" indent="0">
-              <a:buNone/>
-              <a:defRPr sz="2000"/>
-            </a:lvl5pPr>
-            <a:lvl6pPr marL="2286000" indent="0">
-              <a:buNone/>
-              <a:defRPr sz="2000"/>
-            </a:lvl6pPr>
-            <a:lvl7pPr marL="2743200" indent="0">
-              <a:buNone/>
-              <a:defRPr sz="2000"/>
-            </a:lvl7pPr>
-            <a:lvl8pPr marL="3200400" indent="0">
-              <a:buNone/>
-              <a:defRPr sz="2000"/>
-            </a:lvl8pPr>
-            <a:lvl9pPr marL="3657600" indent="0">
-              <a:buNone/>
-              <a:defRPr sz="2000"/>
-            </a:lvl9pPr>
-          </a:lstStyle>
-          <a:p>
-            <a:endParaRPr kumimoji="1" lang="ja-JP" altLang="en-US"/>
-          </a:p>
-        </p:txBody>
-      </p:sp>
-      <p:sp>
-        <p:nvSpPr>
-          <p:cNvPr id="4" name="テキスト プレースホルダー 3">
-            <a:extLst>
-              <a:ext uri="{FF2B5EF4-FFF2-40B4-BE49-F238E27FC236}">
-                <a16:creationId xmlns:a16="http://schemas.microsoft.com/office/drawing/2014/main" id="{164FBADE-70CD-E9EB-C43A-167AACCEB28A}"/>
-              </a:ext>
-            </a:extLst>
-          </p:cNvPr>
-          <p:cNvSpPr>
-            <a:spLocks noGrp="1"/>
-          </p:cNvSpPr>
-          <p:nvPr>
-            <p:ph type="body" sz="half" idx="2"/>
-          </p:nvPr>
-        </p:nvSpPr>
-        <p:spPr>
-          <a:xfrm>
-            <a:off x="839788" y="2057400"/>
-            <a:ext cx="3932237" cy="3811588"/>
-          </a:xfrm>
-        </p:spPr>
-        <p:txBody>
-          <a:bodyPr/>
-          <a:lstStyle>
-            <a:lvl1pPr marL="0" indent="0">
-              <a:buNone/>
-              <a:defRPr sz="1600"/>
-            </a:lvl1pPr>
-            <a:lvl2pPr marL="457200" indent="0">
-              <a:buNone/>
-              <a:defRPr sz="1400"/>
-            </a:lvl2pPr>
-            <a:lvl3pPr marL="914400" indent="0">
-              <a:buNone/>
-              <a:defRPr sz="1200"/>
-            </a:lvl3pPr>
-            <a:lvl4pPr marL="1371600" indent="0">
-              <a:buNone/>
-              <a:defRPr sz="1000"/>
-            </a:lvl4pPr>
-            <a:lvl5pPr marL="1828800" indent="0">
-              <a:buNone/>
-              <a:defRPr sz="1000"/>
-            </a:lvl5pPr>
-            <a:lvl6pPr marL="2286000" indent="0">
-              <a:buNone/>
-              <a:defRPr sz="1000"/>
-            </a:lvl6pPr>
-            <a:lvl7pPr marL="2743200" indent="0">
-              <a:buNone/>
-              <a:defRPr sz="1000"/>
-            </a:lvl7pPr>
-            <a:lvl8pPr marL="3200400" indent="0">
-              <a:buNone/>
-              <a:defRPr sz="1000"/>
-            </a:lvl8pPr>
-            <a:lvl9pPr marL="3657600" indent="0">
-              <a:buNone/>
-              <a:defRPr sz="1000"/>
-            </a:lvl9pPr>
-          </a:lstStyle>
-          <a:p>
-            <a:pPr lvl="0"/>
-            <a:r>
-              <a:rPr kumimoji="1" lang="ja-JP" altLang="en-US"/>
-              <a:t>マスター テキストの書式設定</a:t>
-            </a:r>
-          </a:p>
-        </p:txBody>
-      </p:sp>
-      <p:sp>
-        <p:nvSpPr>
-          <p:cNvPr id="5" name="日付プレースホルダー 4">
-            <a:extLst>
-              <a:ext uri="{FF2B5EF4-FFF2-40B4-BE49-F238E27FC236}">
-                <a16:creationId xmlns:a16="http://schemas.microsoft.com/office/drawing/2014/main" id="{EA4CAD46-1802-8DC5-466F-5199BD1F646C}"/>
-              </a:ext>
-            </a:extLst>
-          </p:cNvPr>
-          <p:cNvSpPr>
-            <a:spLocks noGrp="1"/>
-          </p:cNvSpPr>
-          <p:nvPr>
-            <p:ph type="dt" sz="half" idx="10"/>
-          </p:nvPr>
-        </p:nvSpPr>
-        <p:spPr/>
-        <p:txBody>
-          <a:bodyPr/>
-          <a:lstStyle/>
-          <a:p>
-            <a:fld id="{CA4A5610-4D71-45E8-A43F-B7CDE07B535B}" type="datetimeFigureOut">
-              <a:rPr kumimoji="1" lang="ja-JP" altLang="en-US" smtClean="0"/>
-              <a:t>2022/6/28</a:t>
-            </a:fld>
-            <a:endParaRPr kumimoji="1" lang="ja-JP" altLang="en-US"/>
-          </a:p>
-        </p:txBody>
-      </p:sp>
-      <p:sp>
-        <p:nvSpPr>
-          <p:cNvPr id="6" name="フッター プレースホルダー 5">
-            <a:extLst>
-              <a:ext uri="{FF2B5EF4-FFF2-40B4-BE49-F238E27FC236}">
-                <a16:creationId xmlns:a16="http://schemas.microsoft.com/office/drawing/2014/main" id="{3DA4A325-CA16-7D53-9190-9AF4A92FF531}"/>
-              </a:ext>
-            </a:extLst>
-          </p:cNvPr>
-          <p:cNvSpPr>
-            <a:spLocks noGrp="1"/>
-          </p:cNvSpPr>
-          <p:nvPr>
-            <p:ph type="ftr" sz="quarter" idx="11"/>
-          </p:nvPr>
-        </p:nvSpPr>
-        <p:spPr/>
-        <p:txBody>
-          <a:bodyPr/>
-          <a:lstStyle/>
-          <a:p>
-            <a:endParaRPr kumimoji="1" lang="ja-JP" altLang="en-US"/>
-          </a:p>
-        </p:txBody>
-      </p:sp>
-      <p:sp>
-        <p:nvSpPr>
-          <p:cNvPr id="7" name="スライド番号プレースホルダー 6">
-            <a:extLst>
-              <a:ext uri="{FF2B5EF4-FFF2-40B4-BE49-F238E27FC236}">
-                <a16:creationId xmlns:a16="http://schemas.microsoft.com/office/drawing/2014/main" id="{56B60ACB-60C4-BBBD-5C0F-67A23DE91A54}"/>
-              </a:ext>
-            </a:extLst>
-          </p:cNvPr>
-          <p:cNvSpPr>
-            <a:spLocks noGrp="1"/>
-          </p:cNvSpPr>
-          <p:nvPr>
-            <p:ph type="sldNum" sz="quarter" idx="12"/>
-          </p:nvPr>
-        </p:nvSpPr>
-        <p:spPr/>
-        <p:txBody>
-          <a:bodyPr/>
-          <a:lstStyle/>
-          <a:p>
-            <a:fld id="{3F7399C1-18E6-4A2D-A31F-58A675CB259C}" type="slidenum">
-              <a:rPr kumimoji="1" lang="ja-JP" altLang="en-US" smtClean="0"/>
-              <a:t>‹#›</a:t>
-            </a:fld>
-            <a:endParaRPr kumimoji="1" lang="ja-JP" altLang="en-US"/>
-          </a:p>
-        </p:txBody>
-      </p:sp>
-    </p:spTree>
-    <p:extLst>
-      <p:ext uri="{BB962C8B-B14F-4D97-AF65-F5344CB8AC3E}">
-        <p14:creationId xmlns:p14="http://schemas.microsoft.com/office/powerpoint/2010/main" val="2110649849"/>
+        <p14:creationId xmlns:p14="http://schemas.microsoft.com/office/powerpoint/2010/main" val="2916862378"/>
       </p:ext>
     </p:extLst>
   </p:cSld>
@@ -3734,7 +2083,7 @@
           <p:cNvPr id="2" name="タイトル プレースホルダー 1">
             <a:extLst>
               <a:ext uri="{FF2B5EF4-FFF2-40B4-BE49-F238E27FC236}">
-                <a16:creationId xmlns:a16="http://schemas.microsoft.com/office/drawing/2014/main" id="{1228D851-E3C1-7AF5-3FBB-A7B6654A7370}"/>
+                <a16:creationId xmlns:a16="http://schemas.microsoft.com/office/drawing/2014/main" id="{A96577E0-6613-A397-ABD1-7AA7FECE4D79}"/>
               </a:ext>
             </a:extLst>
           </p:cNvPr>
@@ -3772,7 +2121,7 @@
           <p:cNvPr id="3" name="テキスト プレースホルダー 2">
             <a:extLst>
               <a:ext uri="{FF2B5EF4-FFF2-40B4-BE49-F238E27FC236}">
-                <a16:creationId xmlns:a16="http://schemas.microsoft.com/office/drawing/2014/main" id="{43BC9144-8E0C-92B7-115F-7EEC22CBC7DC}"/>
+                <a16:creationId xmlns:a16="http://schemas.microsoft.com/office/drawing/2014/main" id="{C4BDF455-3C6A-4C55-E3E9-E5F6F4EE4CBC}"/>
               </a:ext>
             </a:extLst>
           </p:cNvPr>
@@ -3871,7 +2220,7 @@
           <p:cNvPr id="4" name="日付プレースホルダー 3">
             <a:extLst>
               <a:ext uri="{FF2B5EF4-FFF2-40B4-BE49-F238E27FC236}">
-                <a16:creationId xmlns:a16="http://schemas.microsoft.com/office/drawing/2014/main" id="{CD46E9BB-5E9E-5679-5046-71475B9E282A}"/>
+                <a16:creationId xmlns:a16="http://schemas.microsoft.com/office/drawing/2014/main" id="{CE704014-9815-2FF0-DC07-E7FE5A19B76D}"/>
               </a:ext>
             </a:extLst>
           </p:cNvPr>
@@ -3905,7 +2254,7 @@
             </a:lvl1pPr>
           </a:lstStyle>
           <a:p>
-            <a:fld id="{CA4A5610-4D71-45E8-A43F-B7CDE07B535B}" type="datetimeFigureOut">
+            <a:fld id="{DB0A3435-7A7C-4688-9750-453E419612D0}" type="datetimeFigureOut">
               <a:rPr kumimoji="1" lang="ja-JP" altLang="en-US" smtClean="0"/>
               <a:t>2022/6/28</a:t>
             </a:fld>
@@ -3918,7 +2267,7 @@
           <p:cNvPr id="5" name="フッター プレースホルダー 4">
             <a:extLst>
               <a:ext uri="{FF2B5EF4-FFF2-40B4-BE49-F238E27FC236}">
-                <a16:creationId xmlns:a16="http://schemas.microsoft.com/office/drawing/2014/main" id="{4C9B27AC-EC31-F707-890C-E3F5AC0331C2}"/>
+                <a16:creationId xmlns:a16="http://schemas.microsoft.com/office/drawing/2014/main" id="{6AC866AE-F373-F17D-A558-34EE48C94DA0}"/>
               </a:ext>
             </a:extLst>
           </p:cNvPr>
@@ -3961,7 +2310,7 @@
           <p:cNvPr id="6" name="スライド番号プレースホルダー 5">
             <a:extLst>
               <a:ext uri="{FF2B5EF4-FFF2-40B4-BE49-F238E27FC236}">
-                <a16:creationId xmlns:a16="http://schemas.microsoft.com/office/drawing/2014/main" id="{2AA3D8CD-6C77-D2A4-5116-9877D95E3863}"/>
+                <a16:creationId xmlns:a16="http://schemas.microsoft.com/office/drawing/2014/main" id="{164D406B-CDD8-7AC7-D2BB-B1AFB4AC8BDE}"/>
               </a:ext>
             </a:extLst>
           </p:cNvPr>
@@ -3995,7 +2344,7 @@
             </a:lvl1pPr>
           </a:lstStyle>
           <a:p>
-            <a:fld id="{3F7399C1-18E6-4A2D-A31F-58A675CB259C}" type="slidenum">
+            <a:fld id="{27BFCEBC-6F3C-4805-9038-ADC85D2C4A5D}" type="slidenum">
               <a:rPr kumimoji="1" lang="ja-JP" altLang="en-US" smtClean="0"/>
               <a:t>‹#›</a:t>
             </a:fld>
@@ -4006,23 +2355,13 @@
     </p:spTree>
     <p:extLst>
       <p:ext uri="{BB962C8B-B14F-4D97-AF65-F5344CB8AC3E}">
-        <p14:creationId xmlns:p14="http://schemas.microsoft.com/office/powerpoint/2010/main" val="3544252753"/>
+        <p14:creationId xmlns:p14="http://schemas.microsoft.com/office/powerpoint/2010/main" val="1315569673"/>
       </p:ext>
     </p:extLst>
   </p:cSld>
   <p:clrMap bg1="lt1" tx1="dk1" bg2="lt2" tx2="dk2" accent1="accent1" accent2="accent2" accent3="accent3" accent4="accent4" accent5="accent5" accent6="accent6" hlink="hlink" folHlink="folHlink"/>
   <p:sldLayoutIdLst>
-    <p:sldLayoutId id="2147483663" r:id="rId1"/>
-    <p:sldLayoutId id="2147483650" r:id="rId2"/>
-    <p:sldLayoutId id="2147483651" r:id="rId3"/>
-    <p:sldLayoutId id="2147483652" r:id="rId4"/>
-    <p:sldLayoutId id="2147483653" r:id="rId5"/>
-    <p:sldLayoutId id="2147483654" r:id="rId6"/>
-    <p:sldLayoutId id="2147483655" r:id="rId7"/>
-    <p:sldLayoutId id="2147483656" r:id="rId8"/>
-    <p:sldLayoutId id="2147483657" r:id="rId9"/>
-    <p:sldLayoutId id="2147483658" r:id="rId10"/>
-    <p:sldLayoutId id="2147483659" r:id="rId11"/>
+    <p:sldLayoutId id="2147483649" r:id="rId1"/>
   </p:sldLayoutIdLst>
   <p:txStyles>
     <p:titleStyle>
@@ -4337,7 +2676,7 @@
           <p:cNvPr id="2" name="タイトル プレースホルダー 1">
             <a:extLst>
               <a:ext uri="{FF2B5EF4-FFF2-40B4-BE49-F238E27FC236}">
-                <a16:creationId xmlns:a16="http://schemas.microsoft.com/office/drawing/2014/main" id="{A96577E0-6613-A397-ABD1-7AA7FECE4D79}"/>
+                <a16:creationId xmlns:a16="http://schemas.microsoft.com/office/drawing/2014/main" id="{1228D851-E3C1-7AF5-3FBB-A7B6654A7370}"/>
               </a:ext>
             </a:extLst>
           </p:cNvPr>
@@ -4375,7 +2714,7 @@
           <p:cNvPr id="3" name="テキスト プレースホルダー 2">
             <a:extLst>
               <a:ext uri="{FF2B5EF4-FFF2-40B4-BE49-F238E27FC236}">
-                <a16:creationId xmlns:a16="http://schemas.microsoft.com/office/drawing/2014/main" id="{C4BDF455-3C6A-4C55-E3E9-E5F6F4EE4CBC}"/>
+                <a16:creationId xmlns:a16="http://schemas.microsoft.com/office/drawing/2014/main" id="{43BC9144-8E0C-92B7-115F-7EEC22CBC7DC}"/>
               </a:ext>
             </a:extLst>
           </p:cNvPr>
@@ -4474,7 +2813,7 @@
           <p:cNvPr id="4" name="日付プレースホルダー 3">
             <a:extLst>
               <a:ext uri="{FF2B5EF4-FFF2-40B4-BE49-F238E27FC236}">
-                <a16:creationId xmlns:a16="http://schemas.microsoft.com/office/drawing/2014/main" id="{CE704014-9815-2FF0-DC07-E7FE5A19B76D}"/>
+                <a16:creationId xmlns:a16="http://schemas.microsoft.com/office/drawing/2014/main" id="{CD46E9BB-5E9E-5679-5046-71475B9E282A}"/>
               </a:ext>
             </a:extLst>
           </p:cNvPr>
@@ -4508,7 +2847,7 @@
             </a:lvl1pPr>
           </a:lstStyle>
           <a:p>
-            <a:fld id="{DB0A3435-7A7C-4688-9750-453E419612D0}" type="datetimeFigureOut">
+            <a:fld id="{CA4A5610-4D71-45E8-A43F-B7CDE07B535B}" type="datetimeFigureOut">
               <a:rPr kumimoji="1" lang="ja-JP" altLang="en-US" smtClean="0"/>
               <a:t>2022/6/28</a:t>
             </a:fld>
@@ -4521,7 +2860,7 @@
           <p:cNvPr id="5" name="フッター プレースホルダー 4">
             <a:extLst>
               <a:ext uri="{FF2B5EF4-FFF2-40B4-BE49-F238E27FC236}">
-                <a16:creationId xmlns:a16="http://schemas.microsoft.com/office/drawing/2014/main" id="{6AC866AE-F373-F17D-A558-34EE48C94DA0}"/>
+                <a16:creationId xmlns:a16="http://schemas.microsoft.com/office/drawing/2014/main" id="{4C9B27AC-EC31-F707-890C-E3F5AC0331C2}"/>
               </a:ext>
             </a:extLst>
           </p:cNvPr>
@@ -4564,7 +2903,7 @@
           <p:cNvPr id="6" name="スライド番号プレースホルダー 5">
             <a:extLst>
               <a:ext uri="{FF2B5EF4-FFF2-40B4-BE49-F238E27FC236}">
-                <a16:creationId xmlns:a16="http://schemas.microsoft.com/office/drawing/2014/main" id="{164D406B-CDD8-7AC7-D2BB-B1AFB4AC8BDE}"/>
+                <a16:creationId xmlns:a16="http://schemas.microsoft.com/office/drawing/2014/main" id="{2AA3D8CD-6C77-D2A4-5116-9877D95E3863}"/>
               </a:ext>
             </a:extLst>
           </p:cNvPr>
@@ -4598,7 +2937,7 @@
             </a:lvl1pPr>
           </a:lstStyle>
           <a:p>
-            <a:fld id="{27BFCEBC-6F3C-4805-9038-ADC85D2C4A5D}" type="slidenum">
+            <a:fld id="{3F7399C1-18E6-4A2D-A31F-58A675CB259C}" type="slidenum">
               <a:rPr kumimoji="1" lang="ja-JP" altLang="en-US" smtClean="0"/>
               <a:t>‹#›</a:t>
             </a:fld>
@@ -4609,13 +2948,14 @@
     </p:spTree>
     <p:extLst>
       <p:ext uri="{BB962C8B-B14F-4D97-AF65-F5344CB8AC3E}">
-        <p14:creationId xmlns:p14="http://schemas.microsoft.com/office/powerpoint/2010/main" val="1315569673"/>
+        <p14:creationId xmlns:p14="http://schemas.microsoft.com/office/powerpoint/2010/main" val="3544252753"/>
       </p:ext>
     </p:extLst>
   </p:cSld>
   <p:clrMap bg1="lt1" tx1="dk1" bg2="lt2" tx2="dk2" accent1="accent1" accent2="accent2" accent3="accent3" accent4="accent4" accent5="accent5" accent6="accent6" hlink="hlink" folHlink="folHlink"/>
   <p:sldLayoutIdLst>
-    <p:sldLayoutId id="2147483649" r:id="rId1"/>
+    <p:sldLayoutId id="2147483650" r:id="rId1"/>
+    <p:sldLayoutId id="2147483663" r:id="rId2"/>
   </p:sldLayoutIdLst>
   <p:txStyles>
     <p:titleStyle>
@@ -5367,7 +3707,7 @@
           <p:nvPr/>
         </p:nvPicPr>
         <p:blipFill>
-          <a:blip r:embed="rId2">
+          <a:blip r:embed="rId3">
             <a:extLst>
               <a:ext uri="{28A0092B-C50C-407E-A947-70E740481C1C}">
                 <a14:useLocalDpi xmlns:a14="http://schemas.microsoft.com/office/drawing/2010/main" val="0"/>
@@ -5393,7 +3733,7 @@
           <p:cNvPr id="4" name="コンテンツ プレースホルダー 3">
             <a:extLst>
               <a:ext uri="{FF2B5EF4-FFF2-40B4-BE49-F238E27FC236}">
-                <a16:creationId xmlns:a16="http://schemas.microsoft.com/office/drawing/2014/main" id="{DEB85077-4ABB-CD2A-BD51-344EAE1CC04B}"/>
+                <a16:creationId xmlns:a16="http://schemas.microsoft.com/office/drawing/2014/main" id="{8D110CF5-903D-E515-8F36-E492099B05A9}"/>
               </a:ext>
             </a:extLst>
           </p:cNvPr>
@@ -5545,7 +3885,7 @@
           <p:nvPr/>
         </p:nvPicPr>
         <p:blipFill>
-          <a:blip r:embed="rId2">
+          <a:blip r:embed="rId3">
             <a:extLst>
               <a:ext uri="{28A0092B-C50C-407E-A947-70E740481C1C}">
                 <a14:useLocalDpi xmlns:a14="http://schemas.microsoft.com/office/drawing/2010/main" val="0"/>
@@ -5571,7 +3911,7 @@
           <p:cNvPr id="4" name="コンテンツ プレースホルダー 3">
             <a:extLst>
               <a:ext uri="{FF2B5EF4-FFF2-40B4-BE49-F238E27FC236}">
-                <a16:creationId xmlns:a16="http://schemas.microsoft.com/office/drawing/2014/main" id="{5C7E9DCE-6B52-753B-5B1E-4F52EC5C0B7C}"/>
+                <a16:creationId xmlns:a16="http://schemas.microsoft.com/office/drawing/2014/main" id="{2C4732B5-6338-6601-D15D-7359084EF36D}"/>
               </a:ext>
             </a:extLst>
           </p:cNvPr>
@@ -5635,7 +3975,7 @@
         </p:nvSpPr>
         <p:spPr>
           <a:xfrm>
-            <a:off x="682487" y="301487"/>
+            <a:off x="682487" y="287419"/>
             <a:ext cx="10827026" cy="6255026"/>
           </a:xfrm>
           <a:prstGeom prst="rect">
@@ -5708,7 +4048,7 @@
             <p:nvPr/>
           </p:nvPicPr>
           <p:blipFill>
-            <a:blip r:embed="rId2">
+            <a:blip r:embed="rId3">
               <a:duotone>
                 <a:prstClr val="black"/>
                 <a:srgbClr val="FF0000">
@@ -6009,7 +4349,7 @@
           <p:nvPr/>
         </p:nvPicPr>
         <p:blipFill>
-          <a:blip r:embed="rId3">
+          <a:blip r:embed="rId4">
             <a:extLst>
               <a:ext uri="{28A0092B-C50C-407E-A947-70E740481C1C}">
                 <a14:useLocalDpi xmlns:a14="http://schemas.microsoft.com/office/drawing/2010/main" val="0"/>
@@ -6046,8 +4386,8 @@
         </p:nvSpPr>
         <p:spPr>
           <a:xfrm>
-            <a:off x="2346960" y="2756939"/>
-            <a:ext cx="7498080" cy="1765186"/>
+            <a:off x="2562363" y="3006379"/>
+            <a:ext cx="7498080" cy="1359080"/>
           </a:xfrm>
           <a:prstGeom prst="rect">
             <a:avLst/>
@@ -6228,12 +4568,18 @@
             </a:pPr>
             <a:r>
               <a:rPr lang="ja-JP" altLang="en-US" sz="3000" b="1" u="sng" dirty="0">
+                <a:solidFill>
+                  <a:srgbClr val="FF0000"/>
+                </a:solidFill>
                 <a:latin typeface="BIZ UDP明朝 Medium" panose="02020500000000000000" pitchFamily="18" charset="-128"/>
                 <a:ea typeface="BIZ UDP明朝 Medium" panose="02020500000000000000" pitchFamily="18" charset="-128"/>
               </a:rPr>
               <a:t>個人的に成長したと感じている点</a:t>
             </a:r>
             <a:endParaRPr lang="en-US" altLang="ja-JP" sz="3000" dirty="0">
+              <a:solidFill>
+                <a:srgbClr val="FF0000"/>
+              </a:solidFill>
               <a:latin typeface="BIZ UDP明朝 Medium" panose="02020500000000000000" pitchFamily="18" charset="-128"/>
               <a:ea typeface="BIZ UDP明朝 Medium" panose="02020500000000000000" pitchFamily="18" charset="-128"/>
             </a:endParaRPr>
@@ -6249,16 +4595,6 @@
                 <a:ea typeface="BIZ UDP明朝 Medium" panose="02020500000000000000" pitchFamily="18" charset="-128"/>
               </a:rPr>
               <a:t>チームメンバーからの愛を込めたコメント</a:t>
-            </a:r>
-            <a:r>
-              <a:rPr lang="ja-JP" altLang="en-US" sz="3000" b="1" dirty="0">
-                <a:solidFill>
-                  <a:srgbClr val="FF0000"/>
-                </a:solidFill>
-                <a:latin typeface="BIZ UDP明朝 Medium" panose="02020500000000000000" pitchFamily="18" charset="-128"/>
-                <a:ea typeface="BIZ UDP明朝 Medium" panose="02020500000000000000" pitchFamily="18" charset="-128"/>
-              </a:rPr>
-              <a:t>♥</a:t>
             </a:r>
             <a:endParaRPr lang="en-US" altLang="ja-JP" sz="3000" b="1" dirty="0">
               <a:solidFill>
@@ -6267,6 +4603,145 @@
               <a:latin typeface="BIZ UDP明朝 Medium" panose="02020500000000000000" pitchFamily="18" charset="-128"/>
               <a:ea typeface="BIZ UDP明朝 Medium" panose="02020500000000000000" pitchFamily="18" charset="-128"/>
             </a:endParaRPr>
+          </a:p>
+        </p:txBody>
+      </p:sp>
+      <p:pic>
+        <p:nvPicPr>
+          <p:cNvPr id="27" name="図 26" descr="軟体動物, 動物, 座る, テーブル が含まれている画像&#10;&#10;自動的に生成された説明">
+            <a:extLst>
+              <a:ext uri="{FF2B5EF4-FFF2-40B4-BE49-F238E27FC236}">
+                <a16:creationId xmlns:a16="http://schemas.microsoft.com/office/drawing/2014/main" id="{740AE3FC-A337-17B2-89C8-DDCBB96989E0}"/>
+              </a:ext>
+            </a:extLst>
+          </p:cNvPr>
+          <p:cNvPicPr>
+            <a:picLocks noChangeAspect="1"/>
+          </p:cNvPicPr>
+          <p:nvPr/>
+        </p:nvPicPr>
+        <p:blipFill>
+          <a:blip r:embed="rId5">
+            <a:extLst>
+              <a:ext uri="{28A0092B-C50C-407E-A947-70E740481C1C}">
+                <a14:useLocalDpi xmlns:a14="http://schemas.microsoft.com/office/drawing/2010/main" val="0"/>
+              </a:ext>
+            </a:extLst>
+          </a:blip>
+          <a:stretch>
+            <a:fillRect/>
+          </a:stretch>
+        </p:blipFill>
+        <p:spPr>
+          <a:xfrm>
+            <a:off x="1237957" y="4634772"/>
+            <a:ext cx="1726719" cy="1537063"/>
+          </a:xfrm>
+          <a:prstGeom prst="rect">
+            <a:avLst/>
+          </a:prstGeom>
+        </p:spPr>
+      </p:pic>
+      <mc:AlternateContent xmlns:mc="http://schemas.openxmlformats.org/markup-compatibility/2006">
+        <mc:Choice xmlns:p14="http://schemas.microsoft.com/office/powerpoint/2010/main" Requires="p14">
+          <p:contentPart p14:bwMode="auto" r:id="rId6">
+            <p14:nvContentPartPr>
+              <p14:cNvPr id="36" name="インク 35">
+                <a:extLst>
+                  <a:ext uri="{FF2B5EF4-FFF2-40B4-BE49-F238E27FC236}">
+                    <a16:creationId xmlns:a16="http://schemas.microsoft.com/office/drawing/2014/main" id="{A9B17168-440E-ABCE-114E-AFB8FB182A12}"/>
+                  </a:ext>
+                </a:extLst>
+              </p14:cNvPr>
+              <p14:cNvContentPartPr/>
+              <p14:nvPr/>
+            </p14:nvContentPartPr>
+            <p14:xfrm>
+              <a:off x="-1083406" y="1603523"/>
+              <a:ext cx="360" cy="360"/>
+            </p14:xfrm>
+          </p:contentPart>
+        </mc:Choice>
+        <mc:Fallback>
+          <p:pic>
+            <p:nvPicPr>
+              <p:cNvPr id="36" name="インク 35">
+                <a:extLst>
+                  <a:ext uri="{FF2B5EF4-FFF2-40B4-BE49-F238E27FC236}">
+                    <a16:creationId xmlns:a16="http://schemas.microsoft.com/office/drawing/2014/main" id="{A9B17168-440E-ABCE-114E-AFB8FB182A12}"/>
+                  </a:ext>
+                </a:extLst>
+              </p:cNvPr>
+              <p:cNvPicPr/>
+              <p:nvPr/>
+            </p:nvPicPr>
+            <p:blipFill>
+              <a:blip r:embed="rId7"/>
+              <a:stretch>
+                <a:fillRect/>
+              </a:stretch>
+            </p:blipFill>
+            <p:spPr>
+              <a:xfrm>
+                <a:off x="-1092406" y="1594523"/>
+                <a:ext cx="18000" cy="18000"/>
+              </a:xfrm>
+              <a:prstGeom prst="rect">
+                <a:avLst/>
+              </a:prstGeom>
+            </p:spPr>
+          </p:pic>
+        </mc:Fallback>
+      </mc:AlternateContent>
+      <p:sp>
+        <p:nvSpPr>
+          <p:cNvPr id="38" name="ハート 37">
+            <a:extLst>
+              <a:ext uri="{FF2B5EF4-FFF2-40B4-BE49-F238E27FC236}">
+                <a16:creationId xmlns:a16="http://schemas.microsoft.com/office/drawing/2014/main" id="{48505739-0637-4DF5-31C4-DECC7DAED679}"/>
+              </a:ext>
+            </a:extLst>
+          </p:cNvPr>
+          <p:cNvSpPr/>
+          <p:nvPr/>
+        </p:nvSpPr>
+        <p:spPr>
+          <a:xfrm rot="1064573">
+            <a:off x="2911643" y="4949841"/>
+            <a:ext cx="463870" cy="443989"/>
+          </a:xfrm>
+          <a:prstGeom prst="heart">
+            <a:avLst/>
+          </a:prstGeom>
+          <a:solidFill>
+            <a:srgbClr val="FF0000"/>
+          </a:solidFill>
+          <a:ln>
+            <a:noFill/>
+          </a:ln>
+        </p:spPr>
+        <p:style>
+          <a:lnRef idx="2">
+            <a:schemeClr val="accent1">
+              <a:shade val="50000"/>
+            </a:schemeClr>
+          </a:lnRef>
+          <a:fillRef idx="1">
+            <a:schemeClr val="accent1"/>
+          </a:fillRef>
+          <a:effectRef idx="0">
+            <a:schemeClr val="accent1"/>
+          </a:effectRef>
+          <a:fontRef idx="minor">
+            <a:schemeClr val="lt1"/>
+          </a:fontRef>
+        </p:style>
+        <p:txBody>
+          <a:bodyPr rtlCol="0" anchor="ctr"/>
+          <a:lstStyle/>
+          <a:p>
+            <a:pPr algn="ctr"/>
+            <a:endParaRPr kumimoji="1" lang="ja-JP" altLang="en-US" dirty="0"/>
           </a:p>
         </p:txBody>
       </p:sp>
@@ -6410,8 +4885,8 @@
         </p:nvSpPr>
         <p:spPr>
           <a:xfrm>
-            <a:off x="993913" y="2344189"/>
-            <a:ext cx="10358023" cy="3456219"/>
+            <a:off x="993913" y="2891090"/>
+            <a:ext cx="10358023" cy="2391630"/>
           </a:xfrm>
         </p:spPr>
         <p:txBody>
@@ -6456,6 +4931,23 @@
                 <a:ea typeface="BIZ UDP明朝 Medium" panose="02020500000000000000" pitchFamily="18" charset="-128"/>
               </a:rPr>
               <a:t>おだやかに、でも締めるところは締める理想的なリーダーでした！​</a:t>
+            </a:r>
+            <a:endParaRPr kumimoji="1" lang="en-US" altLang="ja-JP" sz="2000" dirty="0">
+              <a:latin typeface="BIZ UDP明朝 Medium" panose="02020500000000000000" pitchFamily="18" charset="-128"/>
+              <a:ea typeface="BIZ UDP明朝 Medium" panose="02020500000000000000" pitchFamily="18" charset="-128"/>
+            </a:endParaRPr>
+          </a:p>
+          <a:p>
+            <a:pPr>
+              <a:buFont typeface="BIZ UDP明朝 Medium" panose="02020500000000000000" pitchFamily="18" charset="-128"/>
+              <a:buChar char="♥"/>
+            </a:pPr>
+            <a:r>
+              <a:rPr kumimoji="1" lang="ja-JP" altLang="en-US" sz="2000" dirty="0">
+                <a:latin typeface="BIZ UDP明朝 Medium" panose="02020500000000000000" pitchFamily="18" charset="-128"/>
+                <a:ea typeface="BIZ UDP明朝 Medium" panose="02020500000000000000" pitchFamily="18" charset="-128"/>
+              </a:rPr>
+              <a:t>リーダーとしてチームを引っ張り、まとめてくれてとても頼りになりました。​</a:t>
             </a:r>
           </a:p>
         </p:txBody>
@@ -6513,7 +5005,7 @@
         <p:spPr>
           <a:xfrm>
             <a:off x="993913" y="1693297"/>
-            <a:ext cx="10515600" cy="501263"/>
+            <a:ext cx="10358023" cy="501263"/>
           </a:xfrm>
           <a:prstGeom prst="rect">
             <a:avLst/>
@@ -6688,24 +5180,145 @@
             </a:lvl9pPr>
           </a:lstStyle>
           <a:p>
-            <a:pPr>
+            <a:pPr algn="ctr">
               <a:buFont typeface="Wingdings" panose="05000000000000000000" pitchFamily="2" charset="2"/>
               <a:buChar char="Ø"/>
             </a:pPr>
             <a:r>
-              <a:rPr lang="ja-JP" altLang="en-US" sz="2400" dirty="0">
+              <a:rPr lang="ja-JP" altLang="en-US" sz="2400" b="1" dirty="0">
+                <a:solidFill>
+                  <a:srgbClr val="FF0000"/>
+                </a:solidFill>
                 <a:latin typeface="BIZ UDP明朝 Medium" panose="02020500000000000000" pitchFamily="18" charset="-128"/>
                 <a:ea typeface="BIZ UDP明朝 Medium" panose="02020500000000000000" pitchFamily="18" charset="-128"/>
               </a:rPr>
-              <a:t>個人成長</a:t>
-            </a:r>
-            <a:endParaRPr lang="ja-JP" altLang="en-US" dirty="0">
+              <a:t>個人成長：　</a:t>
+            </a:r>
+            <a:endParaRPr lang="ja-JP" altLang="en-US" b="1" dirty="0">
+              <a:solidFill>
+                <a:srgbClr val="FF0000"/>
+              </a:solidFill>
               <a:latin typeface="BIZ UDP明朝 Medium" panose="02020500000000000000" pitchFamily="18" charset="-128"/>
               <a:ea typeface="BIZ UDP明朝 Medium" panose="02020500000000000000" pitchFamily="18" charset="-128"/>
             </a:endParaRPr>
           </a:p>
         </p:txBody>
       </p:sp>
+      <p:grpSp>
+        <p:nvGrpSpPr>
+          <p:cNvPr id="8" name="グループ化 7">
+            <a:extLst>
+              <a:ext uri="{FF2B5EF4-FFF2-40B4-BE49-F238E27FC236}">
+                <a16:creationId xmlns:a16="http://schemas.microsoft.com/office/drawing/2014/main" id="{A4302000-993D-4529-CC90-5F2B64074F31}"/>
+              </a:ext>
+            </a:extLst>
+          </p:cNvPr>
+          <p:cNvGrpSpPr/>
+          <p:nvPr/>
+        </p:nvGrpSpPr>
+        <p:grpSpPr>
+          <a:xfrm>
+            <a:off x="1041006" y="506437"/>
+            <a:ext cx="2076104" cy="1837752"/>
+            <a:chOff x="1797901" y="2260387"/>
+            <a:chExt cx="2306080" cy="2137359"/>
+          </a:xfrm>
+        </p:grpSpPr>
+        <p:pic>
+          <p:nvPicPr>
+            <p:cNvPr id="9" name="Picture 16">
+              <a:extLst>
+                <a:ext uri="{FF2B5EF4-FFF2-40B4-BE49-F238E27FC236}">
+                  <a16:creationId xmlns:a16="http://schemas.microsoft.com/office/drawing/2014/main" id="{C5E079A4-FD33-4CAA-32CA-CF73879C6C0A}"/>
+                </a:ext>
+              </a:extLst>
+            </p:cNvPr>
+            <p:cNvPicPr>
+              <a:picLocks noChangeAspect="1" noChangeArrowheads="1"/>
+            </p:cNvPicPr>
+            <p:nvPr/>
+          </p:nvPicPr>
+          <p:blipFill>
+            <a:blip r:embed="rId3">
+              <a:extLst>
+                <a:ext uri="{28A0092B-C50C-407E-A947-70E740481C1C}">
+                  <a14:useLocalDpi xmlns:a14="http://schemas.microsoft.com/office/drawing/2010/main" val="0"/>
+                </a:ext>
+              </a:extLst>
+            </a:blip>
+            <a:srcRect/>
+            <a:stretch>
+              <a:fillRect/>
+            </a:stretch>
+          </p:blipFill>
+          <p:spPr bwMode="auto">
+            <a:xfrm>
+              <a:off x="1797901" y="2619182"/>
+              <a:ext cx="2306080" cy="1778564"/>
+            </a:xfrm>
+            <a:prstGeom prst="rect">
+              <a:avLst/>
+            </a:prstGeom>
+            <a:noFill/>
+            <a:extLst>
+              <a:ext uri="{909E8E84-426E-40DD-AFC4-6F175D3DCCD1}">
+                <a14:hiddenFill xmlns:a14="http://schemas.microsoft.com/office/drawing/2010/main">
+                  <a:solidFill>
+                    <a:srgbClr val="FFFFFF"/>
+                  </a:solidFill>
+                </a14:hiddenFill>
+              </a:ext>
+            </a:extLst>
+          </p:spPr>
+        </p:pic>
+        <p:pic>
+          <p:nvPicPr>
+            <p:cNvPr id="10" name="Picture 24">
+              <a:extLst>
+                <a:ext uri="{FF2B5EF4-FFF2-40B4-BE49-F238E27FC236}">
+                  <a16:creationId xmlns:a16="http://schemas.microsoft.com/office/drawing/2014/main" id="{28977C82-1829-9FF7-B298-68B1181E58B2}"/>
+                </a:ext>
+              </a:extLst>
+            </p:cNvPr>
+            <p:cNvPicPr>
+              <a:picLocks noChangeAspect="1" noChangeArrowheads="1"/>
+            </p:cNvPicPr>
+            <p:nvPr/>
+          </p:nvPicPr>
+          <p:blipFill>
+            <a:blip r:embed="rId4">
+              <a:extLst>
+                <a:ext uri="{28A0092B-C50C-407E-A947-70E740481C1C}">
+                  <a14:useLocalDpi xmlns:a14="http://schemas.microsoft.com/office/drawing/2010/main" val="0"/>
+                </a:ext>
+              </a:extLst>
+            </a:blip>
+            <a:srcRect/>
+            <a:stretch>
+              <a:fillRect/>
+            </a:stretch>
+          </p:blipFill>
+          <p:spPr bwMode="auto">
+            <a:xfrm>
+              <a:off x="2278174" y="2260387"/>
+              <a:ext cx="1338163" cy="717590"/>
+            </a:xfrm>
+            <a:prstGeom prst="rect">
+              <a:avLst/>
+            </a:prstGeom>
+            <a:noFill/>
+            <a:extLst>
+              <a:ext uri="{909E8E84-426E-40DD-AFC4-6F175D3DCCD1}">
+                <a14:hiddenFill xmlns:a14="http://schemas.microsoft.com/office/drawing/2010/main">
+                  <a:solidFill>
+                    <a:srgbClr val="FFFFFF"/>
+                  </a:solidFill>
+                </a14:hiddenFill>
+              </a:ext>
+            </a:extLst>
+          </p:spPr>
+        </p:pic>
+      </p:grpSp>
     </p:spTree>
     <p:extLst>
       <p:ext uri="{BB962C8B-B14F-4D97-AF65-F5344CB8AC3E}">
@@ -6853,8 +5466,8 @@
         </p:nvSpPr>
         <p:spPr>
           <a:xfrm>
-            <a:off x="993913" y="2543695"/>
-            <a:ext cx="10358023" cy="3256713"/>
+            <a:off x="993913" y="2892416"/>
+            <a:ext cx="10358023" cy="2578804"/>
           </a:xfrm>
         </p:spPr>
         <p:txBody>
@@ -6899,6 +5512,23 @@
                 <a:ea typeface="BIZ UDP明朝 Medium" panose="02020500000000000000" pitchFamily="18" charset="-128"/>
               </a:rPr>
               <a:t>常に意見を出してくれるうえ、話を進めてくれる。作業中でもすぐに手を止めて仲間の話に耳を傾けてくれた。</a:t>
+            </a:r>
+            <a:endParaRPr kumimoji="1" lang="en-US" altLang="ja-JP" sz="2000" dirty="0">
+              <a:latin typeface="BIZ UDP明朝 Medium" panose="02020500000000000000" pitchFamily="18" charset="-128"/>
+              <a:ea typeface="BIZ UDP明朝 Medium" panose="02020500000000000000" pitchFamily="18" charset="-128"/>
+            </a:endParaRPr>
+          </a:p>
+          <a:p>
+            <a:pPr>
+              <a:buFont typeface="BIZ UDP明朝 Medium" panose="02020500000000000000" pitchFamily="18" charset="-128"/>
+              <a:buChar char="♥"/>
+            </a:pPr>
+            <a:r>
+              <a:rPr kumimoji="1" lang="ja-JP" altLang="en-US" sz="2000" dirty="0">
+                <a:latin typeface="BIZ UDP明朝 Medium" panose="02020500000000000000" pitchFamily="18" charset="-128"/>
+                <a:ea typeface="BIZ UDP明朝 Medium" panose="02020500000000000000" pitchFamily="18" charset="-128"/>
+              </a:rPr>
+              <a:t>話し上手は聞き上手という言葉の通りでコミュニケーションのエキスパート、様々な場面でとても頼りになりました。​</a:t>
             </a:r>
           </a:p>
         </p:txBody>
@@ -6955,8 +5585,8 @@
         </p:nvSpPr>
         <p:spPr>
           <a:xfrm>
-            <a:off x="993913" y="1693297"/>
-            <a:ext cx="10515600" cy="501263"/>
+            <a:off x="915124" y="1700107"/>
+            <a:ext cx="10358023" cy="501263"/>
           </a:xfrm>
           <a:prstGeom prst="rect">
             <a:avLst/>
@@ -7131,24 +5761,165 @@
             </a:lvl9pPr>
           </a:lstStyle>
           <a:p>
-            <a:pPr>
+            <a:pPr algn="ctr">
               <a:buFont typeface="Wingdings" panose="05000000000000000000" pitchFamily="2" charset="2"/>
               <a:buChar char="Ø"/>
             </a:pPr>
             <a:r>
-              <a:rPr lang="ja-JP" altLang="en-US" sz="2400" dirty="0">
+              <a:rPr lang="ja-JP" altLang="en-US" sz="2400" b="1" dirty="0">
+                <a:solidFill>
+                  <a:srgbClr val="FF0000"/>
+                </a:solidFill>
                 <a:latin typeface="BIZ UDP明朝 Medium" panose="02020500000000000000" pitchFamily="18" charset="-128"/>
                 <a:ea typeface="BIZ UDP明朝 Medium" panose="02020500000000000000" pitchFamily="18" charset="-128"/>
               </a:rPr>
-              <a:t>個人成長</a:t>
-            </a:r>
-            <a:endParaRPr lang="ja-JP" altLang="en-US" dirty="0">
+              <a:t>個人成長：　</a:t>
+            </a:r>
+            <a:r>
+              <a:rPr lang="en-US" altLang="ja-JP" sz="2400" b="1" dirty="0">
+                <a:solidFill>
+                  <a:srgbClr val="FF0000"/>
+                </a:solidFill>
+                <a:latin typeface="BIZ UDP明朝 Medium" panose="02020500000000000000" pitchFamily="18" charset="-128"/>
+                <a:ea typeface="BIZ UDP明朝 Medium" panose="02020500000000000000" pitchFamily="18" charset="-128"/>
+              </a:rPr>
+              <a:t>PC</a:t>
+            </a:r>
+            <a:r>
+              <a:rPr lang="ja-JP" altLang="en-US" sz="2400" b="1" dirty="0">
+                <a:solidFill>
+                  <a:srgbClr val="FF0000"/>
+                </a:solidFill>
+                <a:latin typeface="BIZ UDP明朝 Medium" panose="02020500000000000000" pitchFamily="18" charset="-128"/>
+                <a:ea typeface="BIZ UDP明朝 Medium" panose="02020500000000000000" pitchFamily="18" charset="-128"/>
+              </a:rPr>
+              <a:t>が怖くなくなった！</a:t>
+            </a:r>
+            <a:endParaRPr lang="ja-JP" altLang="en-US" b="1" dirty="0">
+              <a:solidFill>
+                <a:srgbClr val="FF0000"/>
+              </a:solidFill>
               <a:latin typeface="BIZ UDP明朝 Medium" panose="02020500000000000000" pitchFamily="18" charset="-128"/>
               <a:ea typeface="BIZ UDP明朝 Medium" panose="02020500000000000000" pitchFamily="18" charset="-128"/>
             </a:endParaRPr>
           </a:p>
         </p:txBody>
       </p:sp>
+      <p:grpSp>
+        <p:nvGrpSpPr>
+          <p:cNvPr id="8" name="グループ化 7">
+            <a:extLst>
+              <a:ext uri="{FF2B5EF4-FFF2-40B4-BE49-F238E27FC236}">
+                <a16:creationId xmlns:a16="http://schemas.microsoft.com/office/drawing/2014/main" id="{583EDA2A-C84E-AE38-57D6-7B75C40FCD46}"/>
+              </a:ext>
+            </a:extLst>
+          </p:cNvPr>
+          <p:cNvGrpSpPr/>
+          <p:nvPr/>
+        </p:nvGrpSpPr>
+        <p:grpSpPr>
+          <a:xfrm>
+            <a:off x="1330961" y="594676"/>
+            <a:ext cx="1320217" cy="1583380"/>
+            <a:chOff x="4228087" y="2619182"/>
+            <a:chExt cx="1320217" cy="1583380"/>
+          </a:xfrm>
+        </p:grpSpPr>
+        <p:pic>
+          <p:nvPicPr>
+            <p:cNvPr id="9" name="Picture 8">
+              <a:extLst>
+                <a:ext uri="{FF2B5EF4-FFF2-40B4-BE49-F238E27FC236}">
+                  <a16:creationId xmlns:a16="http://schemas.microsoft.com/office/drawing/2014/main" id="{BAB1F49B-823D-C832-5EAA-F8AC36B00B31}"/>
+                </a:ext>
+              </a:extLst>
+            </p:cNvPr>
+            <p:cNvPicPr>
+              <a:picLocks noChangeAspect="1" noChangeArrowheads="1"/>
+            </p:cNvPicPr>
+            <p:nvPr/>
+          </p:nvPicPr>
+          <p:blipFill>
+            <a:blip r:embed="rId3">
+              <a:extLst>
+                <a:ext uri="{28A0092B-C50C-407E-A947-70E740481C1C}">
+                  <a14:useLocalDpi xmlns:a14="http://schemas.microsoft.com/office/drawing/2010/main" val="0"/>
+                </a:ext>
+              </a:extLst>
+            </a:blip>
+            <a:srcRect/>
+            <a:stretch>
+              <a:fillRect/>
+            </a:stretch>
+          </p:blipFill>
+          <p:spPr bwMode="auto">
+            <a:xfrm flipH="1">
+              <a:off x="4228087" y="2619182"/>
+              <a:ext cx="1320217" cy="1583380"/>
+            </a:xfrm>
+            <a:prstGeom prst="rect">
+              <a:avLst/>
+            </a:prstGeom>
+            <a:noFill/>
+            <a:extLst>
+              <a:ext uri="{909E8E84-426E-40DD-AFC4-6F175D3DCCD1}">
+                <a14:hiddenFill xmlns:a14="http://schemas.microsoft.com/office/drawing/2010/main">
+                  <a:solidFill>
+                    <a:srgbClr val="FFFFFF"/>
+                  </a:solidFill>
+                </a14:hiddenFill>
+              </a:ext>
+            </a:extLst>
+          </p:spPr>
+        </p:pic>
+        <p:pic>
+          <p:nvPicPr>
+            <p:cNvPr id="10" name="Picture 26">
+              <a:extLst>
+                <a:ext uri="{FF2B5EF4-FFF2-40B4-BE49-F238E27FC236}">
+                  <a16:creationId xmlns:a16="http://schemas.microsoft.com/office/drawing/2014/main" id="{60F2B4B0-68CE-7692-5F96-97BFCCEF585F}"/>
+                </a:ext>
+              </a:extLst>
+            </p:cNvPr>
+            <p:cNvPicPr>
+              <a:picLocks noChangeAspect="1" noChangeArrowheads="1"/>
+            </p:cNvPicPr>
+            <p:nvPr/>
+          </p:nvPicPr>
+          <p:blipFill>
+            <a:blip r:embed="rId4">
+              <a:extLst>
+                <a:ext uri="{28A0092B-C50C-407E-A947-70E740481C1C}">
+                  <a14:useLocalDpi xmlns:a14="http://schemas.microsoft.com/office/drawing/2010/main" val="0"/>
+                </a:ext>
+              </a:extLst>
+            </a:blip>
+            <a:srcRect/>
+            <a:stretch>
+              <a:fillRect/>
+            </a:stretch>
+          </p:blipFill>
+          <p:spPr bwMode="auto">
+            <a:xfrm flipV="1">
+              <a:off x="4542508" y="2743678"/>
+              <a:ext cx="691374" cy="259765"/>
+            </a:xfrm>
+            <a:prstGeom prst="rect">
+              <a:avLst/>
+            </a:prstGeom>
+            <a:noFill/>
+            <a:extLst>
+              <a:ext uri="{909E8E84-426E-40DD-AFC4-6F175D3DCCD1}">
+                <a14:hiddenFill xmlns:a14="http://schemas.microsoft.com/office/drawing/2010/main">
+                  <a:solidFill>
+                    <a:srgbClr val="FFFFFF"/>
+                  </a:solidFill>
+                </a14:hiddenFill>
+              </a:ext>
+            </a:extLst>
+          </p:spPr>
+        </p:pic>
+      </p:grpSp>
     </p:spTree>
     <p:extLst>
       <p:ext uri="{BB962C8B-B14F-4D97-AF65-F5344CB8AC3E}">
@@ -7249,8 +6020,8 @@
         </p:nvSpPr>
         <p:spPr>
           <a:xfrm>
-            <a:off x="836336" y="367734"/>
-            <a:ext cx="10515600" cy="1325563"/>
+            <a:off x="1936992" y="367733"/>
+            <a:ext cx="9242473" cy="1325563"/>
           </a:xfrm>
         </p:spPr>
         <p:txBody>
@@ -7266,7 +6037,7 @@
                 <a:latin typeface="HGS行書体" panose="03000600000000000000" pitchFamily="66" charset="-128"/>
                 <a:ea typeface="HGS行書体" panose="03000600000000000000" pitchFamily="66" charset="-128"/>
               </a:rPr>
-              <a:t>石田：コミュニケーション管理担当</a:t>
+              <a:t>石田：コミュニケーション担当</a:t>
             </a:r>
             <a:endParaRPr kumimoji="1" lang="ja-JP" altLang="en-US" b="1" dirty="0">
               <a:solidFill>
@@ -7296,8 +6067,8 @@
         </p:nvSpPr>
         <p:spPr>
           <a:xfrm>
-            <a:off x="993913" y="2394065"/>
-            <a:ext cx="10358023" cy="3406343"/>
+            <a:off x="993912" y="2910704"/>
+            <a:ext cx="10358023" cy="2619759"/>
           </a:xfrm>
         </p:spPr>
         <p:txBody>
@@ -7315,7 +6086,21 @@
                 <a:latin typeface="BIZ UDP明朝 Medium" panose="02020500000000000000" pitchFamily="18" charset="-128"/>
                 <a:ea typeface="BIZ UDP明朝 Medium" panose="02020500000000000000" pitchFamily="18" charset="-128"/>
               </a:rPr>
-              <a:t>発想力が豊かで驚かされた。​アイコンや色彩のセンス素晴らしい。ペルソナ分析は夏帆ちゃんなくして成立しなかった。​</a:t>
+              <a:t>発想力が豊かで驚かされた。​アイコンや色彩のセンス素晴らしい。ペルソナ分析は</a:t>
+            </a:r>
+            <a:r>
+              <a:rPr lang="ja-JP" altLang="en-US" sz="2000" dirty="0">
+                <a:latin typeface="BIZ UDP明朝 Medium" panose="02020500000000000000" pitchFamily="18" charset="-128"/>
+                <a:ea typeface="BIZ UDP明朝 Medium" panose="02020500000000000000" pitchFamily="18" charset="-128"/>
+              </a:rPr>
+              <a:t>石田さん</a:t>
+            </a:r>
+            <a:r>
+              <a:rPr kumimoji="1" lang="ja-JP" altLang="en-US" sz="2000" dirty="0">
+                <a:latin typeface="BIZ UDP明朝 Medium" panose="02020500000000000000" pitchFamily="18" charset="-128"/>
+                <a:ea typeface="BIZ UDP明朝 Medium" panose="02020500000000000000" pitchFamily="18" charset="-128"/>
+              </a:rPr>
+              <a:t>なくして成立しなかった。​</a:t>
             </a:r>
           </a:p>
           <a:p>
@@ -7345,7 +6130,20 @@
                 <a:latin typeface="BIZ UDP明朝 Medium" panose="02020500000000000000" pitchFamily="18" charset="-128"/>
                 <a:ea typeface="BIZ UDP明朝 Medium" panose="02020500000000000000" pitchFamily="18" charset="-128"/>
               </a:rPr>
-              <a:t>分からなければ聞き、できることは進んで取り掛かり、とても要領よく作業を進めていた。担当関係なく終わっていない作業を進めてくれた。​</a:t>
+              <a:t>​分からなければ聞き、できることは進んで取り掛かり、とても要領よく作業を進めていた。担当関係なく終わっていない作業を進めてくれたおかげで全体のペースアップにもつながった。​</a:t>
+            </a:r>
+          </a:p>
+          <a:p>
+            <a:pPr>
+              <a:buFont typeface="BIZ UDP明朝 Medium" panose="02020500000000000000" pitchFamily="18" charset="-128"/>
+              <a:buChar char="♥"/>
+            </a:pPr>
+            <a:r>
+              <a:rPr kumimoji="1" lang="ja-JP" altLang="en-US" sz="2000" dirty="0">
+                <a:latin typeface="BIZ UDP明朝 Medium" panose="02020500000000000000" pitchFamily="18" charset="-128"/>
+                <a:ea typeface="BIZ UDP明朝 Medium" panose="02020500000000000000" pitchFamily="18" charset="-128"/>
+              </a:rPr>
+              <a:t>問題に対して適切な意見や指摘をいただき重要な場面でとても頼りになりました。</a:t>
             </a:r>
           </a:p>
         </p:txBody>
@@ -7402,8 +6200,8 @@
         </p:nvSpPr>
         <p:spPr>
           <a:xfrm>
-            <a:off x="993913" y="1693297"/>
-            <a:ext cx="10515600" cy="501263"/>
+            <a:off x="927301" y="1698431"/>
+            <a:ext cx="10358023" cy="501263"/>
           </a:xfrm>
           <a:prstGeom prst="rect">
             <a:avLst/>
@@ -7578,24 +6376,77 @@
             </a:lvl9pPr>
           </a:lstStyle>
           <a:p>
-            <a:pPr>
+            <a:pPr algn="ctr">
               <a:buFont typeface="Wingdings" panose="05000000000000000000" pitchFamily="2" charset="2"/>
               <a:buChar char="Ø"/>
             </a:pPr>
             <a:r>
-              <a:rPr lang="ja-JP" altLang="en-US" sz="2400" dirty="0">
+              <a:rPr lang="ja-JP" altLang="en-US" sz="2400" b="1" dirty="0">
+                <a:solidFill>
+                  <a:srgbClr val="FF0000"/>
+                </a:solidFill>
                 <a:latin typeface="BIZ UDP明朝 Medium" panose="02020500000000000000" pitchFamily="18" charset="-128"/>
                 <a:ea typeface="BIZ UDP明朝 Medium" panose="02020500000000000000" pitchFamily="18" charset="-128"/>
               </a:rPr>
-              <a:t>個人成長</a:t>
-            </a:r>
-            <a:endParaRPr lang="ja-JP" altLang="en-US" dirty="0">
+              <a:t>個人成長：　質問力がついた！</a:t>
+            </a:r>
+            <a:endParaRPr lang="ja-JP" altLang="en-US" b="1" dirty="0">
+              <a:solidFill>
+                <a:srgbClr val="FF0000"/>
+              </a:solidFill>
               <a:latin typeface="BIZ UDP明朝 Medium" panose="02020500000000000000" pitchFamily="18" charset="-128"/>
               <a:ea typeface="BIZ UDP明朝 Medium" panose="02020500000000000000" pitchFamily="18" charset="-128"/>
             </a:endParaRPr>
           </a:p>
         </p:txBody>
       </p:sp>
+      <p:pic>
+        <p:nvPicPr>
+          <p:cNvPr id="8" name="Picture 14">
+            <a:extLst>
+              <a:ext uri="{FF2B5EF4-FFF2-40B4-BE49-F238E27FC236}">
+                <a16:creationId xmlns:a16="http://schemas.microsoft.com/office/drawing/2014/main" id="{3D6A2503-8D97-4FAF-2C3A-AB810152762E}"/>
+              </a:ext>
+            </a:extLst>
+          </p:cNvPr>
+          <p:cNvPicPr>
+            <a:picLocks noChangeAspect="1" noChangeArrowheads="1"/>
+          </p:cNvPicPr>
+          <p:nvPr/>
+        </p:nvPicPr>
+        <p:blipFill>
+          <a:blip r:embed="rId3">
+            <a:extLst>
+              <a:ext uri="{28A0092B-C50C-407E-A947-70E740481C1C}">
+                <a14:useLocalDpi xmlns:a14="http://schemas.microsoft.com/office/drawing/2010/main" val="0"/>
+              </a:ext>
+            </a:extLst>
+          </a:blip>
+          <a:srcRect/>
+          <a:stretch>
+            <a:fillRect/>
+          </a:stretch>
+        </p:blipFill>
+        <p:spPr bwMode="auto">
+          <a:xfrm>
+            <a:off x="906676" y="646765"/>
+            <a:ext cx="1338913" cy="1547795"/>
+          </a:xfrm>
+          <a:prstGeom prst="rect">
+            <a:avLst/>
+          </a:prstGeom>
+          <a:noFill/>
+          <a:extLst>
+            <a:ext uri="{909E8E84-426E-40DD-AFC4-6F175D3DCCD1}">
+              <a14:hiddenFill xmlns:a14="http://schemas.microsoft.com/office/drawing/2010/main">
+                <a:solidFill>
+                  <a:srgbClr val="FFFFFF"/>
+                </a:solidFill>
+              </a14:hiddenFill>
+            </a:ext>
+          </a:extLst>
+        </p:spPr>
+      </p:pic>
     </p:spTree>
     <p:extLst>
       <p:ext uri="{BB962C8B-B14F-4D97-AF65-F5344CB8AC3E}">
@@ -7736,8 +6587,8 @@
         </p:nvSpPr>
         <p:spPr>
           <a:xfrm>
-            <a:off x="993913" y="2360815"/>
-            <a:ext cx="10358023" cy="3439593"/>
+            <a:off x="993913" y="3018860"/>
+            <a:ext cx="10358023" cy="1957967"/>
           </a:xfrm>
         </p:spPr>
         <p:txBody>
@@ -7855,8 +6706,8 @@
         </p:nvSpPr>
         <p:spPr>
           <a:xfrm>
-            <a:off x="993913" y="1693297"/>
-            <a:ext cx="10515600" cy="501263"/>
+            <a:off x="993913" y="1806105"/>
+            <a:ext cx="10358023" cy="501263"/>
           </a:xfrm>
           <a:prstGeom prst="rect">
             <a:avLst/>
@@ -8031,24 +6882,77 @@
             </a:lvl9pPr>
           </a:lstStyle>
           <a:p>
-            <a:pPr>
+            <a:pPr algn="ctr">
               <a:buFont typeface="Wingdings" panose="05000000000000000000" pitchFamily="2" charset="2"/>
               <a:buChar char="Ø"/>
             </a:pPr>
             <a:r>
-              <a:rPr lang="ja-JP" altLang="en-US" sz="2400" dirty="0">
+              <a:rPr lang="ja-JP" altLang="en-US" sz="2400" b="1" dirty="0">
+                <a:solidFill>
+                  <a:srgbClr val="FF0000"/>
+                </a:solidFill>
                 <a:latin typeface="BIZ UDP明朝 Medium" panose="02020500000000000000" pitchFamily="18" charset="-128"/>
                 <a:ea typeface="BIZ UDP明朝 Medium" panose="02020500000000000000" pitchFamily="18" charset="-128"/>
               </a:rPr>
-              <a:t>個人成長</a:t>
-            </a:r>
-            <a:endParaRPr lang="ja-JP" altLang="en-US" dirty="0">
+              <a:t>個人成長：　エラーメッセージを読むようになった！</a:t>
+            </a:r>
+            <a:endParaRPr lang="ja-JP" altLang="en-US" b="1" dirty="0">
+              <a:solidFill>
+                <a:srgbClr val="FF0000"/>
+              </a:solidFill>
               <a:latin typeface="BIZ UDP明朝 Medium" panose="02020500000000000000" pitchFamily="18" charset="-128"/>
               <a:ea typeface="BIZ UDP明朝 Medium" panose="02020500000000000000" pitchFamily="18" charset="-128"/>
             </a:endParaRPr>
           </a:p>
         </p:txBody>
       </p:sp>
+      <p:pic>
+        <p:nvPicPr>
+          <p:cNvPr id="8" name="Picture 20">
+            <a:extLst>
+              <a:ext uri="{FF2B5EF4-FFF2-40B4-BE49-F238E27FC236}">
+                <a16:creationId xmlns:a16="http://schemas.microsoft.com/office/drawing/2014/main" id="{858DE630-DB40-339E-EC6C-5BA5D7A28970}"/>
+              </a:ext>
+            </a:extLst>
+          </p:cNvPr>
+          <p:cNvPicPr>
+            <a:picLocks noChangeAspect="1" noChangeArrowheads="1"/>
+          </p:cNvPicPr>
+          <p:nvPr/>
+        </p:nvPicPr>
+        <p:blipFill>
+          <a:blip r:embed="rId3">
+            <a:extLst>
+              <a:ext uri="{28A0092B-C50C-407E-A947-70E740481C1C}">
+                <a14:useLocalDpi xmlns:a14="http://schemas.microsoft.com/office/drawing/2010/main" val="0"/>
+              </a:ext>
+            </a:extLst>
+          </a:blip>
+          <a:srcRect/>
+          <a:stretch>
+            <a:fillRect/>
+          </a:stretch>
+        </p:blipFill>
+        <p:spPr bwMode="auto">
+          <a:xfrm flipH="1">
+            <a:off x="1063507" y="629703"/>
+            <a:ext cx="1525046" cy="1640080"/>
+          </a:xfrm>
+          <a:prstGeom prst="rect">
+            <a:avLst/>
+          </a:prstGeom>
+          <a:noFill/>
+          <a:extLst>
+            <a:ext uri="{909E8E84-426E-40DD-AFC4-6F175D3DCCD1}">
+              <a14:hiddenFill xmlns:a14="http://schemas.microsoft.com/office/drawing/2010/main">
+                <a:solidFill>
+                  <a:srgbClr val="FFFFFF"/>
+                </a:solidFill>
+              </a14:hiddenFill>
+            </a:ext>
+          </a:extLst>
+        </p:spPr>
+      </p:pic>
     </p:spTree>
     <p:extLst>
       <p:ext uri="{BB962C8B-B14F-4D97-AF65-F5344CB8AC3E}">
@@ -8189,8 +7093,8 @@
         </p:nvSpPr>
         <p:spPr>
           <a:xfrm>
-            <a:off x="993913" y="2394065"/>
-            <a:ext cx="10358023" cy="3406343"/>
+            <a:off x="993913" y="2582413"/>
+            <a:ext cx="10358023" cy="3071732"/>
           </a:xfrm>
         </p:spPr>
         <p:txBody>
@@ -8255,6 +7159,51 @@
                 <a:ea typeface="BIZ UDP明朝 Medium" panose="02020500000000000000" pitchFamily="18" charset="-128"/>
               </a:rPr>
               <a:t>日の大半を仲間のサポートに費やすことがありながら、担当した部分は文句なしの仕上がりで作ってくれた。​</a:t>
+            </a:r>
+            <a:endParaRPr kumimoji="1" lang="en-US" altLang="ja-JP" sz="2000" dirty="0">
+              <a:latin typeface="BIZ UDP明朝 Medium" panose="02020500000000000000" pitchFamily="18" charset="-128"/>
+              <a:ea typeface="BIZ UDP明朝 Medium" panose="02020500000000000000" pitchFamily="18" charset="-128"/>
+            </a:endParaRPr>
+          </a:p>
+          <a:p>
+            <a:pPr>
+              <a:buFont typeface="BIZ UDP明朝 Medium" panose="02020500000000000000" pitchFamily="18" charset="-128"/>
+              <a:buChar char="♥"/>
+            </a:pPr>
+            <a:r>
+              <a:rPr kumimoji="1" lang="ja-JP" altLang="en-US" sz="2000" dirty="0">
+                <a:latin typeface="BIZ UDP明朝 Medium" panose="02020500000000000000" pitchFamily="18" charset="-128"/>
+                <a:ea typeface="BIZ UDP明朝 Medium" panose="02020500000000000000" pitchFamily="18" charset="-128"/>
+              </a:rPr>
+              <a:t>技術面でのチームの支えで</a:t>
+            </a:r>
+            <a:r>
+              <a:rPr kumimoji="1" lang="en-US" altLang="ja-JP" sz="2000" dirty="0">
+                <a:latin typeface="BIZ UDP明朝 Medium" panose="02020500000000000000" pitchFamily="18" charset="-128"/>
+                <a:ea typeface="BIZ UDP明朝 Medium" panose="02020500000000000000" pitchFamily="18" charset="-128"/>
+              </a:rPr>
+              <a:t>1</a:t>
+            </a:r>
+            <a:r>
+              <a:rPr kumimoji="1" lang="ja-JP" altLang="en-US" sz="2000" dirty="0">
+                <a:latin typeface="BIZ UDP明朝 Medium" panose="02020500000000000000" pitchFamily="18" charset="-128"/>
+                <a:ea typeface="BIZ UDP明朝 Medium" panose="02020500000000000000" pitchFamily="18" charset="-128"/>
+              </a:rPr>
+              <a:t>人</a:t>
+            </a:r>
+            <a:r>
+              <a:rPr kumimoji="1" lang="en-US" altLang="ja-JP" sz="2000" dirty="0">
+                <a:latin typeface="BIZ UDP明朝 Medium" panose="02020500000000000000" pitchFamily="18" charset="-128"/>
+                <a:ea typeface="BIZ UDP明朝 Medium" panose="02020500000000000000" pitchFamily="18" charset="-128"/>
+              </a:rPr>
+              <a:t>1</a:t>
+            </a:r>
+            <a:r>
+              <a:rPr kumimoji="1" lang="ja-JP" altLang="en-US" sz="2000" dirty="0">
+                <a:latin typeface="BIZ UDP明朝 Medium" panose="02020500000000000000" pitchFamily="18" charset="-128"/>
+                <a:ea typeface="BIZ UDP明朝 Medium" panose="02020500000000000000" pitchFamily="18" charset="-128"/>
+              </a:rPr>
+              <a:t>人に真摯に向き合う姿はとても頼りになりました。​</a:t>
             </a:r>
           </a:p>
         </p:txBody>
@@ -8311,8 +7260,8 @@
         </p:nvSpPr>
         <p:spPr>
           <a:xfrm>
-            <a:off x="993913" y="1693297"/>
-            <a:ext cx="10515600" cy="501263"/>
+            <a:off x="993913" y="1636591"/>
+            <a:ext cx="10358023" cy="501263"/>
           </a:xfrm>
           <a:prstGeom prst="rect">
             <a:avLst/>
@@ -8487,24 +7436,77 @@
             </a:lvl9pPr>
           </a:lstStyle>
           <a:p>
-            <a:pPr>
+            <a:pPr algn="ctr">
               <a:buFont typeface="Wingdings" panose="05000000000000000000" pitchFamily="2" charset="2"/>
               <a:buChar char="Ø"/>
             </a:pPr>
             <a:r>
-              <a:rPr lang="ja-JP" altLang="en-US" sz="2400" dirty="0">
+              <a:rPr lang="ja-JP" altLang="en-US" sz="2400" b="1" dirty="0">
+                <a:solidFill>
+                  <a:srgbClr val="FF0000"/>
+                </a:solidFill>
                 <a:latin typeface="BIZ UDP明朝 Medium" panose="02020500000000000000" pitchFamily="18" charset="-128"/>
                 <a:ea typeface="BIZ UDP明朝 Medium" panose="02020500000000000000" pitchFamily="18" charset="-128"/>
               </a:rPr>
-              <a:t>個人成長</a:t>
-            </a:r>
-            <a:endParaRPr lang="ja-JP" altLang="en-US" dirty="0">
+              <a:t>個人成長：　コミュニケーション能力が向上した！</a:t>
+            </a:r>
+            <a:endParaRPr lang="ja-JP" altLang="en-US" b="1" dirty="0">
+              <a:solidFill>
+                <a:srgbClr val="FF0000"/>
+              </a:solidFill>
               <a:latin typeface="BIZ UDP明朝 Medium" panose="02020500000000000000" pitchFamily="18" charset="-128"/>
               <a:ea typeface="BIZ UDP明朝 Medium" panose="02020500000000000000" pitchFamily="18" charset="-128"/>
             </a:endParaRPr>
           </a:p>
         </p:txBody>
       </p:sp>
+      <p:pic>
+        <p:nvPicPr>
+          <p:cNvPr id="8" name="Picture 12">
+            <a:extLst>
+              <a:ext uri="{FF2B5EF4-FFF2-40B4-BE49-F238E27FC236}">
+                <a16:creationId xmlns:a16="http://schemas.microsoft.com/office/drawing/2014/main" id="{284E99E4-5548-BC59-6EE3-20185B474646}"/>
+              </a:ext>
+            </a:extLst>
+          </p:cNvPr>
+          <p:cNvPicPr>
+            <a:picLocks noChangeAspect="1" noChangeArrowheads="1"/>
+          </p:cNvPicPr>
+          <p:nvPr/>
+        </p:nvPicPr>
+        <p:blipFill>
+          <a:blip r:embed="rId3">
+            <a:extLst>
+              <a:ext uri="{28A0092B-C50C-407E-A947-70E740481C1C}">
+                <a14:useLocalDpi xmlns:a14="http://schemas.microsoft.com/office/drawing/2010/main" val="0"/>
+              </a:ext>
+            </a:extLst>
+          </a:blip>
+          <a:srcRect/>
+          <a:stretch>
+            <a:fillRect/>
+          </a:stretch>
+        </p:blipFill>
+        <p:spPr bwMode="auto">
+          <a:xfrm>
+            <a:off x="1241695" y="745588"/>
+            <a:ext cx="1614546" cy="1614546"/>
+          </a:xfrm>
+          <a:prstGeom prst="rect">
+            <a:avLst/>
+          </a:prstGeom>
+          <a:noFill/>
+          <a:extLst>
+            <a:ext uri="{909E8E84-426E-40DD-AFC4-6F175D3DCCD1}">
+              <a14:hiddenFill xmlns:a14="http://schemas.microsoft.com/office/drawing/2010/main">
+                <a:solidFill>
+                  <a:srgbClr val="FFFFFF"/>
+                </a:solidFill>
+              </a14:hiddenFill>
+            </a:ext>
+          </a:extLst>
+        </p:spPr>
+      </p:pic>
     </p:spTree>
     <p:extLst>
       <p:ext uri="{BB962C8B-B14F-4D97-AF65-F5344CB8AC3E}">
@@ -8672,8 +7674,8 @@
         </p:nvSpPr>
         <p:spPr>
           <a:xfrm>
-            <a:off x="993913" y="2344189"/>
-            <a:ext cx="10358023" cy="3456219"/>
+            <a:off x="993913" y="2798029"/>
+            <a:ext cx="10358023" cy="2663909"/>
           </a:xfrm>
         </p:spPr>
         <p:txBody>
@@ -8721,8 +7723,25 @@
                 <a:latin typeface="BIZ UDP明朝 Medium" panose="02020500000000000000" pitchFamily="18" charset="-128"/>
                 <a:ea typeface="BIZ UDP明朝 Medium" panose="02020500000000000000" pitchFamily="18" charset="-128"/>
               </a:rPr>
-              <a:t>どこまでできた、どこがわからないなど報連相がしっかりしていた。​</a:t>
-            </a:r>
+              <a:t>どこまでできた、どこがわからないなど報連相がしっかりしていた。先生や仲間に積極的に質問している姿から最後までやり遂げようとする責任感が伝わってきた。​</a:t>
+            </a:r>
+          </a:p>
+          <a:p>
+            <a:pPr>
+              <a:buFont typeface="BIZ UDP明朝 Medium" panose="02020500000000000000" pitchFamily="18" charset="-128"/>
+              <a:buChar char="♥"/>
+            </a:pPr>
+            <a:r>
+              <a:rPr kumimoji="1" lang="ja-JP" altLang="en-US" sz="2000" dirty="0">
+                <a:latin typeface="BIZ UDP明朝 Medium" panose="02020500000000000000" pitchFamily="18" charset="-128"/>
+                <a:ea typeface="BIZ UDP明朝 Medium" panose="02020500000000000000" pitchFamily="18" charset="-128"/>
+              </a:rPr>
+              <a:t>仕事を見つけ積極的に作業に取り組んでいただきとても頼りになりました。​</a:t>
+            </a:r>
+            <a:endParaRPr kumimoji="1" lang="en-US" altLang="ja-JP" sz="2000" dirty="0">
+              <a:latin typeface="BIZ UDP明朝 Medium" panose="02020500000000000000" pitchFamily="18" charset="-128"/>
+              <a:ea typeface="BIZ UDP明朝 Medium" panose="02020500000000000000" pitchFamily="18" charset="-128"/>
+            </a:endParaRPr>
           </a:p>
         </p:txBody>
       </p:sp>
@@ -8741,7 +7760,7 @@
           <p:nvPr/>
         </p:nvPicPr>
         <p:blipFill>
-          <a:blip r:embed="rId2">
+          <a:blip r:embed="rId3">
             <a:extLst>
               <a:ext uri="{28A0092B-C50C-407E-A947-70E740481C1C}">
                 <a14:useLocalDpi xmlns:a14="http://schemas.microsoft.com/office/drawing/2010/main" val="0"/>
@@ -8778,8 +7797,8 @@
         </p:nvSpPr>
         <p:spPr>
           <a:xfrm>
-            <a:off x="993913" y="1693297"/>
-            <a:ext cx="10515600" cy="501263"/>
+            <a:off x="993913" y="1759594"/>
+            <a:ext cx="10358023" cy="501263"/>
           </a:xfrm>
           <a:prstGeom prst="rect">
             <a:avLst/>
@@ -8954,24 +7973,77 @@
             </a:lvl9pPr>
           </a:lstStyle>
           <a:p>
-            <a:pPr>
+            <a:pPr algn="ctr">
               <a:buFont typeface="Wingdings" panose="05000000000000000000" pitchFamily="2" charset="2"/>
               <a:buChar char="Ø"/>
             </a:pPr>
             <a:r>
-              <a:rPr lang="ja-JP" altLang="en-US" sz="2400" dirty="0">
+              <a:rPr lang="ja-JP" altLang="en-US" sz="2400" b="1" dirty="0">
+                <a:solidFill>
+                  <a:srgbClr val="FF0000"/>
+                </a:solidFill>
                 <a:latin typeface="BIZ UDP明朝 Medium" panose="02020500000000000000" pitchFamily="18" charset="-128"/>
                 <a:ea typeface="BIZ UDP明朝 Medium" panose="02020500000000000000" pitchFamily="18" charset="-128"/>
               </a:rPr>
-              <a:t>コミュニケーション能力が向上！質問や人に頼ることができるようになった！</a:t>
-            </a:r>
-            <a:endParaRPr lang="ja-JP" altLang="en-US" dirty="0">
+              <a:t>個人成長：　質問や人に頼ることができるようになった！</a:t>
+            </a:r>
+            <a:endParaRPr lang="ja-JP" altLang="en-US" b="1" dirty="0">
+              <a:solidFill>
+                <a:srgbClr val="FF0000"/>
+              </a:solidFill>
               <a:latin typeface="BIZ UDP明朝 Medium" panose="02020500000000000000" pitchFamily="18" charset="-128"/>
               <a:ea typeface="BIZ UDP明朝 Medium" panose="02020500000000000000" pitchFamily="18" charset="-128"/>
             </a:endParaRPr>
           </a:p>
         </p:txBody>
       </p:sp>
+      <p:pic>
+        <p:nvPicPr>
+          <p:cNvPr id="8" name="Picture 22">
+            <a:extLst>
+              <a:ext uri="{FF2B5EF4-FFF2-40B4-BE49-F238E27FC236}">
+                <a16:creationId xmlns:a16="http://schemas.microsoft.com/office/drawing/2014/main" id="{4F4019A4-92C2-86AF-97F4-1D790E0B67D0}"/>
+              </a:ext>
+            </a:extLst>
+          </p:cNvPr>
+          <p:cNvPicPr>
+            <a:picLocks noChangeAspect="1" noChangeArrowheads="1"/>
+          </p:cNvPicPr>
+          <p:nvPr/>
+        </p:nvPicPr>
+        <p:blipFill>
+          <a:blip r:embed="rId4">
+            <a:extLst>
+              <a:ext uri="{28A0092B-C50C-407E-A947-70E740481C1C}">
+                <a14:useLocalDpi xmlns:a14="http://schemas.microsoft.com/office/drawing/2010/main" val="0"/>
+              </a:ext>
+            </a:extLst>
+          </a:blip>
+          <a:srcRect/>
+          <a:stretch>
+            <a:fillRect/>
+          </a:stretch>
+        </p:blipFill>
+        <p:spPr bwMode="auto">
+          <a:xfrm>
+            <a:off x="1302428" y="792049"/>
+            <a:ext cx="1331693" cy="1158263"/>
+          </a:xfrm>
+          <a:prstGeom prst="rect">
+            <a:avLst/>
+          </a:prstGeom>
+          <a:noFill/>
+          <a:extLst>
+            <a:ext uri="{909E8E84-426E-40DD-AFC4-6F175D3DCCD1}">
+              <a14:hiddenFill xmlns:a14="http://schemas.microsoft.com/office/drawing/2010/main">
+                <a:solidFill>
+                  <a:srgbClr val="FFFFFF"/>
+                </a:solidFill>
+              </a14:hiddenFill>
+            </a:ext>
+          </a:extLst>
+        </p:spPr>
+      </p:pic>
     </p:spTree>
     <p:extLst>
       <p:ext uri="{BB962C8B-B14F-4D97-AF65-F5344CB8AC3E}">
@@ -9184,7 +8256,7 @@
         </p:nvSpPr>
         <p:spPr>
           <a:xfrm>
-            <a:off x="1457739" y="2766116"/>
+            <a:off x="1457739" y="2383530"/>
             <a:ext cx="9528312" cy="1193247"/>
           </a:xfrm>
         </p:spPr>
@@ -9202,7 +8274,7 @@
                 <a:latin typeface="HGS行書体" panose="03000600000000000000" pitchFamily="66" charset="-128"/>
                 <a:ea typeface="HGS行書体" panose="03000600000000000000" pitchFamily="66" charset="-128"/>
               </a:rPr>
-              <a:t>毎度ありがとうございました！</a:t>
+              <a:t>ご清聴ありがとうございました！</a:t>
             </a:r>
             <a:br>
               <a:rPr lang="en-US" altLang="ja-JP" sz="4400" dirty="0">
@@ -9260,6 +8332,424 @@
           <a:prstGeom prst="rect">
             <a:avLst/>
           </a:prstGeom>
+        </p:spPr>
+      </p:pic>
+      <p:pic>
+        <p:nvPicPr>
+          <p:cNvPr id="7" name="Picture 20">
+            <a:extLst>
+              <a:ext uri="{FF2B5EF4-FFF2-40B4-BE49-F238E27FC236}">
+                <a16:creationId xmlns:a16="http://schemas.microsoft.com/office/drawing/2014/main" id="{B7316F9D-00D7-D98B-7829-E50F825F267D}"/>
+              </a:ext>
+            </a:extLst>
+          </p:cNvPr>
+          <p:cNvPicPr>
+            <a:picLocks noChangeAspect="1" noChangeArrowheads="1"/>
+          </p:cNvPicPr>
+          <p:nvPr/>
+        </p:nvPicPr>
+        <p:blipFill>
+          <a:blip r:embed="rId5">
+            <a:extLst>
+              <a:ext uri="{28A0092B-C50C-407E-A947-70E740481C1C}">
+                <a14:useLocalDpi xmlns:a14="http://schemas.microsoft.com/office/drawing/2010/main" val="0"/>
+              </a:ext>
+            </a:extLst>
+          </a:blip>
+          <a:srcRect/>
+          <a:stretch>
+            <a:fillRect/>
+          </a:stretch>
+        </p:blipFill>
+        <p:spPr bwMode="auto">
+          <a:xfrm flipH="1">
+            <a:off x="1567376" y="4271601"/>
+            <a:ext cx="1653817" cy="1778564"/>
+          </a:xfrm>
+          <a:prstGeom prst="rect">
+            <a:avLst/>
+          </a:prstGeom>
+          <a:noFill/>
+          <a:extLst>
+            <a:ext uri="{909E8E84-426E-40DD-AFC4-6F175D3DCCD1}">
+              <a14:hiddenFill xmlns:a14="http://schemas.microsoft.com/office/drawing/2010/main">
+                <a:solidFill>
+                  <a:srgbClr val="FFFFFF"/>
+                </a:solidFill>
+              </a14:hiddenFill>
+            </a:ext>
+          </a:extLst>
+        </p:spPr>
+      </p:pic>
+      <p:pic>
+        <p:nvPicPr>
+          <p:cNvPr id="8" name="Picture 22">
+            <a:extLst>
+              <a:ext uri="{FF2B5EF4-FFF2-40B4-BE49-F238E27FC236}">
+                <a16:creationId xmlns:a16="http://schemas.microsoft.com/office/drawing/2014/main" id="{88DB2A9B-2D76-C9DC-7D9A-723EFB918880}"/>
+              </a:ext>
+            </a:extLst>
+          </p:cNvPr>
+          <p:cNvPicPr>
+            <a:picLocks noChangeAspect="1" noChangeArrowheads="1"/>
+          </p:cNvPicPr>
+          <p:nvPr/>
+        </p:nvPicPr>
+        <p:blipFill>
+          <a:blip r:embed="rId6">
+            <a:extLst>
+              <a:ext uri="{28A0092B-C50C-407E-A947-70E740481C1C}">
+                <a14:useLocalDpi xmlns:a14="http://schemas.microsoft.com/office/drawing/2010/main" val="0"/>
+              </a:ext>
+            </a:extLst>
+          </a:blip>
+          <a:srcRect/>
+          <a:stretch>
+            <a:fillRect/>
+          </a:stretch>
+        </p:blipFill>
+        <p:spPr bwMode="auto">
+          <a:xfrm>
+            <a:off x="3182034" y="4853354"/>
+            <a:ext cx="1224616" cy="1065131"/>
+          </a:xfrm>
+          <a:prstGeom prst="rect">
+            <a:avLst/>
+          </a:prstGeom>
+          <a:noFill/>
+          <a:extLst>
+            <a:ext uri="{909E8E84-426E-40DD-AFC4-6F175D3DCCD1}">
+              <a14:hiddenFill xmlns:a14="http://schemas.microsoft.com/office/drawing/2010/main">
+                <a:solidFill>
+                  <a:srgbClr val="FFFFFF"/>
+                </a:solidFill>
+              </a14:hiddenFill>
+            </a:ext>
+          </a:extLst>
+        </p:spPr>
+      </p:pic>
+      <p:grpSp>
+        <p:nvGrpSpPr>
+          <p:cNvPr id="9" name="グループ化 8">
+            <a:extLst>
+              <a:ext uri="{FF2B5EF4-FFF2-40B4-BE49-F238E27FC236}">
+                <a16:creationId xmlns:a16="http://schemas.microsoft.com/office/drawing/2014/main" id="{CF609F17-54E4-D73D-F8CE-B1DE2175A613}"/>
+              </a:ext>
+            </a:extLst>
+          </p:cNvPr>
+          <p:cNvGrpSpPr/>
+          <p:nvPr/>
+        </p:nvGrpSpPr>
+        <p:grpSpPr>
+          <a:xfrm>
+            <a:off x="4225881" y="4204909"/>
+            <a:ext cx="2059741" cy="1862328"/>
+            <a:chOff x="1797901" y="2260387"/>
+            <a:chExt cx="2306080" cy="2137359"/>
+          </a:xfrm>
+        </p:grpSpPr>
+        <p:pic>
+          <p:nvPicPr>
+            <p:cNvPr id="10" name="Picture 16">
+              <a:extLst>
+                <a:ext uri="{FF2B5EF4-FFF2-40B4-BE49-F238E27FC236}">
+                  <a16:creationId xmlns:a16="http://schemas.microsoft.com/office/drawing/2014/main" id="{63DF4C52-D3E3-1511-04B6-ABF66C2E0EDD}"/>
+                </a:ext>
+              </a:extLst>
+            </p:cNvPr>
+            <p:cNvPicPr>
+              <a:picLocks noChangeAspect="1" noChangeArrowheads="1"/>
+            </p:cNvPicPr>
+            <p:nvPr/>
+          </p:nvPicPr>
+          <p:blipFill>
+            <a:blip r:embed="rId7">
+              <a:extLst>
+                <a:ext uri="{28A0092B-C50C-407E-A947-70E740481C1C}">
+                  <a14:useLocalDpi xmlns:a14="http://schemas.microsoft.com/office/drawing/2010/main" val="0"/>
+                </a:ext>
+              </a:extLst>
+            </a:blip>
+            <a:srcRect/>
+            <a:stretch>
+              <a:fillRect/>
+            </a:stretch>
+          </p:blipFill>
+          <p:spPr bwMode="auto">
+            <a:xfrm>
+              <a:off x="1797901" y="2619182"/>
+              <a:ext cx="2306080" cy="1778564"/>
+            </a:xfrm>
+            <a:prstGeom prst="rect">
+              <a:avLst/>
+            </a:prstGeom>
+            <a:noFill/>
+            <a:extLst>
+              <a:ext uri="{909E8E84-426E-40DD-AFC4-6F175D3DCCD1}">
+                <a14:hiddenFill xmlns:a14="http://schemas.microsoft.com/office/drawing/2010/main">
+                  <a:solidFill>
+                    <a:srgbClr val="FFFFFF"/>
+                  </a:solidFill>
+                </a14:hiddenFill>
+              </a:ext>
+            </a:extLst>
+          </p:spPr>
+        </p:pic>
+        <p:pic>
+          <p:nvPicPr>
+            <p:cNvPr id="11" name="Picture 24">
+              <a:extLst>
+                <a:ext uri="{FF2B5EF4-FFF2-40B4-BE49-F238E27FC236}">
+                  <a16:creationId xmlns:a16="http://schemas.microsoft.com/office/drawing/2014/main" id="{29E46478-8E34-4F8F-3AB6-E5D533F9925E}"/>
+                </a:ext>
+              </a:extLst>
+            </p:cNvPr>
+            <p:cNvPicPr>
+              <a:picLocks noChangeAspect="1" noChangeArrowheads="1"/>
+            </p:cNvPicPr>
+            <p:nvPr/>
+          </p:nvPicPr>
+          <p:blipFill>
+            <a:blip r:embed="rId8">
+              <a:extLst>
+                <a:ext uri="{28A0092B-C50C-407E-A947-70E740481C1C}">
+                  <a14:useLocalDpi xmlns:a14="http://schemas.microsoft.com/office/drawing/2010/main" val="0"/>
+                </a:ext>
+              </a:extLst>
+            </a:blip>
+            <a:srcRect/>
+            <a:stretch>
+              <a:fillRect/>
+            </a:stretch>
+          </p:blipFill>
+          <p:spPr bwMode="auto">
+            <a:xfrm>
+              <a:off x="2278174" y="2260387"/>
+              <a:ext cx="1338163" cy="717590"/>
+            </a:xfrm>
+            <a:prstGeom prst="rect">
+              <a:avLst/>
+            </a:prstGeom>
+            <a:noFill/>
+            <a:extLst>
+              <a:ext uri="{909E8E84-426E-40DD-AFC4-6F175D3DCCD1}">
+                <a14:hiddenFill xmlns:a14="http://schemas.microsoft.com/office/drawing/2010/main">
+                  <a:solidFill>
+                    <a:srgbClr val="FFFFFF"/>
+                  </a:solidFill>
+                </a14:hiddenFill>
+              </a:ext>
+            </a:extLst>
+          </p:spPr>
+        </p:pic>
+      </p:grpSp>
+      <p:grpSp>
+        <p:nvGrpSpPr>
+          <p:cNvPr id="12" name="グループ化 11">
+            <a:extLst>
+              <a:ext uri="{FF2B5EF4-FFF2-40B4-BE49-F238E27FC236}">
+                <a16:creationId xmlns:a16="http://schemas.microsoft.com/office/drawing/2014/main" id="{B10F97F6-E414-01A9-F90A-620543E744BE}"/>
+              </a:ext>
+            </a:extLst>
+          </p:cNvPr>
+          <p:cNvGrpSpPr/>
+          <p:nvPr/>
+        </p:nvGrpSpPr>
+        <p:grpSpPr>
+          <a:xfrm>
+            <a:off x="6313797" y="4517534"/>
+            <a:ext cx="1148529" cy="1375195"/>
+            <a:chOff x="4228087" y="2619182"/>
+            <a:chExt cx="1320217" cy="1583380"/>
+          </a:xfrm>
+        </p:grpSpPr>
+        <p:pic>
+          <p:nvPicPr>
+            <p:cNvPr id="13" name="Picture 8">
+              <a:extLst>
+                <a:ext uri="{FF2B5EF4-FFF2-40B4-BE49-F238E27FC236}">
+                  <a16:creationId xmlns:a16="http://schemas.microsoft.com/office/drawing/2014/main" id="{79648129-BB3E-D488-BB06-7DEC20D65333}"/>
+                </a:ext>
+              </a:extLst>
+            </p:cNvPr>
+            <p:cNvPicPr>
+              <a:picLocks noChangeAspect="1" noChangeArrowheads="1"/>
+            </p:cNvPicPr>
+            <p:nvPr/>
+          </p:nvPicPr>
+          <p:blipFill>
+            <a:blip r:embed="rId9">
+              <a:extLst>
+                <a:ext uri="{28A0092B-C50C-407E-A947-70E740481C1C}">
+                  <a14:useLocalDpi xmlns:a14="http://schemas.microsoft.com/office/drawing/2010/main" val="0"/>
+                </a:ext>
+              </a:extLst>
+            </a:blip>
+            <a:srcRect/>
+            <a:stretch>
+              <a:fillRect/>
+            </a:stretch>
+          </p:blipFill>
+          <p:spPr bwMode="auto">
+            <a:xfrm flipH="1">
+              <a:off x="4228087" y="2619182"/>
+              <a:ext cx="1320217" cy="1583380"/>
+            </a:xfrm>
+            <a:prstGeom prst="rect">
+              <a:avLst/>
+            </a:prstGeom>
+            <a:noFill/>
+            <a:extLst>
+              <a:ext uri="{909E8E84-426E-40DD-AFC4-6F175D3DCCD1}">
+                <a14:hiddenFill xmlns:a14="http://schemas.microsoft.com/office/drawing/2010/main">
+                  <a:solidFill>
+                    <a:srgbClr val="FFFFFF"/>
+                  </a:solidFill>
+                </a14:hiddenFill>
+              </a:ext>
+            </a:extLst>
+          </p:spPr>
+        </p:pic>
+        <p:pic>
+          <p:nvPicPr>
+            <p:cNvPr id="14" name="Picture 26">
+              <a:extLst>
+                <a:ext uri="{FF2B5EF4-FFF2-40B4-BE49-F238E27FC236}">
+                  <a16:creationId xmlns:a16="http://schemas.microsoft.com/office/drawing/2014/main" id="{67DBE1E3-F22C-EADF-1710-B2284CDD546F}"/>
+                </a:ext>
+              </a:extLst>
+            </p:cNvPr>
+            <p:cNvPicPr>
+              <a:picLocks noChangeAspect="1" noChangeArrowheads="1"/>
+            </p:cNvPicPr>
+            <p:nvPr/>
+          </p:nvPicPr>
+          <p:blipFill>
+            <a:blip r:embed="rId10">
+              <a:extLst>
+                <a:ext uri="{28A0092B-C50C-407E-A947-70E740481C1C}">
+                  <a14:useLocalDpi xmlns:a14="http://schemas.microsoft.com/office/drawing/2010/main" val="0"/>
+                </a:ext>
+              </a:extLst>
+            </a:blip>
+            <a:srcRect/>
+            <a:stretch>
+              <a:fillRect/>
+            </a:stretch>
+          </p:blipFill>
+          <p:spPr bwMode="auto">
+            <a:xfrm flipV="1">
+              <a:off x="4542508" y="2743678"/>
+              <a:ext cx="691374" cy="259765"/>
+            </a:xfrm>
+            <a:prstGeom prst="rect">
+              <a:avLst/>
+            </a:prstGeom>
+            <a:noFill/>
+            <a:extLst>
+              <a:ext uri="{909E8E84-426E-40DD-AFC4-6F175D3DCCD1}">
+                <a14:hiddenFill xmlns:a14="http://schemas.microsoft.com/office/drawing/2010/main">
+                  <a:solidFill>
+                    <a:srgbClr val="FFFFFF"/>
+                  </a:solidFill>
+                </a14:hiddenFill>
+              </a:ext>
+            </a:extLst>
+          </p:spPr>
+        </p:pic>
+      </p:grpSp>
+      <p:pic>
+        <p:nvPicPr>
+          <p:cNvPr id="15" name="Picture 14">
+            <a:extLst>
+              <a:ext uri="{FF2B5EF4-FFF2-40B4-BE49-F238E27FC236}">
+                <a16:creationId xmlns:a16="http://schemas.microsoft.com/office/drawing/2014/main" id="{439761DE-8314-E0CC-8A06-BB8C24A7F718}"/>
+              </a:ext>
+            </a:extLst>
+          </p:cNvPr>
+          <p:cNvPicPr>
+            <a:picLocks noChangeAspect="1" noChangeArrowheads="1"/>
+          </p:cNvPicPr>
+          <p:nvPr/>
+        </p:nvPicPr>
+        <p:blipFill>
+          <a:blip r:embed="rId11">
+            <a:extLst>
+              <a:ext uri="{28A0092B-C50C-407E-A947-70E740481C1C}">
+                <a14:useLocalDpi xmlns:a14="http://schemas.microsoft.com/office/drawing/2010/main" val="0"/>
+              </a:ext>
+            </a:extLst>
+          </a:blip>
+          <a:srcRect/>
+          <a:stretch>
+            <a:fillRect/>
+          </a:stretch>
+        </p:blipFill>
+        <p:spPr bwMode="auto">
+          <a:xfrm>
+            <a:off x="7534392" y="4538212"/>
+            <a:ext cx="1189606" cy="1375195"/>
+          </a:xfrm>
+          <a:prstGeom prst="rect">
+            <a:avLst/>
+          </a:prstGeom>
+          <a:noFill/>
+          <a:extLst>
+            <a:ext uri="{909E8E84-426E-40DD-AFC4-6F175D3DCCD1}">
+              <a14:hiddenFill xmlns:a14="http://schemas.microsoft.com/office/drawing/2010/main">
+                <a:solidFill>
+                  <a:srgbClr val="FFFFFF"/>
+                </a:solidFill>
+              </a14:hiddenFill>
+            </a:ext>
+          </a:extLst>
+        </p:spPr>
+      </p:pic>
+      <p:pic>
+        <p:nvPicPr>
+          <p:cNvPr id="16" name="Picture 12">
+            <a:extLst>
+              <a:ext uri="{FF2B5EF4-FFF2-40B4-BE49-F238E27FC236}">
+                <a16:creationId xmlns:a16="http://schemas.microsoft.com/office/drawing/2014/main" id="{8D792C6B-847C-90C9-5CD3-381B7A0CB8AB}"/>
+              </a:ext>
+            </a:extLst>
+          </p:cNvPr>
+          <p:cNvPicPr>
+            <a:picLocks noChangeAspect="1" noChangeArrowheads="1"/>
+          </p:cNvPicPr>
+          <p:nvPr/>
+        </p:nvPicPr>
+        <p:blipFill>
+          <a:blip r:embed="rId12">
+            <a:extLst>
+              <a:ext uri="{28A0092B-C50C-407E-A947-70E740481C1C}">
+                <a14:useLocalDpi xmlns:a14="http://schemas.microsoft.com/office/drawing/2010/main" val="0"/>
+              </a:ext>
+            </a:extLst>
+          </a:blip>
+          <a:srcRect/>
+          <a:stretch>
+            <a:fillRect/>
+          </a:stretch>
+        </p:blipFill>
+        <p:spPr bwMode="auto">
+          <a:xfrm>
+            <a:off x="8738066" y="4479765"/>
+            <a:ext cx="1549703" cy="1549703"/>
+          </a:xfrm>
+          <a:prstGeom prst="rect">
+            <a:avLst/>
+          </a:prstGeom>
+          <a:noFill/>
+          <a:extLst>
+            <a:ext uri="{909E8E84-426E-40DD-AFC4-6F175D3DCCD1}">
+              <a14:hiddenFill xmlns:a14="http://schemas.microsoft.com/office/drawing/2010/main">
+                <a:solidFill>
+                  <a:srgbClr val="FFFFFF"/>
+                </a:solidFill>
+              </a14:hiddenFill>
+            </a:ext>
+          </a:extLst>
         </p:spPr>
       </p:pic>
     </p:spTree>
@@ -9368,7 +8858,7 @@
         </p:spPr>
         <p:txBody>
           <a:bodyPr>
-            <a:normAutofit fontScale="92500"/>
+            <a:normAutofit/>
           </a:bodyPr>
           <a:lstStyle/>
           <a:p>
@@ -9377,20 +8867,20 @@
               <a:buChar char="Ø"/>
             </a:pPr>
             <a:r>
-              <a:rPr kumimoji="1" lang="en-US" altLang="ja-JP" sz="3200" b="1" u="sng" dirty="0">
+              <a:rPr kumimoji="1" lang="en-US" altLang="ja-JP" b="1" u="sng" dirty="0">
                 <a:latin typeface="BIZ UDP明朝 Medium" panose="02020500000000000000" pitchFamily="18" charset="-128"/>
                 <a:ea typeface="BIZ UDP明朝 Medium" panose="02020500000000000000" pitchFamily="18" charset="-128"/>
               </a:rPr>
               <a:t>FLIFRE</a:t>
             </a:r>
             <a:r>
-              <a:rPr kumimoji="1" lang="ja-JP" altLang="en-US" sz="3200" b="1" u="sng" dirty="0">
+              <a:rPr kumimoji="1" lang="ja-JP" altLang="en-US" b="1" u="sng" dirty="0">
                 <a:latin typeface="BIZ UDP明朝 Medium" panose="02020500000000000000" pitchFamily="18" charset="-128"/>
                 <a:ea typeface="BIZ UDP明朝 Medium" panose="02020500000000000000" pitchFamily="18" charset="-128"/>
               </a:rPr>
               <a:t>について</a:t>
             </a:r>
-            <a:endParaRPr kumimoji="1" lang="en-US" altLang="ja-JP" sz="3200" b="1" u="sng" dirty="0">
+            <a:endParaRPr kumimoji="1" lang="en-US" altLang="ja-JP" b="1" u="sng" dirty="0">
               <a:latin typeface="BIZ UDP明朝 Medium" panose="02020500000000000000" pitchFamily="18" charset="-128"/>
               <a:ea typeface="BIZ UDP明朝 Medium" panose="02020500000000000000" pitchFamily="18" charset="-128"/>
             </a:endParaRPr>
@@ -9401,20 +8891,20 @@
               <a:buChar char="Ø"/>
             </a:pPr>
             <a:r>
-              <a:rPr lang="en-US" altLang="ja-JP" sz="3200" b="1" u="sng" dirty="0">
+              <a:rPr lang="en-US" altLang="ja-JP" b="1" u="sng" dirty="0">
                 <a:latin typeface="BIZ UDP明朝 Medium" panose="02020500000000000000" pitchFamily="18" charset="-128"/>
                 <a:ea typeface="BIZ UDP明朝 Medium" panose="02020500000000000000" pitchFamily="18" charset="-128"/>
               </a:rPr>
               <a:t>FLIFRE</a:t>
             </a:r>
             <a:r>
-              <a:rPr lang="ja-JP" altLang="en-US" sz="3200" b="1" u="sng" dirty="0">
+              <a:rPr lang="ja-JP" altLang="en-US" b="1" u="sng" dirty="0">
                 <a:latin typeface="BIZ UDP明朝 Medium" panose="02020500000000000000" pitchFamily="18" charset="-128"/>
                 <a:ea typeface="BIZ UDP明朝 Medium" panose="02020500000000000000" pitchFamily="18" charset="-128"/>
               </a:rPr>
               <a:t>の開発背景</a:t>
             </a:r>
-            <a:endParaRPr kumimoji="1" lang="en-US" altLang="ja-JP" sz="3200" b="1" u="sng" dirty="0">
+            <a:endParaRPr kumimoji="1" lang="en-US" altLang="ja-JP" b="1" u="sng" dirty="0">
               <a:latin typeface="BIZ UDP明朝 Medium" panose="02020500000000000000" pitchFamily="18" charset="-128"/>
               <a:ea typeface="BIZ UDP明朝 Medium" panose="02020500000000000000" pitchFamily="18" charset="-128"/>
             </a:endParaRPr>
@@ -9425,13 +8915,13 @@
               <a:buChar char="Ø"/>
             </a:pPr>
             <a:r>
-              <a:rPr lang="ja-JP" altLang="en-US" sz="3200" b="1" u="sng" dirty="0">
+              <a:rPr lang="ja-JP" altLang="en-US" b="1" u="sng" dirty="0">
                 <a:latin typeface="BIZ UDP明朝 Medium" panose="02020500000000000000" pitchFamily="18" charset="-128"/>
                 <a:ea typeface="BIZ UDP明朝 Medium" panose="02020500000000000000" pitchFamily="18" charset="-128"/>
               </a:rPr>
               <a:t>機能説明</a:t>
             </a:r>
-            <a:endParaRPr lang="en-US" altLang="ja-JP" sz="3200" b="1" u="sng" dirty="0">
+            <a:endParaRPr lang="en-US" altLang="ja-JP" b="1" u="sng" dirty="0">
               <a:latin typeface="BIZ UDP明朝 Medium" panose="02020500000000000000" pitchFamily="18" charset="-128"/>
               <a:ea typeface="BIZ UDP明朝 Medium" panose="02020500000000000000" pitchFamily="18" charset="-128"/>
             </a:endParaRPr>
@@ -9442,7 +8932,7 @@
               <a:buChar char="Ø"/>
             </a:pPr>
             <a:r>
-              <a:rPr kumimoji="1" lang="ja-JP" altLang="en-US" sz="3200" b="1" u="sng" dirty="0">
+              <a:rPr kumimoji="1" lang="ja-JP" altLang="en-US" b="1" u="sng" dirty="0">
                 <a:latin typeface="BIZ UDP明朝 Medium" panose="02020500000000000000" pitchFamily="18" charset="-128"/>
                 <a:ea typeface="BIZ UDP明朝 Medium" panose="02020500000000000000" pitchFamily="18" charset="-128"/>
               </a:rPr>
@@ -10145,13 +9635,13 @@
         </p:nvSpPr>
         <p:spPr>
           <a:xfrm>
-            <a:off x="904460" y="1865381"/>
-            <a:ext cx="10515600" cy="4351338"/>
+            <a:off x="1284288" y="1840109"/>
+            <a:ext cx="9815121" cy="4351338"/>
           </a:xfrm>
         </p:spPr>
         <p:txBody>
           <a:bodyPr>
-            <a:normAutofit fontScale="92500"/>
+            <a:normAutofit lnSpcReduction="10000"/>
           </a:bodyPr>
           <a:lstStyle/>
           <a:p>
@@ -10176,55 +9666,55 @@
               <a:buNone/>
             </a:pPr>
             <a:r>
-              <a:rPr kumimoji="1" lang="en-US" altLang="ja-JP" dirty="0">
+              <a:rPr kumimoji="1" lang="en-US" altLang="ja-JP" sz="2600" dirty="0">
                 <a:latin typeface="BIZ UDP明朝 Medium" panose="02020500000000000000" pitchFamily="18" charset="-128"/>
                 <a:ea typeface="BIZ UDP明朝 Medium" panose="02020500000000000000" pitchFamily="18" charset="-128"/>
               </a:rPr>
               <a:t>Netflix</a:t>
             </a:r>
             <a:r>
-              <a:rPr kumimoji="1" lang="ja-JP" altLang="en-US" dirty="0">
+              <a:rPr kumimoji="1" lang="ja-JP" altLang="en-US" sz="2600" dirty="0">
                 <a:latin typeface="BIZ UDP明朝 Medium" panose="02020500000000000000" pitchFamily="18" charset="-128"/>
                 <a:ea typeface="BIZ UDP明朝 Medium" panose="02020500000000000000" pitchFamily="18" charset="-128"/>
               </a:rPr>
               <a:t>のヘビーユーザー</a:t>
             </a:r>
             <a:r>
-              <a:rPr kumimoji="1" lang="en-US" altLang="ja-JP" dirty="0">
+              <a:rPr kumimoji="1" lang="en-US" altLang="ja-JP" sz="2600" dirty="0">
                 <a:latin typeface="BIZ UDP明朝 Medium" panose="02020500000000000000" pitchFamily="18" charset="-128"/>
                 <a:ea typeface="BIZ UDP明朝 Medium" panose="02020500000000000000" pitchFamily="18" charset="-128"/>
               </a:rPr>
               <a:t>(</a:t>
             </a:r>
             <a:r>
-              <a:rPr kumimoji="1" lang="ja-JP" altLang="en-US" dirty="0">
+              <a:rPr kumimoji="1" lang="ja-JP" altLang="en-US" sz="2600" dirty="0">
                 <a:latin typeface="BIZ UDP明朝 Medium" panose="02020500000000000000" pitchFamily="18" charset="-128"/>
                 <a:ea typeface="BIZ UDP明朝 Medium" panose="02020500000000000000" pitchFamily="18" charset="-128"/>
               </a:rPr>
               <a:t>特に</a:t>
             </a:r>
             <a:r>
-              <a:rPr kumimoji="1" lang="en-US" altLang="ja-JP" dirty="0">
+              <a:rPr kumimoji="1" lang="en-US" altLang="ja-JP" sz="2600" dirty="0">
                 <a:latin typeface="BIZ UDP明朝 Medium" panose="02020500000000000000" pitchFamily="18" charset="-128"/>
                 <a:ea typeface="BIZ UDP明朝 Medium" panose="02020500000000000000" pitchFamily="18" charset="-128"/>
               </a:rPr>
               <a:t>20</a:t>
             </a:r>
             <a:r>
-              <a:rPr kumimoji="1" lang="ja-JP" altLang="en-US" dirty="0">
+              <a:rPr kumimoji="1" lang="ja-JP" altLang="en-US" sz="2600" dirty="0">
                 <a:latin typeface="BIZ UDP明朝 Medium" panose="02020500000000000000" pitchFamily="18" charset="-128"/>
                 <a:ea typeface="BIZ UDP明朝 Medium" panose="02020500000000000000" pitchFamily="18" charset="-128"/>
               </a:rPr>
               <a:t>代の若年層</a:t>
             </a:r>
             <a:r>
-              <a:rPr lang="ja-JP" altLang="en-US" dirty="0">
+              <a:rPr lang="ja-JP" altLang="en-US" sz="2600" dirty="0">
                 <a:latin typeface="BIZ UDP明朝 Medium" panose="02020500000000000000" pitchFamily="18" charset="-128"/>
                 <a:ea typeface="BIZ UDP明朝 Medium" panose="02020500000000000000" pitchFamily="18" charset="-128"/>
               </a:rPr>
               <a:t>）</a:t>
             </a:r>
-            <a:endParaRPr lang="en-US" altLang="ja-JP" dirty="0">
+            <a:endParaRPr lang="en-US" altLang="ja-JP" sz="2600" dirty="0">
               <a:latin typeface="BIZ UDP明朝 Medium" panose="02020500000000000000" pitchFamily="18" charset="-128"/>
               <a:ea typeface="BIZ UDP明朝 Medium" panose="02020500000000000000" pitchFamily="18" charset="-128"/>
             </a:endParaRPr>
@@ -10234,28 +9724,28 @@
               <a:buNone/>
             </a:pPr>
             <a:r>
-              <a:rPr kumimoji="1" lang="ja-JP" altLang="en-US" dirty="0">
+              <a:rPr kumimoji="1" lang="ja-JP" altLang="en-US" sz="2600" dirty="0">
                 <a:latin typeface="BIZ UDP明朝 Medium" panose="02020500000000000000" pitchFamily="18" charset="-128"/>
                 <a:ea typeface="BIZ UDP明朝 Medium" panose="02020500000000000000" pitchFamily="18" charset="-128"/>
               </a:rPr>
               <a:t>→</a:t>
             </a:r>
             <a:r>
-              <a:rPr kumimoji="1" lang="en-US" altLang="ja-JP" dirty="0">
+              <a:rPr kumimoji="1" lang="en-US" altLang="ja-JP" sz="2600" dirty="0">
                 <a:latin typeface="BIZ UDP明朝 Medium" panose="02020500000000000000" pitchFamily="18" charset="-128"/>
                 <a:ea typeface="BIZ UDP明朝 Medium" panose="02020500000000000000" pitchFamily="18" charset="-128"/>
               </a:rPr>
               <a:t>FLIFRE</a:t>
             </a:r>
             <a:r>
-              <a:rPr kumimoji="1" lang="ja-JP" altLang="en-US" dirty="0">
+              <a:rPr kumimoji="1" lang="ja-JP" altLang="en-US" sz="2600" dirty="0">
                 <a:latin typeface="BIZ UDP明朝 Medium" panose="02020500000000000000" pitchFamily="18" charset="-128"/>
                 <a:ea typeface="BIZ UDP明朝 Medium" panose="02020500000000000000" pitchFamily="18" charset="-128"/>
               </a:rPr>
               <a:t>は「</a:t>
             </a:r>
             <a:r>
-              <a:rPr kumimoji="1" lang="en-US" altLang="ja-JP" dirty="0">
+              <a:rPr kumimoji="1" lang="en-US" altLang="ja-JP" sz="2600" dirty="0">
                 <a:solidFill>
                   <a:srgbClr val="FF0000"/>
                 </a:solidFill>
@@ -10265,14 +9755,14 @@
               <a:t>Netflix</a:t>
             </a:r>
             <a:r>
-              <a:rPr kumimoji="1" lang="en-US" altLang="ja-JP" dirty="0">
+              <a:rPr kumimoji="1" lang="en-US" altLang="ja-JP" sz="2600" dirty="0">
                 <a:latin typeface="BIZ UDP明朝 Medium" panose="02020500000000000000" pitchFamily="18" charset="-128"/>
                 <a:ea typeface="BIZ UDP明朝 Medium" panose="02020500000000000000" pitchFamily="18" charset="-128"/>
               </a:rPr>
               <a:t> </a:t>
             </a:r>
             <a:r>
-              <a:rPr kumimoji="1" lang="en-US" altLang="ja-JP" dirty="0">
+              <a:rPr kumimoji="1" lang="en-US" altLang="ja-JP" sz="2600" dirty="0">
                 <a:solidFill>
                   <a:srgbClr val="FF0000"/>
                 </a:solidFill>
@@ -10282,34 +9772,34 @@
               <a:t>freak</a:t>
             </a:r>
             <a:r>
-              <a:rPr kumimoji="1" lang="en-US" altLang="ja-JP" dirty="0">
+              <a:rPr kumimoji="1" lang="en-US" altLang="ja-JP" sz="2600" dirty="0">
                 <a:latin typeface="BIZ UDP明朝 Medium" panose="02020500000000000000" pitchFamily="18" charset="-128"/>
                 <a:ea typeface="BIZ UDP明朝 Medium" panose="02020500000000000000" pitchFamily="18" charset="-128"/>
               </a:rPr>
               <a:t>(Netflix </a:t>
             </a:r>
             <a:r>
-              <a:rPr kumimoji="1" lang="ja-JP" altLang="en-US" dirty="0">
+              <a:rPr kumimoji="1" lang="ja-JP" altLang="en-US" sz="2600" dirty="0">
                 <a:latin typeface="BIZ UDP明朝 Medium" panose="02020500000000000000" pitchFamily="18" charset="-128"/>
                 <a:ea typeface="BIZ UDP明朝 Medium" panose="02020500000000000000" pitchFamily="18" charset="-128"/>
               </a:rPr>
               <a:t>愛好家</a:t>
             </a:r>
             <a:r>
-              <a:rPr kumimoji="1" lang="en-US" altLang="ja-JP" dirty="0">
+              <a:rPr kumimoji="1" lang="en-US" altLang="ja-JP" sz="2600" dirty="0">
                 <a:latin typeface="BIZ UDP明朝 Medium" panose="02020500000000000000" pitchFamily="18" charset="-128"/>
                 <a:ea typeface="BIZ UDP明朝 Medium" panose="02020500000000000000" pitchFamily="18" charset="-128"/>
               </a:rPr>
               <a:t>)</a:t>
             </a:r>
             <a:r>
-              <a:rPr kumimoji="1" lang="ja-JP" altLang="en-US" dirty="0">
+              <a:rPr kumimoji="1" lang="ja-JP" altLang="en-US" sz="2600" dirty="0">
                 <a:latin typeface="BIZ UDP明朝 Medium" panose="02020500000000000000" pitchFamily="18" charset="-128"/>
                 <a:ea typeface="BIZ UDP明朝 Medium" panose="02020500000000000000" pitchFamily="18" charset="-128"/>
               </a:rPr>
               <a:t>」という造語の略称</a:t>
             </a:r>
-            <a:endParaRPr kumimoji="1" lang="en-US" altLang="ja-JP" dirty="0">
+            <a:endParaRPr kumimoji="1" lang="en-US" altLang="ja-JP" sz="2600" dirty="0">
               <a:latin typeface="BIZ UDP明朝 Medium" panose="02020500000000000000" pitchFamily="18" charset="-128"/>
               <a:ea typeface="BIZ UDP明朝 Medium" panose="02020500000000000000" pitchFamily="18" charset="-128"/>
             </a:endParaRPr>
@@ -10353,13 +9843,13 @@
               <a:buAutoNum type="circleNumDbPlain"/>
             </a:pPr>
             <a:r>
-              <a:rPr kumimoji="1" lang="ja-JP" altLang="en-US" dirty="0">
+              <a:rPr kumimoji="1" lang="ja-JP" altLang="en-US" sz="2600" dirty="0">
                 <a:latin typeface="BIZ UDP明朝 Medium" panose="02020500000000000000" pitchFamily="18" charset="-128"/>
                 <a:ea typeface="BIZ UDP明朝 Medium" panose="02020500000000000000" pitchFamily="18" charset="-128"/>
               </a:rPr>
               <a:t>見たいジャンルに迷ったときのルーレット機能</a:t>
             </a:r>
-            <a:endParaRPr kumimoji="1" lang="en-US" altLang="ja-JP" dirty="0">
+            <a:endParaRPr kumimoji="1" lang="en-US" altLang="ja-JP" sz="2600" dirty="0">
               <a:latin typeface="BIZ UDP明朝 Medium" panose="02020500000000000000" pitchFamily="18" charset="-128"/>
               <a:ea typeface="BIZ UDP明朝 Medium" panose="02020500000000000000" pitchFamily="18" charset="-128"/>
             </a:endParaRPr>
@@ -10370,20 +9860,20 @@
               <a:buAutoNum type="circleNumDbPlain"/>
             </a:pPr>
             <a:r>
-              <a:rPr kumimoji="1" lang="en-US" altLang="ja-JP" dirty="0">
+              <a:rPr kumimoji="1" lang="en-US" altLang="ja-JP" sz="2600" dirty="0">
                 <a:latin typeface="BIZ UDP明朝 Medium" panose="02020500000000000000" pitchFamily="18" charset="-128"/>
                 <a:ea typeface="BIZ UDP明朝 Medium" panose="02020500000000000000" pitchFamily="18" charset="-128"/>
               </a:rPr>
               <a:t>FLIFRE</a:t>
             </a:r>
             <a:r>
-              <a:rPr kumimoji="1" lang="ja-JP" altLang="en-US" dirty="0">
+              <a:rPr kumimoji="1" lang="ja-JP" altLang="en-US" sz="2600" dirty="0">
                 <a:latin typeface="BIZ UDP明朝 Medium" panose="02020500000000000000" pitchFamily="18" charset="-128"/>
                 <a:ea typeface="BIZ UDP明朝 Medium" panose="02020500000000000000" pitchFamily="18" charset="-128"/>
               </a:rPr>
               <a:t>ユーザーによるレビューを共有する機能</a:t>
             </a:r>
-            <a:endParaRPr kumimoji="1" lang="en-US" altLang="ja-JP" dirty="0">
+            <a:endParaRPr kumimoji="1" lang="en-US" altLang="ja-JP" sz="2600" dirty="0">
               <a:latin typeface="BIZ UDP明朝 Medium" panose="02020500000000000000" pitchFamily="18" charset="-128"/>
               <a:ea typeface="BIZ UDP明朝 Medium" panose="02020500000000000000" pitchFamily="18" charset="-128"/>
             </a:endParaRPr>
@@ -10393,28 +9883,28 @@
               <a:buNone/>
             </a:pPr>
             <a:r>
-              <a:rPr kumimoji="1" lang="ja-JP" altLang="en-US" dirty="0">
+              <a:rPr kumimoji="1" lang="ja-JP" altLang="en-US" sz="2600" dirty="0">
                 <a:latin typeface="BIZ UDP明朝 Medium" panose="02020500000000000000" pitchFamily="18" charset="-128"/>
                 <a:ea typeface="BIZ UDP明朝 Medium" panose="02020500000000000000" pitchFamily="18" charset="-128"/>
               </a:rPr>
               <a:t>→まだ見ぬ作品を見つける架け橋となりうる”</a:t>
             </a:r>
             <a:r>
-              <a:rPr kumimoji="1" lang="en-US" altLang="ja-JP" dirty="0">
+              <a:rPr kumimoji="1" lang="en-US" altLang="ja-JP" sz="2600" dirty="0">
                 <a:latin typeface="BIZ UDP明朝 Medium" panose="02020500000000000000" pitchFamily="18" charset="-128"/>
                 <a:ea typeface="BIZ UDP明朝 Medium" panose="02020500000000000000" pitchFamily="18" charset="-128"/>
               </a:rPr>
               <a:t>Netflix</a:t>
             </a:r>
             <a:r>
-              <a:rPr kumimoji="1" lang="ja-JP" altLang="en-US" dirty="0">
+              <a:rPr kumimoji="1" lang="ja-JP" altLang="en-US" sz="2600" dirty="0">
                 <a:latin typeface="BIZ UDP明朝 Medium" panose="02020500000000000000" pitchFamily="18" charset="-128"/>
                 <a:ea typeface="BIZ UDP明朝 Medium" panose="02020500000000000000" pitchFamily="18" charset="-128"/>
               </a:rPr>
               <a:t>版</a:t>
             </a:r>
             <a:r>
-              <a:rPr kumimoji="1" lang="en-US" altLang="ja-JP" dirty="0">
+              <a:rPr kumimoji="1" lang="en-US" altLang="ja-JP" sz="2600" dirty="0">
                 <a:latin typeface="BIZ UDP明朝 Medium" panose="02020500000000000000" pitchFamily="18" charset="-128"/>
                 <a:ea typeface="BIZ UDP明朝 Medium" panose="02020500000000000000" pitchFamily="18" charset="-128"/>
               </a:rPr>
@@ -10426,7 +9916,7 @@
               <a:buNone/>
             </a:pPr>
             <a:r>
-              <a:rPr kumimoji="1" lang="ja-JP" altLang="en-US" dirty="0">
+              <a:rPr kumimoji="1" lang="ja-JP" altLang="en-US" sz="2600" dirty="0">
                 <a:latin typeface="BIZ UDP明朝 Medium" panose="02020500000000000000" pitchFamily="18" charset="-128"/>
                 <a:ea typeface="BIZ UDP明朝 Medium" panose="02020500000000000000" pitchFamily="18" charset="-128"/>
               </a:rPr>
@@ -10583,7 +10073,7 @@
         </p:nvSpPr>
         <p:spPr>
           <a:xfrm>
-            <a:off x="5767811" y="390766"/>
+            <a:off x="5627131" y="390766"/>
             <a:ext cx="3466310" cy="1325563"/>
           </a:xfrm>
         </p:spPr>
@@ -10629,13 +10119,13 @@
         </p:nvSpPr>
         <p:spPr>
           <a:xfrm>
-            <a:off x="864704" y="2028651"/>
+            <a:off x="993913" y="2350399"/>
             <a:ext cx="10515600" cy="3775801"/>
           </a:xfrm>
         </p:spPr>
         <p:txBody>
           <a:bodyPr>
-            <a:normAutofit fontScale="92500"/>
+            <a:normAutofit/>
           </a:bodyPr>
           <a:lstStyle/>
           <a:p>
@@ -10662,7 +10152,7 @@
                 <a:latin typeface="BIZ UDP明朝 Medium" panose="02020500000000000000" pitchFamily="18" charset="-128"/>
                 <a:ea typeface="BIZ UDP明朝 Medium" panose="02020500000000000000" pitchFamily="18" charset="-128"/>
               </a:rPr>
-              <a:t>家での活動時間が増えた影響で、サブスクリプションサービスを利用する人が増えた</a:t>
+              <a:t>家での活動時間が増えた影響で、</a:t>
             </a:r>
             <a:endParaRPr kumimoji="1" lang="en-US" altLang="ja-JP" b="1" u="sng" dirty="0">
               <a:latin typeface="BIZ UDP明朝 Medium" panose="02020500000000000000" pitchFamily="18" charset="-128"/>
@@ -10674,102 +10164,78 @@
               <a:buNone/>
             </a:pPr>
             <a:r>
-              <a:rPr lang="ja-JP" altLang="en-US" dirty="0">
+              <a:rPr lang="ja-JP" altLang="en-US" b="1" dirty="0">
                 <a:latin typeface="BIZ UDP明朝 Medium" panose="02020500000000000000" pitchFamily="18" charset="-128"/>
                 <a:ea typeface="BIZ UDP明朝 Medium" panose="02020500000000000000" pitchFamily="18" charset="-128"/>
               </a:rPr>
-              <a:t>→</a:t>
-            </a:r>
-            <a:r>
-              <a:rPr lang="en-US" altLang="ja-JP" dirty="0">
+              <a:t>　</a:t>
+            </a:r>
+            <a:r>
+              <a:rPr kumimoji="1" lang="ja-JP" altLang="en-US" b="1" u="sng" dirty="0">
                 <a:latin typeface="BIZ UDP明朝 Medium" panose="02020500000000000000" pitchFamily="18" charset="-128"/>
                 <a:ea typeface="BIZ UDP明朝 Medium" panose="02020500000000000000" pitchFamily="18" charset="-128"/>
               </a:rPr>
-              <a:t>Netflix</a:t>
-            </a:r>
-            <a:r>
-              <a:rPr lang="ja-JP" altLang="en-US" dirty="0">
-                <a:latin typeface="BIZ UDP明朝 Medium" panose="02020500000000000000" pitchFamily="18" charset="-128"/>
-                <a:ea typeface="BIZ UDP明朝 Medium" panose="02020500000000000000" pitchFamily="18" charset="-128"/>
-              </a:rPr>
-              <a:t>はアマゾンプライムの次に会員数が多い</a:t>
-            </a:r>
-            <a:r>
-              <a:rPr lang="en-US" altLang="ja-JP" dirty="0">
-                <a:latin typeface="BIZ UDP明朝 Medium" panose="02020500000000000000" pitchFamily="18" charset="-128"/>
-                <a:ea typeface="BIZ UDP明朝 Medium" panose="02020500000000000000" pitchFamily="18" charset="-128"/>
-              </a:rPr>
-              <a:t>(</a:t>
-            </a:r>
-            <a:r>
-              <a:rPr lang="ja-JP" altLang="en-US" dirty="0">
-                <a:latin typeface="BIZ UDP明朝 Medium" panose="02020500000000000000" pitchFamily="18" charset="-128"/>
-                <a:ea typeface="BIZ UDP明朝 Medium" panose="02020500000000000000" pitchFamily="18" charset="-128"/>
-              </a:rPr>
-              <a:t>国内で</a:t>
-            </a:r>
-            <a:r>
-              <a:rPr lang="en-US" altLang="ja-JP" dirty="0">
-                <a:latin typeface="BIZ UDP明朝 Medium" panose="02020500000000000000" pitchFamily="18" charset="-128"/>
-                <a:ea typeface="BIZ UDP明朝 Medium" panose="02020500000000000000" pitchFamily="18" charset="-128"/>
-              </a:rPr>
-              <a:t>600</a:t>
-            </a:r>
-            <a:r>
-              <a:rPr lang="ja-JP" altLang="en-US" dirty="0">
-                <a:latin typeface="BIZ UDP明朝 Medium" panose="02020500000000000000" pitchFamily="18" charset="-128"/>
-                <a:ea typeface="BIZ UDP明朝 Medium" panose="02020500000000000000" pitchFamily="18" charset="-128"/>
-              </a:rPr>
-              <a:t>万人</a:t>
-            </a:r>
-            <a:r>
-              <a:rPr lang="en-US" altLang="ja-JP" dirty="0">
-                <a:latin typeface="BIZ UDP明朝 Medium" panose="02020500000000000000" pitchFamily="18" charset="-128"/>
-                <a:ea typeface="BIZ UDP明朝 Medium" panose="02020500000000000000" pitchFamily="18" charset="-128"/>
-              </a:rPr>
-              <a:t>)</a:t>
-            </a:r>
+              <a:t>サブスクリプションサービスを利用する人が増えた</a:t>
+            </a:r>
+            <a:endParaRPr kumimoji="1" lang="en-US" altLang="ja-JP" b="1" u="sng" dirty="0">
+              <a:latin typeface="BIZ UDP明朝 Medium" panose="02020500000000000000" pitchFamily="18" charset="-128"/>
+              <a:ea typeface="BIZ UDP明朝 Medium" panose="02020500000000000000" pitchFamily="18" charset="-128"/>
+            </a:endParaRPr>
           </a:p>
           <a:p>
             <a:pPr marL="0" indent="0">
               <a:buNone/>
             </a:pPr>
             <a:r>
-              <a:rPr kumimoji="1" lang="ja-JP" altLang="en-US" dirty="0">
+              <a:rPr lang="ja-JP" altLang="en-US" sz="2400" dirty="0">
                 <a:latin typeface="BIZ UDP明朝 Medium" panose="02020500000000000000" pitchFamily="18" charset="-128"/>
                 <a:ea typeface="BIZ UDP明朝 Medium" panose="02020500000000000000" pitchFamily="18" charset="-128"/>
               </a:rPr>
-              <a:t>　そして</a:t>
-            </a:r>
-            <a:r>
-              <a:rPr kumimoji="1" lang="en-US" altLang="ja-JP" dirty="0">
+              <a:t>→</a:t>
+            </a:r>
+            <a:r>
+              <a:rPr lang="en-US" altLang="ja-JP" sz="2400" dirty="0">
                 <a:latin typeface="BIZ UDP明朝 Medium" panose="02020500000000000000" pitchFamily="18" charset="-128"/>
                 <a:ea typeface="BIZ UDP明朝 Medium" panose="02020500000000000000" pitchFamily="18" charset="-128"/>
               </a:rPr>
-              <a:t>20</a:t>
-            </a:r>
-            <a:r>
-              <a:rPr kumimoji="1" lang="ja-JP" altLang="en-US" dirty="0">
+              <a:t>Netflix</a:t>
+            </a:r>
+            <a:r>
+              <a:rPr lang="ja-JP" altLang="en-US" sz="2400" dirty="0">
                 <a:latin typeface="BIZ UDP明朝 Medium" panose="02020500000000000000" pitchFamily="18" charset="-128"/>
                 <a:ea typeface="BIZ UDP明朝 Medium" panose="02020500000000000000" pitchFamily="18" charset="-128"/>
               </a:rPr>
-              <a:t>代の利用者が全体の約</a:t>
-            </a:r>
-            <a:r>
-              <a:rPr kumimoji="1" lang="en-US" altLang="ja-JP" dirty="0">
+              <a:t>では</a:t>
+            </a:r>
+            <a:r>
+              <a:rPr kumimoji="1" lang="en-US" altLang="ja-JP" sz="2400" dirty="0">
                 <a:latin typeface="BIZ UDP明朝 Medium" panose="02020500000000000000" pitchFamily="18" charset="-128"/>
                 <a:ea typeface="BIZ UDP明朝 Medium" panose="02020500000000000000" pitchFamily="18" charset="-128"/>
               </a:rPr>
-              <a:t>4</a:t>
-            </a:r>
-            <a:r>
-              <a:rPr kumimoji="1" lang="ja-JP" altLang="en-US" dirty="0">
+              <a:t>20</a:t>
+            </a:r>
+            <a:r>
+              <a:rPr kumimoji="1" lang="ja-JP" altLang="en-US" sz="2400" dirty="0">
                 <a:latin typeface="BIZ UDP明朝 Medium" panose="02020500000000000000" pitchFamily="18" charset="-128"/>
                 <a:ea typeface="BIZ UDP明朝 Medium" panose="02020500000000000000" pitchFamily="18" charset="-128"/>
               </a:rPr>
+              <a:t>代の利用者が全体の約</a:t>
+            </a:r>
+            <a:r>
+              <a:rPr kumimoji="1" lang="en-US" altLang="ja-JP" sz="2400" dirty="0">
+                <a:latin typeface="BIZ UDP明朝 Medium" panose="02020500000000000000" pitchFamily="18" charset="-128"/>
+                <a:ea typeface="BIZ UDP明朝 Medium" panose="02020500000000000000" pitchFamily="18" charset="-128"/>
+              </a:rPr>
+              <a:t>4</a:t>
+            </a:r>
+            <a:r>
+              <a:rPr kumimoji="1" lang="ja-JP" altLang="en-US" sz="2400" dirty="0">
+                <a:latin typeface="BIZ UDP明朝 Medium" panose="02020500000000000000" pitchFamily="18" charset="-128"/>
+                <a:ea typeface="BIZ UDP明朝 Medium" panose="02020500000000000000" pitchFamily="18" charset="-128"/>
+              </a:rPr>
               <a:t>割を占める</a:t>
             </a:r>
-            <a:endParaRPr kumimoji="1" lang="en-US" altLang="ja-JP" dirty="0">
+            <a:endParaRPr kumimoji="1" lang="en-US" altLang="ja-JP" sz="2400" dirty="0">
               <a:latin typeface="BIZ UDP明朝 Medium" panose="02020500000000000000" pitchFamily="18" charset="-128"/>
               <a:ea typeface="BIZ UDP明朝 Medium" panose="02020500000000000000" pitchFamily="18" charset="-128"/>
             </a:endParaRPr>
@@ -10819,48 +10285,25 @@
               <a:buNone/>
             </a:pPr>
             <a:r>
-              <a:rPr lang="ja-JP" altLang="en-US" dirty="0">
+              <a:rPr lang="ja-JP" altLang="en-US" sz="2400" dirty="0">
                 <a:latin typeface="BIZ UDP明朝 Medium" panose="02020500000000000000" pitchFamily="18" charset="-128"/>
                 <a:ea typeface="BIZ UDP明朝 Medium" panose="02020500000000000000" pitchFamily="18" charset="-128"/>
               </a:rPr>
               <a:t>→</a:t>
             </a:r>
             <a:r>
-              <a:rPr kumimoji="1" lang="en-US" altLang="ja-JP" dirty="0">
+              <a:rPr kumimoji="1" lang="en-US" altLang="ja-JP" sz="2400" dirty="0">
                 <a:latin typeface="BIZ UDP明朝 Medium" panose="02020500000000000000" pitchFamily="18" charset="-128"/>
                 <a:ea typeface="BIZ UDP明朝 Medium" panose="02020500000000000000" pitchFamily="18" charset="-128"/>
               </a:rPr>
               <a:t>FLIFRE</a:t>
             </a:r>
             <a:r>
-              <a:rPr kumimoji="1" lang="ja-JP" altLang="en-US" dirty="0">
+              <a:rPr kumimoji="1" lang="ja-JP" altLang="en-US" sz="2400" dirty="0">
                 <a:latin typeface="BIZ UDP明朝 Medium" panose="02020500000000000000" pitchFamily="18" charset="-128"/>
                 <a:ea typeface="BIZ UDP明朝 Medium" panose="02020500000000000000" pitchFamily="18" charset="-128"/>
               </a:rPr>
-              <a:t>を介して作品の評価をユーザー間で共有できるようにして</a:t>
-            </a:r>
-            <a:endParaRPr kumimoji="1" lang="en-US" altLang="ja-JP" dirty="0">
-              <a:latin typeface="BIZ UDP明朝 Medium" panose="02020500000000000000" pitchFamily="18" charset="-128"/>
-              <a:ea typeface="BIZ UDP明朝 Medium" panose="02020500000000000000" pitchFamily="18" charset="-128"/>
-            </a:endParaRPr>
-          </a:p>
-          <a:p>
-            <a:pPr marL="0" indent="0">
-              <a:buNone/>
-            </a:pPr>
-            <a:r>
-              <a:rPr lang="ja-JP" altLang="en-US" dirty="0">
-                <a:latin typeface="BIZ UDP明朝 Medium" panose="02020500000000000000" pitchFamily="18" charset="-128"/>
-                <a:ea typeface="BIZ UDP明朝 Medium" panose="02020500000000000000" pitchFamily="18" charset="-128"/>
-              </a:rPr>
-              <a:t>　</a:t>
-            </a:r>
-            <a:r>
-              <a:rPr kumimoji="1" lang="ja-JP" altLang="en-US" dirty="0">
-                <a:latin typeface="BIZ UDP明朝 Medium" panose="02020500000000000000" pitchFamily="18" charset="-128"/>
-                <a:ea typeface="BIZ UDP明朝 Medium" panose="02020500000000000000" pitchFamily="18" charset="-128"/>
-              </a:rPr>
-              <a:t>もらおう！</a:t>
+              <a:t>を介して作品の評価をユーザー間で共有できるようにしてもらおう！</a:t>
             </a:r>
           </a:p>
           <a:p>
@@ -10899,8 +10342,127 @@
         </p:blipFill>
         <p:spPr>
           <a:xfrm>
-            <a:off x="3481811" y="520148"/>
+            <a:off x="3411471" y="520148"/>
             <a:ext cx="2286000" cy="1066800"/>
+          </a:xfrm>
+          <a:prstGeom prst="rect">
+            <a:avLst/>
+          </a:prstGeom>
+        </p:spPr>
+      </p:pic>
+      <p:pic>
+        <p:nvPicPr>
+          <p:cNvPr id="7" name="図 6" descr="軟体動物, 動物, 座る, テーブル が含まれている画像&#10;&#10;自動的に生成された説明">
+            <a:extLst>
+              <a:ext uri="{FF2B5EF4-FFF2-40B4-BE49-F238E27FC236}">
+                <a16:creationId xmlns:a16="http://schemas.microsoft.com/office/drawing/2014/main" id="{1F61ADC1-0A3F-2EB6-AA4D-BEBE3D794F01}"/>
+              </a:ext>
+            </a:extLst>
+          </p:cNvPr>
+          <p:cNvPicPr>
+            <a:picLocks noChangeAspect="1"/>
+          </p:cNvPicPr>
+          <p:nvPr/>
+        </p:nvPicPr>
+        <p:blipFill>
+          <a:blip r:embed="rId3">
+            <a:extLst>
+              <a:ext uri="{28A0092B-C50C-407E-A947-70E740481C1C}">
+                <a14:useLocalDpi xmlns:a14="http://schemas.microsoft.com/office/drawing/2010/main" val="0"/>
+              </a:ext>
+            </a:extLst>
+          </a:blip>
+          <a:stretch>
+            <a:fillRect/>
+          </a:stretch>
+        </p:blipFill>
+        <p:spPr>
+          <a:xfrm>
+            <a:off x="9229989" y="1496393"/>
+            <a:ext cx="1164535" cy="1036627"/>
+          </a:xfrm>
+          <a:prstGeom prst="rect">
+            <a:avLst/>
+          </a:prstGeom>
+        </p:spPr>
+      </p:pic>
+      <p:pic>
+        <p:nvPicPr>
+          <p:cNvPr id="2052" name="Picture 4">
+            <a:extLst>
+              <a:ext uri="{FF2B5EF4-FFF2-40B4-BE49-F238E27FC236}">
+                <a16:creationId xmlns:a16="http://schemas.microsoft.com/office/drawing/2014/main" id="{9840D959-441A-06CB-40EE-80D66D466987}"/>
+              </a:ext>
+            </a:extLst>
+          </p:cNvPr>
+          <p:cNvPicPr>
+            <a:picLocks noChangeAspect="1" noChangeArrowheads="1"/>
+          </p:cNvPicPr>
+          <p:nvPr/>
+        </p:nvPicPr>
+        <p:blipFill>
+          <a:blip r:embed="rId4">
+            <a:extLst>
+              <a:ext uri="{28A0092B-C50C-407E-A947-70E740481C1C}">
+                <a14:useLocalDpi xmlns:a14="http://schemas.microsoft.com/office/drawing/2010/main" val="0"/>
+              </a:ext>
+            </a:extLst>
+          </a:blip>
+          <a:srcRect/>
+          <a:stretch>
+            <a:fillRect/>
+          </a:stretch>
+        </p:blipFill>
+        <p:spPr bwMode="auto">
+          <a:xfrm>
+            <a:off x="9579070" y="520148"/>
+            <a:ext cx="1730031" cy="1275898"/>
+          </a:xfrm>
+          <a:prstGeom prst="rect">
+            <a:avLst/>
+          </a:prstGeom>
+          <a:noFill/>
+          <a:extLst>
+            <a:ext uri="{909E8E84-426E-40DD-AFC4-6F175D3DCCD1}">
+              <a14:hiddenFill xmlns:a14="http://schemas.microsoft.com/office/drawing/2010/main">
+                <a:solidFill>
+                  <a:srgbClr val="FFFFFF"/>
+                </a:solidFill>
+              </a14:hiddenFill>
+            </a:ext>
+          </a:extLst>
+        </p:spPr>
+      </p:pic>
+      <p:pic>
+        <p:nvPicPr>
+          <p:cNvPr id="9" name="図 8" descr="座る, ケーキ, 家具 が含まれている画像&#10;&#10;自動的に生成された説明">
+            <a:extLst>
+              <a:ext uri="{FF2B5EF4-FFF2-40B4-BE49-F238E27FC236}">
+                <a16:creationId xmlns:a16="http://schemas.microsoft.com/office/drawing/2014/main" id="{72D31E2A-AEF1-D997-5EF2-33F9FFDDE7A3}"/>
+              </a:ext>
+            </a:extLst>
+          </p:cNvPr>
+          <p:cNvPicPr>
+            <a:picLocks noChangeAspect="1"/>
+          </p:cNvPicPr>
+          <p:nvPr/>
+        </p:nvPicPr>
+        <p:blipFill>
+          <a:blip r:embed="rId5">
+            <a:extLst>
+              <a:ext uri="{28A0092B-C50C-407E-A947-70E740481C1C}">
+                <a14:useLocalDpi xmlns:a14="http://schemas.microsoft.com/office/drawing/2010/main" val="0"/>
+              </a:ext>
+            </a:extLst>
+          </a:blip>
+          <a:stretch>
+            <a:fillRect/>
+          </a:stretch>
+        </p:blipFill>
+        <p:spPr>
+          <a:xfrm>
+            <a:off x="10142948" y="831124"/>
+            <a:ext cx="602273" cy="607259"/>
           </a:xfrm>
           <a:prstGeom prst="rect">
             <a:avLst/>
@@ -11437,8 +10999,8 @@
         </p:nvSpPr>
         <p:spPr>
           <a:xfrm>
-            <a:off x="1524000" y="364995"/>
-            <a:ext cx="9144000" cy="1207354"/>
+            <a:off x="1524000" y="645988"/>
+            <a:ext cx="9144000" cy="812694"/>
           </a:xfrm>
           <a:prstGeom prst="rect">
             <a:avLst/>
@@ -11497,7 +11059,7 @@
         </p:nvSpPr>
         <p:spPr>
           <a:xfrm>
-            <a:off x="6339842" y="2684182"/>
+            <a:off x="6339842" y="2661194"/>
             <a:ext cx="4328161" cy="2177933"/>
           </a:xfrm>
           <a:prstGeom prst="rect">
@@ -11741,7 +11303,7 @@
           <p:nvPr/>
         </p:nvPicPr>
         <p:blipFill>
-          <a:blip r:embed="rId2">
+          <a:blip r:embed="rId3">
             <a:extLst>
               <a:ext uri="{28A0092B-C50C-407E-A947-70E740481C1C}">
                 <a14:useLocalDpi xmlns:a14="http://schemas.microsoft.com/office/drawing/2010/main" val="0"/>
@@ -11767,7 +11329,7 @@
           <p:cNvPr id="4" name="コンテンツ プレースホルダー 3">
             <a:extLst>
               <a:ext uri="{FF2B5EF4-FFF2-40B4-BE49-F238E27FC236}">
-                <a16:creationId xmlns:a16="http://schemas.microsoft.com/office/drawing/2014/main" id="{A86483B6-F4F7-8410-9BE7-563BD74B8D89}"/>
+                <a16:creationId xmlns:a16="http://schemas.microsoft.com/office/drawing/2014/main" id="{3317009D-04F5-FDC6-8514-2222B7D6AB4A}"/>
               </a:ext>
             </a:extLst>
           </p:cNvPr>
@@ -11926,7 +11488,7 @@
           <p:nvPr/>
         </p:nvPicPr>
         <p:blipFill>
-          <a:blip r:embed="rId2">
+          <a:blip r:embed="rId3">
             <a:extLst>
               <a:ext uri="{28A0092B-C50C-407E-A947-70E740481C1C}">
                 <a14:useLocalDpi xmlns:a14="http://schemas.microsoft.com/office/drawing/2010/main" val="0"/>
@@ -11952,7 +11514,7 @@
           <p:cNvPr id="5" name="コンテンツ プレースホルダー 4">
             <a:extLst>
               <a:ext uri="{FF2B5EF4-FFF2-40B4-BE49-F238E27FC236}">
-                <a16:creationId xmlns:a16="http://schemas.microsoft.com/office/drawing/2014/main" id="{67935347-0867-BDEA-2C95-88F3E3D8E752}"/>
+                <a16:creationId xmlns:a16="http://schemas.microsoft.com/office/drawing/2014/main" id="{615F1A47-612E-01C6-F12F-B79FD79AD9DE}"/>
               </a:ext>
             </a:extLst>
           </p:cNvPr>
@@ -12124,7 +11686,7 @@
           <p:nvPr/>
         </p:nvPicPr>
         <p:blipFill>
-          <a:blip r:embed="rId2">
+          <a:blip r:embed="rId3">
             <a:extLst>
               <a:ext uri="{28A0092B-C50C-407E-A947-70E740481C1C}">
                 <a14:useLocalDpi xmlns:a14="http://schemas.microsoft.com/office/drawing/2010/main" val="0"/>
@@ -12150,7 +11712,7 @@
           <p:cNvPr id="5" name="コンテンツ プレースホルダー 4">
             <a:extLst>
               <a:ext uri="{FF2B5EF4-FFF2-40B4-BE49-F238E27FC236}">
-                <a16:creationId xmlns:a16="http://schemas.microsoft.com/office/drawing/2014/main" id="{E278FDAB-F546-0566-A853-2E46920C63FF}"/>
+                <a16:creationId xmlns:a16="http://schemas.microsoft.com/office/drawing/2014/main" id="{79493A91-E7D0-04D2-3DF6-F59CBD820F2B}"/>
               </a:ext>
             </a:extLst>
           </p:cNvPr>
@@ -12302,7 +11864,7 @@
           <p:nvPr/>
         </p:nvPicPr>
         <p:blipFill>
-          <a:blip r:embed="rId2">
+          <a:blip r:embed="rId3">
             <a:extLst>
               <a:ext uri="{28A0092B-C50C-407E-A947-70E740481C1C}">
                 <a14:useLocalDpi xmlns:a14="http://schemas.microsoft.com/office/drawing/2010/main" val="0"/>
@@ -12328,7 +11890,7 @@
           <p:cNvPr id="4" name="コンテンツ プレースホルダー 3">
             <a:extLst>
               <a:ext uri="{FF2B5EF4-FFF2-40B4-BE49-F238E27FC236}">
-                <a16:creationId xmlns:a16="http://schemas.microsoft.com/office/drawing/2014/main" id="{DF6679A2-0BA7-351A-41CD-AFB980CD0409}"/>
+                <a16:creationId xmlns:a16="http://schemas.microsoft.com/office/drawing/2014/main" id="{DC74DA4E-F50E-A764-8BF2-A3C73D05F0DF}"/>
               </a:ext>
             </a:extLst>
           </p:cNvPr>

--- a/doc/コピー動画なし_B3炙りえんがわ_成果発表会資料.pptx
+++ b/doc/コピー動画なし_B3炙りえんがわ_成果発表会資料.pptx
@@ -4642,8 +4642,8 @@
           </a:prstGeom>
         </p:spPr>
       </p:pic>
-      <mc:AlternateContent xmlns:mc="http://schemas.openxmlformats.org/markup-compatibility/2006">
-        <mc:Choice xmlns:p14="http://schemas.microsoft.com/office/powerpoint/2010/main" Requires="p14">
+      <mc:AlternateContent xmlns:mc="http://schemas.openxmlformats.org/markup-compatibility/2006" xmlns:p14="http://schemas.microsoft.com/office/powerpoint/2010/main">
+        <mc:Choice Requires="p14">
           <p:contentPart p14:bwMode="auto" r:id="rId6">
             <p14:nvContentPartPr>
               <p14:cNvPr id="36" name="インク 35">
@@ -4662,7 +4662,7 @@
             </p14:xfrm>
           </p:contentPart>
         </mc:Choice>
-        <mc:Fallback>
+        <mc:Fallback xmlns="">
           <p:pic>
             <p:nvPicPr>
               <p:cNvPr id="36" name="インク 35">
@@ -5472,7 +5472,7 @@
         </p:spPr>
         <p:txBody>
           <a:bodyPr>
-            <a:normAutofit/>
+            <a:normAutofit lnSpcReduction="10000"/>
           </a:bodyPr>
           <a:lstStyle/>
           <a:p>
@@ -5511,7 +5511,7 @@
                 <a:latin typeface="BIZ UDP明朝 Medium" panose="02020500000000000000" pitchFamily="18" charset="-128"/>
                 <a:ea typeface="BIZ UDP明朝 Medium" panose="02020500000000000000" pitchFamily="18" charset="-128"/>
               </a:rPr>
-              <a:t>常に意見を出してくれるうえ、話を進めてくれる。作業中でもすぐに手を止めて仲間の話に耳を傾けてくれた。</a:t>
+              <a:t>常に意見を出してくれるうえ、話を進めてくれる。作業中でもすぐに手を止めて仲間の話に耳を傾けてくれた。ムービーメーカーで、チームに限らずクラス全体を活気あるものにしてくれてありがとう！​</a:t>
             </a:r>
             <a:endParaRPr kumimoji="1" lang="en-US" altLang="ja-JP" sz="2000" dirty="0">
               <a:latin typeface="BIZ UDP明朝 Medium" panose="02020500000000000000" pitchFamily="18" charset="-128"/>
@@ -5528,7 +5528,7 @@
                 <a:latin typeface="BIZ UDP明朝 Medium" panose="02020500000000000000" pitchFamily="18" charset="-128"/>
                 <a:ea typeface="BIZ UDP明朝 Medium" panose="02020500000000000000" pitchFamily="18" charset="-128"/>
               </a:rPr>
-              <a:t>話し上手は聞き上手という言葉の通りでコミュニケーションのエキスパート、様々な場面でとても頼りになりました。​</a:t>
+              <a:t>話し上手は聞き上手という言葉の通りでコミュニケーションのエキスパート、様々な場面でとても頼りになりました。</a:t>
             </a:r>
           </a:p>
         </p:txBody>
@@ -6086,21 +6086,7 @@
                 <a:latin typeface="BIZ UDP明朝 Medium" panose="02020500000000000000" pitchFamily="18" charset="-128"/>
                 <a:ea typeface="BIZ UDP明朝 Medium" panose="02020500000000000000" pitchFamily="18" charset="-128"/>
               </a:rPr>
-              <a:t>発想力が豊かで驚かされた。​アイコンや色彩のセンス素晴らしい。ペルソナ分析は</a:t>
-            </a:r>
-            <a:r>
-              <a:rPr lang="ja-JP" altLang="en-US" sz="2000" dirty="0">
-                <a:latin typeface="BIZ UDP明朝 Medium" panose="02020500000000000000" pitchFamily="18" charset="-128"/>
-                <a:ea typeface="BIZ UDP明朝 Medium" panose="02020500000000000000" pitchFamily="18" charset="-128"/>
-              </a:rPr>
-              <a:t>石田さん</a:t>
-            </a:r>
-            <a:r>
-              <a:rPr kumimoji="1" lang="ja-JP" altLang="en-US" sz="2000" dirty="0">
-                <a:latin typeface="BIZ UDP明朝 Medium" panose="02020500000000000000" pitchFamily="18" charset="-128"/>
-                <a:ea typeface="BIZ UDP明朝 Medium" panose="02020500000000000000" pitchFamily="18" charset="-128"/>
-              </a:rPr>
-              <a:t>なくして成立しなかった。​</a:t>
+              <a:t>発想力が豊かで驚かされた。​アイコンや色彩のセンス素晴らしい。ペルソナ分析は夏帆ちゃんなくして成立しなかった。​</a:t>
             </a:r>
           </a:p>
           <a:p>
@@ -6130,8 +6116,12 @@
                 <a:latin typeface="BIZ UDP明朝 Medium" panose="02020500000000000000" pitchFamily="18" charset="-128"/>
                 <a:ea typeface="BIZ UDP明朝 Medium" panose="02020500000000000000" pitchFamily="18" charset="-128"/>
               </a:rPr>
-              <a:t>​分からなければ聞き、できることは進んで取り掛かり、とても要領よく作業を進めていた。担当関係なく終わっていない作業を進めてくれたおかげで全体のペースアップにもつながった。​</a:t>
-            </a:r>
+              <a:t>分からなければ聞き、できることは進んで取り掛かり、とても要領よく作業を進めてくれた。担当関係なく、終わっていない作業があれば率先して進めてくれたのは本当に感謝！</a:t>
+            </a:r>
+            <a:endParaRPr kumimoji="1" lang="en-US" altLang="ja-JP" sz="2000" dirty="0">
+              <a:latin typeface="BIZ UDP明朝 Medium" panose="02020500000000000000" pitchFamily="18" charset="-128"/>
+              <a:ea typeface="BIZ UDP明朝 Medium" panose="02020500000000000000" pitchFamily="18" charset="-128"/>
+            </a:endParaRPr>
           </a:p>
           <a:p>
             <a:pPr>
@@ -6632,7 +6622,7 @@
                 <a:latin typeface="BIZ UDP明朝 Medium" panose="02020500000000000000" pitchFamily="18" charset="-128"/>
                 <a:ea typeface="BIZ UDP明朝 Medium" panose="02020500000000000000" pitchFamily="18" charset="-128"/>
               </a:rPr>
-              <a:t>静かにコツコツ作り上げていく姿が印象的！あと発表が毎回簡潔でわかりやすかったです。</a:t>
+              <a:t>静かにコツコツ作り上げていく姿が印象的！あと発表が毎回簡潔でわかりやすかったです。​</a:t>
             </a:r>
             <a:endParaRPr kumimoji="1" lang="en-US" altLang="ja-JP" sz="2000" dirty="0">
               <a:latin typeface="BIZ UDP明朝 Medium" panose="02020500000000000000" pitchFamily="18" charset="-128"/>
@@ -6649,7 +6639,7 @@
                 <a:latin typeface="BIZ UDP明朝 Medium" panose="02020500000000000000" pitchFamily="18" charset="-128"/>
                 <a:ea typeface="BIZ UDP明朝 Medium" panose="02020500000000000000" pitchFamily="18" charset="-128"/>
               </a:rPr>
-              <a:t>コンセプトに合ったアイディアを細部まで盛り込んでくれた。担当する部分を最後まで責任もって作り上げてくれた。​</a:t>
+              <a:t>コンセプトに合ったアイディアを盛り込んでくれて、躓いた時は自分で調べながら確実に仕上げてくれた。</a:t>
             </a:r>
           </a:p>
         </p:txBody>
@@ -7099,7 +7089,7 @@
         </p:spPr>
         <p:txBody>
           <a:bodyPr>
-            <a:normAutofit/>
+            <a:normAutofit lnSpcReduction="10000"/>
           </a:bodyPr>
           <a:lstStyle/>
           <a:p>
@@ -7158,7 +7148,21 @@
                 <a:latin typeface="BIZ UDP明朝 Medium" panose="02020500000000000000" pitchFamily="18" charset="-128"/>
                 <a:ea typeface="BIZ UDP明朝 Medium" panose="02020500000000000000" pitchFamily="18" charset="-128"/>
               </a:rPr>
-              <a:t>日の大半を仲間のサポートに費やすことがありながら、担当した部分は文句なしの仕上がりで作ってくれた。​</a:t>
+              <a:t>日の大半を仲間のサポートに費やすことがありながら、担当した部分は文句なしの仕上がりで作ってくれた。同じチームじゃなかったら</a:t>
+            </a:r>
+            <a:r>
+              <a:rPr kumimoji="1" lang="en-US" altLang="ja-JP" sz="2000" dirty="0">
+                <a:latin typeface="BIZ UDP明朝 Medium" panose="02020500000000000000" pitchFamily="18" charset="-128"/>
+                <a:ea typeface="BIZ UDP明朝 Medium" panose="02020500000000000000" pitchFamily="18" charset="-128"/>
+              </a:rPr>
+              <a:t>FLIFRE</a:t>
+            </a:r>
+            <a:r>
+              <a:rPr kumimoji="1" lang="ja-JP" altLang="en-US" sz="2000" dirty="0">
+                <a:latin typeface="BIZ UDP明朝 Medium" panose="02020500000000000000" pitchFamily="18" charset="-128"/>
+                <a:ea typeface="BIZ UDP明朝 Medium" panose="02020500000000000000" pitchFamily="18" charset="-128"/>
+              </a:rPr>
+              <a:t>のクオリティはもっと低くかったに違いない。</a:t>
             </a:r>
             <a:endParaRPr kumimoji="1" lang="en-US" altLang="ja-JP" sz="2000" dirty="0">
               <a:latin typeface="BIZ UDP明朝 Medium" panose="02020500000000000000" pitchFamily="18" charset="-128"/>
@@ -7203,7 +7207,7 @@
                 <a:latin typeface="BIZ UDP明朝 Medium" panose="02020500000000000000" pitchFamily="18" charset="-128"/>
                 <a:ea typeface="BIZ UDP明朝 Medium" panose="02020500000000000000" pitchFamily="18" charset="-128"/>
               </a:rPr>
-              <a:t>人に真摯に向き合う姿はとても頼りになりました。​</a:t>
+              <a:t>人に真摯に向き合う姿はとても頼りになりました。</a:t>
             </a:r>
           </a:p>
         </p:txBody>
@@ -7723,8 +7727,12 @@
                 <a:latin typeface="BIZ UDP明朝 Medium" panose="02020500000000000000" pitchFamily="18" charset="-128"/>
                 <a:ea typeface="BIZ UDP明朝 Medium" panose="02020500000000000000" pitchFamily="18" charset="-128"/>
               </a:rPr>
-              <a:t>どこまでできた、どこがわからないなど報連相がしっかりしていた。先生や仲間に積極的に質問している姿から最後までやり遂げようとする責任感が伝わってきた。​</a:t>
-            </a:r>
+              <a:t>どこまでできた、どこがわからないなど報連相をこまめにしてくれた。先生や仲間に積極的に質問し、最後までやり遂げようとする責任感は見習いたい。</a:t>
+            </a:r>
+            <a:endParaRPr kumimoji="1" lang="en-US" altLang="ja-JP" sz="2000" dirty="0">
+              <a:latin typeface="BIZ UDP明朝 Medium" panose="02020500000000000000" pitchFamily="18" charset="-128"/>
+              <a:ea typeface="BIZ UDP明朝 Medium" panose="02020500000000000000" pitchFamily="18" charset="-128"/>
+            </a:endParaRPr>
           </a:p>
           <a:p>
             <a:pPr>
@@ -7736,12 +7744,8 @@
                 <a:latin typeface="BIZ UDP明朝 Medium" panose="02020500000000000000" pitchFamily="18" charset="-128"/>
                 <a:ea typeface="BIZ UDP明朝 Medium" panose="02020500000000000000" pitchFamily="18" charset="-128"/>
               </a:rPr>
-              <a:t>仕事を見つけ積極的に作業に取り組んでいただきとても頼りになりました。​</a:t>
-            </a:r>
-            <a:endParaRPr kumimoji="1" lang="en-US" altLang="ja-JP" sz="2000" dirty="0">
-              <a:latin typeface="BIZ UDP明朝 Medium" panose="02020500000000000000" pitchFamily="18" charset="-128"/>
-              <a:ea typeface="BIZ UDP明朝 Medium" panose="02020500000000000000" pitchFamily="18" charset="-128"/>
-            </a:endParaRPr>
+              <a:t>仕事を見つけ積極的に作業に取り組んでいただきとても頼りになりました。</a:t>
+            </a:r>
           </a:p>
         </p:txBody>
       </p:sp>

--- a/doc/コピー動画なし_B3炙りえんがわ_成果発表会資料.pptx
+++ b/doc/コピー動画なし_B3炙りえんがわ_成果発表会資料.pptx
@@ -5192,7 +5192,17 @@
                 <a:latin typeface="BIZ UDP明朝 Medium" panose="02020500000000000000" pitchFamily="18" charset="-128"/>
                 <a:ea typeface="BIZ UDP明朝 Medium" panose="02020500000000000000" pitchFamily="18" charset="-128"/>
               </a:rPr>
-              <a:t>個人成長：　</a:t>
+              <a:t>個人成長：目標や計画を立てるよう</a:t>
+            </a:r>
+            <a:r>
+              <a:rPr lang="ja-JP" altLang="en-US" sz="2400" b="1">
+                <a:solidFill>
+                  <a:srgbClr val="FF0000"/>
+                </a:solidFill>
+                <a:latin typeface="BIZ UDP明朝 Medium" panose="02020500000000000000" pitchFamily="18" charset="-128"/>
+                <a:ea typeface="BIZ UDP明朝 Medium" panose="02020500000000000000" pitchFamily="18" charset="-128"/>
+              </a:rPr>
+              <a:t>になった！　</a:t>
             </a:r>
             <a:endParaRPr lang="ja-JP" altLang="en-US" b="1" dirty="0">
               <a:solidFill>

--- a/doc/コピー動画なし_B3炙りえんがわ_成果発表会資料.pptx
+++ b/doc/コピー動画なし_B3炙りえんがわ_成果発表会資料.pptx
@@ -243,7 +243,7 @@
           <a:p>
             <a:fld id="{C4A7C9A1-BC21-41F0-B9F1-A440215DF1DB}" type="datetimeFigureOut">
               <a:rPr kumimoji="1" lang="ja-JP" altLang="en-US" smtClean="0"/>
-              <a:t>2022/6/28</a:t>
+              <a:t>2022/6/29</a:t>
             </a:fld>
             <a:endParaRPr kumimoji="1" lang="ja-JP" altLang="en-US"/>
           </a:p>
@@ -1530,7 +1530,7 @@
           <a:p>
             <a:fld id="{DB0A3435-7A7C-4688-9750-453E419612D0}" type="datetimeFigureOut">
               <a:rPr kumimoji="1" lang="ja-JP" altLang="en-US" smtClean="0"/>
-              <a:t>2022/6/28</a:t>
+              <a:t>2022/6/29</a:t>
             </a:fld>
             <a:endParaRPr kumimoji="1" lang="ja-JP" altLang="en-US"/>
           </a:p>
@@ -1760,7 +1760,7 @@
           <a:p>
             <a:fld id="{CA4A5610-4D71-45E8-A43F-B7CDE07B535B}" type="datetimeFigureOut">
               <a:rPr kumimoji="1" lang="ja-JP" altLang="en-US" smtClean="0"/>
-              <a:t>2022/6/28</a:t>
+              <a:t>2022/6/29</a:t>
             </a:fld>
             <a:endParaRPr kumimoji="1" lang="ja-JP" altLang="en-US"/>
           </a:p>
@@ -1980,7 +1980,7 @@
           <a:p>
             <a:fld id="{CA4A5610-4D71-45E8-A43F-B7CDE07B535B}" type="datetimeFigureOut">
               <a:rPr kumimoji="1" lang="ja-JP" altLang="en-US" smtClean="0"/>
-              <a:t>2022/6/28</a:t>
+              <a:t>2022/6/29</a:t>
             </a:fld>
             <a:endParaRPr kumimoji="1" lang="ja-JP" altLang="en-US"/>
           </a:p>
@@ -2256,7 +2256,7 @@
           <a:p>
             <a:fld id="{DB0A3435-7A7C-4688-9750-453E419612D0}" type="datetimeFigureOut">
               <a:rPr kumimoji="1" lang="ja-JP" altLang="en-US" smtClean="0"/>
-              <a:t>2022/6/28</a:t>
+              <a:t>2022/6/29</a:t>
             </a:fld>
             <a:endParaRPr kumimoji="1" lang="ja-JP" altLang="en-US"/>
           </a:p>
@@ -2849,7 +2849,7 @@
           <a:p>
             <a:fld id="{CA4A5610-4D71-45E8-A43F-B7CDE07B535B}" type="datetimeFigureOut">
               <a:rPr kumimoji="1" lang="ja-JP" altLang="en-US" smtClean="0"/>
-              <a:t>2022/6/28</a:t>
+              <a:t>2022/6/29</a:t>
             </a:fld>
             <a:endParaRPr kumimoji="1" lang="ja-JP" altLang="en-US"/>
           </a:p>

--- a/doc/コピー動画なし_B3炙りえんがわ_成果発表会資料.pptx
+++ b/doc/コピー動画なし_B3炙りえんがわ_成果発表会資料.pptx
@@ -6,7 +6,7 @@
     <p:sldMasterId id="2147483660" r:id="rId2"/>
   </p:sldMasterIdLst>
   <p:notesMasterIdLst>
-    <p:notesMasterId r:id="rId22"/>
+    <p:notesMasterId r:id="rId23"/>
   </p:notesMasterIdLst>
   <p:sldIdLst>
     <p:sldId id="256" r:id="rId3"/>
@@ -17,17 +17,18 @@
     <p:sldId id="261" r:id="rId8"/>
     <p:sldId id="262" r:id="rId9"/>
     <p:sldId id="263" r:id="rId10"/>
-    <p:sldId id="264" r:id="rId11"/>
-    <p:sldId id="265" r:id="rId12"/>
-    <p:sldId id="266" r:id="rId13"/>
-    <p:sldId id="267" r:id="rId14"/>
-    <p:sldId id="268" r:id="rId15"/>
-    <p:sldId id="269" r:id="rId16"/>
-    <p:sldId id="270" r:id="rId17"/>
-    <p:sldId id="271" r:id="rId18"/>
-    <p:sldId id="272" r:id="rId19"/>
-    <p:sldId id="273" r:id="rId20"/>
-    <p:sldId id="274" r:id="rId21"/>
+    <p:sldId id="275" r:id="rId11"/>
+    <p:sldId id="264" r:id="rId12"/>
+    <p:sldId id="265" r:id="rId13"/>
+    <p:sldId id="266" r:id="rId14"/>
+    <p:sldId id="267" r:id="rId15"/>
+    <p:sldId id="268" r:id="rId16"/>
+    <p:sldId id="269" r:id="rId17"/>
+    <p:sldId id="270" r:id="rId18"/>
+    <p:sldId id="271" r:id="rId19"/>
+    <p:sldId id="272" r:id="rId20"/>
+    <p:sldId id="273" r:id="rId21"/>
+    <p:sldId id="274" r:id="rId22"/>
   </p:sldIdLst>
   <p:sldSz cx="12192000" cy="6858000"/>
   <p:notesSz cx="6858000" cy="9144000"/>
@@ -641,6 +642,90 @@
 </p:notes>
 </file>
 
+<file path=ppt/notesSlides/notesSlide10.xml><?xml version="1.0" encoding="utf-8"?>
+<p:notes xmlns:a="http://schemas.openxmlformats.org/drawingml/2006/main" xmlns:r="http://schemas.openxmlformats.org/officeDocument/2006/relationships" xmlns:p="http://schemas.openxmlformats.org/presentationml/2006/main">
+  <p:cSld>
+    <p:spTree>
+      <p:nvGrpSpPr>
+        <p:cNvPr id="1" name=""/>
+        <p:cNvGrpSpPr/>
+        <p:nvPr/>
+      </p:nvGrpSpPr>
+      <p:grpSpPr>
+        <a:xfrm>
+          <a:off x="0" y="0"/>
+          <a:ext cx="0" cy="0"/>
+          <a:chOff x="0" y="0"/>
+          <a:chExt cx="0" cy="0"/>
+        </a:xfrm>
+      </p:grpSpPr>
+      <p:sp>
+        <p:nvSpPr>
+          <p:cNvPr id="2" name="スライド イメージ プレースホルダー 1"/>
+          <p:cNvSpPr>
+            <a:spLocks noGrp="1" noRot="1" noChangeAspect="1"/>
+          </p:cNvSpPr>
+          <p:nvPr>
+            <p:ph type="sldImg"/>
+          </p:nvPr>
+        </p:nvSpPr>
+        <p:spPr/>
+      </p:sp>
+      <p:sp>
+        <p:nvSpPr>
+          <p:cNvPr id="3" name="ノート プレースホルダー 2"/>
+          <p:cNvSpPr>
+            <a:spLocks noGrp="1"/>
+          </p:cNvSpPr>
+          <p:nvPr>
+            <p:ph type="body" idx="1"/>
+          </p:nvPr>
+        </p:nvSpPr>
+        <p:spPr/>
+        <p:txBody>
+          <a:bodyPr/>
+          <a:lstStyle/>
+          <a:p>
+            <a:endParaRPr kumimoji="1" lang="ja-JP" altLang="en-US" dirty="0"/>
+          </a:p>
+        </p:txBody>
+      </p:sp>
+      <p:sp>
+        <p:nvSpPr>
+          <p:cNvPr id="4" name="スライド番号プレースホルダー 3"/>
+          <p:cNvSpPr>
+            <a:spLocks noGrp="1"/>
+          </p:cNvSpPr>
+          <p:nvPr>
+            <p:ph type="sldNum" sz="quarter" idx="5"/>
+          </p:nvPr>
+        </p:nvSpPr>
+        <p:spPr/>
+        <p:txBody>
+          <a:bodyPr/>
+          <a:lstStyle/>
+          <a:p>
+            <a:fld id="{D42375A2-42B0-4E26-8948-2F72A7F6ECBF}" type="slidenum">
+              <a:rPr kumimoji="1" lang="ja-JP" altLang="en-US" smtClean="0"/>
+              <a:t>20</a:t>
+            </a:fld>
+            <a:endParaRPr kumimoji="1" lang="ja-JP" altLang="en-US"/>
+          </a:p>
+        </p:txBody>
+      </p:sp>
+    </p:spTree>
+    <p:extLst>
+      <p:ext uri="{BB962C8B-B14F-4D97-AF65-F5344CB8AC3E}">
+        <p14:creationId xmlns:p14="http://schemas.microsoft.com/office/powerpoint/2010/main" val="88572324"/>
+      </p:ext>
+    </p:extLst>
+  </p:cSld>
+  <p:clrMapOvr>
+    <a:masterClrMapping/>
+  </p:clrMapOvr>
+</p:notes>
+</file>
+
 <file path=ppt/notesSlides/notesSlide2.xml><?xml version="1.0" encoding="utf-8"?>
 <p:notes xmlns:a="http://schemas.openxmlformats.org/drawingml/2006/main" xmlns:r="http://schemas.openxmlformats.org/officeDocument/2006/relationships" xmlns:p="http://schemas.openxmlformats.org/presentationml/2006/main">
   <p:cSld>
@@ -873,15 +958,7 @@
             </a:r>
             <a:r>
               <a:rPr kumimoji="1" lang="ja-JP" altLang="en-US" dirty="0"/>
-              <a:t>分</a:t>
-            </a:r>
-            <a:r>
-              <a:rPr kumimoji="1" lang="en-US" altLang="ja-JP" dirty="0"/>
-              <a:t>2</a:t>
-            </a:r>
-            <a:r>
-              <a:rPr kumimoji="1" lang="ja-JP" altLang="en-US" dirty="0"/>
-              <a:t>秒くらい？</a:t>
+              <a:t>分くらい</a:t>
             </a:r>
           </a:p>
         </p:txBody>
@@ -912,7 +989,7 @@
     </p:spTree>
     <p:extLst>
       <p:ext uri="{BB962C8B-B14F-4D97-AF65-F5344CB8AC3E}">
-        <p14:creationId xmlns:p14="http://schemas.microsoft.com/office/powerpoint/2010/main" val="3117826508"/>
+        <p14:creationId xmlns:p14="http://schemas.microsoft.com/office/powerpoint/2010/main" val="1289410701"/>
       </p:ext>
     </p:extLst>
   </p:cSld>
@@ -968,7 +1045,7 @@
           <a:p>
             <a:r>
               <a:rPr kumimoji="1" lang="en-US" altLang="ja-JP" dirty="0"/>
-              <a:t>2</a:t>
+              <a:t>1</a:t>
             </a:r>
             <a:r>
               <a:rPr kumimoji="1" lang="ja-JP" altLang="en-US" dirty="0"/>
@@ -976,11 +1053,11 @@
             </a:r>
             <a:r>
               <a:rPr kumimoji="1" lang="en-US" altLang="ja-JP" dirty="0"/>
-              <a:t>10</a:t>
+              <a:t>2</a:t>
             </a:r>
             <a:r>
               <a:rPr kumimoji="1" lang="ja-JP" altLang="en-US" dirty="0"/>
-              <a:t>秒くらい</a:t>
+              <a:t>秒くらい？</a:t>
             </a:r>
           </a:p>
         </p:txBody>
@@ -1011,7 +1088,7 @@
     </p:spTree>
     <p:extLst>
       <p:ext uri="{BB962C8B-B14F-4D97-AF65-F5344CB8AC3E}">
-        <p14:creationId xmlns:p14="http://schemas.microsoft.com/office/powerpoint/2010/main" val="2352653644"/>
+        <p14:creationId xmlns:p14="http://schemas.microsoft.com/office/powerpoint/2010/main" val="3117826508"/>
       </p:ext>
     </p:extLst>
   </p:cSld>
@@ -1067,7 +1144,7 @@
           <a:p>
             <a:r>
               <a:rPr kumimoji="1" lang="en-US" altLang="ja-JP" dirty="0"/>
-              <a:t>1</a:t>
+              <a:t>2</a:t>
             </a:r>
             <a:r>
               <a:rPr kumimoji="1" lang="ja-JP" altLang="en-US" dirty="0"/>
@@ -1075,7 +1152,7 @@
             </a:r>
             <a:r>
               <a:rPr kumimoji="1" lang="en-US" altLang="ja-JP" dirty="0"/>
-              <a:t>20</a:t>
+              <a:t>10</a:t>
             </a:r>
             <a:r>
               <a:rPr kumimoji="1" lang="ja-JP" altLang="en-US" dirty="0"/>
@@ -1110,7 +1187,7 @@
     </p:spTree>
     <p:extLst>
       <p:ext uri="{BB962C8B-B14F-4D97-AF65-F5344CB8AC3E}">
-        <p14:creationId xmlns:p14="http://schemas.microsoft.com/office/powerpoint/2010/main" val="2959290088"/>
+        <p14:creationId xmlns:p14="http://schemas.microsoft.com/office/powerpoint/2010/main" val="2352653644"/>
       </p:ext>
     </p:extLst>
   </p:cSld>
@@ -1164,7 +1241,22 @@
           <a:bodyPr/>
           <a:lstStyle/>
           <a:p>
-            <a:endParaRPr kumimoji="1" lang="ja-JP" altLang="en-US" dirty="0"/>
+            <a:r>
+              <a:rPr kumimoji="1" lang="en-US" altLang="ja-JP" dirty="0"/>
+              <a:t>1</a:t>
+            </a:r>
+            <a:r>
+              <a:rPr kumimoji="1" lang="ja-JP" altLang="en-US" dirty="0"/>
+              <a:t>分</a:t>
+            </a:r>
+            <a:r>
+              <a:rPr kumimoji="1" lang="en-US" altLang="ja-JP" dirty="0"/>
+              <a:t>20</a:t>
+            </a:r>
+            <a:r>
+              <a:rPr kumimoji="1" lang="ja-JP" altLang="en-US" dirty="0"/>
+              <a:t>秒くらい</a:t>
+            </a:r>
           </a:p>
         </p:txBody>
       </p:sp>
@@ -1194,7 +1286,7 @@
     </p:spTree>
     <p:extLst>
       <p:ext uri="{BB962C8B-B14F-4D97-AF65-F5344CB8AC3E}">
-        <p14:creationId xmlns:p14="http://schemas.microsoft.com/office/powerpoint/2010/main" val="3480967997"/>
+        <p14:creationId xmlns:p14="http://schemas.microsoft.com/office/powerpoint/2010/main" val="2959290088"/>
       </p:ext>
     </p:extLst>
   </p:cSld>
@@ -1248,18 +1340,7 @@
           <a:bodyPr/>
           <a:lstStyle/>
           <a:p>
-            <a:r>
-              <a:rPr kumimoji="1" lang="ja-JP" altLang="en-US" dirty="0"/>
-              <a:t>約</a:t>
-            </a:r>
-            <a:r>
-              <a:rPr kumimoji="1" lang="en-US" altLang="ja-JP" dirty="0"/>
-              <a:t>30</a:t>
-            </a:r>
-            <a:r>
-              <a:rPr kumimoji="1" lang="ja-JP" altLang="en-US" dirty="0"/>
-              <a:t>秒</a:t>
-            </a:r>
+            <a:endParaRPr kumimoji="1" lang="ja-JP" altLang="en-US" dirty="0"/>
           </a:p>
         </p:txBody>
       </p:sp>
@@ -1280,7 +1361,7 @@
           <a:p>
             <a:fld id="{7382D42A-24B4-4602-BEDB-08A64AE7D000}" type="slidenum">
               <a:rPr kumimoji="1" lang="ja-JP" altLang="en-US" smtClean="0"/>
-              <a:t>18</a:t>
+              <a:t>13</a:t>
             </a:fld>
             <a:endParaRPr kumimoji="1" lang="ja-JP" altLang="en-US"/>
           </a:p>
@@ -1289,7 +1370,7 @@
     </p:spTree>
     <p:extLst>
       <p:ext uri="{BB962C8B-B14F-4D97-AF65-F5344CB8AC3E}">
-        <p14:creationId xmlns:p14="http://schemas.microsoft.com/office/powerpoint/2010/main" val="3191201801"/>
+        <p14:creationId xmlns:p14="http://schemas.microsoft.com/office/powerpoint/2010/main" val="3480967997"/>
       </p:ext>
     </p:extLst>
   </p:cSld>
@@ -1343,7 +1424,18 @@
           <a:bodyPr/>
           <a:lstStyle/>
           <a:p>
-            <a:endParaRPr kumimoji="1" lang="ja-JP" altLang="en-US" dirty="0"/>
+            <a:r>
+              <a:rPr kumimoji="1" lang="ja-JP" altLang="en-US" dirty="0"/>
+              <a:t>約</a:t>
+            </a:r>
+            <a:r>
+              <a:rPr kumimoji="1" lang="en-US" altLang="ja-JP" dirty="0"/>
+              <a:t>30</a:t>
+            </a:r>
+            <a:r>
+              <a:rPr kumimoji="1" lang="ja-JP" altLang="en-US" dirty="0"/>
+              <a:t>秒</a:t>
+            </a:r>
           </a:p>
         </p:txBody>
       </p:sp>
@@ -1362,7 +1454,7 @@
           <a:bodyPr/>
           <a:lstStyle/>
           <a:p>
-            <a:fld id="{D42375A2-42B0-4E26-8948-2F72A7F6ECBF}" type="slidenum">
+            <a:fld id="{7382D42A-24B4-4602-BEDB-08A64AE7D000}" type="slidenum">
               <a:rPr kumimoji="1" lang="ja-JP" altLang="en-US" smtClean="0"/>
               <a:t>19</a:t>
             </a:fld>
@@ -1373,7 +1465,7 @@
     </p:spTree>
     <p:extLst>
       <p:ext uri="{BB962C8B-B14F-4D97-AF65-F5344CB8AC3E}">
-        <p14:creationId xmlns:p14="http://schemas.microsoft.com/office/powerpoint/2010/main" val="88572324"/>
+        <p14:creationId xmlns:p14="http://schemas.microsoft.com/office/powerpoint/2010/main" val="3191201801"/>
       </p:ext>
     </p:extLst>
   </p:cSld>
@@ -3418,60 +3510,6 @@
           </a:prstGeom>
         </p:spPr>
       </p:pic>
-      <p:pic>
-        <p:nvPicPr>
-          <p:cNvPr id="7" name="Picture 12">
-            <a:extLst>
-              <a:ext uri="{FF2B5EF4-FFF2-40B4-BE49-F238E27FC236}">
-                <a16:creationId xmlns:a16="http://schemas.microsoft.com/office/drawing/2014/main" id="{C8EA2BFE-EADA-D618-255C-6529D34139D4}"/>
-              </a:ext>
-            </a:extLst>
-          </p:cNvPr>
-          <p:cNvPicPr>
-            <a:picLocks noChangeAspect="1" noChangeArrowheads="1"/>
-          </p:cNvPicPr>
-          <p:nvPr/>
-        </p:nvPicPr>
-        <p:blipFill>
-          <a:blip r:embed="rId3">
-            <a:duotone>
-              <a:prstClr val="black"/>
-              <a:srgbClr val="FF0000">
-                <a:tint val="45000"/>
-                <a:satMod val="400000"/>
-              </a:srgbClr>
-            </a:duotone>
-            <a:extLst>
-              <a:ext uri="{28A0092B-C50C-407E-A947-70E740481C1C}">
-                <a14:useLocalDpi xmlns:a14="http://schemas.microsoft.com/office/drawing/2010/main" val="0"/>
-              </a:ext>
-            </a:extLst>
-          </a:blip>
-          <a:srcRect/>
-          <a:stretch>
-            <a:fillRect/>
-          </a:stretch>
-        </p:blipFill>
-        <p:spPr bwMode="auto">
-          <a:xfrm>
-            <a:off x="438350" y="148126"/>
-            <a:ext cx="11341804" cy="1930400"/>
-          </a:xfrm>
-          <a:prstGeom prst="rect">
-            <a:avLst/>
-          </a:prstGeom>
-          <a:noFill/>
-          <a:extLst>
-            <a:ext uri="{909E8E84-426E-40DD-AFC4-6F175D3DCCD1}">
-              <a14:hiddenFill xmlns:a14="http://schemas.microsoft.com/office/drawing/2010/main">
-                <a:solidFill>
-                  <a:srgbClr val="FFFFFF"/>
-                </a:solidFill>
-              </a14:hiddenFill>
-            </a:ext>
-          </a:extLst>
-        </p:spPr>
-      </p:pic>
     </p:spTree>
     <p:extLst>
       <p:ext uri="{BB962C8B-B14F-4D97-AF65-F5344CB8AC3E}">
@@ -3482,89 +3520,6 @@
   <p:clrMapOvr>
     <a:masterClrMapping/>
   </p:clrMapOvr>
-  <p:timing>
-    <p:tnLst>
-      <p:par>
-        <p:cTn id="1" dur="indefinite" restart="never" nodeType="tmRoot">
-          <p:childTnLst>
-            <p:seq concurrent="1" nextAc="seek">
-              <p:cTn id="2" dur="indefinite" nodeType="mainSeq">
-                <p:childTnLst>
-                  <p:par>
-                    <p:cTn id="3" fill="hold">
-                      <p:stCondLst>
-                        <p:cond delay="indefinite"/>
-                      </p:stCondLst>
-                      <p:childTnLst>
-                        <p:par>
-                          <p:cTn id="4" fill="hold">
-                            <p:stCondLst>
-                              <p:cond delay="0"/>
-                            </p:stCondLst>
-                            <p:childTnLst>
-                              <p:par>
-                                <p:cTn id="5" presetID="10" presetClass="exit" presetSubtype="0" fill="hold" nodeType="clickEffect">
-                                  <p:stCondLst>
-                                    <p:cond delay="0"/>
-                                  </p:stCondLst>
-                                  <p:childTnLst>
-                                    <p:animEffect transition="out" filter="fade">
-                                      <p:cBhvr>
-                                        <p:cTn id="6" dur="500"/>
-                                        <p:tgtEl>
-                                          <p:spTgt spid="7"/>
-                                        </p:tgtEl>
-                                      </p:cBhvr>
-                                    </p:animEffect>
-                                    <p:set>
-                                      <p:cBhvr>
-                                        <p:cTn id="7" dur="1" fill="hold">
-                                          <p:stCondLst>
-                                            <p:cond delay="499"/>
-                                          </p:stCondLst>
-                                        </p:cTn>
-                                        <p:tgtEl>
-                                          <p:spTgt spid="7"/>
-                                        </p:tgtEl>
-                                        <p:attrNameLst>
-                                          <p:attrName>style.visibility</p:attrName>
-                                        </p:attrNameLst>
-                                      </p:cBhvr>
-                                      <p:to>
-                                        <p:strVal val="hidden"/>
-                                      </p:to>
-                                    </p:set>
-                                  </p:childTnLst>
-                                </p:cTn>
-                              </p:par>
-                            </p:childTnLst>
-                          </p:cTn>
-                        </p:par>
-                      </p:childTnLst>
-                    </p:cTn>
-                  </p:par>
-                </p:childTnLst>
-              </p:cTn>
-              <p:prevCondLst>
-                <p:cond evt="onPrev" delay="0">
-                  <p:tgtEl>
-                    <p:sldTgt/>
-                  </p:tgtEl>
-                </p:cond>
-              </p:prevCondLst>
-              <p:nextCondLst>
-                <p:cond evt="onNext" delay="0">
-                  <p:tgtEl>
-                    <p:sldTgt/>
-                  </p:tgtEl>
-                </p:cond>
-              </p:nextCondLst>
-            </p:seq>
-          </p:childTnLst>
-        </p:cTn>
-      </p:par>
-    </p:tnLst>
-  </p:timing>
 </p:sld>
 </file>
 
@@ -3667,27 +3622,7 @@
                 <a:latin typeface="HGS行書体" panose="03000600000000000000" pitchFamily="66" charset="-128"/>
                 <a:ea typeface="HGS行書体" panose="03000600000000000000" pitchFamily="66" charset="-128"/>
               </a:rPr>
-              <a:t>検索結果</a:t>
-            </a:r>
-            <a:r>
-              <a:rPr kumimoji="1" lang="en-US" altLang="ja-JP" b="1" dirty="0">
-                <a:solidFill>
-                  <a:srgbClr val="056334"/>
-                </a:solidFill>
-                <a:latin typeface="HGS行書体" panose="03000600000000000000" pitchFamily="66" charset="-128"/>
-                <a:ea typeface="HGS行書体" panose="03000600000000000000" pitchFamily="66" charset="-128"/>
-              </a:rPr>
-              <a:t>/</a:t>
-            </a:r>
-            <a:r>
-              <a:rPr kumimoji="1" lang="ja-JP" altLang="en-US" b="1" dirty="0">
-                <a:solidFill>
-                  <a:srgbClr val="056334"/>
-                </a:solidFill>
-                <a:latin typeface="HGS行書体" panose="03000600000000000000" pitchFamily="66" charset="-128"/>
-                <a:ea typeface="HGS行書体" panose="03000600000000000000" pitchFamily="66" charset="-128"/>
-              </a:rPr>
-              <a:t>ルーレット</a:t>
+              <a:t>投稿数ランキング</a:t>
             </a:r>
           </a:p>
         </p:txBody>
@@ -3728,35 +3663,45 @@
           </a:prstGeom>
         </p:spPr>
       </p:pic>
-      <p:sp>
-        <p:nvSpPr>
-          <p:cNvPr id="4" name="コンテンツ プレースホルダー 3">
-            <a:extLst>
-              <a:ext uri="{FF2B5EF4-FFF2-40B4-BE49-F238E27FC236}">
-                <a16:creationId xmlns:a16="http://schemas.microsoft.com/office/drawing/2014/main" id="{8D110CF5-903D-E515-8F36-E492099B05A9}"/>
-              </a:ext>
-            </a:extLst>
-          </p:cNvPr>
-          <p:cNvSpPr>
-            <a:spLocks noGrp="1"/>
-          </p:cNvSpPr>
+      <p:pic>
+        <p:nvPicPr>
+          <p:cNvPr id="7" name="コンテンツ プレースホルダー 6" descr="グラフィカル ユーザー インターフェイス, テキスト&#10;&#10;自動的に生成された説明">
+            <a:extLst>
+              <a:ext uri="{FF2B5EF4-FFF2-40B4-BE49-F238E27FC236}">
+                <a16:creationId xmlns:a16="http://schemas.microsoft.com/office/drawing/2014/main" id="{3FF85431-AC6B-7417-01BC-E2B8DB9B4FA2}"/>
+              </a:ext>
+            </a:extLst>
+          </p:cNvPr>
+          <p:cNvPicPr>
+            <a:picLocks noGrp="1" noChangeAspect="1"/>
+          </p:cNvPicPr>
           <p:nvPr>
             <p:ph idx="1"/>
           </p:nvPr>
-        </p:nvSpPr>
-        <p:spPr/>
-        <p:txBody>
-          <a:bodyPr/>
-          <a:lstStyle/>
-          <a:p>
-            <a:endParaRPr lang="ja-JP" altLang="en-US"/>
-          </a:p>
-        </p:txBody>
-      </p:sp>
+        </p:nvPicPr>
+        <p:blipFill>
+          <a:blip r:embed="rId4">
+            <a:extLst>
+              <a:ext uri="{28A0092B-C50C-407E-A947-70E740481C1C}">
+                <a14:useLocalDpi xmlns:a14="http://schemas.microsoft.com/office/drawing/2010/main" val="0"/>
+              </a:ext>
+            </a:extLst>
+          </a:blip>
+          <a:stretch>
+            <a:fillRect/>
+          </a:stretch>
+        </p:blipFill>
+        <p:spPr>
+          <a:xfrm>
+            <a:off x="2226255" y="1754326"/>
+            <a:ext cx="7739489" cy="4351338"/>
+          </a:xfrm>
+        </p:spPr>
+      </p:pic>
     </p:spTree>
     <p:extLst>
       <p:ext uri="{BB962C8B-B14F-4D97-AF65-F5344CB8AC3E}">
-        <p14:creationId xmlns:p14="http://schemas.microsoft.com/office/powerpoint/2010/main" val="3947344842"/>
+        <p14:creationId xmlns:p14="http://schemas.microsoft.com/office/powerpoint/2010/main" val="717383438"/>
       </p:ext>
     </p:extLst>
   </p:cSld>
@@ -3865,7 +3810,27 @@
                 <a:latin typeface="HGS行書体" panose="03000600000000000000" pitchFamily="66" charset="-128"/>
                 <a:ea typeface="HGS行書体" panose="03000600000000000000" pitchFamily="66" charset="-128"/>
               </a:rPr>
-              <a:t>投稿ページ</a:t>
+              <a:t>検索結果</a:t>
+            </a:r>
+            <a:r>
+              <a:rPr kumimoji="1" lang="en-US" altLang="ja-JP" b="1" dirty="0">
+                <a:solidFill>
+                  <a:srgbClr val="056334"/>
+                </a:solidFill>
+                <a:latin typeface="HGS行書体" panose="03000600000000000000" pitchFamily="66" charset="-128"/>
+                <a:ea typeface="HGS行書体" panose="03000600000000000000" pitchFamily="66" charset="-128"/>
+              </a:rPr>
+              <a:t>/</a:t>
+            </a:r>
+            <a:r>
+              <a:rPr kumimoji="1" lang="ja-JP" altLang="en-US" b="1" dirty="0">
+                <a:solidFill>
+                  <a:srgbClr val="056334"/>
+                </a:solidFill>
+                <a:latin typeface="HGS行書体" panose="03000600000000000000" pitchFamily="66" charset="-128"/>
+                <a:ea typeface="HGS行書体" panose="03000600000000000000" pitchFamily="66" charset="-128"/>
+              </a:rPr>
+              <a:t>ルーレット</a:t>
             </a:r>
           </a:p>
         </p:txBody>
@@ -3906,12 +3871,129 @@
           </a:prstGeom>
         </p:spPr>
       </p:pic>
+      <p:pic>
+        <p:nvPicPr>
+          <p:cNvPr id="7" name="コンテンツ プレースホルダー 6" descr="グラフィカル ユーザー インターフェイス, アプリケーション&#10;&#10;自動的に生成された説明">
+            <a:extLst>
+              <a:ext uri="{FF2B5EF4-FFF2-40B4-BE49-F238E27FC236}">
+                <a16:creationId xmlns:a16="http://schemas.microsoft.com/office/drawing/2014/main" id="{1AB40189-6639-C760-6D6B-FDA07A1E8613}"/>
+              </a:ext>
+            </a:extLst>
+          </p:cNvPr>
+          <p:cNvPicPr>
+            <a:picLocks noGrp="1" noChangeAspect="1"/>
+          </p:cNvPicPr>
+          <p:nvPr>
+            <p:ph idx="1"/>
+          </p:nvPr>
+        </p:nvPicPr>
+        <p:blipFill>
+          <a:blip r:embed="rId4">
+            <a:extLst>
+              <a:ext uri="{28A0092B-C50C-407E-A947-70E740481C1C}">
+                <a14:useLocalDpi xmlns:a14="http://schemas.microsoft.com/office/drawing/2010/main" val="0"/>
+              </a:ext>
+            </a:extLst>
+          </a:blip>
+          <a:stretch>
+            <a:fillRect/>
+          </a:stretch>
+        </p:blipFill>
+        <p:spPr>
+          <a:xfrm>
+            <a:off x="2013632" y="1754326"/>
+            <a:ext cx="8164735" cy="4351338"/>
+          </a:xfrm>
+        </p:spPr>
+      </p:pic>
+    </p:spTree>
+    <p:extLst>
+      <p:ext uri="{BB962C8B-B14F-4D97-AF65-F5344CB8AC3E}">
+        <p14:creationId xmlns:p14="http://schemas.microsoft.com/office/powerpoint/2010/main" val="3947344842"/>
+      </p:ext>
+    </p:extLst>
+  </p:cSld>
+  <p:clrMapOvr>
+    <a:masterClrMapping/>
+  </p:clrMapOvr>
+</p:sld>
+</file>
+
+<file path=ppt/slides/slide12.xml><?xml version="1.0" encoding="utf-8"?>
+<p:sld xmlns:a="http://schemas.openxmlformats.org/drawingml/2006/main" xmlns:r="http://schemas.openxmlformats.org/officeDocument/2006/relationships" xmlns:p="http://schemas.openxmlformats.org/presentationml/2006/main">
+  <p:cSld>
+    <p:spTree>
+      <p:nvGrpSpPr>
+        <p:cNvPr id="1" name=""/>
+        <p:cNvGrpSpPr/>
+        <p:nvPr/>
+      </p:nvGrpSpPr>
+      <p:grpSpPr>
+        <a:xfrm>
+          <a:off x="0" y="0"/>
+          <a:ext cx="0" cy="0"/>
+          <a:chOff x="0" y="0"/>
+          <a:chExt cx="0" cy="0"/>
+        </a:xfrm>
+      </p:grpSpPr>
       <p:sp>
         <p:nvSpPr>
-          <p:cNvPr id="4" name="コンテンツ プレースホルダー 3">
-            <a:extLst>
-              <a:ext uri="{FF2B5EF4-FFF2-40B4-BE49-F238E27FC236}">
-                <a16:creationId xmlns:a16="http://schemas.microsoft.com/office/drawing/2014/main" id="{2C4732B5-6338-6601-D15D-7359084EF36D}"/>
+          <p:cNvPr id="5" name="正方形/長方形 4">
+            <a:extLst>
+              <a:ext uri="{FF2B5EF4-FFF2-40B4-BE49-F238E27FC236}">
+                <a16:creationId xmlns:a16="http://schemas.microsoft.com/office/drawing/2014/main" id="{96A5B499-DEBF-310B-53C2-933BD9FB2353}"/>
+              </a:ext>
+            </a:extLst>
+          </p:cNvPr>
+          <p:cNvSpPr/>
+          <p:nvPr/>
+        </p:nvSpPr>
+        <p:spPr>
+          <a:xfrm>
+            <a:off x="682487" y="301487"/>
+            <a:ext cx="10827026" cy="6255026"/>
+          </a:xfrm>
+          <a:prstGeom prst="rect">
+            <a:avLst/>
+          </a:prstGeom>
+          <a:solidFill>
+            <a:schemeClr val="bg1"/>
+          </a:solidFill>
+          <a:ln>
+            <a:noFill/>
+          </a:ln>
+        </p:spPr>
+        <p:style>
+          <a:lnRef idx="2">
+            <a:schemeClr val="accent1">
+              <a:shade val="50000"/>
+            </a:schemeClr>
+          </a:lnRef>
+          <a:fillRef idx="1">
+            <a:schemeClr val="accent1"/>
+          </a:fillRef>
+          <a:effectRef idx="0">
+            <a:schemeClr val="accent1"/>
+          </a:effectRef>
+          <a:fontRef idx="minor">
+            <a:schemeClr val="lt1"/>
+          </a:fontRef>
+        </p:style>
+        <p:txBody>
+          <a:bodyPr rtlCol="0" anchor="ctr"/>
+          <a:lstStyle/>
+          <a:p>
+            <a:pPr algn="ctr"/>
+            <a:endParaRPr kumimoji="1" lang="ja-JP" altLang="en-US"/>
+          </a:p>
+        </p:txBody>
+      </p:sp>
+      <p:sp>
+        <p:nvSpPr>
+          <p:cNvPr id="2" name="タイトル 1">
+            <a:extLst>
+              <a:ext uri="{FF2B5EF4-FFF2-40B4-BE49-F238E27FC236}">
+                <a16:creationId xmlns:a16="http://schemas.microsoft.com/office/drawing/2014/main" id="{567BCC82-8CB1-3055-6FCE-39E6F1E069C2}"/>
               </a:ext>
             </a:extLst>
           </p:cNvPr>
@@ -3919,7 +4001,7 @@
             <a:spLocks noGrp="1"/>
           </p:cNvSpPr>
           <p:nvPr>
-            <p:ph idx="1"/>
+            <p:ph type="title"/>
           </p:nvPr>
         </p:nvSpPr>
         <p:spPr/>
@@ -3927,10 +4009,91 @@
           <a:bodyPr/>
           <a:lstStyle/>
           <a:p>
-            <a:endParaRPr lang="ja-JP" altLang="en-US"/>
+            <a:pPr algn="ctr"/>
+            <a:r>
+              <a:rPr kumimoji="1" lang="ja-JP" altLang="en-US" b="1" dirty="0">
+                <a:solidFill>
+                  <a:srgbClr val="056334"/>
+                </a:solidFill>
+                <a:latin typeface="HGS行書体" panose="03000600000000000000" pitchFamily="66" charset="-128"/>
+                <a:ea typeface="HGS行書体" panose="03000600000000000000" pitchFamily="66" charset="-128"/>
+              </a:rPr>
+              <a:t>投稿ページ</a:t>
+            </a:r>
           </a:p>
         </p:txBody>
       </p:sp>
+      <p:pic>
+        <p:nvPicPr>
+          <p:cNvPr id="6" name="図 5" descr="ロゴ&#10;&#10;自動的に生成された説明">
+            <a:extLst>
+              <a:ext uri="{FF2B5EF4-FFF2-40B4-BE49-F238E27FC236}">
+                <a16:creationId xmlns:a16="http://schemas.microsoft.com/office/drawing/2014/main" id="{732F8A9F-BB72-C13A-DD69-19780233B332}"/>
+              </a:ext>
+            </a:extLst>
+          </p:cNvPr>
+          <p:cNvPicPr>
+            <a:picLocks noChangeAspect="1"/>
+          </p:cNvPicPr>
+          <p:nvPr/>
+        </p:nvPicPr>
+        <p:blipFill>
+          <a:blip r:embed="rId3">
+            <a:extLst>
+              <a:ext uri="{28A0092B-C50C-407E-A947-70E740481C1C}">
+                <a14:useLocalDpi xmlns:a14="http://schemas.microsoft.com/office/drawing/2010/main" val="0"/>
+              </a:ext>
+            </a:extLst>
+          </a:blip>
+          <a:stretch>
+            <a:fillRect/>
+          </a:stretch>
+        </p:blipFill>
+        <p:spPr>
+          <a:xfrm>
+            <a:off x="10270436" y="5919485"/>
+            <a:ext cx="1081500" cy="504700"/>
+          </a:xfrm>
+          <a:prstGeom prst="rect">
+            <a:avLst/>
+          </a:prstGeom>
+        </p:spPr>
+      </p:pic>
+      <p:pic>
+        <p:nvPicPr>
+          <p:cNvPr id="7" name="コンテンツ プレースホルダー 6" descr="グラフィカル ユーザー インターフェイス, テキスト, アプリケーション&#10;&#10;自動的に生成された説明">
+            <a:extLst>
+              <a:ext uri="{FF2B5EF4-FFF2-40B4-BE49-F238E27FC236}">
+                <a16:creationId xmlns:a16="http://schemas.microsoft.com/office/drawing/2014/main" id="{3F32D4AA-5069-3189-54F5-B735A2E14FDC}"/>
+              </a:ext>
+            </a:extLst>
+          </p:cNvPr>
+          <p:cNvPicPr>
+            <a:picLocks noGrp="1" noChangeAspect="1"/>
+          </p:cNvPicPr>
+          <p:nvPr>
+            <p:ph idx="1"/>
+          </p:nvPr>
+        </p:nvPicPr>
+        <p:blipFill>
+          <a:blip r:embed="rId4">
+            <a:extLst>
+              <a:ext uri="{28A0092B-C50C-407E-A947-70E740481C1C}">
+                <a14:useLocalDpi xmlns:a14="http://schemas.microsoft.com/office/drawing/2010/main" val="0"/>
+              </a:ext>
+            </a:extLst>
+          </a:blip>
+          <a:stretch>
+            <a:fillRect/>
+          </a:stretch>
+        </p:blipFill>
+        <p:spPr>
+          <a:xfrm>
+            <a:off x="2226255" y="1754326"/>
+            <a:ext cx="7739489" cy="4351338"/>
+          </a:xfrm>
+        </p:spPr>
+      </p:pic>
     </p:spTree>
     <p:extLst>
       <p:ext uri="{BB962C8B-B14F-4D97-AF65-F5344CB8AC3E}">
@@ -3944,7 +4107,7 @@
 </p:sld>
 </file>
 
-<file path=ppt/slides/slide12.xml><?xml version="1.0" encoding="utf-8"?>
+<file path=ppt/slides/slide13.xml><?xml version="1.0" encoding="utf-8"?>
 <p:sld xmlns:a="http://schemas.openxmlformats.org/drawingml/2006/main" xmlns:r="http://schemas.openxmlformats.org/officeDocument/2006/relationships" xmlns:p="http://schemas.openxmlformats.org/presentationml/2006/main">
   <p:cSld>
     <p:spTree>
@@ -4594,7 +4757,7 @@
                 <a:latin typeface="BIZ UDP明朝 Medium" panose="02020500000000000000" pitchFamily="18" charset="-128"/>
                 <a:ea typeface="BIZ UDP明朝 Medium" panose="02020500000000000000" pitchFamily="18" charset="-128"/>
               </a:rPr>
-              <a:t>チームメンバーからの愛を込めたコメント</a:t>
+              <a:t>チームメンバーからの愛を込めた寄せ書き</a:t>
             </a:r>
             <a:endParaRPr lang="en-US" altLang="ja-JP" sz="3000" b="1" dirty="0">
               <a:solidFill>
@@ -4758,7 +4921,7 @@
 </p:sld>
 </file>
 
-<file path=ppt/slides/slide13.xml><?xml version="1.0" encoding="utf-8"?>
+<file path=ppt/slides/slide14.xml><?xml version="1.0" encoding="utf-8"?>
 <p:sld xmlns:a="http://schemas.openxmlformats.org/drawingml/2006/main" xmlns:r="http://schemas.openxmlformats.org/officeDocument/2006/relationships" xmlns:p="http://schemas.openxmlformats.org/presentationml/2006/main">
   <p:cSld>
     <p:spTree>
@@ -5342,7 +5505,7 @@
 </p:sld>
 </file>
 
-<file path=ppt/slides/slide14.xml><?xml version="1.0" encoding="utf-8"?>
+<file path=ppt/slides/slide15.xml><?xml version="1.0" encoding="utf-8"?>
 <p:sld xmlns:a="http://schemas.openxmlformats.org/drawingml/2006/main" xmlns:r="http://schemas.openxmlformats.org/officeDocument/2006/relationships" xmlns:p="http://schemas.openxmlformats.org/presentationml/2006/main">
   <p:cSld>
     <p:spTree>
@@ -5943,7 +6106,7 @@
 </p:sld>
 </file>
 
-<file path=ppt/slides/slide15.xml><?xml version="1.0" encoding="utf-8"?>
+<file path=ppt/slides/slide16.xml><?xml version="1.0" encoding="utf-8"?>
 <p:sld xmlns:a="http://schemas.openxmlformats.org/drawingml/2006/main" xmlns:r="http://schemas.openxmlformats.org/officeDocument/2006/relationships" xmlns:p="http://schemas.openxmlformats.org/presentationml/2006/main">
   <p:cSld>
     <p:spTree>
@@ -6460,7 +6623,7 @@
 </p:sld>
 </file>
 
-<file path=ppt/slides/slide16.xml><?xml version="1.0" encoding="utf-8"?>
+<file path=ppt/slides/slide17.xml><?xml version="1.0" encoding="utf-8"?>
 <p:sld xmlns:a="http://schemas.openxmlformats.org/drawingml/2006/main" xmlns:r="http://schemas.openxmlformats.org/officeDocument/2006/relationships" xmlns:p="http://schemas.openxmlformats.org/presentationml/2006/main">
   <p:cSld>
     <p:spTree>
@@ -6966,7 +7129,7 @@
 </p:sld>
 </file>
 
-<file path=ppt/slides/slide17.xml><?xml version="1.0" encoding="utf-8"?>
+<file path=ppt/slides/slide18.xml><?xml version="1.0" encoding="utf-8"?>
 <p:sld xmlns:a="http://schemas.openxmlformats.org/drawingml/2006/main" xmlns:r="http://schemas.openxmlformats.org/officeDocument/2006/relationships" xmlns:p="http://schemas.openxmlformats.org/presentationml/2006/main">
   <p:cSld>
     <p:spTree>
@@ -7099,7 +7262,7 @@
         </p:spPr>
         <p:txBody>
           <a:bodyPr>
-            <a:normAutofit lnSpcReduction="10000"/>
+            <a:normAutofit/>
           </a:bodyPr>
           <a:lstStyle/>
           <a:p>
@@ -7125,7 +7288,7 @@
                 <a:latin typeface="BIZ UDP明朝 Medium" panose="02020500000000000000" pitchFamily="18" charset="-128"/>
                 <a:ea typeface="BIZ UDP明朝 Medium" panose="02020500000000000000" pitchFamily="18" charset="-128"/>
               </a:rPr>
-              <a:t>いつもプログラミングで行き詰まった時に助けてくれて、本当にありがとう。日報入力などの雑務も頑張りましょう！​</a:t>
+              <a:t>いつもプログラミングで行き詰まった時に助けてくれて、本当にありがとう。</a:t>
             </a:r>
           </a:p>
           <a:p>
@@ -7534,7 +7697,7 @@
 </p:sld>
 </file>
 
-<file path=ppt/slides/slide18.xml><?xml version="1.0" encoding="utf-8"?>
+<file path=ppt/slides/slide19.xml><?xml version="1.0" encoding="utf-8"?>
 <p:sld xmlns:a="http://schemas.openxmlformats.org/drawingml/2006/main" xmlns:r="http://schemas.openxmlformats.org/officeDocument/2006/relationships" xmlns:p="http://schemas.openxmlformats.org/presentationml/2006/main">
   <p:cSld>
     <p:spTree>
@@ -7999,7 +8162,7 @@
                 <a:latin typeface="BIZ UDP明朝 Medium" panose="02020500000000000000" pitchFamily="18" charset="-128"/>
                 <a:ea typeface="BIZ UDP明朝 Medium" panose="02020500000000000000" pitchFamily="18" charset="-128"/>
               </a:rPr>
-              <a:t>個人成長：　質問や人に頼ることができるようになった！</a:t>
+              <a:t>個人成長：　人に頼ることができるようになった！</a:t>
             </a:r>
             <a:endParaRPr lang="ja-JP" altLang="en-US" b="1" dirty="0">
               <a:solidFill>
@@ -8071,7 +8234,751 @@
 </p:sld>
 </file>
 
-<file path=ppt/slides/slide19.xml><?xml version="1.0" encoding="utf-8"?>
+<file path=ppt/slides/slide2.xml><?xml version="1.0" encoding="utf-8"?>
+<p:sld xmlns:a="http://schemas.openxmlformats.org/drawingml/2006/main" xmlns:r="http://schemas.openxmlformats.org/officeDocument/2006/relationships" xmlns:p="http://schemas.openxmlformats.org/presentationml/2006/main">
+  <p:cSld>
+    <p:spTree>
+      <p:nvGrpSpPr>
+        <p:cNvPr id="1" name=""/>
+        <p:cNvGrpSpPr/>
+        <p:nvPr/>
+      </p:nvGrpSpPr>
+      <p:grpSpPr>
+        <a:xfrm>
+          <a:off x="0" y="0"/>
+          <a:ext cx="0" cy="0"/>
+          <a:chOff x="0" y="0"/>
+          <a:chExt cx="0" cy="0"/>
+        </a:xfrm>
+      </p:grpSpPr>
+      <p:sp>
+        <p:nvSpPr>
+          <p:cNvPr id="6" name="正方形/長方形 5">
+            <a:extLst>
+              <a:ext uri="{FF2B5EF4-FFF2-40B4-BE49-F238E27FC236}">
+                <a16:creationId xmlns:a16="http://schemas.microsoft.com/office/drawing/2014/main" id="{0F4F5560-4DDF-95AE-553A-22C0E1AC37B9}"/>
+              </a:ext>
+            </a:extLst>
+          </p:cNvPr>
+          <p:cNvSpPr/>
+          <p:nvPr/>
+        </p:nvSpPr>
+        <p:spPr>
+          <a:xfrm>
+            <a:off x="682487" y="301487"/>
+            <a:ext cx="10827026" cy="6255026"/>
+          </a:xfrm>
+          <a:prstGeom prst="rect">
+            <a:avLst/>
+          </a:prstGeom>
+          <a:solidFill>
+            <a:schemeClr val="bg1"/>
+          </a:solidFill>
+          <a:ln>
+            <a:noFill/>
+          </a:ln>
+        </p:spPr>
+        <p:style>
+          <a:lnRef idx="2">
+            <a:schemeClr val="accent1">
+              <a:shade val="50000"/>
+            </a:schemeClr>
+          </a:lnRef>
+          <a:fillRef idx="1">
+            <a:schemeClr val="accent1"/>
+          </a:fillRef>
+          <a:effectRef idx="0">
+            <a:schemeClr val="accent1"/>
+          </a:effectRef>
+          <a:fontRef idx="minor">
+            <a:schemeClr val="lt1"/>
+          </a:fontRef>
+        </p:style>
+        <p:txBody>
+          <a:bodyPr rtlCol="0" anchor="ctr"/>
+          <a:lstStyle/>
+          <a:p>
+            <a:pPr algn="ctr"/>
+            <a:endParaRPr kumimoji="1" lang="ja-JP" altLang="en-US"/>
+          </a:p>
+        </p:txBody>
+      </p:sp>
+      <p:sp>
+        <p:nvSpPr>
+          <p:cNvPr id="3" name="コンテンツ プレースホルダー 2">
+            <a:extLst>
+              <a:ext uri="{FF2B5EF4-FFF2-40B4-BE49-F238E27FC236}">
+                <a16:creationId xmlns:a16="http://schemas.microsoft.com/office/drawing/2014/main" id="{C8C30089-0585-7397-D2CA-6DB74C1DC5B2}"/>
+              </a:ext>
+            </a:extLst>
+          </p:cNvPr>
+          <p:cNvSpPr>
+            <a:spLocks noGrp="1"/>
+          </p:cNvSpPr>
+          <p:nvPr>
+            <p:ph idx="1"/>
+          </p:nvPr>
+        </p:nvSpPr>
+        <p:spPr>
+          <a:xfrm>
+            <a:off x="4167808" y="2446083"/>
+            <a:ext cx="3882887" cy="2192178"/>
+          </a:xfrm>
+        </p:spPr>
+        <p:txBody>
+          <a:bodyPr>
+            <a:normAutofit/>
+          </a:bodyPr>
+          <a:lstStyle/>
+          <a:p>
+            <a:pPr>
+              <a:buFont typeface="Wingdings" panose="05000000000000000000" pitchFamily="2" charset="2"/>
+              <a:buChar char="Ø"/>
+            </a:pPr>
+            <a:r>
+              <a:rPr kumimoji="1" lang="en-US" altLang="ja-JP" b="1" u="sng" dirty="0">
+                <a:latin typeface="BIZ UDP明朝 Medium" panose="02020500000000000000" pitchFamily="18" charset="-128"/>
+                <a:ea typeface="BIZ UDP明朝 Medium" panose="02020500000000000000" pitchFamily="18" charset="-128"/>
+              </a:rPr>
+              <a:t>FLIFRE</a:t>
+            </a:r>
+            <a:r>
+              <a:rPr kumimoji="1" lang="ja-JP" altLang="en-US" b="1" u="sng" dirty="0">
+                <a:latin typeface="BIZ UDP明朝 Medium" panose="02020500000000000000" pitchFamily="18" charset="-128"/>
+                <a:ea typeface="BIZ UDP明朝 Medium" panose="02020500000000000000" pitchFamily="18" charset="-128"/>
+              </a:rPr>
+              <a:t>について</a:t>
+            </a:r>
+            <a:endParaRPr kumimoji="1" lang="en-US" altLang="ja-JP" b="1" u="sng" dirty="0">
+              <a:latin typeface="BIZ UDP明朝 Medium" panose="02020500000000000000" pitchFamily="18" charset="-128"/>
+              <a:ea typeface="BIZ UDP明朝 Medium" panose="02020500000000000000" pitchFamily="18" charset="-128"/>
+            </a:endParaRPr>
+          </a:p>
+          <a:p>
+            <a:pPr>
+              <a:buFont typeface="Wingdings" panose="05000000000000000000" pitchFamily="2" charset="2"/>
+              <a:buChar char="Ø"/>
+            </a:pPr>
+            <a:r>
+              <a:rPr lang="en-US" altLang="ja-JP" b="1" u="sng" dirty="0">
+                <a:latin typeface="BIZ UDP明朝 Medium" panose="02020500000000000000" pitchFamily="18" charset="-128"/>
+                <a:ea typeface="BIZ UDP明朝 Medium" panose="02020500000000000000" pitchFamily="18" charset="-128"/>
+              </a:rPr>
+              <a:t>FLIFRE</a:t>
+            </a:r>
+            <a:r>
+              <a:rPr lang="ja-JP" altLang="en-US" b="1" u="sng" dirty="0">
+                <a:latin typeface="BIZ UDP明朝 Medium" panose="02020500000000000000" pitchFamily="18" charset="-128"/>
+                <a:ea typeface="BIZ UDP明朝 Medium" panose="02020500000000000000" pitchFamily="18" charset="-128"/>
+              </a:rPr>
+              <a:t>の開発背景</a:t>
+            </a:r>
+            <a:endParaRPr kumimoji="1" lang="en-US" altLang="ja-JP" b="1" u="sng" dirty="0">
+              <a:latin typeface="BIZ UDP明朝 Medium" panose="02020500000000000000" pitchFamily="18" charset="-128"/>
+              <a:ea typeface="BIZ UDP明朝 Medium" panose="02020500000000000000" pitchFamily="18" charset="-128"/>
+            </a:endParaRPr>
+          </a:p>
+          <a:p>
+            <a:pPr>
+              <a:buFont typeface="Wingdings" panose="05000000000000000000" pitchFamily="2" charset="2"/>
+              <a:buChar char="Ø"/>
+            </a:pPr>
+            <a:r>
+              <a:rPr lang="ja-JP" altLang="en-US" b="1" u="sng" dirty="0">
+                <a:latin typeface="BIZ UDP明朝 Medium" panose="02020500000000000000" pitchFamily="18" charset="-128"/>
+                <a:ea typeface="BIZ UDP明朝 Medium" panose="02020500000000000000" pitchFamily="18" charset="-128"/>
+              </a:rPr>
+              <a:t>機能説明</a:t>
+            </a:r>
+            <a:endParaRPr lang="en-US" altLang="ja-JP" b="1" u="sng" dirty="0">
+              <a:latin typeface="BIZ UDP明朝 Medium" panose="02020500000000000000" pitchFamily="18" charset="-128"/>
+              <a:ea typeface="BIZ UDP明朝 Medium" panose="02020500000000000000" pitchFamily="18" charset="-128"/>
+            </a:endParaRPr>
+          </a:p>
+          <a:p>
+            <a:pPr>
+              <a:buFont typeface="Wingdings" panose="05000000000000000000" pitchFamily="2" charset="2"/>
+              <a:buChar char="Ø"/>
+            </a:pPr>
+            <a:r>
+              <a:rPr kumimoji="1" lang="ja-JP" altLang="en-US" b="1" u="sng" dirty="0">
+                <a:latin typeface="BIZ UDP明朝 Medium" panose="02020500000000000000" pitchFamily="18" charset="-128"/>
+                <a:ea typeface="BIZ UDP明朝 Medium" panose="02020500000000000000" pitchFamily="18" charset="-128"/>
+              </a:rPr>
+              <a:t>個人成長</a:t>
+            </a:r>
+            <a:endParaRPr kumimoji="1" lang="en-US" altLang="ja-JP" sz="3200" b="1" u="sng" dirty="0">
+              <a:latin typeface="BIZ UDP明朝 Medium" panose="02020500000000000000" pitchFamily="18" charset="-128"/>
+              <a:ea typeface="BIZ UDP明朝 Medium" panose="02020500000000000000" pitchFamily="18" charset="-128"/>
+            </a:endParaRPr>
+          </a:p>
+        </p:txBody>
+      </p:sp>
+      <p:pic>
+        <p:nvPicPr>
+          <p:cNvPr id="8" name="Picture 12">
+            <a:extLst>
+              <a:ext uri="{FF2B5EF4-FFF2-40B4-BE49-F238E27FC236}">
+                <a16:creationId xmlns:a16="http://schemas.microsoft.com/office/drawing/2014/main" id="{0FBE787C-D67B-E2E9-9B42-F577A275141F}"/>
+              </a:ext>
+            </a:extLst>
+          </p:cNvPr>
+          <p:cNvPicPr>
+            <a:picLocks noChangeAspect="1" noChangeArrowheads="1"/>
+          </p:cNvPicPr>
+          <p:nvPr/>
+        </p:nvPicPr>
+        <p:blipFill>
+          <a:blip r:embed="rId2">
+            <a:duotone>
+              <a:prstClr val="black"/>
+              <a:srgbClr val="FF0000">
+                <a:tint val="45000"/>
+                <a:satMod val="400000"/>
+              </a:srgbClr>
+            </a:duotone>
+            <a:extLst>
+              <a:ext uri="{28A0092B-C50C-407E-A947-70E740481C1C}">
+                <a14:useLocalDpi xmlns:a14="http://schemas.microsoft.com/office/drawing/2010/main" val="0"/>
+              </a:ext>
+            </a:extLst>
+          </a:blip>
+          <a:srcRect/>
+          <a:stretch>
+            <a:fillRect/>
+          </a:stretch>
+        </p:blipFill>
+        <p:spPr bwMode="auto">
+          <a:xfrm>
+            <a:off x="438350" y="98251"/>
+            <a:ext cx="11341804" cy="1930400"/>
+          </a:xfrm>
+          <a:prstGeom prst="rect">
+            <a:avLst/>
+          </a:prstGeom>
+          <a:noFill/>
+          <a:extLst>
+            <a:ext uri="{909E8E84-426E-40DD-AFC4-6F175D3DCCD1}">
+              <a14:hiddenFill xmlns:a14="http://schemas.microsoft.com/office/drawing/2010/main">
+                <a:solidFill>
+                  <a:srgbClr val="FFFFFF"/>
+                </a:solidFill>
+              </a14:hiddenFill>
+            </a:ext>
+          </a:extLst>
+        </p:spPr>
+      </p:pic>
+      <p:sp>
+        <p:nvSpPr>
+          <p:cNvPr id="9" name="字幕 2">
+            <a:extLst>
+              <a:ext uri="{FF2B5EF4-FFF2-40B4-BE49-F238E27FC236}">
+                <a16:creationId xmlns:a16="http://schemas.microsoft.com/office/drawing/2014/main" id="{6BEAD35A-4747-FED1-165B-F77B563C2A38}"/>
+              </a:ext>
+            </a:extLst>
+          </p:cNvPr>
+          <p:cNvSpPr txBox="1">
+            <a:spLocks/>
+          </p:cNvSpPr>
+          <p:nvPr/>
+        </p:nvSpPr>
+        <p:spPr>
+          <a:xfrm>
+            <a:off x="3699972" y="736218"/>
+            <a:ext cx="4792055" cy="929814"/>
+          </a:xfrm>
+          <a:prstGeom prst="rect">
+            <a:avLst/>
+          </a:prstGeom>
+        </p:spPr>
+        <p:txBody>
+          <a:bodyPr vert="horz" lIns="91440" tIns="45720" rIns="91440" bIns="45720" rtlCol="0">
+            <a:noAutofit/>
+          </a:bodyPr>
+          <a:lstStyle>
+            <a:lvl1pPr marL="228600" indent="-228600" algn="l" defTabSz="914400" rtl="0" eaLnBrk="1" latinLnBrk="0" hangingPunct="1">
+              <a:lnSpc>
+                <a:spcPct val="90000"/>
+              </a:lnSpc>
+              <a:spcBef>
+                <a:spcPts val="1000"/>
+              </a:spcBef>
+              <a:buFont typeface="Arial" panose="020B0604020202020204" pitchFamily="34" charset="0"/>
+              <a:buChar char="•"/>
+              <a:defRPr kumimoji="1" sz="2800" kern="1200">
+                <a:solidFill>
+                  <a:schemeClr val="tx1"/>
+                </a:solidFill>
+                <a:latin typeface="+mn-lt"/>
+                <a:ea typeface="+mn-ea"/>
+                <a:cs typeface="+mn-cs"/>
+              </a:defRPr>
+            </a:lvl1pPr>
+            <a:lvl2pPr marL="685800" indent="-228600" algn="l" defTabSz="914400" rtl="0" eaLnBrk="1" latinLnBrk="0" hangingPunct="1">
+              <a:lnSpc>
+                <a:spcPct val="90000"/>
+              </a:lnSpc>
+              <a:spcBef>
+                <a:spcPts val="500"/>
+              </a:spcBef>
+              <a:buFont typeface="Arial" panose="020B0604020202020204" pitchFamily="34" charset="0"/>
+              <a:buChar char="•"/>
+              <a:defRPr kumimoji="1" sz="2400" kern="1200">
+                <a:solidFill>
+                  <a:schemeClr val="tx1"/>
+                </a:solidFill>
+                <a:latin typeface="+mn-lt"/>
+                <a:ea typeface="+mn-ea"/>
+                <a:cs typeface="+mn-cs"/>
+              </a:defRPr>
+            </a:lvl2pPr>
+            <a:lvl3pPr marL="1143000" indent="-228600" algn="l" defTabSz="914400" rtl="0" eaLnBrk="1" latinLnBrk="0" hangingPunct="1">
+              <a:lnSpc>
+                <a:spcPct val="90000"/>
+              </a:lnSpc>
+              <a:spcBef>
+                <a:spcPts val="500"/>
+              </a:spcBef>
+              <a:buFont typeface="Arial" panose="020B0604020202020204" pitchFamily="34" charset="0"/>
+              <a:buChar char="•"/>
+              <a:defRPr kumimoji="1" sz="2000" kern="1200">
+                <a:solidFill>
+                  <a:schemeClr val="tx1"/>
+                </a:solidFill>
+                <a:latin typeface="+mn-lt"/>
+                <a:ea typeface="+mn-ea"/>
+                <a:cs typeface="+mn-cs"/>
+              </a:defRPr>
+            </a:lvl3pPr>
+            <a:lvl4pPr marL="1600200" indent="-228600" algn="l" defTabSz="914400" rtl="0" eaLnBrk="1" latinLnBrk="0" hangingPunct="1">
+              <a:lnSpc>
+                <a:spcPct val="90000"/>
+              </a:lnSpc>
+              <a:spcBef>
+                <a:spcPts val="500"/>
+              </a:spcBef>
+              <a:buFont typeface="Arial" panose="020B0604020202020204" pitchFamily="34" charset="0"/>
+              <a:buChar char="•"/>
+              <a:defRPr kumimoji="1" sz="1800" kern="1200">
+                <a:solidFill>
+                  <a:schemeClr val="tx1"/>
+                </a:solidFill>
+                <a:latin typeface="+mn-lt"/>
+                <a:ea typeface="+mn-ea"/>
+                <a:cs typeface="+mn-cs"/>
+              </a:defRPr>
+            </a:lvl4pPr>
+            <a:lvl5pPr marL="2057400" indent="-228600" algn="l" defTabSz="914400" rtl="0" eaLnBrk="1" latinLnBrk="0" hangingPunct="1">
+              <a:lnSpc>
+                <a:spcPct val="90000"/>
+              </a:lnSpc>
+              <a:spcBef>
+                <a:spcPts val="500"/>
+              </a:spcBef>
+              <a:buFont typeface="Arial" panose="020B0604020202020204" pitchFamily="34" charset="0"/>
+              <a:buChar char="•"/>
+              <a:defRPr kumimoji="1" sz="1800" kern="1200">
+                <a:solidFill>
+                  <a:schemeClr val="tx1"/>
+                </a:solidFill>
+                <a:latin typeface="+mn-lt"/>
+                <a:ea typeface="+mn-ea"/>
+                <a:cs typeface="+mn-cs"/>
+              </a:defRPr>
+            </a:lvl5pPr>
+            <a:lvl6pPr marL="2514600" indent="-228600" algn="l" defTabSz="914400" rtl="0" eaLnBrk="1" latinLnBrk="0" hangingPunct="1">
+              <a:lnSpc>
+                <a:spcPct val="90000"/>
+              </a:lnSpc>
+              <a:spcBef>
+                <a:spcPts val="500"/>
+              </a:spcBef>
+              <a:buFont typeface="Arial" panose="020B0604020202020204" pitchFamily="34" charset="0"/>
+              <a:buChar char="•"/>
+              <a:defRPr kumimoji="1" sz="1800" kern="1200">
+                <a:solidFill>
+                  <a:schemeClr val="tx1"/>
+                </a:solidFill>
+                <a:latin typeface="+mn-lt"/>
+                <a:ea typeface="+mn-ea"/>
+                <a:cs typeface="+mn-cs"/>
+              </a:defRPr>
+            </a:lvl6pPr>
+            <a:lvl7pPr marL="2971800" indent="-228600" algn="l" defTabSz="914400" rtl="0" eaLnBrk="1" latinLnBrk="0" hangingPunct="1">
+              <a:lnSpc>
+                <a:spcPct val="90000"/>
+              </a:lnSpc>
+              <a:spcBef>
+                <a:spcPts val="500"/>
+              </a:spcBef>
+              <a:buFont typeface="Arial" panose="020B0604020202020204" pitchFamily="34" charset="0"/>
+              <a:buChar char="•"/>
+              <a:defRPr kumimoji="1" sz="1800" kern="1200">
+                <a:solidFill>
+                  <a:schemeClr val="tx1"/>
+                </a:solidFill>
+                <a:latin typeface="+mn-lt"/>
+                <a:ea typeface="+mn-ea"/>
+                <a:cs typeface="+mn-cs"/>
+              </a:defRPr>
+            </a:lvl7pPr>
+            <a:lvl8pPr marL="3429000" indent="-228600" algn="l" defTabSz="914400" rtl="0" eaLnBrk="1" latinLnBrk="0" hangingPunct="1">
+              <a:lnSpc>
+                <a:spcPct val="90000"/>
+              </a:lnSpc>
+              <a:spcBef>
+                <a:spcPts val="500"/>
+              </a:spcBef>
+              <a:buFont typeface="Arial" panose="020B0604020202020204" pitchFamily="34" charset="0"/>
+              <a:buChar char="•"/>
+              <a:defRPr kumimoji="1" sz="1800" kern="1200">
+                <a:solidFill>
+                  <a:schemeClr val="tx1"/>
+                </a:solidFill>
+                <a:latin typeface="+mn-lt"/>
+                <a:ea typeface="+mn-ea"/>
+                <a:cs typeface="+mn-cs"/>
+              </a:defRPr>
+            </a:lvl8pPr>
+            <a:lvl9pPr marL="3886200" indent="-228600" algn="l" defTabSz="914400" rtl="0" eaLnBrk="1" latinLnBrk="0" hangingPunct="1">
+              <a:lnSpc>
+                <a:spcPct val="90000"/>
+              </a:lnSpc>
+              <a:spcBef>
+                <a:spcPts val="500"/>
+              </a:spcBef>
+              <a:buFont typeface="Arial" panose="020B0604020202020204" pitchFamily="34" charset="0"/>
+              <a:buChar char="•"/>
+              <a:defRPr kumimoji="1" sz="1800" kern="1200">
+                <a:solidFill>
+                  <a:schemeClr val="tx1"/>
+                </a:solidFill>
+                <a:latin typeface="+mn-lt"/>
+                <a:ea typeface="+mn-ea"/>
+                <a:cs typeface="+mn-cs"/>
+              </a:defRPr>
+            </a:lvl9pPr>
+          </a:lstStyle>
+          <a:p>
+            <a:pPr marL="0" indent="0">
+              <a:buNone/>
+            </a:pPr>
+            <a:r>
+              <a:rPr lang="ja-JP" altLang="en-US" sz="4800" dirty="0">
+                <a:solidFill>
+                  <a:schemeClr val="bg1"/>
+                </a:solidFill>
+                <a:latin typeface="HGS行書体" panose="03000600000000000000" pitchFamily="66" charset="-128"/>
+                <a:ea typeface="HGS行書体" panose="03000600000000000000" pitchFamily="66" charset="-128"/>
+              </a:rPr>
+              <a:t>本日のお品書き</a:t>
+            </a:r>
+            <a:endParaRPr lang="en-US" altLang="ja-JP" sz="4800" dirty="0">
+              <a:solidFill>
+                <a:schemeClr val="bg1"/>
+              </a:solidFill>
+              <a:latin typeface="HGS行書体" panose="03000600000000000000" pitchFamily="66" charset="-128"/>
+              <a:ea typeface="HGS行書体" panose="03000600000000000000" pitchFamily="66" charset="-128"/>
+            </a:endParaRPr>
+          </a:p>
+        </p:txBody>
+      </p:sp>
+      <p:pic>
+        <p:nvPicPr>
+          <p:cNvPr id="10" name="Picture 8">
+            <a:extLst>
+              <a:ext uri="{FF2B5EF4-FFF2-40B4-BE49-F238E27FC236}">
+                <a16:creationId xmlns:a16="http://schemas.microsoft.com/office/drawing/2014/main" id="{7BDE0EBF-610B-2B20-59A4-E0EB40BB561B}"/>
+              </a:ext>
+            </a:extLst>
+          </p:cNvPr>
+          <p:cNvPicPr>
+            <a:picLocks noChangeAspect="1" noChangeArrowheads="1"/>
+          </p:cNvPicPr>
+          <p:nvPr/>
+        </p:nvPicPr>
+        <p:blipFill>
+          <a:blip r:embed="rId3">
+            <a:extLst>
+              <a:ext uri="{28A0092B-C50C-407E-A947-70E740481C1C}">
+                <a14:useLocalDpi xmlns:a14="http://schemas.microsoft.com/office/drawing/2010/main" val="0"/>
+              </a:ext>
+            </a:extLst>
+          </a:blip>
+          <a:srcRect/>
+          <a:stretch>
+            <a:fillRect/>
+          </a:stretch>
+        </p:blipFill>
+        <p:spPr bwMode="auto">
+          <a:xfrm flipH="1">
+            <a:off x="10334551" y="4518568"/>
+            <a:ext cx="1224753" cy="1781459"/>
+          </a:xfrm>
+          <a:prstGeom prst="rect">
+            <a:avLst/>
+          </a:prstGeom>
+          <a:noFill/>
+          <a:extLst>
+            <a:ext uri="{909E8E84-426E-40DD-AFC4-6F175D3DCCD1}">
+              <a14:hiddenFill xmlns:a14="http://schemas.microsoft.com/office/drawing/2010/main">
+                <a:solidFill>
+                  <a:srgbClr val="FFFFFF"/>
+                </a:solidFill>
+              </a14:hiddenFill>
+            </a:ext>
+          </a:extLst>
+        </p:spPr>
+      </p:pic>
+      <p:pic>
+        <p:nvPicPr>
+          <p:cNvPr id="11" name="Picture 10">
+            <a:extLst>
+              <a:ext uri="{FF2B5EF4-FFF2-40B4-BE49-F238E27FC236}">
+                <a16:creationId xmlns:a16="http://schemas.microsoft.com/office/drawing/2014/main" id="{38D0EDB7-B120-9D93-ACE5-88B024691689}"/>
+              </a:ext>
+            </a:extLst>
+          </p:cNvPr>
+          <p:cNvPicPr>
+            <a:picLocks noChangeAspect="1" noChangeArrowheads="1"/>
+          </p:cNvPicPr>
+          <p:nvPr/>
+        </p:nvPicPr>
+        <p:blipFill>
+          <a:blip r:embed="rId4">
+            <a:extLst>
+              <a:ext uri="{28A0092B-C50C-407E-A947-70E740481C1C}">
+                <a14:useLocalDpi xmlns:a14="http://schemas.microsoft.com/office/drawing/2010/main" val="0"/>
+              </a:ext>
+            </a:extLst>
+          </a:blip>
+          <a:srcRect/>
+          <a:stretch>
+            <a:fillRect/>
+          </a:stretch>
+        </p:blipFill>
+        <p:spPr bwMode="auto">
+          <a:xfrm flipH="1">
+            <a:off x="9344518" y="4517165"/>
+            <a:ext cx="1229747" cy="1756781"/>
+          </a:xfrm>
+          <a:prstGeom prst="rect">
+            <a:avLst/>
+          </a:prstGeom>
+          <a:noFill/>
+          <a:extLst>
+            <a:ext uri="{909E8E84-426E-40DD-AFC4-6F175D3DCCD1}">
+              <a14:hiddenFill xmlns:a14="http://schemas.microsoft.com/office/drawing/2010/main">
+                <a:solidFill>
+                  <a:srgbClr val="FFFFFF"/>
+                </a:solidFill>
+              </a14:hiddenFill>
+            </a:ext>
+          </a:extLst>
+        </p:spPr>
+      </p:pic>
+      <p:pic>
+        <p:nvPicPr>
+          <p:cNvPr id="12" name="Picture 8">
+            <a:extLst>
+              <a:ext uri="{FF2B5EF4-FFF2-40B4-BE49-F238E27FC236}">
+                <a16:creationId xmlns:a16="http://schemas.microsoft.com/office/drawing/2014/main" id="{A2D940D0-A081-2D7B-61F1-061E0929A43E}"/>
+              </a:ext>
+            </a:extLst>
+          </p:cNvPr>
+          <p:cNvPicPr>
+            <a:picLocks noChangeAspect="1" noChangeArrowheads="1"/>
+          </p:cNvPicPr>
+          <p:nvPr/>
+        </p:nvPicPr>
+        <p:blipFill>
+          <a:blip r:embed="rId3">
+            <a:extLst>
+              <a:ext uri="{28A0092B-C50C-407E-A947-70E740481C1C}">
+                <a14:useLocalDpi xmlns:a14="http://schemas.microsoft.com/office/drawing/2010/main" val="0"/>
+              </a:ext>
+            </a:extLst>
+          </a:blip>
+          <a:srcRect/>
+          <a:stretch>
+            <a:fillRect/>
+          </a:stretch>
+        </p:blipFill>
+        <p:spPr bwMode="auto">
+          <a:xfrm>
+            <a:off x="710224" y="4492487"/>
+            <a:ext cx="1224753" cy="1781459"/>
+          </a:xfrm>
+          <a:prstGeom prst="rect">
+            <a:avLst/>
+          </a:prstGeom>
+          <a:noFill/>
+          <a:extLst>
+            <a:ext uri="{909E8E84-426E-40DD-AFC4-6F175D3DCCD1}">
+              <a14:hiddenFill xmlns:a14="http://schemas.microsoft.com/office/drawing/2010/main">
+                <a:solidFill>
+                  <a:srgbClr val="FFFFFF"/>
+                </a:solidFill>
+              </a14:hiddenFill>
+            </a:ext>
+          </a:extLst>
+        </p:spPr>
+      </p:pic>
+      <p:pic>
+        <p:nvPicPr>
+          <p:cNvPr id="13" name="Picture 8">
+            <a:extLst>
+              <a:ext uri="{FF2B5EF4-FFF2-40B4-BE49-F238E27FC236}">
+                <a16:creationId xmlns:a16="http://schemas.microsoft.com/office/drawing/2014/main" id="{A25C3A3F-6059-89F1-6967-C72AB4246B49}"/>
+              </a:ext>
+            </a:extLst>
+          </p:cNvPr>
+          <p:cNvPicPr>
+            <a:picLocks noChangeAspect="1" noChangeArrowheads="1"/>
+          </p:cNvPicPr>
+          <p:nvPr/>
+        </p:nvPicPr>
+        <p:blipFill>
+          <a:blip r:embed="rId3">
+            <a:extLst>
+              <a:ext uri="{28A0092B-C50C-407E-A947-70E740481C1C}">
+                <a14:useLocalDpi xmlns:a14="http://schemas.microsoft.com/office/drawing/2010/main" val="0"/>
+              </a:ext>
+            </a:extLst>
+          </a:blip>
+          <a:srcRect/>
+          <a:stretch>
+            <a:fillRect/>
+          </a:stretch>
+        </p:blipFill>
+        <p:spPr bwMode="auto">
+          <a:xfrm>
+            <a:off x="2656786" y="4518568"/>
+            <a:ext cx="1224753" cy="1781459"/>
+          </a:xfrm>
+          <a:prstGeom prst="rect">
+            <a:avLst/>
+          </a:prstGeom>
+          <a:noFill/>
+          <a:extLst>
+            <a:ext uri="{909E8E84-426E-40DD-AFC4-6F175D3DCCD1}">
+              <a14:hiddenFill xmlns:a14="http://schemas.microsoft.com/office/drawing/2010/main">
+                <a:solidFill>
+                  <a:srgbClr val="FFFFFF"/>
+                </a:solidFill>
+              </a14:hiddenFill>
+            </a:ext>
+          </a:extLst>
+        </p:spPr>
+      </p:pic>
+      <p:pic>
+        <p:nvPicPr>
+          <p:cNvPr id="14" name="Picture 10">
+            <a:extLst>
+              <a:ext uri="{FF2B5EF4-FFF2-40B4-BE49-F238E27FC236}">
+                <a16:creationId xmlns:a16="http://schemas.microsoft.com/office/drawing/2014/main" id="{CBA3D6A5-A45F-9487-439C-81A0EAE97A9A}"/>
+              </a:ext>
+            </a:extLst>
+          </p:cNvPr>
+          <p:cNvPicPr>
+            <a:picLocks noChangeAspect="1" noChangeArrowheads="1"/>
+          </p:cNvPicPr>
+          <p:nvPr/>
+        </p:nvPicPr>
+        <p:blipFill>
+          <a:blip r:embed="rId4">
+            <a:extLst>
+              <a:ext uri="{28A0092B-C50C-407E-A947-70E740481C1C}">
+                <a14:useLocalDpi xmlns:a14="http://schemas.microsoft.com/office/drawing/2010/main" val="0"/>
+              </a:ext>
+            </a:extLst>
+          </a:blip>
+          <a:srcRect/>
+          <a:stretch>
+            <a:fillRect/>
+          </a:stretch>
+        </p:blipFill>
+        <p:spPr bwMode="auto">
+          <a:xfrm>
+            <a:off x="1675975" y="4505736"/>
+            <a:ext cx="1229747" cy="1756781"/>
+          </a:xfrm>
+          <a:prstGeom prst="rect">
+            <a:avLst/>
+          </a:prstGeom>
+          <a:noFill/>
+          <a:extLst>
+            <a:ext uri="{909E8E84-426E-40DD-AFC4-6F175D3DCCD1}">
+              <a14:hiddenFill xmlns:a14="http://schemas.microsoft.com/office/drawing/2010/main">
+                <a:solidFill>
+                  <a:srgbClr val="FFFFFF"/>
+                </a:solidFill>
+              </a14:hiddenFill>
+            </a:ext>
+          </a:extLst>
+        </p:spPr>
+      </p:pic>
+      <p:pic>
+        <p:nvPicPr>
+          <p:cNvPr id="15" name="Picture 8">
+            <a:extLst>
+              <a:ext uri="{FF2B5EF4-FFF2-40B4-BE49-F238E27FC236}">
+                <a16:creationId xmlns:a16="http://schemas.microsoft.com/office/drawing/2014/main" id="{AD578ABE-6B68-FD76-4B48-C38AB27E7FE6}"/>
+              </a:ext>
+            </a:extLst>
+          </p:cNvPr>
+          <p:cNvPicPr>
+            <a:picLocks noChangeAspect="1" noChangeArrowheads="1"/>
+          </p:cNvPicPr>
+          <p:nvPr/>
+        </p:nvPicPr>
+        <p:blipFill>
+          <a:blip r:embed="rId3">
+            <a:extLst>
+              <a:ext uri="{28A0092B-C50C-407E-A947-70E740481C1C}">
+                <a14:useLocalDpi xmlns:a14="http://schemas.microsoft.com/office/drawing/2010/main" val="0"/>
+              </a:ext>
+            </a:extLst>
+          </a:blip>
+          <a:srcRect/>
+          <a:stretch>
+            <a:fillRect/>
+          </a:stretch>
+        </p:blipFill>
+        <p:spPr bwMode="auto">
+          <a:xfrm flipH="1">
+            <a:off x="8428352" y="4518568"/>
+            <a:ext cx="1224753" cy="1781459"/>
+          </a:xfrm>
+          <a:prstGeom prst="rect">
+            <a:avLst/>
+          </a:prstGeom>
+          <a:noFill/>
+          <a:extLst>
+            <a:ext uri="{909E8E84-426E-40DD-AFC4-6F175D3DCCD1}">
+              <a14:hiddenFill xmlns:a14="http://schemas.microsoft.com/office/drawing/2010/main">
+                <a:solidFill>
+                  <a:srgbClr val="FFFFFF"/>
+                </a:solidFill>
+              </a14:hiddenFill>
+            </a:ext>
+          </a:extLst>
+        </p:spPr>
+      </p:pic>
+    </p:spTree>
+    <p:extLst>
+      <p:ext uri="{BB962C8B-B14F-4D97-AF65-F5344CB8AC3E}">
+        <p14:creationId xmlns:p14="http://schemas.microsoft.com/office/powerpoint/2010/main" val="1004917846"/>
+      </p:ext>
+    </p:extLst>
+  </p:cSld>
+  <p:clrMapOvr>
+    <a:masterClrMapping/>
+  </p:clrMapOvr>
+</p:sld>
+</file>
+
+<file path=ppt/slides/slide20.xml><?xml version="1.0" encoding="utf-8"?>
 <p:sld xmlns:a="http://schemas.openxmlformats.org/drawingml/2006/main" xmlns:r="http://schemas.openxmlformats.org/officeDocument/2006/relationships" xmlns:p="http://schemas.openxmlformats.org/presentationml/2006/main">
   <p:cSld>
     <p:spTree>
@@ -8770,750 +9677,6 @@
     <p:extLst>
       <p:ext uri="{BB962C8B-B14F-4D97-AF65-F5344CB8AC3E}">
         <p14:creationId xmlns:p14="http://schemas.microsoft.com/office/powerpoint/2010/main" val="712348235"/>
-      </p:ext>
-    </p:extLst>
-  </p:cSld>
-  <p:clrMapOvr>
-    <a:masterClrMapping/>
-  </p:clrMapOvr>
-</p:sld>
-</file>
-
-<file path=ppt/slides/slide2.xml><?xml version="1.0" encoding="utf-8"?>
-<p:sld xmlns:a="http://schemas.openxmlformats.org/drawingml/2006/main" xmlns:r="http://schemas.openxmlformats.org/officeDocument/2006/relationships" xmlns:p="http://schemas.openxmlformats.org/presentationml/2006/main">
-  <p:cSld>
-    <p:spTree>
-      <p:nvGrpSpPr>
-        <p:cNvPr id="1" name=""/>
-        <p:cNvGrpSpPr/>
-        <p:nvPr/>
-      </p:nvGrpSpPr>
-      <p:grpSpPr>
-        <a:xfrm>
-          <a:off x="0" y="0"/>
-          <a:ext cx="0" cy="0"/>
-          <a:chOff x="0" y="0"/>
-          <a:chExt cx="0" cy="0"/>
-        </a:xfrm>
-      </p:grpSpPr>
-      <p:sp>
-        <p:nvSpPr>
-          <p:cNvPr id="6" name="正方形/長方形 5">
-            <a:extLst>
-              <a:ext uri="{FF2B5EF4-FFF2-40B4-BE49-F238E27FC236}">
-                <a16:creationId xmlns:a16="http://schemas.microsoft.com/office/drawing/2014/main" id="{0F4F5560-4DDF-95AE-553A-22C0E1AC37B9}"/>
-              </a:ext>
-            </a:extLst>
-          </p:cNvPr>
-          <p:cNvSpPr/>
-          <p:nvPr/>
-        </p:nvSpPr>
-        <p:spPr>
-          <a:xfrm>
-            <a:off x="682487" y="301487"/>
-            <a:ext cx="10827026" cy="6255026"/>
-          </a:xfrm>
-          <a:prstGeom prst="rect">
-            <a:avLst/>
-          </a:prstGeom>
-          <a:solidFill>
-            <a:schemeClr val="bg1"/>
-          </a:solidFill>
-          <a:ln>
-            <a:noFill/>
-          </a:ln>
-        </p:spPr>
-        <p:style>
-          <a:lnRef idx="2">
-            <a:schemeClr val="accent1">
-              <a:shade val="50000"/>
-            </a:schemeClr>
-          </a:lnRef>
-          <a:fillRef idx="1">
-            <a:schemeClr val="accent1"/>
-          </a:fillRef>
-          <a:effectRef idx="0">
-            <a:schemeClr val="accent1"/>
-          </a:effectRef>
-          <a:fontRef idx="minor">
-            <a:schemeClr val="lt1"/>
-          </a:fontRef>
-        </p:style>
-        <p:txBody>
-          <a:bodyPr rtlCol="0" anchor="ctr"/>
-          <a:lstStyle/>
-          <a:p>
-            <a:pPr algn="ctr"/>
-            <a:endParaRPr kumimoji="1" lang="ja-JP" altLang="en-US"/>
-          </a:p>
-        </p:txBody>
-      </p:sp>
-      <p:sp>
-        <p:nvSpPr>
-          <p:cNvPr id="3" name="コンテンツ プレースホルダー 2">
-            <a:extLst>
-              <a:ext uri="{FF2B5EF4-FFF2-40B4-BE49-F238E27FC236}">
-                <a16:creationId xmlns:a16="http://schemas.microsoft.com/office/drawing/2014/main" id="{C8C30089-0585-7397-D2CA-6DB74C1DC5B2}"/>
-              </a:ext>
-            </a:extLst>
-          </p:cNvPr>
-          <p:cNvSpPr>
-            <a:spLocks noGrp="1"/>
-          </p:cNvSpPr>
-          <p:nvPr>
-            <p:ph idx="1"/>
-          </p:nvPr>
-        </p:nvSpPr>
-        <p:spPr>
-          <a:xfrm>
-            <a:off x="4167808" y="2446083"/>
-            <a:ext cx="3882887" cy="2192178"/>
-          </a:xfrm>
-        </p:spPr>
-        <p:txBody>
-          <a:bodyPr>
-            <a:normAutofit/>
-          </a:bodyPr>
-          <a:lstStyle/>
-          <a:p>
-            <a:pPr>
-              <a:buFont typeface="Wingdings" panose="05000000000000000000" pitchFamily="2" charset="2"/>
-              <a:buChar char="Ø"/>
-            </a:pPr>
-            <a:r>
-              <a:rPr kumimoji="1" lang="en-US" altLang="ja-JP" b="1" u="sng" dirty="0">
-                <a:latin typeface="BIZ UDP明朝 Medium" panose="02020500000000000000" pitchFamily="18" charset="-128"/>
-                <a:ea typeface="BIZ UDP明朝 Medium" panose="02020500000000000000" pitchFamily="18" charset="-128"/>
-              </a:rPr>
-              <a:t>FLIFRE</a:t>
-            </a:r>
-            <a:r>
-              <a:rPr kumimoji="1" lang="ja-JP" altLang="en-US" b="1" u="sng" dirty="0">
-                <a:latin typeface="BIZ UDP明朝 Medium" panose="02020500000000000000" pitchFamily="18" charset="-128"/>
-                <a:ea typeface="BIZ UDP明朝 Medium" panose="02020500000000000000" pitchFamily="18" charset="-128"/>
-              </a:rPr>
-              <a:t>について</a:t>
-            </a:r>
-            <a:endParaRPr kumimoji="1" lang="en-US" altLang="ja-JP" b="1" u="sng" dirty="0">
-              <a:latin typeface="BIZ UDP明朝 Medium" panose="02020500000000000000" pitchFamily="18" charset="-128"/>
-              <a:ea typeface="BIZ UDP明朝 Medium" panose="02020500000000000000" pitchFamily="18" charset="-128"/>
-            </a:endParaRPr>
-          </a:p>
-          <a:p>
-            <a:pPr>
-              <a:buFont typeface="Wingdings" panose="05000000000000000000" pitchFamily="2" charset="2"/>
-              <a:buChar char="Ø"/>
-            </a:pPr>
-            <a:r>
-              <a:rPr lang="en-US" altLang="ja-JP" b="1" u="sng" dirty="0">
-                <a:latin typeface="BIZ UDP明朝 Medium" panose="02020500000000000000" pitchFamily="18" charset="-128"/>
-                <a:ea typeface="BIZ UDP明朝 Medium" panose="02020500000000000000" pitchFamily="18" charset="-128"/>
-              </a:rPr>
-              <a:t>FLIFRE</a:t>
-            </a:r>
-            <a:r>
-              <a:rPr lang="ja-JP" altLang="en-US" b="1" u="sng" dirty="0">
-                <a:latin typeface="BIZ UDP明朝 Medium" panose="02020500000000000000" pitchFamily="18" charset="-128"/>
-                <a:ea typeface="BIZ UDP明朝 Medium" panose="02020500000000000000" pitchFamily="18" charset="-128"/>
-              </a:rPr>
-              <a:t>の開発背景</a:t>
-            </a:r>
-            <a:endParaRPr kumimoji="1" lang="en-US" altLang="ja-JP" b="1" u="sng" dirty="0">
-              <a:latin typeface="BIZ UDP明朝 Medium" panose="02020500000000000000" pitchFamily="18" charset="-128"/>
-              <a:ea typeface="BIZ UDP明朝 Medium" panose="02020500000000000000" pitchFamily="18" charset="-128"/>
-            </a:endParaRPr>
-          </a:p>
-          <a:p>
-            <a:pPr>
-              <a:buFont typeface="Wingdings" panose="05000000000000000000" pitchFamily="2" charset="2"/>
-              <a:buChar char="Ø"/>
-            </a:pPr>
-            <a:r>
-              <a:rPr lang="ja-JP" altLang="en-US" b="1" u="sng" dirty="0">
-                <a:latin typeface="BIZ UDP明朝 Medium" panose="02020500000000000000" pitchFamily="18" charset="-128"/>
-                <a:ea typeface="BIZ UDP明朝 Medium" panose="02020500000000000000" pitchFamily="18" charset="-128"/>
-              </a:rPr>
-              <a:t>機能説明</a:t>
-            </a:r>
-            <a:endParaRPr lang="en-US" altLang="ja-JP" b="1" u="sng" dirty="0">
-              <a:latin typeface="BIZ UDP明朝 Medium" panose="02020500000000000000" pitchFamily="18" charset="-128"/>
-              <a:ea typeface="BIZ UDP明朝 Medium" panose="02020500000000000000" pitchFamily="18" charset="-128"/>
-            </a:endParaRPr>
-          </a:p>
-          <a:p>
-            <a:pPr>
-              <a:buFont typeface="Wingdings" panose="05000000000000000000" pitchFamily="2" charset="2"/>
-              <a:buChar char="Ø"/>
-            </a:pPr>
-            <a:r>
-              <a:rPr kumimoji="1" lang="ja-JP" altLang="en-US" b="1" u="sng" dirty="0">
-                <a:latin typeface="BIZ UDP明朝 Medium" panose="02020500000000000000" pitchFamily="18" charset="-128"/>
-                <a:ea typeface="BIZ UDP明朝 Medium" panose="02020500000000000000" pitchFamily="18" charset="-128"/>
-              </a:rPr>
-              <a:t>個人成長</a:t>
-            </a:r>
-            <a:endParaRPr kumimoji="1" lang="en-US" altLang="ja-JP" sz="3200" b="1" u="sng" dirty="0">
-              <a:latin typeface="BIZ UDP明朝 Medium" panose="02020500000000000000" pitchFamily="18" charset="-128"/>
-              <a:ea typeface="BIZ UDP明朝 Medium" panose="02020500000000000000" pitchFamily="18" charset="-128"/>
-            </a:endParaRPr>
-          </a:p>
-        </p:txBody>
-      </p:sp>
-      <p:pic>
-        <p:nvPicPr>
-          <p:cNvPr id="8" name="Picture 12">
-            <a:extLst>
-              <a:ext uri="{FF2B5EF4-FFF2-40B4-BE49-F238E27FC236}">
-                <a16:creationId xmlns:a16="http://schemas.microsoft.com/office/drawing/2014/main" id="{0FBE787C-D67B-E2E9-9B42-F577A275141F}"/>
-              </a:ext>
-            </a:extLst>
-          </p:cNvPr>
-          <p:cNvPicPr>
-            <a:picLocks noChangeAspect="1" noChangeArrowheads="1"/>
-          </p:cNvPicPr>
-          <p:nvPr/>
-        </p:nvPicPr>
-        <p:blipFill>
-          <a:blip r:embed="rId2">
-            <a:duotone>
-              <a:prstClr val="black"/>
-              <a:srgbClr val="FF0000">
-                <a:tint val="45000"/>
-                <a:satMod val="400000"/>
-              </a:srgbClr>
-            </a:duotone>
-            <a:extLst>
-              <a:ext uri="{28A0092B-C50C-407E-A947-70E740481C1C}">
-                <a14:useLocalDpi xmlns:a14="http://schemas.microsoft.com/office/drawing/2010/main" val="0"/>
-              </a:ext>
-            </a:extLst>
-          </a:blip>
-          <a:srcRect/>
-          <a:stretch>
-            <a:fillRect/>
-          </a:stretch>
-        </p:blipFill>
-        <p:spPr bwMode="auto">
-          <a:xfrm>
-            <a:off x="438350" y="98251"/>
-            <a:ext cx="11341804" cy="1930400"/>
-          </a:xfrm>
-          <a:prstGeom prst="rect">
-            <a:avLst/>
-          </a:prstGeom>
-          <a:noFill/>
-          <a:extLst>
-            <a:ext uri="{909E8E84-426E-40DD-AFC4-6F175D3DCCD1}">
-              <a14:hiddenFill xmlns:a14="http://schemas.microsoft.com/office/drawing/2010/main">
-                <a:solidFill>
-                  <a:srgbClr val="FFFFFF"/>
-                </a:solidFill>
-              </a14:hiddenFill>
-            </a:ext>
-          </a:extLst>
-        </p:spPr>
-      </p:pic>
-      <p:sp>
-        <p:nvSpPr>
-          <p:cNvPr id="9" name="字幕 2">
-            <a:extLst>
-              <a:ext uri="{FF2B5EF4-FFF2-40B4-BE49-F238E27FC236}">
-                <a16:creationId xmlns:a16="http://schemas.microsoft.com/office/drawing/2014/main" id="{6BEAD35A-4747-FED1-165B-F77B563C2A38}"/>
-              </a:ext>
-            </a:extLst>
-          </p:cNvPr>
-          <p:cNvSpPr txBox="1">
-            <a:spLocks/>
-          </p:cNvSpPr>
-          <p:nvPr/>
-        </p:nvSpPr>
-        <p:spPr>
-          <a:xfrm>
-            <a:off x="3699972" y="736218"/>
-            <a:ext cx="4792055" cy="929814"/>
-          </a:xfrm>
-          <a:prstGeom prst="rect">
-            <a:avLst/>
-          </a:prstGeom>
-        </p:spPr>
-        <p:txBody>
-          <a:bodyPr vert="horz" lIns="91440" tIns="45720" rIns="91440" bIns="45720" rtlCol="0">
-            <a:noAutofit/>
-          </a:bodyPr>
-          <a:lstStyle>
-            <a:lvl1pPr marL="228600" indent="-228600" algn="l" defTabSz="914400" rtl="0" eaLnBrk="1" latinLnBrk="0" hangingPunct="1">
-              <a:lnSpc>
-                <a:spcPct val="90000"/>
-              </a:lnSpc>
-              <a:spcBef>
-                <a:spcPts val="1000"/>
-              </a:spcBef>
-              <a:buFont typeface="Arial" panose="020B0604020202020204" pitchFamily="34" charset="0"/>
-              <a:buChar char="•"/>
-              <a:defRPr kumimoji="1" sz="2800" kern="1200">
-                <a:solidFill>
-                  <a:schemeClr val="tx1"/>
-                </a:solidFill>
-                <a:latin typeface="+mn-lt"/>
-                <a:ea typeface="+mn-ea"/>
-                <a:cs typeface="+mn-cs"/>
-              </a:defRPr>
-            </a:lvl1pPr>
-            <a:lvl2pPr marL="685800" indent="-228600" algn="l" defTabSz="914400" rtl="0" eaLnBrk="1" latinLnBrk="0" hangingPunct="1">
-              <a:lnSpc>
-                <a:spcPct val="90000"/>
-              </a:lnSpc>
-              <a:spcBef>
-                <a:spcPts val="500"/>
-              </a:spcBef>
-              <a:buFont typeface="Arial" panose="020B0604020202020204" pitchFamily="34" charset="0"/>
-              <a:buChar char="•"/>
-              <a:defRPr kumimoji="1" sz="2400" kern="1200">
-                <a:solidFill>
-                  <a:schemeClr val="tx1"/>
-                </a:solidFill>
-                <a:latin typeface="+mn-lt"/>
-                <a:ea typeface="+mn-ea"/>
-                <a:cs typeface="+mn-cs"/>
-              </a:defRPr>
-            </a:lvl2pPr>
-            <a:lvl3pPr marL="1143000" indent="-228600" algn="l" defTabSz="914400" rtl="0" eaLnBrk="1" latinLnBrk="0" hangingPunct="1">
-              <a:lnSpc>
-                <a:spcPct val="90000"/>
-              </a:lnSpc>
-              <a:spcBef>
-                <a:spcPts val="500"/>
-              </a:spcBef>
-              <a:buFont typeface="Arial" panose="020B0604020202020204" pitchFamily="34" charset="0"/>
-              <a:buChar char="•"/>
-              <a:defRPr kumimoji="1" sz="2000" kern="1200">
-                <a:solidFill>
-                  <a:schemeClr val="tx1"/>
-                </a:solidFill>
-                <a:latin typeface="+mn-lt"/>
-                <a:ea typeface="+mn-ea"/>
-                <a:cs typeface="+mn-cs"/>
-              </a:defRPr>
-            </a:lvl3pPr>
-            <a:lvl4pPr marL="1600200" indent="-228600" algn="l" defTabSz="914400" rtl="0" eaLnBrk="1" latinLnBrk="0" hangingPunct="1">
-              <a:lnSpc>
-                <a:spcPct val="90000"/>
-              </a:lnSpc>
-              <a:spcBef>
-                <a:spcPts val="500"/>
-              </a:spcBef>
-              <a:buFont typeface="Arial" panose="020B0604020202020204" pitchFamily="34" charset="0"/>
-              <a:buChar char="•"/>
-              <a:defRPr kumimoji="1" sz="1800" kern="1200">
-                <a:solidFill>
-                  <a:schemeClr val="tx1"/>
-                </a:solidFill>
-                <a:latin typeface="+mn-lt"/>
-                <a:ea typeface="+mn-ea"/>
-                <a:cs typeface="+mn-cs"/>
-              </a:defRPr>
-            </a:lvl4pPr>
-            <a:lvl5pPr marL="2057400" indent="-228600" algn="l" defTabSz="914400" rtl="0" eaLnBrk="1" latinLnBrk="0" hangingPunct="1">
-              <a:lnSpc>
-                <a:spcPct val="90000"/>
-              </a:lnSpc>
-              <a:spcBef>
-                <a:spcPts val="500"/>
-              </a:spcBef>
-              <a:buFont typeface="Arial" panose="020B0604020202020204" pitchFamily="34" charset="0"/>
-              <a:buChar char="•"/>
-              <a:defRPr kumimoji="1" sz="1800" kern="1200">
-                <a:solidFill>
-                  <a:schemeClr val="tx1"/>
-                </a:solidFill>
-                <a:latin typeface="+mn-lt"/>
-                <a:ea typeface="+mn-ea"/>
-                <a:cs typeface="+mn-cs"/>
-              </a:defRPr>
-            </a:lvl5pPr>
-            <a:lvl6pPr marL="2514600" indent="-228600" algn="l" defTabSz="914400" rtl="0" eaLnBrk="1" latinLnBrk="0" hangingPunct="1">
-              <a:lnSpc>
-                <a:spcPct val="90000"/>
-              </a:lnSpc>
-              <a:spcBef>
-                <a:spcPts val="500"/>
-              </a:spcBef>
-              <a:buFont typeface="Arial" panose="020B0604020202020204" pitchFamily="34" charset="0"/>
-              <a:buChar char="•"/>
-              <a:defRPr kumimoji="1" sz="1800" kern="1200">
-                <a:solidFill>
-                  <a:schemeClr val="tx1"/>
-                </a:solidFill>
-                <a:latin typeface="+mn-lt"/>
-                <a:ea typeface="+mn-ea"/>
-                <a:cs typeface="+mn-cs"/>
-              </a:defRPr>
-            </a:lvl6pPr>
-            <a:lvl7pPr marL="2971800" indent="-228600" algn="l" defTabSz="914400" rtl="0" eaLnBrk="1" latinLnBrk="0" hangingPunct="1">
-              <a:lnSpc>
-                <a:spcPct val="90000"/>
-              </a:lnSpc>
-              <a:spcBef>
-                <a:spcPts val="500"/>
-              </a:spcBef>
-              <a:buFont typeface="Arial" panose="020B0604020202020204" pitchFamily="34" charset="0"/>
-              <a:buChar char="•"/>
-              <a:defRPr kumimoji="1" sz="1800" kern="1200">
-                <a:solidFill>
-                  <a:schemeClr val="tx1"/>
-                </a:solidFill>
-                <a:latin typeface="+mn-lt"/>
-                <a:ea typeface="+mn-ea"/>
-                <a:cs typeface="+mn-cs"/>
-              </a:defRPr>
-            </a:lvl7pPr>
-            <a:lvl8pPr marL="3429000" indent="-228600" algn="l" defTabSz="914400" rtl="0" eaLnBrk="1" latinLnBrk="0" hangingPunct="1">
-              <a:lnSpc>
-                <a:spcPct val="90000"/>
-              </a:lnSpc>
-              <a:spcBef>
-                <a:spcPts val="500"/>
-              </a:spcBef>
-              <a:buFont typeface="Arial" panose="020B0604020202020204" pitchFamily="34" charset="0"/>
-              <a:buChar char="•"/>
-              <a:defRPr kumimoji="1" sz="1800" kern="1200">
-                <a:solidFill>
-                  <a:schemeClr val="tx1"/>
-                </a:solidFill>
-                <a:latin typeface="+mn-lt"/>
-                <a:ea typeface="+mn-ea"/>
-                <a:cs typeface="+mn-cs"/>
-              </a:defRPr>
-            </a:lvl8pPr>
-            <a:lvl9pPr marL="3886200" indent="-228600" algn="l" defTabSz="914400" rtl="0" eaLnBrk="1" latinLnBrk="0" hangingPunct="1">
-              <a:lnSpc>
-                <a:spcPct val="90000"/>
-              </a:lnSpc>
-              <a:spcBef>
-                <a:spcPts val="500"/>
-              </a:spcBef>
-              <a:buFont typeface="Arial" panose="020B0604020202020204" pitchFamily="34" charset="0"/>
-              <a:buChar char="•"/>
-              <a:defRPr kumimoji="1" sz="1800" kern="1200">
-                <a:solidFill>
-                  <a:schemeClr val="tx1"/>
-                </a:solidFill>
-                <a:latin typeface="+mn-lt"/>
-                <a:ea typeface="+mn-ea"/>
-                <a:cs typeface="+mn-cs"/>
-              </a:defRPr>
-            </a:lvl9pPr>
-          </a:lstStyle>
-          <a:p>
-            <a:pPr marL="0" indent="0">
-              <a:buNone/>
-            </a:pPr>
-            <a:r>
-              <a:rPr lang="ja-JP" altLang="en-US" sz="4800" dirty="0">
-                <a:solidFill>
-                  <a:schemeClr val="bg1"/>
-                </a:solidFill>
-                <a:latin typeface="HGS行書体" panose="03000600000000000000" pitchFamily="66" charset="-128"/>
-                <a:ea typeface="HGS行書体" panose="03000600000000000000" pitchFamily="66" charset="-128"/>
-              </a:rPr>
-              <a:t>本日のお品書き</a:t>
-            </a:r>
-            <a:endParaRPr lang="en-US" altLang="ja-JP" sz="4800" dirty="0">
-              <a:solidFill>
-                <a:schemeClr val="bg1"/>
-              </a:solidFill>
-              <a:latin typeface="HGS行書体" panose="03000600000000000000" pitchFamily="66" charset="-128"/>
-              <a:ea typeface="HGS行書体" panose="03000600000000000000" pitchFamily="66" charset="-128"/>
-            </a:endParaRPr>
-          </a:p>
-        </p:txBody>
-      </p:sp>
-      <p:pic>
-        <p:nvPicPr>
-          <p:cNvPr id="10" name="Picture 8">
-            <a:extLst>
-              <a:ext uri="{FF2B5EF4-FFF2-40B4-BE49-F238E27FC236}">
-                <a16:creationId xmlns:a16="http://schemas.microsoft.com/office/drawing/2014/main" id="{7BDE0EBF-610B-2B20-59A4-E0EB40BB561B}"/>
-              </a:ext>
-            </a:extLst>
-          </p:cNvPr>
-          <p:cNvPicPr>
-            <a:picLocks noChangeAspect="1" noChangeArrowheads="1"/>
-          </p:cNvPicPr>
-          <p:nvPr/>
-        </p:nvPicPr>
-        <p:blipFill>
-          <a:blip r:embed="rId3">
-            <a:extLst>
-              <a:ext uri="{28A0092B-C50C-407E-A947-70E740481C1C}">
-                <a14:useLocalDpi xmlns:a14="http://schemas.microsoft.com/office/drawing/2010/main" val="0"/>
-              </a:ext>
-            </a:extLst>
-          </a:blip>
-          <a:srcRect/>
-          <a:stretch>
-            <a:fillRect/>
-          </a:stretch>
-        </p:blipFill>
-        <p:spPr bwMode="auto">
-          <a:xfrm flipH="1">
-            <a:off x="10334551" y="4518568"/>
-            <a:ext cx="1224753" cy="1781459"/>
-          </a:xfrm>
-          <a:prstGeom prst="rect">
-            <a:avLst/>
-          </a:prstGeom>
-          <a:noFill/>
-          <a:extLst>
-            <a:ext uri="{909E8E84-426E-40DD-AFC4-6F175D3DCCD1}">
-              <a14:hiddenFill xmlns:a14="http://schemas.microsoft.com/office/drawing/2010/main">
-                <a:solidFill>
-                  <a:srgbClr val="FFFFFF"/>
-                </a:solidFill>
-              </a14:hiddenFill>
-            </a:ext>
-          </a:extLst>
-        </p:spPr>
-      </p:pic>
-      <p:pic>
-        <p:nvPicPr>
-          <p:cNvPr id="11" name="Picture 10">
-            <a:extLst>
-              <a:ext uri="{FF2B5EF4-FFF2-40B4-BE49-F238E27FC236}">
-                <a16:creationId xmlns:a16="http://schemas.microsoft.com/office/drawing/2014/main" id="{38D0EDB7-B120-9D93-ACE5-88B024691689}"/>
-              </a:ext>
-            </a:extLst>
-          </p:cNvPr>
-          <p:cNvPicPr>
-            <a:picLocks noChangeAspect="1" noChangeArrowheads="1"/>
-          </p:cNvPicPr>
-          <p:nvPr/>
-        </p:nvPicPr>
-        <p:blipFill>
-          <a:blip r:embed="rId4">
-            <a:extLst>
-              <a:ext uri="{28A0092B-C50C-407E-A947-70E740481C1C}">
-                <a14:useLocalDpi xmlns:a14="http://schemas.microsoft.com/office/drawing/2010/main" val="0"/>
-              </a:ext>
-            </a:extLst>
-          </a:blip>
-          <a:srcRect/>
-          <a:stretch>
-            <a:fillRect/>
-          </a:stretch>
-        </p:blipFill>
-        <p:spPr bwMode="auto">
-          <a:xfrm flipH="1">
-            <a:off x="9344518" y="4517165"/>
-            <a:ext cx="1229747" cy="1756781"/>
-          </a:xfrm>
-          <a:prstGeom prst="rect">
-            <a:avLst/>
-          </a:prstGeom>
-          <a:noFill/>
-          <a:extLst>
-            <a:ext uri="{909E8E84-426E-40DD-AFC4-6F175D3DCCD1}">
-              <a14:hiddenFill xmlns:a14="http://schemas.microsoft.com/office/drawing/2010/main">
-                <a:solidFill>
-                  <a:srgbClr val="FFFFFF"/>
-                </a:solidFill>
-              </a14:hiddenFill>
-            </a:ext>
-          </a:extLst>
-        </p:spPr>
-      </p:pic>
-      <p:pic>
-        <p:nvPicPr>
-          <p:cNvPr id="12" name="Picture 8">
-            <a:extLst>
-              <a:ext uri="{FF2B5EF4-FFF2-40B4-BE49-F238E27FC236}">
-                <a16:creationId xmlns:a16="http://schemas.microsoft.com/office/drawing/2014/main" id="{A2D940D0-A081-2D7B-61F1-061E0929A43E}"/>
-              </a:ext>
-            </a:extLst>
-          </p:cNvPr>
-          <p:cNvPicPr>
-            <a:picLocks noChangeAspect="1" noChangeArrowheads="1"/>
-          </p:cNvPicPr>
-          <p:nvPr/>
-        </p:nvPicPr>
-        <p:blipFill>
-          <a:blip r:embed="rId3">
-            <a:extLst>
-              <a:ext uri="{28A0092B-C50C-407E-A947-70E740481C1C}">
-                <a14:useLocalDpi xmlns:a14="http://schemas.microsoft.com/office/drawing/2010/main" val="0"/>
-              </a:ext>
-            </a:extLst>
-          </a:blip>
-          <a:srcRect/>
-          <a:stretch>
-            <a:fillRect/>
-          </a:stretch>
-        </p:blipFill>
-        <p:spPr bwMode="auto">
-          <a:xfrm>
-            <a:off x="710224" y="4492487"/>
-            <a:ext cx="1224753" cy="1781459"/>
-          </a:xfrm>
-          <a:prstGeom prst="rect">
-            <a:avLst/>
-          </a:prstGeom>
-          <a:noFill/>
-          <a:extLst>
-            <a:ext uri="{909E8E84-426E-40DD-AFC4-6F175D3DCCD1}">
-              <a14:hiddenFill xmlns:a14="http://schemas.microsoft.com/office/drawing/2010/main">
-                <a:solidFill>
-                  <a:srgbClr val="FFFFFF"/>
-                </a:solidFill>
-              </a14:hiddenFill>
-            </a:ext>
-          </a:extLst>
-        </p:spPr>
-      </p:pic>
-      <p:pic>
-        <p:nvPicPr>
-          <p:cNvPr id="13" name="Picture 8">
-            <a:extLst>
-              <a:ext uri="{FF2B5EF4-FFF2-40B4-BE49-F238E27FC236}">
-                <a16:creationId xmlns:a16="http://schemas.microsoft.com/office/drawing/2014/main" id="{A25C3A3F-6059-89F1-6967-C72AB4246B49}"/>
-              </a:ext>
-            </a:extLst>
-          </p:cNvPr>
-          <p:cNvPicPr>
-            <a:picLocks noChangeAspect="1" noChangeArrowheads="1"/>
-          </p:cNvPicPr>
-          <p:nvPr/>
-        </p:nvPicPr>
-        <p:blipFill>
-          <a:blip r:embed="rId3">
-            <a:extLst>
-              <a:ext uri="{28A0092B-C50C-407E-A947-70E740481C1C}">
-                <a14:useLocalDpi xmlns:a14="http://schemas.microsoft.com/office/drawing/2010/main" val="0"/>
-              </a:ext>
-            </a:extLst>
-          </a:blip>
-          <a:srcRect/>
-          <a:stretch>
-            <a:fillRect/>
-          </a:stretch>
-        </p:blipFill>
-        <p:spPr bwMode="auto">
-          <a:xfrm>
-            <a:off x="2656786" y="4518568"/>
-            <a:ext cx="1224753" cy="1781459"/>
-          </a:xfrm>
-          <a:prstGeom prst="rect">
-            <a:avLst/>
-          </a:prstGeom>
-          <a:noFill/>
-          <a:extLst>
-            <a:ext uri="{909E8E84-426E-40DD-AFC4-6F175D3DCCD1}">
-              <a14:hiddenFill xmlns:a14="http://schemas.microsoft.com/office/drawing/2010/main">
-                <a:solidFill>
-                  <a:srgbClr val="FFFFFF"/>
-                </a:solidFill>
-              </a14:hiddenFill>
-            </a:ext>
-          </a:extLst>
-        </p:spPr>
-      </p:pic>
-      <p:pic>
-        <p:nvPicPr>
-          <p:cNvPr id="14" name="Picture 10">
-            <a:extLst>
-              <a:ext uri="{FF2B5EF4-FFF2-40B4-BE49-F238E27FC236}">
-                <a16:creationId xmlns:a16="http://schemas.microsoft.com/office/drawing/2014/main" id="{CBA3D6A5-A45F-9487-439C-81A0EAE97A9A}"/>
-              </a:ext>
-            </a:extLst>
-          </p:cNvPr>
-          <p:cNvPicPr>
-            <a:picLocks noChangeAspect="1" noChangeArrowheads="1"/>
-          </p:cNvPicPr>
-          <p:nvPr/>
-        </p:nvPicPr>
-        <p:blipFill>
-          <a:blip r:embed="rId4">
-            <a:extLst>
-              <a:ext uri="{28A0092B-C50C-407E-A947-70E740481C1C}">
-                <a14:useLocalDpi xmlns:a14="http://schemas.microsoft.com/office/drawing/2010/main" val="0"/>
-              </a:ext>
-            </a:extLst>
-          </a:blip>
-          <a:srcRect/>
-          <a:stretch>
-            <a:fillRect/>
-          </a:stretch>
-        </p:blipFill>
-        <p:spPr bwMode="auto">
-          <a:xfrm>
-            <a:off x="1675975" y="4505736"/>
-            <a:ext cx="1229747" cy="1756781"/>
-          </a:xfrm>
-          <a:prstGeom prst="rect">
-            <a:avLst/>
-          </a:prstGeom>
-          <a:noFill/>
-          <a:extLst>
-            <a:ext uri="{909E8E84-426E-40DD-AFC4-6F175D3DCCD1}">
-              <a14:hiddenFill xmlns:a14="http://schemas.microsoft.com/office/drawing/2010/main">
-                <a:solidFill>
-                  <a:srgbClr val="FFFFFF"/>
-                </a:solidFill>
-              </a14:hiddenFill>
-            </a:ext>
-          </a:extLst>
-        </p:spPr>
-      </p:pic>
-      <p:pic>
-        <p:nvPicPr>
-          <p:cNvPr id="15" name="Picture 8">
-            <a:extLst>
-              <a:ext uri="{FF2B5EF4-FFF2-40B4-BE49-F238E27FC236}">
-                <a16:creationId xmlns:a16="http://schemas.microsoft.com/office/drawing/2014/main" id="{AD578ABE-6B68-FD76-4B48-C38AB27E7FE6}"/>
-              </a:ext>
-            </a:extLst>
-          </p:cNvPr>
-          <p:cNvPicPr>
-            <a:picLocks noChangeAspect="1" noChangeArrowheads="1"/>
-          </p:cNvPicPr>
-          <p:nvPr/>
-        </p:nvPicPr>
-        <p:blipFill>
-          <a:blip r:embed="rId3">
-            <a:extLst>
-              <a:ext uri="{28A0092B-C50C-407E-A947-70E740481C1C}">
-                <a14:useLocalDpi xmlns:a14="http://schemas.microsoft.com/office/drawing/2010/main" val="0"/>
-              </a:ext>
-            </a:extLst>
-          </a:blip>
-          <a:srcRect/>
-          <a:stretch>
-            <a:fillRect/>
-          </a:stretch>
-        </p:blipFill>
-        <p:spPr bwMode="auto">
-          <a:xfrm flipH="1">
-            <a:off x="8428352" y="4518568"/>
-            <a:ext cx="1224753" cy="1781459"/>
-          </a:xfrm>
-          <a:prstGeom prst="rect">
-            <a:avLst/>
-          </a:prstGeom>
-          <a:noFill/>
-          <a:extLst>
-            <a:ext uri="{909E8E84-426E-40DD-AFC4-6F175D3DCCD1}">
-              <a14:hiddenFill xmlns:a14="http://schemas.microsoft.com/office/drawing/2010/main">
-                <a:solidFill>
-                  <a:srgbClr val="FFFFFF"/>
-                </a:solidFill>
-              </a14:hiddenFill>
-            </a:ext>
-          </a:extLst>
-        </p:spPr>
-      </p:pic>
-    </p:spTree>
-    <p:extLst>
-      <p:ext uri="{BB962C8B-B14F-4D97-AF65-F5344CB8AC3E}">
-        <p14:creationId xmlns:p14="http://schemas.microsoft.com/office/powerpoint/2010/main" val="1004917846"/>
       </p:ext>
     </p:extLst>
   </p:cSld>
@@ -10527,7 +10690,7 @@
         </p:nvSpPr>
         <p:spPr>
           <a:xfrm>
-            <a:off x="682487" y="301487"/>
+            <a:off x="591046" y="36155"/>
             <a:ext cx="10827026" cy="6255026"/>
           </a:xfrm>
           <a:prstGeom prst="rect">
@@ -10562,122 +10725,6 @@
           <a:p>
             <a:pPr algn="ctr"/>
             <a:endParaRPr kumimoji="1" lang="ja-JP" altLang="en-US"/>
-          </a:p>
-        </p:txBody>
-      </p:sp>
-      <p:sp>
-        <p:nvSpPr>
-          <p:cNvPr id="2" name="タイトル 1">
-            <a:extLst>
-              <a:ext uri="{FF2B5EF4-FFF2-40B4-BE49-F238E27FC236}">
-                <a16:creationId xmlns:a16="http://schemas.microsoft.com/office/drawing/2014/main" id="{42489753-56A8-3B62-55FA-C6250885BA43}"/>
-              </a:ext>
-            </a:extLst>
-          </p:cNvPr>
-          <p:cNvSpPr>
-            <a:spLocks noGrp="1"/>
-          </p:cNvSpPr>
-          <p:nvPr>
-            <p:ph type="ctrTitle"/>
-          </p:nvPr>
-        </p:nvSpPr>
-        <p:spPr>
-          <a:xfrm>
-            <a:off x="1523999" y="2743199"/>
-            <a:ext cx="4328161" cy="2759825"/>
-          </a:xfrm>
-        </p:spPr>
-        <p:txBody>
-          <a:bodyPr>
-            <a:normAutofit fontScale="90000"/>
-          </a:bodyPr>
-          <a:lstStyle/>
-          <a:p>
-            <a:pPr marL="571500" indent="-571500" algn="l">
-              <a:buFont typeface="Wingdings" panose="05000000000000000000" pitchFamily="2" charset="2"/>
-              <a:buChar char="Ø"/>
-            </a:pPr>
-            <a:r>
-              <a:rPr kumimoji="1" lang="ja-JP" altLang="en-US" sz="3200" b="1" u="sng" dirty="0">
-                <a:latin typeface="BIZ UDP明朝 Medium" panose="02020500000000000000" pitchFamily="18" charset="-128"/>
-                <a:ea typeface="BIZ UDP明朝 Medium" panose="02020500000000000000" pitchFamily="18" charset="-128"/>
-              </a:rPr>
-              <a:t>ユーザー関連</a:t>
-            </a:r>
-            <a:br>
-              <a:rPr kumimoji="1" lang="en-US" altLang="ja-JP" sz="3200" dirty="0">
-                <a:latin typeface="BIZ UDP明朝 Medium" panose="02020500000000000000" pitchFamily="18" charset="-128"/>
-                <a:ea typeface="BIZ UDP明朝 Medium" panose="02020500000000000000" pitchFamily="18" charset="-128"/>
-              </a:rPr>
-            </a:br>
-            <a:br>
-              <a:rPr lang="en-US" altLang="ja-JP" sz="3000" b="1" dirty="0">
-                <a:solidFill>
-                  <a:srgbClr val="056334"/>
-                </a:solidFill>
-                <a:latin typeface="BIZ UDP明朝 Medium" panose="02020500000000000000" pitchFamily="18" charset="-128"/>
-                <a:ea typeface="BIZ UDP明朝 Medium" panose="02020500000000000000" pitchFamily="18" charset="-128"/>
-              </a:rPr>
-            </a:br>
-            <a:r>
-              <a:rPr kumimoji="1" lang="ja-JP" altLang="en-US" sz="3000" dirty="0">
-                <a:latin typeface="BIZ UDP明朝 Medium" panose="02020500000000000000" pitchFamily="18" charset="-128"/>
-                <a:ea typeface="BIZ UDP明朝 Medium" panose="02020500000000000000" pitchFamily="18" charset="-128"/>
-              </a:rPr>
-              <a:t>・ログイン</a:t>
-            </a:r>
-            <a:br>
-              <a:rPr kumimoji="1" lang="en-US" altLang="ja-JP" sz="3000" dirty="0">
-                <a:latin typeface="BIZ UDP明朝 Medium" panose="02020500000000000000" pitchFamily="18" charset="-128"/>
-                <a:ea typeface="BIZ UDP明朝 Medium" panose="02020500000000000000" pitchFamily="18" charset="-128"/>
-              </a:rPr>
-            </a:br>
-            <a:r>
-              <a:rPr kumimoji="1" lang="ja-JP" altLang="en-US" sz="3000" dirty="0">
-                <a:latin typeface="BIZ UDP明朝 Medium" panose="02020500000000000000" pitchFamily="18" charset="-128"/>
-                <a:ea typeface="BIZ UDP明朝 Medium" panose="02020500000000000000" pitchFamily="18" charset="-128"/>
-              </a:rPr>
-              <a:t>・トップページ</a:t>
-            </a:r>
-            <a:br>
-              <a:rPr kumimoji="1" lang="en-US" altLang="ja-JP" sz="3000" dirty="0">
-                <a:latin typeface="BIZ UDP明朝 Medium" panose="02020500000000000000" pitchFamily="18" charset="-128"/>
-                <a:ea typeface="BIZ UDP明朝 Medium" panose="02020500000000000000" pitchFamily="18" charset="-128"/>
-              </a:rPr>
-            </a:br>
-            <a:r>
-              <a:rPr kumimoji="1" lang="ja-JP" altLang="en-US" sz="3000" dirty="0">
-                <a:latin typeface="BIZ UDP明朝 Medium" panose="02020500000000000000" pitchFamily="18" charset="-128"/>
-                <a:ea typeface="BIZ UDP明朝 Medium" panose="02020500000000000000" pitchFamily="18" charset="-128"/>
-              </a:rPr>
-              <a:t>・マイページ</a:t>
-            </a:r>
-            <a:br>
-              <a:rPr kumimoji="1" lang="en-US" altLang="ja-JP" sz="3000" dirty="0">
-                <a:latin typeface="BIZ UDP明朝 Medium" panose="02020500000000000000" pitchFamily="18" charset="-128"/>
-                <a:ea typeface="BIZ UDP明朝 Medium" panose="02020500000000000000" pitchFamily="18" charset="-128"/>
-              </a:rPr>
-            </a:br>
-            <a:r>
-              <a:rPr kumimoji="1" lang="ja-JP" altLang="en-US" sz="3000" dirty="0">
-                <a:latin typeface="BIZ UDP明朝 Medium" panose="02020500000000000000" pitchFamily="18" charset="-128"/>
-                <a:ea typeface="BIZ UDP明朝 Medium" panose="02020500000000000000" pitchFamily="18" charset="-128"/>
-              </a:rPr>
-              <a:t>・フォローリスト</a:t>
-            </a:r>
-            <a:br>
-              <a:rPr kumimoji="1" lang="en-US" altLang="ja-JP" sz="3000" dirty="0">
-                <a:latin typeface="BIZ UDP明朝 Medium" panose="02020500000000000000" pitchFamily="18" charset="-128"/>
-                <a:ea typeface="BIZ UDP明朝 Medium" panose="02020500000000000000" pitchFamily="18" charset="-128"/>
-              </a:rPr>
-            </a:br>
-            <a:r>
-              <a:rPr kumimoji="1" lang="ja-JP" altLang="en-US" sz="3000" dirty="0">
-                <a:latin typeface="BIZ UDP明朝 Medium" panose="02020500000000000000" pitchFamily="18" charset="-128"/>
-                <a:ea typeface="BIZ UDP明朝 Medium" panose="02020500000000000000" pitchFamily="18" charset="-128"/>
-              </a:rPr>
-              <a:t>・ユーザーページ</a:t>
-            </a:r>
           </a:p>
         </p:txBody>
       </p:sp>
@@ -11059,121 +11106,184 @@
       </p:sp>
       <p:sp>
         <p:nvSpPr>
-          <p:cNvPr id="9" name="タイトル 1">
-            <a:extLst>
-              <a:ext uri="{FF2B5EF4-FFF2-40B4-BE49-F238E27FC236}">
-                <a16:creationId xmlns:a16="http://schemas.microsoft.com/office/drawing/2014/main" id="{CD7D6DAA-FE54-4EC6-291B-D8D67A9FD8D6}"/>
-              </a:ext>
-            </a:extLst>
-          </p:cNvPr>
-          <p:cNvSpPr txBox="1">
-            <a:spLocks/>
-          </p:cNvSpPr>
+          <p:cNvPr id="11" name="テキスト ボックス 10">
+            <a:extLst>
+              <a:ext uri="{FF2B5EF4-FFF2-40B4-BE49-F238E27FC236}">
+                <a16:creationId xmlns:a16="http://schemas.microsoft.com/office/drawing/2014/main" id="{E1D8E47D-AF3B-ABCA-A5B2-A450B54861B7}"/>
+              </a:ext>
+            </a:extLst>
+          </p:cNvPr>
+          <p:cNvSpPr txBox="1"/>
           <p:nvPr/>
         </p:nvSpPr>
         <p:spPr>
           <a:xfrm>
-            <a:off x="6339842" y="2661194"/>
-            <a:ext cx="4328161" cy="2177933"/>
+            <a:off x="2063362" y="2452414"/>
+            <a:ext cx="3627248" cy="3046988"/>
           </a:xfrm>
           <a:prstGeom prst="rect">
             <a:avLst/>
           </a:prstGeom>
+          <a:noFill/>
         </p:spPr>
         <p:txBody>
-          <a:bodyPr vert="horz" lIns="91440" tIns="45720" rIns="91440" bIns="45720" rtlCol="0" anchor="b">
-            <a:normAutofit/>
+          <a:bodyPr wrap="square" rtlCol="0">
+            <a:spAutoFit/>
           </a:bodyPr>
-          <a:lstStyle>
-            <a:lvl1pPr algn="ctr" defTabSz="914400" rtl="0" eaLnBrk="1" latinLnBrk="0" hangingPunct="1">
-              <a:lnSpc>
-                <a:spcPct val="90000"/>
-              </a:lnSpc>
-              <a:spcBef>
-                <a:spcPct val="0"/>
-              </a:spcBef>
-              <a:buNone/>
-              <a:defRPr kumimoji="1" sz="6000" kern="1200">
-                <a:solidFill>
-                  <a:schemeClr val="tx1"/>
-                </a:solidFill>
-                <a:latin typeface="+mj-lt"/>
-                <a:ea typeface="+mj-ea"/>
-                <a:cs typeface="+mj-cs"/>
-              </a:defRPr>
-            </a:lvl1pPr>
-          </a:lstStyle>
-          <a:p>
-            <a:pPr marL="571500" indent="-571500" algn="l">
-              <a:buFont typeface="Wingdings" panose="05000000000000000000" pitchFamily="2" charset="2"/>
-              <a:buChar char="Ø"/>
+          <a:lstStyle/>
+          <a:p>
+            <a:r>
+              <a:rPr lang="en-US" altLang="ja-JP" sz="3200" b="1" dirty="0"/>
+              <a:t>‐</a:t>
+            </a:r>
+            <a:r>
+              <a:rPr kumimoji="1" lang="ja-JP" altLang="en-US" sz="3200" b="1" dirty="0"/>
+              <a:t>ユーザー関連</a:t>
+            </a:r>
+            <a:r>
+              <a:rPr kumimoji="1" lang="en-US" altLang="ja-JP" sz="3200" b="1" dirty="0"/>
+              <a:t>‐</a:t>
+            </a:r>
+          </a:p>
+          <a:p>
+            <a:pPr marL="285750" indent="-285750">
+              <a:buFont typeface="Arial" panose="020B0604020202020204" pitchFamily="34" charset="0"/>
+              <a:buChar char="•"/>
             </a:pPr>
-            <a:r>
-              <a:rPr lang="ja-JP" altLang="en-US" sz="2900" b="1" u="sng" dirty="0">
-                <a:latin typeface="BIZ UDP明朝 Medium" panose="02020500000000000000" pitchFamily="18" charset="-128"/>
-                <a:ea typeface="BIZ UDP明朝 Medium" panose="02020500000000000000" pitchFamily="18" charset="-128"/>
-              </a:rPr>
+            <a:endParaRPr kumimoji="1" lang="en-US" altLang="ja-JP" sz="3200" dirty="0"/>
+          </a:p>
+          <a:p>
+            <a:pPr marL="285750" indent="-285750">
+              <a:buFont typeface="Arial" panose="020B0604020202020204" pitchFamily="34" charset="0"/>
+              <a:buChar char="•"/>
+            </a:pPr>
+            <a:r>
+              <a:rPr kumimoji="1" lang="ja-JP" altLang="en-US" sz="3200" dirty="0"/>
+              <a:t>トップページ</a:t>
+            </a:r>
+            <a:endParaRPr kumimoji="1" lang="en-US" altLang="ja-JP" sz="3200" dirty="0"/>
+          </a:p>
+          <a:p>
+            <a:pPr marL="285750" indent="-285750">
+              <a:buFont typeface="Arial" panose="020B0604020202020204" pitchFamily="34" charset="0"/>
+              <a:buChar char="•"/>
+            </a:pPr>
+            <a:r>
+              <a:rPr kumimoji="1" lang="ja-JP" altLang="en-US" sz="3200" dirty="0"/>
+              <a:t>マイページ</a:t>
+            </a:r>
+            <a:endParaRPr kumimoji="1" lang="en-US" altLang="ja-JP" sz="3200" dirty="0"/>
+          </a:p>
+          <a:p>
+            <a:pPr marL="285750" indent="-285750">
+              <a:buFont typeface="Arial" panose="020B0604020202020204" pitchFamily="34" charset="0"/>
+              <a:buChar char="•"/>
+            </a:pPr>
+            <a:r>
+              <a:rPr kumimoji="1" lang="ja-JP" altLang="en-US" sz="3200" dirty="0"/>
+              <a:t>フォローリスト</a:t>
+            </a:r>
+            <a:endParaRPr kumimoji="1" lang="en-US" altLang="ja-JP" sz="3200" dirty="0"/>
+          </a:p>
+          <a:p>
+            <a:pPr marL="285750" indent="-285750">
+              <a:buFont typeface="Arial" panose="020B0604020202020204" pitchFamily="34" charset="0"/>
+              <a:buChar char="•"/>
+            </a:pPr>
+            <a:r>
+              <a:rPr kumimoji="1" lang="ja-JP" altLang="en-US" sz="3200" dirty="0"/>
+              <a:t>ユーザーページ</a:t>
+            </a:r>
+          </a:p>
+        </p:txBody>
+      </p:sp>
+      <p:sp>
+        <p:nvSpPr>
+          <p:cNvPr id="16" name="テキスト ボックス 15">
+            <a:extLst>
+              <a:ext uri="{FF2B5EF4-FFF2-40B4-BE49-F238E27FC236}">
+                <a16:creationId xmlns:a16="http://schemas.microsoft.com/office/drawing/2014/main" id="{51C9FBFB-2E0F-7212-1E6A-11C23FC0B989}"/>
+              </a:ext>
+            </a:extLst>
+          </p:cNvPr>
+          <p:cNvSpPr txBox="1"/>
+          <p:nvPr/>
+        </p:nvSpPr>
+        <p:spPr>
+          <a:xfrm>
+            <a:off x="6511634" y="2495714"/>
+            <a:ext cx="4492486" cy="2554545"/>
+          </a:xfrm>
+          <a:prstGeom prst="rect">
+            <a:avLst/>
+          </a:prstGeom>
+          <a:noFill/>
+        </p:spPr>
+        <p:txBody>
+          <a:bodyPr wrap="square" rtlCol="0">
+            <a:spAutoFit/>
+          </a:bodyPr>
+          <a:lstStyle/>
+          <a:p>
+            <a:r>
+              <a:rPr lang="en-US" altLang="ja-JP" sz="3200" b="1" dirty="0"/>
+              <a:t>‐</a:t>
+            </a:r>
+            <a:r>
+              <a:rPr kumimoji="1" lang="ja-JP" altLang="en-US" sz="3200" b="1" dirty="0"/>
               <a:t>投稿関連</a:t>
             </a:r>
-            <a:endParaRPr lang="en-US" altLang="ja-JP" sz="2900" dirty="0">
-              <a:latin typeface="BIZ UDP明朝 Medium" panose="02020500000000000000" pitchFamily="18" charset="-128"/>
-              <a:ea typeface="BIZ UDP明朝 Medium" panose="02020500000000000000" pitchFamily="18" charset="-128"/>
-            </a:endParaRPr>
-          </a:p>
-          <a:p>
-            <a:pPr algn="l"/>
-            <a:br>
-              <a:rPr lang="en-US" altLang="ja-JP" sz="3000" dirty="0">
-                <a:latin typeface="BIZ UDP明朝 Medium" panose="02020500000000000000" pitchFamily="18" charset="-128"/>
-                <a:ea typeface="BIZ UDP明朝 Medium" panose="02020500000000000000" pitchFamily="18" charset="-128"/>
-              </a:rPr>
-            </a:br>
-            <a:r>
-              <a:rPr lang="ja-JP" altLang="en-US" sz="2700" dirty="0">
-                <a:latin typeface="BIZ UDP明朝 Medium" panose="02020500000000000000" pitchFamily="18" charset="-128"/>
-                <a:ea typeface="BIZ UDP明朝 Medium" panose="02020500000000000000" pitchFamily="18" charset="-128"/>
-              </a:rPr>
-              <a:t>・投稿数ランキング</a:t>
-            </a:r>
-            <a:br>
-              <a:rPr lang="en-US" altLang="ja-JP" sz="2700" dirty="0">
-                <a:latin typeface="BIZ UDP明朝 Medium" panose="02020500000000000000" pitchFamily="18" charset="-128"/>
-                <a:ea typeface="BIZ UDP明朝 Medium" panose="02020500000000000000" pitchFamily="18" charset="-128"/>
-              </a:rPr>
-            </a:br>
-            <a:r>
-              <a:rPr lang="ja-JP" altLang="en-US" sz="2700" dirty="0">
-                <a:latin typeface="BIZ UDP明朝 Medium" panose="02020500000000000000" pitchFamily="18" charset="-128"/>
-                <a:ea typeface="BIZ UDP明朝 Medium" panose="02020500000000000000" pitchFamily="18" charset="-128"/>
-              </a:rPr>
-              <a:t>・検索結果</a:t>
-            </a:r>
-            <a:r>
-              <a:rPr lang="en-US" altLang="ja-JP" sz="2700" dirty="0">
-                <a:latin typeface="BIZ UDP明朝 Medium" panose="02020500000000000000" pitchFamily="18" charset="-128"/>
-                <a:ea typeface="BIZ UDP明朝 Medium" panose="02020500000000000000" pitchFamily="18" charset="-128"/>
-              </a:rPr>
+            <a:r>
+              <a:rPr kumimoji="1" lang="en-US" altLang="ja-JP" sz="3200" b="1" dirty="0"/>
+              <a:t>‐</a:t>
+            </a:r>
+            <a:endParaRPr kumimoji="1" lang="en-US" altLang="ja-JP" b="1" dirty="0"/>
+          </a:p>
+          <a:p>
+            <a:pPr marL="285750" indent="-285750">
+              <a:buFont typeface="Arial" panose="020B0604020202020204" pitchFamily="34" charset="0"/>
+              <a:buChar char="•"/>
+            </a:pPr>
+            <a:endParaRPr kumimoji="1" lang="en-US" altLang="ja-JP" sz="3200" dirty="0"/>
+          </a:p>
+          <a:p>
+            <a:pPr marL="285750" indent="-285750">
+              <a:buFont typeface="Arial" panose="020B0604020202020204" pitchFamily="34" charset="0"/>
+              <a:buChar char="•"/>
+            </a:pPr>
+            <a:r>
+              <a:rPr kumimoji="1" lang="ja-JP" altLang="en-US" sz="3200" dirty="0"/>
+              <a:t>投稿数ランキング</a:t>
+            </a:r>
+            <a:endParaRPr lang="en-US" altLang="ja-JP" sz="3200" dirty="0"/>
+          </a:p>
+          <a:p>
+            <a:pPr marL="285750" indent="-285750">
+              <a:buFont typeface="Arial" panose="020B0604020202020204" pitchFamily="34" charset="0"/>
+              <a:buChar char="•"/>
+            </a:pPr>
+            <a:r>
+              <a:rPr kumimoji="1" lang="ja-JP" altLang="en-US" sz="3200" dirty="0"/>
+              <a:t>検索結果</a:t>
+            </a:r>
+            <a:r>
+              <a:rPr kumimoji="1" lang="en-US" altLang="ja-JP" sz="3200" dirty="0"/>
               <a:t>/</a:t>
             </a:r>
             <a:r>
-              <a:rPr lang="ja-JP" altLang="en-US" sz="2700" dirty="0">
-                <a:latin typeface="BIZ UDP明朝 Medium" panose="02020500000000000000" pitchFamily="18" charset="-128"/>
-                <a:ea typeface="BIZ UDP明朝 Medium" panose="02020500000000000000" pitchFamily="18" charset="-128"/>
-              </a:rPr>
+              <a:rPr kumimoji="1" lang="ja-JP" altLang="en-US" sz="3200" dirty="0"/>
               <a:t>ルーレット</a:t>
             </a:r>
-            <a:br>
-              <a:rPr lang="en-US" altLang="ja-JP" sz="2700" dirty="0">
-                <a:latin typeface="BIZ UDP明朝 Medium" panose="02020500000000000000" pitchFamily="18" charset="-128"/>
-                <a:ea typeface="BIZ UDP明朝 Medium" panose="02020500000000000000" pitchFamily="18" charset="-128"/>
-              </a:rPr>
-            </a:br>
-            <a:r>
-              <a:rPr lang="ja-JP" altLang="en-US" sz="2700" dirty="0">
-                <a:latin typeface="BIZ UDP明朝 Medium" panose="02020500000000000000" pitchFamily="18" charset="-128"/>
-                <a:ea typeface="BIZ UDP明朝 Medium" panose="02020500000000000000" pitchFamily="18" charset="-128"/>
-              </a:rPr>
-              <a:t>・投稿ページ</a:t>
+            <a:endParaRPr lang="en-US" altLang="ja-JP" sz="3200" dirty="0"/>
+          </a:p>
+          <a:p>
+            <a:pPr marL="285750" indent="-285750">
+              <a:buFont typeface="Arial" panose="020B0604020202020204" pitchFamily="34" charset="0"/>
+              <a:buChar char="•"/>
+            </a:pPr>
+            <a:r>
+              <a:rPr kumimoji="1" lang="ja-JP" altLang="en-US" sz="3200" dirty="0"/>
+              <a:t>投稿ページ</a:t>
             </a:r>
           </a:p>
         </p:txBody>
@@ -11338,31 +11448,41 @@
           </a:prstGeom>
         </p:spPr>
       </p:pic>
-      <p:sp>
-        <p:nvSpPr>
-          <p:cNvPr id="4" name="コンテンツ プレースホルダー 3">
-            <a:extLst>
-              <a:ext uri="{FF2B5EF4-FFF2-40B4-BE49-F238E27FC236}">
-                <a16:creationId xmlns:a16="http://schemas.microsoft.com/office/drawing/2014/main" id="{3317009D-04F5-FDC6-8514-2222B7D6AB4A}"/>
-              </a:ext>
-            </a:extLst>
-          </p:cNvPr>
-          <p:cNvSpPr>
-            <a:spLocks noGrp="1"/>
-          </p:cNvSpPr>
+      <p:pic>
+        <p:nvPicPr>
+          <p:cNvPr id="5" name="コンテンツ プレースホルダー 4" descr="テキスト&#10;&#10;中程度の精度で自動的に生成された説明">
+            <a:extLst>
+              <a:ext uri="{FF2B5EF4-FFF2-40B4-BE49-F238E27FC236}">
+                <a16:creationId xmlns:a16="http://schemas.microsoft.com/office/drawing/2014/main" id="{9A1B9BEC-7016-C50B-1799-C0EB3F66B41D}"/>
+              </a:ext>
+            </a:extLst>
+          </p:cNvPr>
+          <p:cNvPicPr>
+            <a:picLocks noGrp="1" noChangeAspect="1"/>
+          </p:cNvPicPr>
           <p:nvPr>
             <p:ph idx="1"/>
           </p:nvPr>
-        </p:nvSpPr>
-        <p:spPr/>
-        <p:txBody>
-          <a:bodyPr/>
-          <a:lstStyle/>
-          <a:p>
-            <a:endParaRPr lang="ja-JP" altLang="en-US"/>
-          </a:p>
-        </p:txBody>
-      </p:sp>
+        </p:nvPicPr>
+        <p:blipFill>
+          <a:blip r:embed="rId4">
+            <a:extLst>
+              <a:ext uri="{28A0092B-C50C-407E-A947-70E740481C1C}">
+                <a14:useLocalDpi xmlns:a14="http://schemas.microsoft.com/office/drawing/2010/main" val="0"/>
+              </a:ext>
+            </a:extLst>
+          </a:blip>
+          <a:stretch>
+            <a:fillRect/>
+          </a:stretch>
+        </p:blipFill>
+        <p:spPr>
+          <a:xfrm>
+            <a:off x="1551712" y="1754326"/>
+            <a:ext cx="9088575" cy="4351338"/>
+          </a:xfrm>
+        </p:spPr>
+      </p:pic>
     </p:spTree>
     <p:extLst>
       <p:ext uri="{BB962C8B-B14F-4D97-AF65-F5344CB8AC3E}">
@@ -11523,31 +11643,41 @@
           </a:prstGeom>
         </p:spPr>
       </p:pic>
-      <p:sp>
-        <p:nvSpPr>
-          <p:cNvPr id="5" name="コンテンツ プレースホルダー 4">
-            <a:extLst>
-              <a:ext uri="{FF2B5EF4-FFF2-40B4-BE49-F238E27FC236}">
-                <a16:creationId xmlns:a16="http://schemas.microsoft.com/office/drawing/2014/main" id="{615F1A47-612E-01C6-F12F-B79FD79AD9DE}"/>
-              </a:ext>
-            </a:extLst>
-          </p:cNvPr>
-          <p:cNvSpPr>
-            <a:spLocks noGrp="1"/>
-          </p:cNvSpPr>
+      <p:pic>
+        <p:nvPicPr>
+          <p:cNvPr id="4" name="コンテンツ プレースホルダー 3" descr="グラフィカル ユーザー インターフェイス, テキスト, アプリケーション&#10;&#10;自動的に生成された説明">
+            <a:extLst>
+              <a:ext uri="{FF2B5EF4-FFF2-40B4-BE49-F238E27FC236}">
+                <a16:creationId xmlns:a16="http://schemas.microsoft.com/office/drawing/2014/main" id="{AF0CDD4C-6E65-F23E-2081-A23548BDB955}"/>
+              </a:ext>
+            </a:extLst>
+          </p:cNvPr>
+          <p:cNvPicPr>
+            <a:picLocks noGrp="1" noChangeAspect="1"/>
+          </p:cNvPicPr>
           <p:nvPr>
             <p:ph idx="1"/>
           </p:nvPr>
-        </p:nvSpPr>
-        <p:spPr/>
-        <p:txBody>
-          <a:bodyPr/>
-          <a:lstStyle/>
-          <a:p>
-            <a:endParaRPr lang="ja-JP" altLang="en-US"/>
-          </a:p>
-        </p:txBody>
-      </p:sp>
+        </p:nvPicPr>
+        <p:blipFill>
+          <a:blip r:embed="rId4">
+            <a:extLst>
+              <a:ext uri="{28A0092B-C50C-407E-A947-70E740481C1C}">
+                <a14:useLocalDpi xmlns:a14="http://schemas.microsoft.com/office/drawing/2010/main" val="0"/>
+              </a:ext>
+            </a:extLst>
+          </a:blip>
+          <a:stretch>
+            <a:fillRect/>
+          </a:stretch>
+        </p:blipFill>
+        <p:spPr>
+          <a:xfrm>
+            <a:off x="2226255" y="1754326"/>
+            <a:ext cx="7739489" cy="4351338"/>
+          </a:xfrm>
+        </p:spPr>
+      </p:pic>
     </p:spTree>
     <p:extLst>
       <p:ext uri="{BB962C8B-B14F-4D97-AF65-F5344CB8AC3E}">
@@ -11721,31 +11851,41 @@
           </a:prstGeom>
         </p:spPr>
       </p:pic>
-      <p:sp>
-        <p:nvSpPr>
-          <p:cNvPr id="5" name="コンテンツ プレースホルダー 4">
-            <a:extLst>
-              <a:ext uri="{FF2B5EF4-FFF2-40B4-BE49-F238E27FC236}">
-                <a16:creationId xmlns:a16="http://schemas.microsoft.com/office/drawing/2014/main" id="{79493A91-E7D0-04D2-3DF6-F59CBD820F2B}"/>
-              </a:ext>
-            </a:extLst>
-          </p:cNvPr>
-          <p:cNvSpPr>
-            <a:spLocks noGrp="1"/>
-          </p:cNvSpPr>
+      <p:pic>
+        <p:nvPicPr>
+          <p:cNvPr id="4" name="コンテンツ プレースホルダー 3" descr="グラフィカル ユーザー インターフェイス&#10;&#10;自動的に生成された説明">
+            <a:extLst>
+              <a:ext uri="{FF2B5EF4-FFF2-40B4-BE49-F238E27FC236}">
+                <a16:creationId xmlns:a16="http://schemas.microsoft.com/office/drawing/2014/main" id="{84931674-50E5-3EFC-2B88-270CC61A5996}"/>
+              </a:ext>
+            </a:extLst>
+          </p:cNvPr>
+          <p:cNvPicPr>
+            <a:picLocks noGrp="1" noChangeAspect="1"/>
+          </p:cNvPicPr>
           <p:nvPr>
             <p:ph idx="1"/>
           </p:nvPr>
-        </p:nvSpPr>
-        <p:spPr/>
-        <p:txBody>
-          <a:bodyPr/>
-          <a:lstStyle/>
-          <a:p>
-            <a:endParaRPr lang="ja-JP" altLang="en-US"/>
-          </a:p>
-        </p:txBody>
-      </p:sp>
+        </p:nvPicPr>
+        <p:blipFill>
+          <a:blip r:embed="rId4">
+            <a:extLst>
+              <a:ext uri="{28A0092B-C50C-407E-A947-70E740481C1C}">
+                <a14:useLocalDpi xmlns:a14="http://schemas.microsoft.com/office/drawing/2010/main" val="0"/>
+              </a:ext>
+            </a:extLst>
+          </a:blip>
+          <a:stretch>
+            <a:fillRect/>
+          </a:stretch>
+        </p:blipFill>
+        <p:spPr>
+          <a:xfrm>
+            <a:off x="2226255" y="1754326"/>
+            <a:ext cx="7739489" cy="4351338"/>
+          </a:xfrm>
+        </p:spPr>
+      </p:pic>
     </p:spTree>
     <p:extLst>
       <p:ext uri="{BB962C8B-B14F-4D97-AF65-F5344CB8AC3E}">
@@ -11778,10 +11918,10 @@
       </p:grpSpPr>
       <p:sp>
         <p:nvSpPr>
-          <p:cNvPr id="5" name="正方形/長方形 4">
-            <a:extLst>
-              <a:ext uri="{FF2B5EF4-FFF2-40B4-BE49-F238E27FC236}">
-                <a16:creationId xmlns:a16="http://schemas.microsoft.com/office/drawing/2014/main" id="{96A5B499-DEBF-310B-53C2-933BD9FB2353}"/>
+          <p:cNvPr id="6" name="正方形/長方形 5">
+            <a:extLst>
+              <a:ext uri="{FF2B5EF4-FFF2-40B4-BE49-F238E27FC236}">
+                <a16:creationId xmlns:a16="http://schemas.microsoft.com/office/drawing/2014/main" id="{B8FF7F32-EC55-2B69-D119-785CC1D16574}"/>
               </a:ext>
             </a:extLst>
           </p:cNvPr>
@@ -11858,17 +11998,37 @@
                 <a:latin typeface="HGS行書体" panose="03000600000000000000" pitchFamily="66" charset="-128"/>
                 <a:ea typeface="HGS行書体" panose="03000600000000000000" pitchFamily="66" charset="-128"/>
               </a:rPr>
-              <a:t>投稿数ランキング</a:t>
+              <a:t>フォローリスト</a:t>
+            </a:r>
+            <a:r>
+              <a:rPr kumimoji="1" lang="en-US" altLang="ja-JP" b="1" dirty="0">
+                <a:solidFill>
+                  <a:srgbClr val="056334"/>
+                </a:solidFill>
+                <a:latin typeface="HGS行書体" panose="03000600000000000000" pitchFamily="66" charset="-128"/>
+                <a:ea typeface="HGS行書体" panose="03000600000000000000" pitchFamily="66" charset="-128"/>
+              </a:rPr>
+              <a:t>/</a:t>
+            </a:r>
+            <a:r>
+              <a:rPr kumimoji="1" lang="ja-JP" altLang="en-US" b="1" dirty="0">
+                <a:solidFill>
+                  <a:srgbClr val="056334"/>
+                </a:solidFill>
+                <a:latin typeface="HGS行書体" panose="03000600000000000000" pitchFamily="66" charset="-128"/>
+                <a:ea typeface="HGS行書体" panose="03000600000000000000" pitchFamily="66" charset="-128"/>
+              </a:rPr>
+              <a:t>ユーザーページ</a:t>
             </a:r>
           </a:p>
         </p:txBody>
       </p:sp>
       <p:pic>
         <p:nvPicPr>
-          <p:cNvPr id="6" name="図 5" descr="ロゴ&#10;&#10;自動的に生成された説明">
-            <a:extLst>
-              <a:ext uri="{FF2B5EF4-FFF2-40B4-BE49-F238E27FC236}">
-                <a16:creationId xmlns:a16="http://schemas.microsoft.com/office/drawing/2014/main" id="{732F8A9F-BB72-C13A-DD69-19780233B332}"/>
+          <p:cNvPr id="7" name="図 6" descr="ロゴ&#10;&#10;自動的に生成された説明">
+            <a:extLst>
+              <a:ext uri="{FF2B5EF4-FFF2-40B4-BE49-F238E27FC236}">
+                <a16:creationId xmlns:a16="http://schemas.microsoft.com/office/drawing/2014/main" id="{5899AC02-225B-A422-7385-7A2BE5AFEB7D}"/>
               </a:ext>
             </a:extLst>
           </p:cNvPr>
@@ -11899,35 +12059,45 @@
           </a:prstGeom>
         </p:spPr>
       </p:pic>
-      <p:sp>
-        <p:nvSpPr>
-          <p:cNvPr id="4" name="コンテンツ プレースホルダー 3">
-            <a:extLst>
-              <a:ext uri="{FF2B5EF4-FFF2-40B4-BE49-F238E27FC236}">
-                <a16:creationId xmlns:a16="http://schemas.microsoft.com/office/drawing/2014/main" id="{DC74DA4E-F50E-A764-8BF2-A3C73D05F0DF}"/>
-              </a:ext>
-            </a:extLst>
-          </p:cNvPr>
-          <p:cNvSpPr>
-            <a:spLocks noGrp="1"/>
-          </p:cNvSpPr>
+      <p:pic>
+        <p:nvPicPr>
+          <p:cNvPr id="9" name="コンテンツ プレースホルダー 8" descr="テキスト&#10;&#10;自動的に生成された説明">
+            <a:extLst>
+              <a:ext uri="{FF2B5EF4-FFF2-40B4-BE49-F238E27FC236}">
+                <a16:creationId xmlns:a16="http://schemas.microsoft.com/office/drawing/2014/main" id="{7A744201-6B8F-D79A-38E2-5A8A0005F8E5}"/>
+              </a:ext>
+            </a:extLst>
+          </p:cNvPr>
+          <p:cNvPicPr>
+            <a:picLocks noGrp="1" noChangeAspect="1"/>
+          </p:cNvPicPr>
           <p:nvPr>
             <p:ph idx="1"/>
           </p:nvPr>
-        </p:nvSpPr>
-        <p:spPr/>
-        <p:txBody>
-          <a:bodyPr/>
-          <a:lstStyle/>
-          <a:p>
-            <a:endParaRPr lang="ja-JP" altLang="en-US"/>
-          </a:p>
-        </p:txBody>
-      </p:sp>
+        </p:nvPicPr>
+        <p:blipFill>
+          <a:blip r:embed="rId4">
+            <a:extLst>
+              <a:ext uri="{28A0092B-C50C-407E-A947-70E740481C1C}">
+                <a14:useLocalDpi xmlns:a14="http://schemas.microsoft.com/office/drawing/2010/main" val="0"/>
+              </a:ext>
+            </a:extLst>
+          </a:blip>
+          <a:stretch>
+            <a:fillRect/>
+          </a:stretch>
+        </p:blipFill>
+        <p:spPr>
+          <a:xfrm>
+            <a:off x="2226255" y="1754326"/>
+            <a:ext cx="7739489" cy="4351338"/>
+          </a:xfrm>
+        </p:spPr>
+      </p:pic>
     </p:spTree>
     <p:extLst>
       <p:ext uri="{BB962C8B-B14F-4D97-AF65-F5344CB8AC3E}">
-        <p14:creationId xmlns:p14="http://schemas.microsoft.com/office/powerpoint/2010/main" val="717383438"/>
+        <p14:creationId xmlns:p14="http://schemas.microsoft.com/office/powerpoint/2010/main" val="1556771916"/>
       </p:ext>
     </p:extLst>
   </p:cSld>
